--- a/HOGPres1.pptx
+++ b/HOGPres1.pptx
@@ -5,7 +5,7 @@
     <p:sldMasterId id="2147483648" r:id="rId1"/>
   </p:sldMasterIdLst>
   <p:notesMasterIdLst>
-    <p:notesMasterId r:id="rId25"/>
+    <p:notesMasterId r:id="rId29"/>
   </p:notesMasterIdLst>
   <p:sldIdLst>
     <p:sldId id="256" r:id="rId2"/>
@@ -17,7 +17,7 @@
     <p:sldId id="262" r:id="rId8"/>
     <p:sldId id="273" r:id="rId9"/>
     <p:sldId id="277" r:id="rId10"/>
-    <p:sldId id="278" r:id="rId11"/>
+    <p:sldId id="284" r:id="rId11"/>
     <p:sldId id="276" r:id="rId12"/>
     <p:sldId id="263" r:id="rId13"/>
     <p:sldId id="264" r:id="rId14"/>
@@ -27,10 +27,14 @@
     <p:sldId id="268" r:id="rId18"/>
     <p:sldId id="269" r:id="rId19"/>
     <p:sldId id="270" r:id="rId20"/>
-    <p:sldId id="271" r:id="rId21"/>
-    <p:sldId id="275" r:id="rId22"/>
-    <p:sldId id="272" r:id="rId23"/>
-    <p:sldId id="274" r:id="rId24"/>
+    <p:sldId id="283" r:id="rId21"/>
+    <p:sldId id="285" r:id="rId22"/>
+    <p:sldId id="286" r:id="rId23"/>
+    <p:sldId id="287" r:id="rId24"/>
+    <p:sldId id="271" r:id="rId25"/>
+    <p:sldId id="275" r:id="rId26"/>
+    <p:sldId id="272" r:id="rId27"/>
+    <p:sldId id="274" r:id="rId28"/>
   </p:sldIdLst>
   <p:sldSz cx="10080625" cy="7559675"/>
   <p:notesSz cx="7559675" cy="10691813"/>
@@ -206,7 +210,25 @@
 <c:chartSpace xmlns:c="http://schemas.openxmlformats.org/drawingml/2006/chart" xmlns:a="http://schemas.openxmlformats.org/drawingml/2006/main" xmlns:r="http://schemas.openxmlformats.org/officeDocument/2006/relationships">
   <c:lang val="en-GB"/>
   <c:chart>
-    <c:autoTitleDeleted val="1"/>
+    <c:title>
+      <c:tx>
+        <c:rich>
+          <a:bodyPr/>
+          <a:lstStyle/>
+          <a:p>
+            <a:pPr>
+              <a:defRPr/>
+            </a:pPr>
+            <a:r>
+              <a:rPr lang="en-US" dirty="0" smtClean="0"/>
+              <a:t>Cell Histogram</a:t>
+            </a:r>
+            <a:endParaRPr lang="en-US" dirty="0"/>
+          </a:p>
+        </c:rich>
+      </c:tx>
+      <c:layout/>
+    </c:title>
     <c:plotArea>
       <c:layout/>
       <c:barChart>
@@ -274,7 +296,7 @@
                   <c:v>1</c:v>
                 </c:pt>
                 <c:pt idx="2">
-                  <c:v>2</c:v>
+                  <c:v>6</c:v>
                 </c:pt>
                 <c:pt idx="3">
                   <c:v>1</c:v>
@@ -283,7 +305,7 @@
                   <c:v>1</c:v>
                 </c:pt>
                 <c:pt idx="5">
-                  <c:v>2</c:v>
+                  <c:v>1</c:v>
                 </c:pt>
                 <c:pt idx="6">
                   <c:v>12</c:v>
@@ -292,7 +314,7 @@
                   <c:v>1</c:v>
                 </c:pt>
                 <c:pt idx="8">
-                  <c:v>5</c:v>
+                  <c:v>1</c:v>
                 </c:pt>
               </c:numCache>
             </c:numRef>
@@ -6570,66 +6592,19 @@
               </a:ext>
             </a:extLst>
           </a:blip>
-          <a:srcRect l="20991" t="9624" r="17581" b="9465"/>
+          <a:srcRect l="28917" t="18826" r="17581" b="9465"/>
           <a:stretch/>
         </p:blipFill>
         <p:spPr>
           <a:xfrm>
-            <a:off x="716856" y="2843733"/>
-            <a:ext cx="4464496" cy="4432145"/>
+            <a:off x="575816" y="2555701"/>
+            <a:ext cx="3888432" cy="3928089"/>
           </a:xfrm>
           <a:prstGeom prst="rect">
             <a:avLst/>
           </a:prstGeom>
         </p:spPr>
       </p:pic>
-      <p:sp>
-        <p:nvSpPr>
-          <p:cNvPr id="7169" name="Rectangle 1"/>
-          <p:cNvSpPr>
-            <a:spLocks noGrp="1" noChangeArrowheads="1"/>
-          </p:cNvSpPr>
-          <p:nvPr>
-            <p:ph type="title"/>
-          </p:nvPr>
-        </p:nvSpPr>
-        <p:spPr>
-          <a:xfrm>
-            <a:off x="503238" y="301625"/>
-            <a:ext cx="9070975" cy="1262063"/>
-          </a:xfrm>
-          <a:ln/>
-        </p:spPr>
-        <p:txBody>
-          <a:bodyPr tIns="38808"/>
-          <a:lstStyle/>
-          <a:p>
-            <a:pPr>
-              <a:tabLst>
-                <a:tab pos="723900" algn="l"/>
-                <a:tab pos="1447800" algn="l"/>
-                <a:tab pos="2171700" algn="l"/>
-                <a:tab pos="2895600" algn="l"/>
-                <a:tab pos="3619500" algn="l"/>
-                <a:tab pos="4343400" algn="l"/>
-                <a:tab pos="5067300" algn="l"/>
-                <a:tab pos="5791200" algn="l"/>
-                <a:tab pos="6515100" algn="l"/>
-                <a:tab pos="7239000" algn="l"/>
-                <a:tab pos="7962900" algn="l"/>
-                <a:tab pos="8686800" algn="l"/>
-              </a:tabLst>
-            </a:pPr>
-            <a:r>
-              <a:rPr lang="en-GB" dirty="0" smtClean="0"/>
-              <a:t>The HOG Process</a:t>
-            </a:r>
-            <a:endParaRPr lang="en-GB" dirty="0">
-              <a:latin typeface="Ubuntu" charset="0"/>
-            </a:endParaRPr>
-          </a:p>
-        </p:txBody>
-      </p:sp>
       <p:sp>
         <p:nvSpPr>
           <p:cNvPr id="7171" name="Rectangle 3"/>
@@ -8136,7 +8111,7 @@
       </p:sp>
       <p:pic>
         <p:nvPicPr>
-          <p:cNvPr id="56" name="Picture 55"/>
+          <p:cNvPr id="83" name="Picture 82"/>
           <p:cNvPicPr>
             <a:picLocks noChangeAspect="1"/>
           </p:cNvPicPr>
@@ -8150,13 +8125,13 @@
               </a:ext>
             </a:extLst>
           </a:blip>
-          <a:srcRect l="29909" t="24161" r="59193" b="61378"/>
+          <a:srcRect l="39966" t="37077" r="49118" b="48463"/>
           <a:stretch/>
         </p:blipFill>
         <p:spPr>
           <a:xfrm>
-            <a:off x="2805088" y="2627709"/>
-            <a:ext cx="4680520" cy="4680520"/>
+            <a:off x="2808064" y="2627709"/>
+            <a:ext cx="4680520" cy="4673319"/>
           </a:xfrm>
           <a:prstGeom prst="rect">
             <a:avLst/>
@@ -8172,8 +8147,8 @@
           <p:nvPr/>
         </p:nvGraphicFramePr>
         <p:xfrm>
-          <a:off x="2805091" y="2627708"/>
-          <a:ext cx="4680516" cy="4636310"/>
+          <a:off x="2805091" y="2627711"/>
+          <a:ext cx="4680516" cy="4636303"/>
         </p:xfrm>
         <a:graphic>
           <a:graphicData uri="http://schemas.openxmlformats.org/drawingml/2006/table">
@@ -8189,7 +8164,27 @@
                 <a:gridCol w="780086"/>
                 <a:gridCol w="780086"/>
               </a:tblGrid>
-              <a:tr h="662330">
+              <a:tr h="662329">
+                <a:tc>
+                  <a:txBody>
+                    <a:bodyPr/>
+                    <a:lstStyle/>
+                    <a:p>
+                      <a:endParaRPr lang="en-GB" sz="2500" dirty="0"/>
+                    </a:p>
+                  </a:txBody>
+                  <a:tcPr marL="126460" marR="126460" marT="63230" marB="63230"/>
+                </a:tc>
+                <a:tc>
+                  <a:txBody>
+                    <a:bodyPr/>
+                    <a:lstStyle/>
+                    <a:p>
+                      <a:endParaRPr lang="en-GB" sz="2500" dirty="0"/>
+                    </a:p>
+                  </a:txBody>
+                  <a:tcPr marL="126460" marR="126460" marT="63230" marB="63230"/>
+                </a:tc>
                 <a:tc>
                   <a:txBody>
                     <a:bodyPr/>
@@ -8225,39 +8220,19 @@
                     <a:bodyPr/>
                     <a:lstStyle/>
                     <a:p>
-                      <a:endParaRPr lang="en-GB" sz="2500" dirty="0"/>
-                    </a:p>
-                  </a:txBody>
-                  <a:tcPr marL="126460" marR="126460" marT="63230" marB="63230"/>
-                </a:tc>
-                <a:tc>
-                  <a:txBody>
-                    <a:bodyPr/>
-                    <a:lstStyle/>
-                    <a:p>
-                      <a:endParaRPr lang="en-GB" sz="2500"/>
-                    </a:p>
-                  </a:txBody>
-                  <a:tcPr marL="126460" marR="126460" marT="63230" marB="63230"/>
-                </a:tc>
-                <a:tc>
-                  <a:txBody>
-                    <a:bodyPr/>
-                    <a:lstStyle/>
-                    <a:p>
                       <a:endParaRPr lang="en-GB" sz="2500"/>
                     </a:p>
                   </a:txBody>
                   <a:tcPr marL="126460" marR="126460" marT="63230" marB="63230"/>
                 </a:tc>
               </a:tr>
-              <a:tr h="662330">
+              <a:tr h="662329">
                 <a:tc>
                   <a:txBody>
                     <a:bodyPr/>
                     <a:lstStyle/>
                     <a:p>
-                      <a:endParaRPr lang="en-GB" sz="2500"/>
+                      <a:endParaRPr lang="en-GB" sz="2500" dirty="0"/>
                     </a:p>
                   </a:txBody>
                   <a:tcPr marL="126460" marR="126460" marT="63230" marB="63230"/>
@@ -8313,13 +8288,13 @@
                   <a:tcPr marL="126460" marR="126460" marT="63230" marB="63230"/>
                 </a:tc>
               </a:tr>
-              <a:tr h="662330">
+              <a:tr h="662329">
                 <a:tc>
                   <a:txBody>
                     <a:bodyPr/>
                     <a:lstStyle/>
                     <a:p>
-                      <a:endParaRPr lang="en-GB" sz="2500"/>
+                      <a:endParaRPr lang="en-GB" sz="2500" dirty="0"/>
                     </a:p>
                   </a:txBody>
                   <a:tcPr marL="126460" marR="126460" marT="63230" marB="63230"/>
@@ -8385,7 +8360,7 @@
                   <a:tcPr marL="126460" marR="126460" marT="63230" marB="63230"/>
                 </a:tc>
               </a:tr>
-              <a:tr h="662330">
+              <a:tr h="662329">
                 <a:tc>
                   <a:txBody>
                     <a:bodyPr/>
@@ -8461,14 +8436,6 @@
                       <a:headEnd type="none" w="med" len="med"/>
                       <a:tailEnd type="none" w="med" len="med"/>
                     </a:lnB>
-                    <a:lnTlToBr w="12700" cmpd="sng">
-                      <a:noFill/>
-                      <a:prstDash val="solid"/>
-                    </a:lnTlToBr>
-                    <a:lnBlToTr w="12700" cmpd="sng">
-                      <a:noFill/>
-                      <a:prstDash val="solid"/>
-                    </a:lnBlToTr>
                   </a:tcPr>
                 </a:tc>
                 <a:tc>
@@ -8499,7 +8466,17 @@
                       <a:endParaRPr lang="en-GB" sz="2500" dirty="0"/>
                     </a:p>
                   </a:txBody>
-                  <a:tcPr marL="126460" marR="126460" marT="63230" marB="63230"/>
+                  <a:tcPr marL="126460" marR="126460" marT="63230" marB="63230">
+                    <a:lnB w="38100" cap="flat" cmpd="sng" algn="ctr">
+                      <a:solidFill>
+                        <a:schemeClr val="accent2"/>
+                      </a:solidFill>
+                      <a:prstDash val="solid"/>
+                      <a:round/>
+                      <a:headEnd type="none" w="med" len="med"/>
+                      <a:tailEnd type="none" w="med" len="med"/>
+                    </a:lnB>
+                  </a:tcPr>
                 </a:tc>
                 <a:tc>
                   <a:txBody>
@@ -8512,7 +8489,7 @@
                   <a:tcPr marL="126460" marR="126460" marT="63230" marB="63230"/>
                 </a:tc>
               </a:tr>
-              <a:tr h="662330">
+              <a:tr h="662329">
                 <a:tc>
                   <a:txBody>
                     <a:bodyPr/>
@@ -8561,7 +8538,64 @@
                       <a:endParaRPr lang="en-GB" sz="2500"/>
                     </a:p>
                   </a:txBody>
-                  <a:tcPr marL="126460" marR="126460" marT="63230" marB="63230"/>
+                  <a:tcPr marL="126460" marR="126460" marT="63230" marB="63230">
+                    <a:lnR w="38100" cap="flat" cmpd="sng" algn="ctr">
+                      <a:solidFill>
+                        <a:schemeClr val="accent2"/>
+                      </a:solidFill>
+                      <a:prstDash val="solid"/>
+                      <a:round/>
+                      <a:headEnd type="none" w="med" len="med"/>
+                      <a:tailEnd type="none" w="med" len="med"/>
+                    </a:lnR>
+                  </a:tcPr>
+                </a:tc>
+                <a:tc>
+                  <a:txBody>
+                    <a:bodyPr/>
+                    <a:lstStyle/>
+                    <a:p>
+                      <a:endParaRPr lang="en-GB" sz="2500" dirty="0"/>
+                    </a:p>
+                  </a:txBody>
+                  <a:tcPr marL="126460" marR="126460" marT="63230" marB="63230">
+                    <a:lnL w="38100" cap="flat" cmpd="sng" algn="ctr">
+                      <a:solidFill>
+                        <a:schemeClr val="accent2"/>
+                      </a:solidFill>
+                      <a:prstDash val="solid"/>
+                      <a:round/>
+                      <a:headEnd type="none" w="med" len="med"/>
+                      <a:tailEnd type="none" w="med" len="med"/>
+                    </a:lnL>
+                    <a:lnR w="38100" cap="flat" cmpd="sng" algn="ctr">
+                      <a:solidFill>
+                        <a:schemeClr val="accent2"/>
+                      </a:solidFill>
+                      <a:prstDash val="solid"/>
+                      <a:round/>
+                      <a:headEnd type="none" w="med" len="med"/>
+                      <a:tailEnd type="none" w="med" len="med"/>
+                    </a:lnR>
+                    <a:lnT w="38100" cap="flat" cmpd="sng" algn="ctr">
+                      <a:solidFill>
+                        <a:schemeClr val="accent2"/>
+                      </a:solidFill>
+                      <a:prstDash val="solid"/>
+                      <a:round/>
+                      <a:headEnd type="none" w="med" len="med"/>
+                      <a:tailEnd type="none" w="med" len="med"/>
+                    </a:lnT>
+                    <a:lnB w="38100" cap="flat" cmpd="sng" algn="ctr">
+                      <a:solidFill>
+                        <a:schemeClr val="accent2"/>
+                      </a:solidFill>
+                      <a:prstDash val="solid"/>
+                      <a:round/>
+                      <a:headEnd type="none" w="med" len="med"/>
+                      <a:tailEnd type="none" w="med" len="med"/>
+                    </a:lnB>
+                  </a:tcPr>
                 </a:tc>
                 <a:tc>
                   <a:txBody>
@@ -8571,20 +8605,20 @@
                       <a:endParaRPr lang="en-GB" sz="2500"/>
                     </a:p>
                   </a:txBody>
-                  <a:tcPr marL="126460" marR="126460" marT="63230" marB="63230"/>
-                </a:tc>
-                <a:tc>
-                  <a:txBody>
-                    <a:bodyPr/>
-                    <a:lstStyle/>
-                    <a:p>
-                      <a:endParaRPr lang="en-GB" sz="2500"/>
-                    </a:p>
-                  </a:txBody>
-                  <a:tcPr marL="126460" marR="126460" marT="63230" marB="63230"/>
+                  <a:tcPr marL="126460" marR="126460" marT="63230" marB="63230">
+                    <a:lnL w="38100" cap="flat" cmpd="sng" algn="ctr">
+                      <a:solidFill>
+                        <a:schemeClr val="accent2"/>
+                      </a:solidFill>
+                      <a:prstDash val="solid"/>
+                      <a:round/>
+                      <a:headEnd type="none" w="med" len="med"/>
+                      <a:tailEnd type="none" w="med" len="med"/>
+                    </a:lnL>
+                  </a:tcPr>
                 </a:tc>
               </a:tr>
-              <a:tr h="662330">
+              <a:tr h="662329">
                 <a:tc>
                   <a:txBody>
                     <a:bodyPr/>
@@ -8633,7 +8667,17 @@
                       <a:endParaRPr lang="en-GB" sz="2500" dirty="0"/>
                     </a:p>
                   </a:txBody>
-                  <a:tcPr marL="126460" marR="126460" marT="63230" marB="63230"/>
+                  <a:tcPr marL="126460" marR="126460" marT="63230" marB="63230">
+                    <a:lnT w="38100" cap="flat" cmpd="sng" algn="ctr">
+                      <a:solidFill>
+                        <a:schemeClr val="accent2"/>
+                      </a:solidFill>
+                      <a:prstDash val="solid"/>
+                      <a:round/>
+                      <a:headEnd type="none" w="med" len="med"/>
+                      <a:tailEnd type="none" w="med" len="med"/>
+                    </a:lnT>
+                  </a:tcPr>
                 </a:tc>
                 <a:tc>
                   <a:txBody>
@@ -8646,7 +8690,7 @@
                   <a:tcPr marL="126460" marR="126460" marT="63230" marB="63230"/>
                 </a:tc>
               </a:tr>
-              <a:tr h="662330">
+              <a:tr h="662329">
                 <a:tc>
                   <a:txBody>
                     <a:bodyPr/>
@@ -8712,6 +8756,773 @@
           </a:graphicData>
         </a:graphic>
       </p:graphicFrame>
+      <p:sp>
+        <p:nvSpPr>
+          <p:cNvPr id="80" name="Rectangle 1"/>
+          <p:cNvSpPr>
+            <a:spLocks noGrp="1" noChangeArrowheads="1"/>
+          </p:cNvSpPr>
+          <p:nvPr>
+            <p:ph type="title"/>
+          </p:nvPr>
+        </p:nvSpPr>
+        <p:spPr>
+          <a:xfrm>
+            <a:off x="503238" y="301625"/>
+            <a:ext cx="9070975" cy="1262063"/>
+          </a:xfrm>
+          <a:ln/>
+        </p:spPr>
+        <p:txBody>
+          <a:bodyPr tIns="38808"/>
+          <a:lstStyle/>
+          <a:p>
+            <a:pPr>
+              <a:tabLst>
+                <a:tab pos="723900" algn="l"/>
+                <a:tab pos="1447800" algn="l"/>
+                <a:tab pos="2171700" algn="l"/>
+                <a:tab pos="2895600" algn="l"/>
+                <a:tab pos="3619500" algn="l"/>
+                <a:tab pos="4343400" algn="l"/>
+                <a:tab pos="5067300" algn="l"/>
+                <a:tab pos="5791200" algn="l"/>
+                <a:tab pos="6515100" algn="l"/>
+                <a:tab pos="7239000" algn="l"/>
+                <a:tab pos="7962900" algn="l"/>
+                <a:tab pos="8686800" algn="l"/>
+              </a:tabLst>
+            </a:pPr>
+            <a:r>
+              <a:rPr lang="en-GB" dirty="0" smtClean="0"/>
+              <a:t>The HOG Process</a:t>
+            </a:r>
+            <a:endParaRPr lang="en-GB" dirty="0">
+              <a:latin typeface="Ubuntu" charset="0"/>
+            </a:endParaRPr>
+          </a:p>
+        </p:txBody>
+      </p:sp>
+      <p:cxnSp>
+        <p:nvCxnSpPr>
+          <p:cNvPr id="82" name="Straight Arrow Connector 81"/>
+          <p:cNvCxnSpPr/>
+          <p:nvPr/>
+        </p:nvCxnSpPr>
+        <p:spPr bwMode="auto">
+          <a:xfrm flipV="1">
+            <a:off x="3600152" y="5436021"/>
+            <a:ext cx="720080" cy="504056"/>
+          </a:xfrm>
+          <a:prstGeom prst="straightConnector1">
+            <a:avLst/>
+          </a:prstGeom>
+          <a:solidFill>
+            <a:srgbClr val="00B8FF"/>
+          </a:solidFill>
+          <a:ln w="38100" cap="flat" cmpd="sng" algn="ctr">
+            <a:solidFill>
+              <a:srgbClr val="FFC000"/>
+            </a:solidFill>
+            <a:prstDash val="solid"/>
+            <a:round/>
+            <a:headEnd type="none" w="med" len="med"/>
+            <a:tailEnd type="arrow"/>
+          </a:ln>
+          <a:effectLst/>
+          <a:extLst>
+            <a:ext uri="{AF507438-7753-43E0-B8FC-AC1667EBCBE1}">
+              <a14:hiddenEffects xmlns:a14="http://schemas.microsoft.com/office/drawing/2010/main" xmlns="">
+                <a:effectLst>
+                  <a:outerShdw dist="35921" dir="2700000" algn="ctr" rotWithShape="0">
+                    <a:schemeClr val="bg2"/>
+                  </a:outerShdw>
+                </a:effectLst>
+              </a14:hiddenEffects>
+            </a:ext>
+          </a:extLst>
+        </p:spPr>
+      </p:cxnSp>
+      <p:cxnSp>
+        <p:nvCxnSpPr>
+          <p:cNvPr id="86" name="Straight Arrow Connector 85"/>
+          <p:cNvCxnSpPr/>
+          <p:nvPr/>
+        </p:nvCxnSpPr>
+        <p:spPr bwMode="auto">
+          <a:xfrm flipV="1">
+            <a:off x="4464248" y="4787949"/>
+            <a:ext cx="720080" cy="504056"/>
+          </a:xfrm>
+          <a:prstGeom prst="straightConnector1">
+            <a:avLst/>
+          </a:prstGeom>
+          <a:solidFill>
+            <a:srgbClr val="00B8FF"/>
+          </a:solidFill>
+          <a:ln w="38100" cap="flat" cmpd="sng" algn="ctr">
+            <a:solidFill>
+              <a:srgbClr val="FFC000"/>
+            </a:solidFill>
+            <a:prstDash val="solid"/>
+            <a:round/>
+            <a:headEnd type="none" w="med" len="med"/>
+            <a:tailEnd type="arrow"/>
+          </a:ln>
+          <a:effectLst/>
+          <a:extLst>
+            <a:ext uri="{AF507438-7753-43E0-B8FC-AC1667EBCBE1}">
+              <a14:hiddenEffects xmlns:a14="http://schemas.microsoft.com/office/drawing/2010/main" xmlns="">
+                <a:effectLst>
+                  <a:outerShdw dist="35921" dir="2700000" algn="ctr" rotWithShape="0">
+                    <a:schemeClr val="bg2"/>
+                  </a:outerShdw>
+                </a:effectLst>
+              </a14:hiddenEffects>
+            </a:ext>
+          </a:extLst>
+        </p:spPr>
+      </p:cxnSp>
+      <p:cxnSp>
+        <p:nvCxnSpPr>
+          <p:cNvPr id="87" name="Straight Arrow Connector 86"/>
+          <p:cNvCxnSpPr/>
+          <p:nvPr/>
+        </p:nvCxnSpPr>
+        <p:spPr bwMode="auto">
+          <a:xfrm flipV="1">
+            <a:off x="6192440" y="2627709"/>
+            <a:ext cx="216024" cy="576064"/>
+          </a:xfrm>
+          <a:prstGeom prst="straightConnector1">
+            <a:avLst/>
+          </a:prstGeom>
+          <a:solidFill>
+            <a:srgbClr val="00B8FF"/>
+          </a:solidFill>
+          <a:ln w="38100" cap="flat" cmpd="sng" algn="ctr">
+            <a:solidFill>
+              <a:srgbClr val="FFC000"/>
+            </a:solidFill>
+            <a:prstDash val="solid"/>
+            <a:round/>
+            <a:headEnd type="none" w="med" len="med"/>
+            <a:tailEnd type="arrow"/>
+          </a:ln>
+          <a:effectLst/>
+          <a:extLst>
+            <a:ext uri="{AF507438-7753-43E0-B8FC-AC1667EBCBE1}">
+              <a14:hiddenEffects xmlns:a14="http://schemas.microsoft.com/office/drawing/2010/main" xmlns="">
+                <a:effectLst>
+                  <a:outerShdw dist="35921" dir="2700000" algn="ctr" rotWithShape="0">
+                    <a:schemeClr val="bg2"/>
+                  </a:outerShdw>
+                </a:effectLst>
+              </a14:hiddenEffects>
+            </a:ext>
+          </a:extLst>
+        </p:spPr>
+      </p:cxnSp>
+      <p:cxnSp>
+        <p:nvCxnSpPr>
+          <p:cNvPr id="90" name="Straight Arrow Connector 89"/>
+          <p:cNvCxnSpPr/>
+          <p:nvPr/>
+        </p:nvCxnSpPr>
+        <p:spPr bwMode="auto">
+          <a:xfrm flipV="1">
+            <a:off x="5976416" y="3275781"/>
+            <a:ext cx="216024" cy="576064"/>
+          </a:xfrm>
+          <a:prstGeom prst="straightConnector1">
+            <a:avLst/>
+          </a:prstGeom>
+          <a:solidFill>
+            <a:srgbClr val="00B8FF"/>
+          </a:solidFill>
+          <a:ln w="38100" cap="flat" cmpd="sng" algn="ctr">
+            <a:solidFill>
+              <a:srgbClr val="FFC000"/>
+            </a:solidFill>
+            <a:prstDash val="solid"/>
+            <a:round/>
+            <a:headEnd type="none" w="med" len="med"/>
+            <a:tailEnd type="arrow"/>
+          </a:ln>
+          <a:effectLst/>
+          <a:extLst>
+            <a:ext uri="{AF507438-7753-43E0-B8FC-AC1667EBCBE1}">
+              <a14:hiddenEffects xmlns:a14="http://schemas.microsoft.com/office/drawing/2010/main" xmlns="">
+                <a:effectLst>
+                  <a:outerShdw dist="35921" dir="2700000" algn="ctr" rotWithShape="0">
+                    <a:schemeClr val="bg2"/>
+                  </a:outerShdw>
+                </a:effectLst>
+              </a14:hiddenEffects>
+            </a:ext>
+          </a:extLst>
+        </p:spPr>
+      </p:cxnSp>
+      <p:cxnSp>
+        <p:nvCxnSpPr>
+          <p:cNvPr id="91" name="Straight Arrow Connector 90"/>
+          <p:cNvCxnSpPr/>
+          <p:nvPr/>
+        </p:nvCxnSpPr>
+        <p:spPr bwMode="auto">
+          <a:xfrm flipV="1">
+            <a:off x="5760392" y="3995861"/>
+            <a:ext cx="144016" cy="432048"/>
+          </a:xfrm>
+          <a:prstGeom prst="straightConnector1">
+            <a:avLst/>
+          </a:prstGeom>
+          <a:solidFill>
+            <a:srgbClr val="00B8FF"/>
+          </a:solidFill>
+          <a:ln w="38100" cap="flat" cmpd="sng" algn="ctr">
+            <a:solidFill>
+              <a:srgbClr val="FFC000"/>
+            </a:solidFill>
+            <a:prstDash val="solid"/>
+            <a:round/>
+            <a:headEnd type="none" w="med" len="med"/>
+            <a:tailEnd type="arrow"/>
+          </a:ln>
+          <a:effectLst/>
+          <a:extLst>
+            <a:ext uri="{AF507438-7753-43E0-B8FC-AC1667EBCBE1}">
+              <a14:hiddenEffects xmlns:a14="http://schemas.microsoft.com/office/drawing/2010/main" xmlns="">
+                <a:effectLst>
+                  <a:outerShdw dist="35921" dir="2700000" algn="ctr" rotWithShape="0">
+                    <a:schemeClr val="bg2"/>
+                  </a:outerShdw>
+                </a:effectLst>
+              </a14:hiddenEffects>
+            </a:ext>
+          </a:extLst>
+        </p:spPr>
+      </p:cxnSp>
+      <p:cxnSp>
+        <p:nvCxnSpPr>
+          <p:cNvPr id="94" name="Straight Arrow Connector 93"/>
+          <p:cNvCxnSpPr/>
+          <p:nvPr/>
+        </p:nvCxnSpPr>
+        <p:spPr bwMode="auto">
+          <a:xfrm flipV="1">
+            <a:off x="5544368" y="4427909"/>
+            <a:ext cx="288032" cy="144016"/>
+          </a:xfrm>
+          <a:prstGeom prst="straightConnector1">
+            <a:avLst/>
+          </a:prstGeom>
+          <a:solidFill>
+            <a:srgbClr val="00B8FF"/>
+          </a:solidFill>
+          <a:ln w="38100" cap="flat" cmpd="sng" algn="ctr">
+            <a:solidFill>
+              <a:srgbClr val="FFC000"/>
+            </a:solidFill>
+            <a:prstDash val="solid"/>
+            <a:round/>
+            <a:headEnd type="none" w="med" len="med"/>
+            <a:tailEnd type="arrow"/>
+          </a:ln>
+          <a:effectLst/>
+          <a:extLst>
+            <a:ext uri="{AF507438-7753-43E0-B8FC-AC1667EBCBE1}">
+              <a14:hiddenEffects xmlns:a14="http://schemas.microsoft.com/office/drawing/2010/main" xmlns="">
+                <a:effectLst>
+                  <a:outerShdw dist="35921" dir="2700000" algn="ctr" rotWithShape="0">
+                    <a:schemeClr val="bg2"/>
+                  </a:outerShdw>
+                </a:effectLst>
+              </a14:hiddenEffects>
+            </a:ext>
+          </a:extLst>
+        </p:spPr>
+      </p:cxnSp>
+      <p:cxnSp>
+        <p:nvCxnSpPr>
+          <p:cNvPr id="97" name="Straight Arrow Connector 96"/>
+          <p:cNvCxnSpPr/>
+          <p:nvPr/>
+        </p:nvCxnSpPr>
+        <p:spPr bwMode="auto">
+          <a:xfrm flipV="1">
+            <a:off x="5256336" y="4571925"/>
+            <a:ext cx="360040" cy="216024"/>
+          </a:xfrm>
+          <a:prstGeom prst="straightConnector1">
+            <a:avLst/>
+          </a:prstGeom>
+          <a:solidFill>
+            <a:srgbClr val="00B8FF"/>
+          </a:solidFill>
+          <a:ln w="38100" cap="flat" cmpd="sng" algn="ctr">
+            <a:solidFill>
+              <a:srgbClr val="FFC000"/>
+            </a:solidFill>
+            <a:prstDash val="solid"/>
+            <a:round/>
+            <a:headEnd type="none" w="med" len="med"/>
+            <a:tailEnd type="arrow"/>
+          </a:ln>
+          <a:effectLst/>
+          <a:extLst>
+            <a:ext uri="{AF507438-7753-43E0-B8FC-AC1667EBCBE1}">
+              <a14:hiddenEffects xmlns:a14="http://schemas.microsoft.com/office/drawing/2010/main" xmlns="">
+                <a:effectLst>
+                  <a:outerShdw dist="35921" dir="2700000" algn="ctr" rotWithShape="0">
+                    <a:schemeClr val="bg2"/>
+                  </a:outerShdw>
+                </a:effectLst>
+              </a14:hiddenEffects>
+            </a:ext>
+          </a:extLst>
+        </p:spPr>
+      </p:cxnSp>
+      <p:cxnSp>
+        <p:nvCxnSpPr>
+          <p:cNvPr id="101" name="Straight Arrow Connector 100"/>
+          <p:cNvCxnSpPr/>
+          <p:nvPr/>
+        </p:nvCxnSpPr>
+        <p:spPr bwMode="auto">
+          <a:xfrm>
+            <a:off x="3528144" y="6012085"/>
+            <a:ext cx="504056" cy="576064"/>
+          </a:xfrm>
+          <a:prstGeom prst="straightConnector1">
+            <a:avLst/>
+          </a:prstGeom>
+          <a:solidFill>
+            <a:srgbClr val="00B8FF"/>
+          </a:solidFill>
+          <a:ln w="38100" cap="flat" cmpd="sng" algn="ctr">
+            <a:solidFill>
+              <a:srgbClr val="FFC000"/>
+            </a:solidFill>
+            <a:prstDash val="solid"/>
+            <a:round/>
+            <a:headEnd type="none" w="med" len="med"/>
+            <a:tailEnd type="arrow"/>
+          </a:ln>
+          <a:effectLst/>
+          <a:extLst>
+            <a:ext uri="{AF507438-7753-43E0-B8FC-AC1667EBCBE1}">
+              <a14:hiddenEffects xmlns:a14="http://schemas.microsoft.com/office/drawing/2010/main" xmlns="">
+                <a:effectLst>
+                  <a:outerShdw dist="35921" dir="2700000" algn="ctr" rotWithShape="0">
+                    <a:schemeClr val="bg2"/>
+                  </a:outerShdw>
+                </a:effectLst>
+              </a14:hiddenEffects>
+            </a:ext>
+          </a:extLst>
+        </p:spPr>
+      </p:cxnSp>
+      <p:cxnSp>
+        <p:nvCxnSpPr>
+          <p:cNvPr id="103" name="Straight Arrow Connector 102"/>
+          <p:cNvCxnSpPr/>
+          <p:nvPr/>
+        </p:nvCxnSpPr>
+        <p:spPr bwMode="auto">
+          <a:xfrm flipV="1">
+            <a:off x="4032200" y="6516141"/>
+            <a:ext cx="360040" cy="72008"/>
+          </a:xfrm>
+          <a:prstGeom prst="straightConnector1">
+            <a:avLst/>
+          </a:prstGeom>
+          <a:solidFill>
+            <a:srgbClr val="00B8FF"/>
+          </a:solidFill>
+          <a:ln w="38100" cap="flat" cmpd="sng" algn="ctr">
+            <a:solidFill>
+              <a:srgbClr val="FFC000"/>
+            </a:solidFill>
+            <a:prstDash val="solid"/>
+            <a:round/>
+            <a:headEnd type="none" w="med" len="med"/>
+            <a:tailEnd type="arrow"/>
+          </a:ln>
+          <a:effectLst/>
+          <a:extLst>
+            <a:ext uri="{AF507438-7753-43E0-B8FC-AC1667EBCBE1}">
+              <a14:hiddenEffects xmlns:a14="http://schemas.microsoft.com/office/drawing/2010/main" xmlns="">
+                <a:effectLst>
+                  <a:outerShdw dist="35921" dir="2700000" algn="ctr" rotWithShape="0">
+                    <a:schemeClr val="bg2"/>
+                  </a:outerShdw>
+                </a:effectLst>
+              </a14:hiddenEffects>
+            </a:ext>
+          </a:extLst>
+        </p:spPr>
+      </p:cxnSp>
+      <p:cxnSp>
+        <p:nvCxnSpPr>
+          <p:cNvPr id="105" name="Straight Arrow Connector 104"/>
+          <p:cNvCxnSpPr/>
+          <p:nvPr/>
+        </p:nvCxnSpPr>
+        <p:spPr bwMode="auto">
+          <a:xfrm flipV="1">
+            <a:off x="4464248" y="6300117"/>
+            <a:ext cx="648072" cy="216024"/>
+          </a:xfrm>
+          <a:prstGeom prst="straightConnector1">
+            <a:avLst/>
+          </a:prstGeom>
+          <a:solidFill>
+            <a:srgbClr val="00B8FF"/>
+          </a:solidFill>
+          <a:ln w="38100" cap="flat" cmpd="sng" algn="ctr">
+            <a:solidFill>
+              <a:srgbClr val="FFC000"/>
+            </a:solidFill>
+            <a:prstDash val="solid"/>
+            <a:round/>
+            <a:headEnd type="none" w="med" len="med"/>
+            <a:tailEnd type="arrow"/>
+          </a:ln>
+          <a:effectLst/>
+          <a:extLst>
+            <a:ext uri="{AF507438-7753-43E0-B8FC-AC1667EBCBE1}">
+              <a14:hiddenEffects xmlns:a14="http://schemas.microsoft.com/office/drawing/2010/main" xmlns="">
+                <a:effectLst>
+                  <a:outerShdw dist="35921" dir="2700000" algn="ctr" rotWithShape="0">
+                    <a:schemeClr val="bg2"/>
+                  </a:outerShdw>
+                </a:effectLst>
+              </a14:hiddenEffects>
+            </a:ext>
+          </a:extLst>
+        </p:spPr>
+      </p:cxnSp>
+      <p:cxnSp>
+        <p:nvCxnSpPr>
+          <p:cNvPr id="108" name="Straight Arrow Connector 107"/>
+          <p:cNvCxnSpPr/>
+          <p:nvPr/>
+        </p:nvCxnSpPr>
+        <p:spPr bwMode="auto">
+          <a:xfrm flipV="1">
+            <a:off x="5184328" y="6012085"/>
+            <a:ext cx="648072" cy="216024"/>
+          </a:xfrm>
+          <a:prstGeom prst="straightConnector1">
+            <a:avLst/>
+          </a:prstGeom>
+          <a:solidFill>
+            <a:srgbClr val="00B8FF"/>
+          </a:solidFill>
+          <a:ln w="38100" cap="flat" cmpd="sng" algn="ctr">
+            <a:solidFill>
+              <a:srgbClr val="FFC000"/>
+            </a:solidFill>
+            <a:prstDash val="solid"/>
+            <a:round/>
+            <a:headEnd type="none" w="med" len="med"/>
+            <a:tailEnd type="arrow"/>
+          </a:ln>
+          <a:effectLst/>
+          <a:extLst>
+            <a:ext uri="{AF507438-7753-43E0-B8FC-AC1667EBCBE1}">
+              <a14:hiddenEffects xmlns:a14="http://schemas.microsoft.com/office/drawing/2010/main" xmlns="">
+                <a:effectLst>
+                  <a:outerShdw dist="35921" dir="2700000" algn="ctr" rotWithShape="0">
+                    <a:schemeClr val="bg2"/>
+                  </a:outerShdw>
+                </a:effectLst>
+              </a14:hiddenEffects>
+            </a:ext>
+          </a:extLst>
+        </p:spPr>
+      </p:cxnSp>
+      <p:cxnSp>
+        <p:nvCxnSpPr>
+          <p:cNvPr id="110" name="Straight Arrow Connector 109"/>
+          <p:cNvCxnSpPr/>
+          <p:nvPr/>
+        </p:nvCxnSpPr>
+        <p:spPr bwMode="auto">
+          <a:xfrm flipV="1">
+            <a:off x="5904408" y="5868069"/>
+            <a:ext cx="360040" cy="144016"/>
+          </a:xfrm>
+          <a:prstGeom prst="straightConnector1">
+            <a:avLst/>
+          </a:prstGeom>
+          <a:solidFill>
+            <a:srgbClr val="00B8FF"/>
+          </a:solidFill>
+          <a:ln w="38100" cap="flat" cmpd="sng" algn="ctr">
+            <a:solidFill>
+              <a:srgbClr val="FFC000"/>
+            </a:solidFill>
+            <a:prstDash val="solid"/>
+            <a:round/>
+            <a:headEnd type="none" w="med" len="med"/>
+            <a:tailEnd type="arrow"/>
+          </a:ln>
+          <a:effectLst/>
+          <a:extLst>
+            <a:ext uri="{AF507438-7753-43E0-B8FC-AC1667EBCBE1}">
+              <a14:hiddenEffects xmlns:a14="http://schemas.microsoft.com/office/drawing/2010/main" xmlns="">
+                <a:effectLst>
+                  <a:outerShdw dist="35921" dir="2700000" algn="ctr" rotWithShape="0">
+                    <a:schemeClr val="bg2"/>
+                  </a:outerShdw>
+                </a:effectLst>
+              </a14:hiddenEffects>
+            </a:ext>
+          </a:extLst>
+        </p:spPr>
+      </p:cxnSp>
+      <p:cxnSp>
+        <p:nvCxnSpPr>
+          <p:cNvPr id="112" name="Straight Arrow Connector 111"/>
+          <p:cNvCxnSpPr/>
+          <p:nvPr/>
+        </p:nvCxnSpPr>
+        <p:spPr bwMode="auto">
+          <a:xfrm flipV="1">
+            <a:off x="6264448" y="5364013"/>
+            <a:ext cx="288032" cy="504056"/>
+          </a:xfrm>
+          <a:prstGeom prst="straightConnector1">
+            <a:avLst/>
+          </a:prstGeom>
+          <a:solidFill>
+            <a:srgbClr val="00B8FF"/>
+          </a:solidFill>
+          <a:ln w="38100" cap="flat" cmpd="sng" algn="ctr">
+            <a:solidFill>
+              <a:srgbClr val="FFC000"/>
+            </a:solidFill>
+            <a:prstDash val="solid"/>
+            <a:round/>
+            <a:headEnd type="none" w="med" len="med"/>
+            <a:tailEnd type="arrow"/>
+          </a:ln>
+          <a:effectLst/>
+          <a:extLst>
+            <a:ext uri="{AF507438-7753-43E0-B8FC-AC1667EBCBE1}">
+              <a14:hiddenEffects xmlns:a14="http://schemas.microsoft.com/office/drawing/2010/main" xmlns="">
+                <a:effectLst>
+                  <a:outerShdw dist="35921" dir="2700000" algn="ctr" rotWithShape="0">
+                    <a:schemeClr val="bg2"/>
+                  </a:outerShdw>
+                </a:effectLst>
+              </a14:hiddenEffects>
+            </a:ext>
+          </a:extLst>
+        </p:spPr>
+      </p:cxnSp>
+      <p:cxnSp>
+        <p:nvCxnSpPr>
+          <p:cNvPr id="114" name="Straight Arrow Connector 113"/>
+          <p:cNvCxnSpPr/>
+          <p:nvPr/>
+        </p:nvCxnSpPr>
+        <p:spPr bwMode="auto">
+          <a:xfrm flipV="1">
+            <a:off x="6552480" y="4931965"/>
+            <a:ext cx="216024" cy="360040"/>
+          </a:xfrm>
+          <a:prstGeom prst="straightConnector1">
+            <a:avLst/>
+          </a:prstGeom>
+          <a:solidFill>
+            <a:srgbClr val="00B8FF"/>
+          </a:solidFill>
+          <a:ln w="38100" cap="flat" cmpd="sng" algn="ctr">
+            <a:solidFill>
+              <a:srgbClr val="FFC000"/>
+            </a:solidFill>
+            <a:prstDash val="solid"/>
+            <a:round/>
+            <a:headEnd type="none" w="med" len="med"/>
+            <a:tailEnd type="arrow"/>
+          </a:ln>
+          <a:effectLst/>
+          <a:extLst>
+            <a:ext uri="{AF507438-7753-43E0-B8FC-AC1667EBCBE1}">
+              <a14:hiddenEffects xmlns:a14="http://schemas.microsoft.com/office/drawing/2010/main" xmlns="">
+                <a:effectLst>
+                  <a:outerShdw dist="35921" dir="2700000" algn="ctr" rotWithShape="0">
+                    <a:schemeClr val="bg2"/>
+                  </a:outerShdw>
+                </a:effectLst>
+              </a14:hiddenEffects>
+            </a:ext>
+          </a:extLst>
+        </p:spPr>
+      </p:cxnSp>
+      <p:cxnSp>
+        <p:nvCxnSpPr>
+          <p:cNvPr id="116" name="Straight Arrow Connector 115"/>
+          <p:cNvCxnSpPr/>
+          <p:nvPr/>
+        </p:nvCxnSpPr>
+        <p:spPr bwMode="auto">
+          <a:xfrm flipV="1">
+            <a:off x="6768504" y="4643933"/>
+            <a:ext cx="216024" cy="360040"/>
+          </a:xfrm>
+          <a:prstGeom prst="straightConnector1">
+            <a:avLst/>
+          </a:prstGeom>
+          <a:solidFill>
+            <a:srgbClr val="00B8FF"/>
+          </a:solidFill>
+          <a:ln w="38100" cap="flat" cmpd="sng" algn="ctr">
+            <a:solidFill>
+              <a:srgbClr val="FFC000"/>
+            </a:solidFill>
+            <a:prstDash val="solid"/>
+            <a:round/>
+            <a:headEnd type="none" w="med" len="med"/>
+            <a:tailEnd type="arrow"/>
+          </a:ln>
+          <a:effectLst/>
+          <a:extLst>
+            <a:ext uri="{AF507438-7753-43E0-B8FC-AC1667EBCBE1}">
+              <a14:hiddenEffects xmlns:a14="http://schemas.microsoft.com/office/drawing/2010/main" xmlns="">
+                <a:effectLst>
+                  <a:outerShdw dist="35921" dir="2700000" algn="ctr" rotWithShape="0">
+                    <a:schemeClr val="bg2"/>
+                  </a:outerShdw>
+                </a:effectLst>
+              </a14:hiddenEffects>
+            </a:ext>
+          </a:extLst>
+        </p:spPr>
+      </p:cxnSp>
+      <p:cxnSp>
+        <p:nvCxnSpPr>
+          <p:cNvPr id="117" name="Straight Arrow Connector 116"/>
+          <p:cNvCxnSpPr/>
+          <p:nvPr/>
+        </p:nvCxnSpPr>
+        <p:spPr bwMode="auto">
+          <a:xfrm>
+            <a:off x="7056536" y="4715941"/>
+            <a:ext cx="216024" cy="504056"/>
+          </a:xfrm>
+          <a:prstGeom prst="straightConnector1">
+            <a:avLst/>
+          </a:prstGeom>
+          <a:solidFill>
+            <a:srgbClr val="00B8FF"/>
+          </a:solidFill>
+          <a:ln w="38100" cap="flat" cmpd="sng" algn="ctr">
+            <a:solidFill>
+              <a:srgbClr val="FFC000"/>
+            </a:solidFill>
+            <a:prstDash val="solid"/>
+            <a:round/>
+            <a:headEnd type="none" w="med" len="med"/>
+            <a:tailEnd type="arrow"/>
+          </a:ln>
+          <a:effectLst/>
+          <a:extLst>
+            <a:ext uri="{AF507438-7753-43E0-B8FC-AC1667EBCBE1}">
+              <a14:hiddenEffects xmlns:a14="http://schemas.microsoft.com/office/drawing/2010/main" xmlns="">
+                <a:effectLst>
+                  <a:outerShdw dist="35921" dir="2700000" algn="ctr" rotWithShape="0">
+                    <a:schemeClr val="bg2"/>
+                  </a:outerShdw>
+                </a:effectLst>
+              </a14:hiddenEffects>
+            </a:ext>
+          </a:extLst>
+        </p:spPr>
+      </p:cxnSp>
+      <p:cxnSp>
+        <p:nvCxnSpPr>
+          <p:cNvPr id="120" name="Straight Arrow Connector 119"/>
+          <p:cNvCxnSpPr/>
+          <p:nvPr/>
+        </p:nvCxnSpPr>
+        <p:spPr bwMode="auto">
+          <a:xfrm>
+            <a:off x="7272560" y="5219997"/>
+            <a:ext cx="216024" cy="504056"/>
+          </a:xfrm>
+          <a:prstGeom prst="straightConnector1">
+            <a:avLst/>
+          </a:prstGeom>
+          <a:solidFill>
+            <a:srgbClr val="00B8FF"/>
+          </a:solidFill>
+          <a:ln w="38100" cap="flat" cmpd="sng" algn="ctr">
+            <a:solidFill>
+              <a:srgbClr val="FFC000"/>
+            </a:solidFill>
+            <a:prstDash val="solid"/>
+            <a:round/>
+            <a:headEnd type="none" w="med" len="med"/>
+            <a:tailEnd type="arrow"/>
+          </a:ln>
+          <a:effectLst/>
+          <a:extLst>
+            <a:ext uri="{AF507438-7753-43E0-B8FC-AC1667EBCBE1}">
+              <a14:hiddenEffects xmlns:a14="http://schemas.microsoft.com/office/drawing/2010/main" xmlns="">
+                <a:effectLst>
+                  <a:outerShdw dist="35921" dir="2700000" algn="ctr" rotWithShape="0">
+                    <a:schemeClr val="bg2"/>
+                  </a:outerShdw>
+                </a:effectLst>
+              </a14:hiddenEffects>
+            </a:ext>
+          </a:extLst>
+        </p:spPr>
+      </p:cxnSp>
+      <p:cxnSp>
+        <p:nvCxnSpPr>
+          <p:cNvPr id="121" name="Straight Arrow Connector 120"/>
+          <p:cNvCxnSpPr/>
+          <p:nvPr/>
+        </p:nvCxnSpPr>
+        <p:spPr bwMode="auto">
+          <a:xfrm flipH="1">
+            <a:off x="7344568" y="6732165"/>
+            <a:ext cx="144016" cy="504056"/>
+          </a:xfrm>
+          <a:prstGeom prst="straightConnector1">
+            <a:avLst/>
+          </a:prstGeom>
+          <a:solidFill>
+            <a:srgbClr val="00B8FF"/>
+          </a:solidFill>
+          <a:ln w="38100" cap="flat" cmpd="sng" algn="ctr">
+            <a:solidFill>
+              <a:srgbClr val="FFC000"/>
+            </a:solidFill>
+            <a:prstDash val="solid"/>
+            <a:round/>
+            <a:headEnd type="none" w="med" len="med"/>
+            <a:tailEnd type="arrow"/>
+          </a:ln>
+          <a:effectLst/>
+          <a:extLst>
+            <a:ext uri="{AF507438-7753-43E0-B8FC-AC1667EBCBE1}">
+              <a14:hiddenEffects xmlns:a14="http://schemas.microsoft.com/office/drawing/2010/main" xmlns="">
+                <a:effectLst>
+                  <a:outerShdw dist="35921" dir="2700000" algn="ctr" rotWithShape="0">
+                    <a:schemeClr val="bg2"/>
+                  </a:outerShdw>
+                </a:effectLst>
+              </a14:hiddenEffects>
+            </a:ext>
+          </a:extLst>
+        </p:spPr>
+      </p:cxnSp>
     </p:spTree>
   </p:cSld>
   <p:clrMapOvr>
@@ -8781,13 +9592,13 @@
               </a:ext>
             </a:extLst>
           </a:blip>
-          <a:srcRect l="20991" t="9624" r="17581" b="9465"/>
+          <a:srcRect l="28917" t="18826" r="17581" b="9465"/>
           <a:stretch/>
         </p:blipFill>
         <p:spPr>
           <a:xfrm>
-            <a:off x="716856" y="2843733"/>
-            <a:ext cx="4464496" cy="4432145"/>
+            <a:off x="575816" y="2555701"/>
+            <a:ext cx="3888432" cy="3928089"/>
           </a:xfrm>
           <a:prstGeom prst="rect">
             <a:avLst/>
@@ -10300,7 +11111,7 @@
       </p:sp>
       <p:pic>
         <p:nvPicPr>
-          <p:cNvPr id="56" name="Picture 55"/>
+          <p:cNvPr id="83" name="Picture 82"/>
           <p:cNvPicPr>
             <a:picLocks noChangeAspect="1"/>
           </p:cNvPicPr>
@@ -10314,13 +11125,13 @@
               </a:ext>
             </a:extLst>
           </a:blip>
-          <a:srcRect l="29909" t="24161" r="59193" b="61378"/>
+          <a:srcRect l="39966" t="37077" r="49118" b="48463"/>
           <a:stretch/>
         </p:blipFill>
         <p:spPr>
           <a:xfrm>
-            <a:off x="2805088" y="2627709"/>
-            <a:ext cx="4680520" cy="4680520"/>
+            <a:off x="2808064" y="2627709"/>
+            <a:ext cx="4680520" cy="4673319"/>
           </a:xfrm>
           <a:prstGeom prst="rect">
             <a:avLst/>
@@ -10336,8 +11147,8 @@
           <p:nvPr/>
         </p:nvGraphicFramePr>
         <p:xfrm>
-          <a:off x="2805091" y="2627708"/>
-          <a:ext cx="4680516" cy="4636310"/>
+          <a:off x="2805091" y="2627711"/>
+          <a:ext cx="4680516" cy="4636303"/>
         </p:xfrm>
         <a:graphic>
           <a:graphicData uri="http://schemas.openxmlformats.org/drawingml/2006/table">
@@ -10353,7 +11164,27 @@
                 <a:gridCol w="780086"/>
                 <a:gridCol w="780086"/>
               </a:tblGrid>
-              <a:tr h="662330">
+              <a:tr h="662329">
+                <a:tc>
+                  <a:txBody>
+                    <a:bodyPr/>
+                    <a:lstStyle/>
+                    <a:p>
+                      <a:endParaRPr lang="en-GB" sz="2500" dirty="0"/>
+                    </a:p>
+                  </a:txBody>
+                  <a:tcPr marL="126460" marR="126460" marT="63230" marB="63230"/>
+                </a:tc>
+                <a:tc>
+                  <a:txBody>
+                    <a:bodyPr/>
+                    <a:lstStyle/>
+                    <a:p>
+                      <a:endParaRPr lang="en-GB" sz="2500" dirty="0"/>
+                    </a:p>
+                  </a:txBody>
+                  <a:tcPr marL="126460" marR="126460" marT="63230" marB="63230"/>
+                </a:tc>
                 <a:tc>
                   <a:txBody>
                     <a:bodyPr/>
@@ -10389,39 +11220,19 @@
                     <a:bodyPr/>
                     <a:lstStyle/>
                     <a:p>
-                      <a:endParaRPr lang="en-GB" sz="2500" dirty="0"/>
-                    </a:p>
-                  </a:txBody>
-                  <a:tcPr marL="126460" marR="126460" marT="63230" marB="63230"/>
-                </a:tc>
-                <a:tc>
-                  <a:txBody>
-                    <a:bodyPr/>
-                    <a:lstStyle/>
-                    <a:p>
-                      <a:endParaRPr lang="en-GB" sz="2500"/>
-                    </a:p>
-                  </a:txBody>
-                  <a:tcPr marL="126460" marR="126460" marT="63230" marB="63230"/>
-                </a:tc>
-                <a:tc>
-                  <a:txBody>
-                    <a:bodyPr/>
-                    <a:lstStyle/>
-                    <a:p>
                       <a:endParaRPr lang="en-GB" sz="2500"/>
                     </a:p>
                   </a:txBody>
                   <a:tcPr marL="126460" marR="126460" marT="63230" marB="63230"/>
                 </a:tc>
               </a:tr>
-              <a:tr h="662330">
+              <a:tr h="662329">
                 <a:tc>
                   <a:txBody>
                     <a:bodyPr/>
                     <a:lstStyle/>
                     <a:p>
-                      <a:endParaRPr lang="en-GB" sz="2500"/>
+                      <a:endParaRPr lang="en-GB" sz="2500" dirty="0"/>
                     </a:p>
                   </a:txBody>
                   <a:tcPr marL="126460" marR="126460" marT="63230" marB="63230"/>
@@ -10477,13 +11288,13 @@
                   <a:tcPr marL="126460" marR="126460" marT="63230" marB="63230"/>
                 </a:tc>
               </a:tr>
-              <a:tr h="662330">
+              <a:tr h="662329">
                 <a:tc>
                   <a:txBody>
                     <a:bodyPr/>
                     <a:lstStyle/>
                     <a:p>
-                      <a:endParaRPr lang="en-GB" sz="2500"/>
+                      <a:endParaRPr lang="en-GB" sz="2500" dirty="0"/>
                     </a:p>
                   </a:txBody>
                   <a:tcPr marL="126460" marR="126460" marT="63230" marB="63230"/>
@@ -10507,9 +11318,9 @@
                     </a:p>
                   </a:txBody>
                   <a:tcPr marL="126460" marR="126460" marT="63230" marB="63230">
-                    <a:lnB w="38100" cap="flat" cmpd="sng" algn="ctr">
+                    <a:lnB w="12700" cap="flat" cmpd="sng" algn="ctr">
                       <a:solidFill>
-                        <a:schemeClr val="accent2"/>
+                        <a:schemeClr val="tx1"/>
                       </a:solidFill>
                       <a:prstDash val="solid"/>
                       <a:round/>
@@ -10549,7 +11360,7 @@
                   <a:tcPr marL="126460" marR="126460" marT="63230" marB="63230"/>
                 </a:tc>
               </a:tr>
-              <a:tr h="662330">
+              <a:tr h="662329">
                 <a:tc>
                   <a:txBody>
                     <a:bodyPr/>
@@ -10559,6 +11370,165 @@
                     </a:p>
                   </a:txBody>
                   <a:tcPr marL="126460" marR="126460" marT="63230" marB="63230"/>
+                </a:tc>
+                <a:tc>
+                  <a:txBody>
+                    <a:bodyPr/>
+                    <a:lstStyle/>
+                    <a:p>
+                      <a:endParaRPr lang="en-GB" sz="2500"/>
+                    </a:p>
+                  </a:txBody>
+                  <a:tcPr marL="126460" marR="126460" marT="63230" marB="63230">
+                    <a:lnR w="12700" cap="flat" cmpd="sng" algn="ctr">
+                      <a:solidFill>
+                        <a:schemeClr val="tx1"/>
+                      </a:solidFill>
+                      <a:prstDash val="solid"/>
+                      <a:round/>
+                      <a:headEnd type="none" w="med" len="med"/>
+                      <a:tailEnd type="none" w="med" len="med"/>
+                    </a:lnR>
+                  </a:tcPr>
+                </a:tc>
+                <a:tc>
+                  <a:txBody>
+                    <a:bodyPr/>
+                    <a:lstStyle/>
+                    <a:p>
+                      <a:endParaRPr lang="en-GB" sz="2500" b="0" dirty="0"/>
+                    </a:p>
+                  </a:txBody>
+                  <a:tcPr marL="126460" marR="126460" marT="63230" marB="63230">
+                    <a:lnL w="12700" cap="flat" cmpd="sng" algn="ctr">
+                      <a:solidFill>
+                        <a:schemeClr val="tx1"/>
+                      </a:solidFill>
+                      <a:prstDash val="solid"/>
+                      <a:round/>
+                      <a:headEnd type="none" w="med" len="med"/>
+                      <a:tailEnd type="none" w="med" len="med"/>
+                    </a:lnL>
+                    <a:lnR w="12700" cap="flat" cmpd="sng" algn="ctr">
+                      <a:solidFill>
+                        <a:schemeClr val="tx1"/>
+                      </a:solidFill>
+                      <a:prstDash val="solid"/>
+                      <a:round/>
+                      <a:headEnd type="none" w="med" len="med"/>
+                      <a:tailEnd type="none" w="med" len="med"/>
+                    </a:lnR>
+                    <a:lnT w="12700" cap="flat" cmpd="sng" algn="ctr">
+                      <a:solidFill>
+                        <a:schemeClr val="tx1"/>
+                      </a:solidFill>
+                      <a:prstDash val="solid"/>
+                      <a:round/>
+                      <a:headEnd type="none" w="med" len="med"/>
+                      <a:tailEnd type="none" w="med" len="med"/>
+                    </a:lnT>
+                    <a:lnB w="12700" cap="flat" cmpd="sng" algn="ctr">
+                      <a:solidFill>
+                        <a:schemeClr val="tx1"/>
+                      </a:solidFill>
+                      <a:prstDash val="solid"/>
+                      <a:round/>
+                      <a:headEnd type="none" w="med" len="med"/>
+                      <a:tailEnd type="none" w="med" len="med"/>
+                    </a:lnB>
+                  </a:tcPr>
+                </a:tc>
+                <a:tc>
+                  <a:txBody>
+                    <a:bodyPr/>
+                    <a:lstStyle/>
+                    <a:p>
+                      <a:endParaRPr lang="en-GB" sz="2500" dirty="0"/>
+                    </a:p>
+                  </a:txBody>
+                  <a:tcPr marL="126460" marR="126460" marT="63230" marB="63230">
+                    <a:lnL w="12700" cap="flat" cmpd="sng" algn="ctr">
+                      <a:solidFill>
+                        <a:schemeClr val="tx1"/>
+                      </a:solidFill>
+                      <a:prstDash val="solid"/>
+                      <a:round/>
+                      <a:headEnd type="none" w="med" len="med"/>
+                      <a:tailEnd type="none" w="med" len="med"/>
+                    </a:lnL>
+                  </a:tcPr>
+                </a:tc>
+                <a:tc>
+                  <a:txBody>
+                    <a:bodyPr/>
+                    <a:lstStyle/>
+                    <a:p>
+                      <a:endParaRPr lang="en-GB" sz="2500" dirty="0"/>
+                    </a:p>
+                  </a:txBody>
+                  <a:tcPr marL="126460" marR="126460" marT="63230" marB="63230">
+                    <a:lnB w="38100" cap="flat" cmpd="sng" algn="ctr">
+                      <a:solidFill>
+                        <a:schemeClr val="accent2"/>
+                      </a:solidFill>
+                      <a:prstDash val="solid"/>
+                      <a:round/>
+                      <a:headEnd type="none" w="med" len="med"/>
+                      <a:tailEnd type="none" w="med" len="med"/>
+                    </a:lnB>
+                  </a:tcPr>
+                </a:tc>
+                <a:tc>
+                  <a:txBody>
+                    <a:bodyPr/>
+                    <a:lstStyle/>
+                    <a:p>
+                      <a:endParaRPr lang="en-GB" sz="2500"/>
+                    </a:p>
+                  </a:txBody>
+                  <a:tcPr marL="126460" marR="126460" marT="63230" marB="63230"/>
+                </a:tc>
+              </a:tr>
+              <a:tr h="662329">
+                <a:tc>
+                  <a:txBody>
+                    <a:bodyPr/>
+                    <a:lstStyle/>
+                    <a:p>
+                      <a:endParaRPr lang="en-GB" sz="2500"/>
+                    </a:p>
+                  </a:txBody>
+                  <a:tcPr marL="126460" marR="126460" marT="63230" marB="63230"/>
+                </a:tc>
+                <a:tc>
+                  <a:txBody>
+                    <a:bodyPr/>
+                    <a:lstStyle/>
+                    <a:p>
+                      <a:endParaRPr lang="en-GB" sz="2500"/>
+                    </a:p>
+                  </a:txBody>
+                  <a:tcPr marL="126460" marR="126460" marT="63230" marB="63230"/>
+                </a:tc>
+                <a:tc>
+                  <a:txBody>
+                    <a:bodyPr/>
+                    <a:lstStyle/>
+                    <a:p>
+                      <a:endParaRPr lang="en-GB" sz="2500" dirty="0"/>
+                    </a:p>
+                  </a:txBody>
+                  <a:tcPr marL="126460" marR="126460" marT="63230" marB="63230">
+                    <a:lnT w="12700" cap="flat" cmpd="sng" algn="ctr">
+                      <a:solidFill>
+                        <a:schemeClr val="tx1"/>
+                      </a:solidFill>
+                      <a:prstDash val="solid"/>
+                      <a:round/>
+                      <a:headEnd type="none" w="med" len="med"/>
+                      <a:tailEnd type="none" w="med" len="med"/>
+                    </a:lnT>
+                  </a:tcPr>
                 </a:tc>
                 <a:tc>
                   <a:txBody>
@@ -10585,7 +11555,7 @@
                     <a:bodyPr/>
                     <a:lstStyle/>
                     <a:p>
-                      <a:endParaRPr lang="en-GB" sz="2500" b="0" dirty="0"/>
+                      <a:endParaRPr lang="en-GB" sz="2500" dirty="0"/>
                     </a:p>
                   </a:txBody>
                   <a:tcPr marL="126460" marR="126460" marT="63230" marB="63230">
@@ -10632,7 +11602,7 @@
                     <a:bodyPr/>
                     <a:lstStyle/>
                     <a:p>
-                      <a:endParaRPr lang="en-GB" sz="2500" dirty="0"/>
+                      <a:endParaRPr lang="en-GB" sz="2500"/>
                     </a:p>
                   </a:txBody>
                   <a:tcPr marL="126460" marR="126460" marT="63230" marB="63230">
@@ -10647,12 +11617,14 @@
                     </a:lnL>
                   </a:tcPr>
                 </a:tc>
+              </a:tr>
+              <a:tr h="662329">
                 <a:tc>
                   <a:txBody>
                     <a:bodyPr/>
                     <a:lstStyle/>
                     <a:p>
-                      <a:endParaRPr lang="en-GB" sz="2500" dirty="0"/>
+                      <a:endParaRPr lang="en-GB" sz="2500"/>
                     </a:p>
                   </a:txBody>
                   <a:tcPr marL="126460" marR="126460" marT="63230" marB="63230"/>
@@ -10667,8 +11639,6 @@
                   </a:txBody>
                   <a:tcPr marL="126460" marR="126460" marT="63230" marB="63230"/>
                 </a:tc>
-              </a:tr>
-              <a:tr h="662330">
                 <a:tc>
                   <a:txBody>
                     <a:bodyPr/>
@@ -10719,90 +11689,8 @@
                   </a:txBody>
                   <a:tcPr marL="126460" marR="126460" marT="63230" marB="63230"/>
                 </a:tc>
-                <a:tc>
-                  <a:txBody>
-                    <a:bodyPr/>
-                    <a:lstStyle/>
-                    <a:p>
-                      <a:endParaRPr lang="en-GB" sz="2500"/>
-                    </a:p>
-                  </a:txBody>
-                  <a:tcPr marL="126460" marR="126460" marT="63230" marB="63230"/>
-                </a:tc>
-                <a:tc>
-                  <a:txBody>
-                    <a:bodyPr/>
-                    <a:lstStyle/>
-                    <a:p>
-                      <a:endParaRPr lang="en-GB" sz="2500"/>
-                    </a:p>
-                  </a:txBody>
-                  <a:tcPr marL="126460" marR="126460" marT="63230" marB="63230"/>
-                </a:tc>
               </a:tr>
-              <a:tr h="662330">
-                <a:tc>
-                  <a:txBody>
-                    <a:bodyPr/>
-                    <a:lstStyle/>
-                    <a:p>
-                      <a:endParaRPr lang="en-GB" sz="2500"/>
-                    </a:p>
-                  </a:txBody>
-                  <a:tcPr marL="126460" marR="126460" marT="63230" marB="63230"/>
-                </a:tc>
-                <a:tc>
-                  <a:txBody>
-                    <a:bodyPr/>
-                    <a:lstStyle/>
-                    <a:p>
-                      <a:endParaRPr lang="en-GB" sz="2500"/>
-                    </a:p>
-                  </a:txBody>
-                  <a:tcPr marL="126460" marR="126460" marT="63230" marB="63230"/>
-                </a:tc>
-                <a:tc>
-                  <a:txBody>
-                    <a:bodyPr/>
-                    <a:lstStyle/>
-                    <a:p>
-                      <a:endParaRPr lang="en-GB" sz="2500"/>
-                    </a:p>
-                  </a:txBody>
-                  <a:tcPr marL="126460" marR="126460" marT="63230" marB="63230"/>
-                </a:tc>
-                <a:tc>
-                  <a:txBody>
-                    <a:bodyPr/>
-                    <a:lstStyle/>
-                    <a:p>
-                      <a:endParaRPr lang="en-GB" sz="2500"/>
-                    </a:p>
-                  </a:txBody>
-                  <a:tcPr marL="126460" marR="126460" marT="63230" marB="63230"/>
-                </a:tc>
-                <a:tc>
-                  <a:txBody>
-                    <a:bodyPr/>
-                    <a:lstStyle/>
-                    <a:p>
-                      <a:endParaRPr lang="en-GB" sz="2500" dirty="0"/>
-                    </a:p>
-                  </a:txBody>
-                  <a:tcPr marL="126460" marR="126460" marT="63230" marB="63230"/>
-                </a:tc>
-                <a:tc>
-                  <a:txBody>
-                    <a:bodyPr/>
-                    <a:lstStyle/>
-                    <a:p>
-                      <a:endParaRPr lang="en-GB" sz="2500"/>
-                    </a:p>
-                  </a:txBody>
-                  <a:tcPr marL="126460" marR="126460" marT="63230" marB="63230"/>
-                </a:tc>
-              </a:tr>
-              <a:tr h="662330">
+              <a:tr h="662329">
                 <a:tc>
                   <a:txBody>
                     <a:bodyPr/>
@@ -10876,8 +11764,8 @@
         </p:nvCxnSpPr>
         <p:spPr bwMode="auto">
           <a:xfrm flipV="1">
-            <a:off x="4392240" y="3419797"/>
-            <a:ext cx="3384376" cy="1224136"/>
+            <a:off x="5904408" y="3419797"/>
+            <a:ext cx="1872208" cy="1872208"/>
           </a:xfrm>
           <a:prstGeom prst="line">
             <a:avLst/>
@@ -10915,9 +11803,9 @@
           <p:nvPr/>
         </p:nvCxnSpPr>
         <p:spPr bwMode="auto">
-          <a:xfrm>
-            <a:off x="4392240" y="5292005"/>
-            <a:ext cx="3384376" cy="576064"/>
+          <a:xfrm flipV="1">
+            <a:off x="5976416" y="5868069"/>
+            <a:ext cx="1800200" cy="72008"/>
           </a:xfrm>
           <a:prstGeom prst="line">
             <a:avLst/>
@@ -10956,8 +11844,8 @@
         </p:nvCxnSpPr>
         <p:spPr bwMode="auto">
           <a:xfrm flipV="1">
-            <a:off x="5112320" y="3419797"/>
-            <a:ext cx="4752528" cy="1224136"/>
+            <a:off x="6768504" y="3419797"/>
+            <a:ext cx="3096344" cy="1872208"/>
           </a:xfrm>
           <a:prstGeom prst="line">
             <a:avLst/>
@@ -10995,9 +11883,9 @@
           <p:nvPr/>
         </p:nvCxnSpPr>
         <p:spPr bwMode="auto">
-          <a:xfrm>
-            <a:off x="5184328" y="5292005"/>
-            <a:ext cx="4680520" cy="504056"/>
+          <a:xfrm flipV="1">
+            <a:off x="6696496" y="5796061"/>
+            <a:ext cx="3168352" cy="144016"/>
           </a:xfrm>
           <a:prstGeom prst="line">
             <a:avLst/>
@@ -11035,8 +11923,8 @@
           <p:nvPr/>
         </p:nvGraphicFramePr>
         <p:xfrm>
-          <a:off x="7632600" y="3275781"/>
-          <a:ext cx="2448025" cy="3328150"/>
+          <a:off x="7632600" y="2555701"/>
+          <a:ext cx="2448025" cy="4048230"/>
         </p:xfrm>
         <a:graphic>
           <a:graphicData uri="http://schemas.openxmlformats.org/drawingml/2006/chart">
@@ -11091,6 +11979,726 @@
           </a:p>
         </p:txBody>
       </p:sp>
+      <p:cxnSp>
+        <p:nvCxnSpPr>
+          <p:cNvPr id="82" name="Straight Arrow Connector 81"/>
+          <p:cNvCxnSpPr/>
+          <p:nvPr/>
+        </p:nvCxnSpPr>
+        <p:spPr bwMode="auto">
+          <a:xfrm flipV="1">
+            <a:off x="3600152" y="5436021"/>
+            <a:ext cx="720080" cy="504056"/>
+          </a:xfrm>
+          <a:prstGeom prst="straightConnector1">
+            <a:avLst/>
+          </a:prstGeom>
+          <a:solidFill>
+            <a:srgbClr val="00B8FF"/>
+          </a:solidFill>
+          <a:ln w="38100" cap="flat" cmpd="sng" algn="ctr">
+            <a:solidFill>
+              <a:srgbClr val="FFC000"/>
+            </a:solidFill>
+            <a:prstDash val="solid"/>
+            <a:round/>
+            <a:headEnd type="none" w="med" len="med"/>
+            <a:tailEnd type="arrow"/>
+          </a:ln>
+          <a:effectLst/>
+          <a:extLst>
+            <a:ext uri="{AF507438-7753-43E0-B8FC-AC1667EBCBE1}">
+              <a14:hiddenEffects xmlns:a14="http://schemas.microsoft.com/office/drawing/2010/main" xmlns="">
+                <a:effectLst>
+                  <a:outerShdw dist="35921" dir="2700000" algn="ctr" rotWithShape="0">
+                    <a:schemeClr val="bg2"/>
+                  </a:outerShdw>
+                </a:effectLst>
+              </a14:hiddenEffects>
+            </a:ext>
+          </a:extLst>
+        </p:spPr>
+      </p:cxnSp>
+      <p:cxnSp>
+        <p:nvCxnSpPr>
+          <p:cNvPr id="86" name="Straight Arrow Connector 85"/>
+          <p:cNvCxnSpPr/>
+          <p:nvPr/>
+        </p:nvCxnSpPr>
+        <p:spPr bwMode="auto">
+          <a:xfrm flipV="1">
+            <a:off x="4464248" y="4787949"/>
+            <a:ext cx="720080" cy="504056"/>
+          </a:xfrm>
+          <a:prstGeom prst="straightConnector1">
+            <a:avLst/>
+          </a:prstGeom>
+          <a:solidFill>
+            <a:srgbClr val="00B8FF"/>
+          </a:solidFill>
+          <a:ln w="38100" cap="flat" cmpd="sng" algn="ctr">
+            <a:solidFill>
+              <a:srgbClr val="FFC000"/>
+            </a:solidFill>
+            <a:prstDash val="solid"/>
+            <a:round/>
+            <a:headEnd type="none" w="med" len="med"/>
+            <a:tailEnd type="arrow"/>
+          </a:ln>
+          <a:effectLst/>
+          <a:extLst>
+            <a:ext uri="{AF507438-7753-43E0-B8FC-AC1667EBCBE1}">
+              <a14:hiddenEffects xmlns:a14="http://schemas.microsoft.com/office/drawing/2010/main" xmlns="">
+                <a:effectLst>
+                  <a:outerShdw dist="35921" dir="2700000" algn="ctr" rotWithShape="0">
+                    <a:schemeClr val="bg2"/>
+                  </a:outerShdw>
+                </a:effectLst>
+              </a14:hiddenEffects>
+            </a:ext>
+          </a:extLst>
+        </p:spPr>
+      </p:cxnSp>
+      <p:cxnSp>
+        <p:nvCxnSpPr>
+          <p:cNvPr id="87" name="Straight Arrow Connector 86"/>
+          <p:cNvCxnSpPr/>
+          <p:nvPr/>
+        </p:nvCxnSpPr>
+        <p:spPr bwMode="auto">
+          <a:xfrm flipV="1">
+            <a:off x="6192440" y="2627709"/>
+            <a:ext cx="216024" cy="576064"/>
+          </a:xfrm>
+          <a:prstGeom prst="straightConnector1">
+            <a:avLst/>
+          </a:prstGeom>
+          <a:solidFill>
+            <a:srgbClr val="00B8FF"/>
+          </a:solidFill>
+          <a:ln w="38100" cap="flat" cmpd="sng" algn="ctr">
+            <a:solidFill>
+              <a:srgbClr val="FFC000"/>
+            </a:solidFill>
+            <a:prstDash val="solid"/>
+            <a:round/>
+            <a:headEnd type="none" w="med" len="med"/>
+            <a:tailEnd type="arrow"/>
+          </a:ln>
+          <a:effectLst/>
+          <a:extLst>
+            <a:ext uri="{AF507438-7753-43E0-B8FC-AC1667EBCBE1}">
+              <a14:hiddenEffects xmlns:a14="http://schemas.microsoft.com/office/drawing/2010/main" xmlns="">
+                <a:effectLst>
+                  <a:outerShdw dist="35921" dir="2700000" algn="ctr" rotWithShape="0">
+                    <a:schemeClr val="bg2"/>
+                  </a:outerShdw>
+                </a:effectLst>
+              </a14:hiddenEffects>
+            </a:ext>
+          </a:extLst>
+        </p:spPr>
+      </p:cxnSp>
+      <p:cxnSp>
+        <p:nvCxnSpPr>
+          <p:cNvPr id="90" name="Straight Arrow Connector 89"/>
+          <p:cNvCxnSpPr/>
+          <p:nvPr/>
+        </p:nvCxnSpPr>
+        <p:spPr bwMode="auto">
+          <a:xfrm flipV="1">
+            <a:off x="5976416" y="3275781"/>
+            <a:ext cx="216024" cy="576064"/>
+          </a:xfrm>
+          <a:prstGeom prst="straightConnector1">
+            <a:avLst/>
+          </a:prstGeom>
+          <a:solidFill>
+            <a:srgbClr val="00B8FF"/>
+          </a:solidFill>
+          <a:ln w="38100" cap="flat" cmpd="sng" algn="ctr">
+            <a:solidFill>
+              <a:srgbClr val="FFC000"/>
+            </a:solidFill>
+            <a:prstDash val="solid"/>
+            <a:round/>
+            <a:headEnd type="none" w="med" len="med"/>
+            <a:tailEnd type="arrow"/>
+          </a:ln>
+          <a:effectLst/>
+          <a:extLst>
+            <a:ext uri="{AF507438-7753-43E0-B8FC-AC1667EBCBE1}">
+              <a14:hiddenEffects xmlns:a14="http://schemas.microsoft.com/office/drawing/2010/main" xmlns="">
+                <a:effectLst>
+                  <a:outerShdw dist="35921" dir="2700000" algn="ctr" rotWithShape="0">
+                    <a:schemeClr val="bg2"/>
+                  </a:outerShdw>
+                </a:effectLst>
+              </a14:hiddenEffects>
+            </a:ext>
+          </a:extLst>
+        </p:spPr>
+      </p:cxnSp>
+      <p:cxnSp>
+        <p:nvCxnSpPr>
+          <p:cNvPr id="91" name="Straight Arrow Connector 90"/>
+          <p:cNvCxnSpPr/>
+          <p:nvPr/>
+        </p:nvCxnSpPr>
+        <p:spPr bwMode="auto">
+          <a:xfrm flipV="1">
+            <a:off x="5760392" y="3995861"/>
+            <a:ext cx="144016" cy="432048"/>
+          </a:xfrm>
+          <a:prstGeom prst="straightConnector1">
+            <a:avLst/>
+          </a:prstGeom>
+          <a:solidFill>
+            <a:srgbClr val="00B8FF"/>
+          </a:solidFill>
+          <a:ln w="38100" cap="flat" cmpd="sng" algn="ctr">
+            <a:solidFill>
+              <a:srgbClr val="FFC000"/>
+            </a:solidFill>
+            <a:prstDash val="solid"/>
+            <a:round/>
+            <a:headEnd type="none" w="med" len="med"/>
+            <a:tailEnd type="arrow"/>
+          </a:ln>
+          <a:effectLst/>
+          <a:extLst>
+            <a:ext uri="{AF507438-7753-43E0-B8FC-AC1667EBCBE1}">
+              <a14:hiddenEffects xmlns:a14="http://schemas.microsoft.com/office/drawing/2010/main" xmlns="">
+                <a:effectLst>
+                  <a:outerShdw dist="35921" dir="2700000" algn="ctr" rotWithShape="0">
+                    <a:schemeClr val="bg2"/>
+                  </a:outerShdw>
+                </a:effectLst>
+              </a14:hiddenEffects>
+            </a:ext>
+          </a:extLst>
+        </p:spPr>
+      </p:cxnSp>
+      <p:cxnSp>
+        <p:nvCxnSpPr>
+          <p:cNvPr id="94" name="Straight Arrow Connector 93"/>
+          <p:cNvCxnSpPr/>
+          <p:nvPr/>
+        </p:nvCxnSpPr>
+        <p:spPr bwMode="auto">
+          <a:xfrm flipV="1">
+            <a:off x="5544368" y="4427909"/>
+            <a:ext cx="288032" cy="144016"/>
+          </a:xfrm>
+          <a:prstGeom prst="straightConnector1">
+            <a:avLst/>
+          </a:prstGeom>
+          <a:solidFill>
+            <a:srgbClr val="00B8FF"/>
+          </a:solidFill>
+          <a:ln w="38100" cap="flat" cmpd="sng" algn="ctr">
+            <a:solidFill>
+              <a:srgbClr val="FFC000"/>
+            </a:solidFill>
+            <a:prstDash val="solid"/>
+            <a:round/>
+            <a:headEnd type="none" w="med" len="med"/>
+            <a:tailEnd type="arrow"/>
+          </a:ln>
+          <a:effectLst/>
+          <a:extLst>
+            <a:ext uri="{AF507438-7753-43E0-B8FC-AC1667EBCBE1}">
+              <a14:hiddenEffects xmlns:a14="http://schemas.microsoft.com/office/drawing/2010/main" xmlns="">
+                <a:effectLst>
+                  <a:outerShdw dist="35921" dir="2700000" algn="ctr" rotWithShape="0">
+                    <a:schemeClr val="bg2"/>
+                  </a:outerShdw>
+                </a:effectLst>
+              </a14:hiddenEffects>
+            </a:ext>
+          </a:extLst>
+        </p:spPr>
+      </p:cxnSp>
+      <p:cxnSp>
+        <p:nvCxnSpPr>
+          <p:cNvPr id="97" name="Straight Arrow Connector 96"/>
+          <p:cNvCxnSpPr/>
+          <p:nvPr/>
+        </p:nvCxnSpPr>
+        <p:spPr bwMode="auto">
+          <a:xfrm flipV="1">
+            <a:off x="5256336" y="4571925"/>
+            <a:ext cx="360040" cy="216024"/>
+          </a:xfrm>
+          <a:prstGeom prst="straightConnector1">
+            <a:avLst/>
+          </a:prstGeom>
+          <a:solidFill>
+            <a:srgbClr val="00B8FF"/>
+          </a:solidFill>
+          <a:ln w="38100" cap="flat" cmpd="sng" algn="ctr">
+            <a:solidFill>
+              <a:srgbClr val="FFC000"/>
+            </a:solidFill>
+            <a:prstDash val="solid"/>
+            <a:round/>
+            <a:headEnd type="none" w="med" len="med"/>
+            <a:tailEnd type="arrow"/>
+          </a:ln>
+          <a:effectLst/>
+          <a:extLst>
+            <a:ext uri="{AF507438-7753-43E0-B8FC-AC1667EBCBE1}">
+              <a14:hiddenEffects xmlns:a14="http://schemas.microsoft.com/office/drawing/2010/main" xmlns="">
+                <a:effectLst>
+                  <a:outerShdw dist="35921" dir="2700000" algn="ctr" rotWithShape="0">
+                    <a:schemeClr val="bg2"/>
+                  </a:outerShdw>
+                </a:effectLst>
+              </a14:hiddenEffects>
+            </a:ext>
+          </a:extLst>
+        </p:spPr>
+      </p:cxnSp>
+      <p:cxnSp>
+        <p:nvCxnSpPr>
+          <p:cNvPr id="101" name="Straight Arrow Connector 100"/>
+          <p:cNvCxnSpPr/>
+          <p:nvPr/>
+        </p:nvCxnSpPr>
+        <p:spPr bwMode="auto">
+          <a:xfrm>
+            <a:off x="3528144" y="6012085"/>
+            <a:ext cx="504056" cy="576064"/>
+          </a:xfrm>
+          <a:prstGeom prst="straightConnector1">
+            <a:avLst/>
+          </a:prstGeom>
+          <a:solidFill>
+            <a:srgbClr val="00B8FF"/>
+          </a:solidFill>
+          <a:ln w="38100" cap="flat" cmpd="sng" algn="ctr">
+            <a:solidFill>
+              <a:srgbClr val="FFC000"/>
+            </a:solidFill>
+            <a:prstDash val="solid"/>
+            <a:round/>
+            <a:headEnd type="none" w="med" len="med"/>
+            <a:tailEnd type="arrow"/>
+          </a:ln>
+          <a:effectLst/>
+          <a:extLst>
+            <a:ext uri="{AF507438-7753-43E0-B8FC-AC1667EBCBE1}">
+              <a14:hiddenEffects xmlns:a14="http://schemas.microsoft.com/office/drawing/2010/main" xmlns="">
+                <a:effectLst>
+                  <a:outerShdw dist="35921" dir="2700000" algn="ctr" rotWithShape="0">
+                    <a:schemeClr val="bg2"/>
+                  </a:outerShdw>
+                </a:effectLst>
+              </a14:hiddenEffects>
+            </a:ext>
+          </a:extLst>
+        </p:spPr>
+      </p:cxnSp>
+      <p:cxnSp>
+        <p:nvCxnSpPr>
+          <p:cNvPr id="103" name="Straight Arrow Connector 102"/>
+          <p:cNvCxnSpPr/>
+          <p:nvPr/>
+        </p:nvCxnSpPr>
+        <p:spPr bwMode="auto">
+          <a:xfrm flipV="1">
+            <a:off x="4032200" y="6516141"/>
+            <a:ext cx="360040" cy="72008"/>
+          </a:xfrm>
+          <a:prstGeom prst="straightConnector1">
+            <a:avLst/>
+          </a:prstGeom>
+          <a:solidFill>
+            <a:srgbClr val="00B8FF"/>
+          </a:solidFill>
+          <a:ln w="38100" cap="flat" cmpd="sng" algn="ctr">
+            <a:solidFill>
+              <a:srgbClr val="FFC000"/>
+            </a:solidFill>
+            <a:prstDash val="solid"/>
+            <a:round/>
+            <a:headEnd type="none" w="med" len="med"/>
+            <a:tailEnd type="arrow"/>
+          </a:ln>
+          <a:effectLst/>
+          <a:extLst>
+            <a:ext uri="{AF507438-7753-43E0-B8FC-AC1667EBCBE1}">
+              <a14:hiddenEffects xmlns:a14="http://schemas.microsoft.com/office/drawing/2010/main" xmlns="">
+                <a:effectLst>
+                  <a:outerShdw dist="35921" dir="2700000" algn="ctr" rotWithShape="0">
+                    <a:schemeClr val="bg2"/>
+                  </a:outerShdw>
+                </a:effectLst>
+              </a14:hiddenEffects>
+            </a:ext>
+          </a:extLst>
+        </p:spPr>
+      </p:cxnSp>
+      <p:cxnSp>
+        <p:nvCxnSpPr>
+          <p:cNvPr id="105" name="Straight Arrow Connector 104"/>
+          <p:cNvCxnSpPr/>
+          <p:nvPr/>
+        </p:nvCxnSpPr>
+        <p:spPr bwMode="auto">
+          <a:xfrm flipV="1">
+            <a:off x="4464248" y="6300117"/>
+            <a:ext cx="648072" cy="216024"/>
+          </a:xfrm>
+          <a:prstGeom prst="straightConnector1">
+            <a:avLst/>
+          </a:prstGeom>
+          <a:solidFill>
+            <a:srgbClr val="00B8FF"/>
+          </a:solidFill>
+          <a:ln w="38100" cap="flat" cmpd="sng" algn="ctr">
+            <a:solidFill>
+              <a:srgbClr val="FFC000"/>
+            </a:solidFill>
+            <a:prstDash val="solid"/>
+            <a:round/>
+            <a:headEnd type="none" w="med" len="med"/>
+            <a:tailEnd type="arrow"/>
+          </a:ln>
+          <a:effectLst/>
+          <a:extLst>
+            <a:ext uri="{AF507438-7753-43E0-B8FC-AC1667EBCBE1}">
+              <a14:hiddenEffects xmlns:a14="http://schemas.microsoft.com/office/drawing/2010/main" xmlns="">
+                <a:effectLst>
+                  <a:outerShdw dist="35921" dir="2700000" algn="ctr" rotWithShape="0">
+                    <a:schemeClr val="bg2"/>
+                  </a:outerShdw>
+                </a:effectLst>
+              </a14:hiddenEffects>
+            </a:ext>
+          </a:extLst>
+        </p:spPr>
+      </p:cxnSp>
+      <p:cxnSp>
+        <p:nvCxnSpPr>
+          <p:cNvPr id="108" name="Straight Arrow Connector 107"/>
+          <p:cNvCxnSpPr/>
+          <p:nvPr/>
+        </p:nvCxnSpPr>
+        <p:spPr bwMode="auto">
+          <a:xfrm flipV="1">
+            <a:off x="5184328" y="6012085"/>
+            <a:ext cx="648072" cy="216024"/>
+          </a:xfrm>
+          <a:prstGeom prst="straightConnector1">
+            <a:avLst/>
+          </a:prstGeom>
+          <a:solidFill>
+            <a:srgbClr val="00B8FF"/>
+          </a:solidFill>
+          <a:ln w="38100" cap="flat" cmpd="sng" algn="ctr">
+            <a:solidFill>
+              <a:srgbClr val="FFC000"/>
+            </a:solidFill>
+            <a:prstDash val="solid"/>
+            <a:round/>
+            <a:headEnd type="none" w="med" len="med"/>
+            <a:tailEnd type="arrow"/>
+          </a:ln>
+          <a:effectLst/>
+          <a:extLst>
+            <a:ext uri="{AF507438-7753-43E0-B8FC-AC1667EBCBE1}">
+              <a14:hiddenEffects xmlns:a14="http://schemas.microsoft.com/office/drawing/2010/main" xmlns="">
+                <a:effectLst>
+                  <a:outerShdw dist="35921" dir="2700000" algn="ctr" rotWithShape="0">
+                    <a:schemeClr val="bg2"/>
+                  </a:outerShdw>
+                </a:effectLst>
+              </a14:hiddenEffects>
+            </a:ext>
+          </a:extLst>
+        </p:spPr>
+      </p:cxnSp>
+      <p:cxnSp>
+        <p:nvCxnSpPr>
+          <p:cNvPr id="110" name="Straight Arrow Connector 109"/>
+          <p:cNvCxnSpPr/>
+          <p:nvPr/>
+        </p:nvCxnSpPr>
+        <p:spPr bwMode="auto">
+          <a:xfrm flipV="1">
+            <a:off x="5904408" y="5868069"/>
+            <a:ext cx="360040" cy="144016"/>
+          </a:xfrm>
+          <a:prstGeom prst="straightConnector1">
+            <a:avLst/>
+          </a:prstGeom>
+          <a:solidFill>
+            <a:srgbClr val="00B8FF"/>
+          </a:solidFill>
+          <a:ln w="38100" cap="flat" cmpd="sng" algn="ctr">
+            <a:solidFill>
+              <a:srgbClr val="FFC000"/>
+            </a:solidFill>
+            <a:prstDash val="solid"/>
+            <a:round/>
+            <a:headEnd type="none" w="med" len="med"/>
+            <a:tailEnd type="arrow"/>
+          </a:ln>
+          <a:effectLst/>
+          <a:extLst>
+            <a:ext uri="{AF507438-7753-43E0-B8FC-AC1667EBCBE1}">
+              <a14:hiddenEffects xmlns:a14="http://schemas.microsoft.com/office/drawing/2010/main" xmlns="">
+                <a:effectLst>
+                  <a:outerShdw dist="35921" dir="2700000" algn="ctr" rotWithShape="0">
+                    <a:schemeClr val="bg2"/>
+                  </a:outerShdw>
+                </a:effectLst>
+              </a14:hiddenEffects>
+            </a:ext>
+          </a:extLst>
+        </p:spPr>
+      </p:cxnSp>
+      <p:cxnSp>
+        <p:nvCxnSpPr>
+          <p:cNvPr id="112" name="Straight Arrow Connector 111"/>
+          <p:cNvCxnSpPr/>
+          <p:nvPr/>
+        </p:nvCxnSpPr>
+        <p:spPr bwMode="auto">
+          <a:xfrm flipV="1">
+            <a:off x="6264448" y="5364013"/>
+            <a:ext cx="288032" cy="504056"/>
+          </a:xfrm>
+          <a:prstGeom prst="straightConnector1">
+            <a:avLst/>
+          </a:prstGeom>
+          <a:solidFill>
+            <a:srgbClr val="00B8FF"/>
+          </a:solidFill>
+          <a:ln w="38100" cap="flat" cmpd="sng" algn="ctr">
+            <a:solidFill>
+              <a:srgbClr val="FFC000"/>
+            </a:solidFill>
+            <a:prstDash val="solid"/>
+            <a:round/>
+            <a:headEnd type="none" w="med" len="med"/>
+            <a:tailEnd type="arrow"/>
+          </a:ln>
+          <a:effectLst/>
+          <a:extLst>
+            <a:ext uri="{AF507438-7753-43E0-B8FC-AC1667EBCBE1}">
+              <a14:hiddenEffects xmlns:a14="http://schemas.microsoft.com/office/drawing/2010/main" xmlns="">
+                <a:effectLst>
+                  <a:outerShdw dist="35921" dir="2700000" algn="ctr" rotWithShape="0">
+                    <a:schemeClr val="bg2"/>
+                  </a:outerShdw>
+                </a:effectLst>
+              </a14:hiddenEffects>
+            </a:ext>
+          </a:extLst>
+        </p:spPr>
+      </p:cxnSp>
+      <p:cxnSp>
+        <p:nvCxnSpPr>
+          <p:cNvPr id="114" name="Straight Arrow Connector 113"/>
+          <p:cNvCxnSpPr/>
+          <p:nvPr/>
+        </p:nvCxnSpPr>
+        <p:spPr bwMode="auto">
+          <a:xfrm flipV="1">
+            <a:off x="6552480" y="4931965"/>
+            <a:ext cx="216024" cy="360040"/>
+          </a:xfrm>
+          <a:prstGeom prst="straightConnector1">
+            <a:avLst/>
+          </a:prstGeom>
+          <a:solidFill>
+            <a:srgbClr val="00B8FF"/>
+          </a:solidFill>
+          <a:ln w="38100" cap="flat" cmpd="sng" algn="ctr">
+            <a:solidFill>
+              <a:srgbClr val="FFC000"/>
+            </a:solidFill>
+            <a:prstDash val="solid"/>
+            <a:round/>
+            <a:headEnd type="none" w="med" len="med"/>
+            <a:tailEnd type="arrow"/>
+          </a:ln>
+          <a:effectLst/>
+          <a:extLst>
+            <a:ext uri="{AF507438-7753-43E0-B8FC-AC1667EBCBE1}">
+              <a14:hiddenEffects xmlns:a14="http://schemas.microsoft.com/office/drawing/2010/main" xmlns="">
+                <a:effectLst>
+                  <a:outerShdw dist="35921" dir="2700000" algn="ctr" rotWithShape="0">
+                    <a:schemeClr val="bg2"/>
+                  </a:outerShdw>
+                </a:effectLst>
+              </a14:hiddenEffects>
+            </a:ext>
+          </a:extLst>
+        </p:spPr>
+      </p:cxnSp>
+      <p:cxnSp>
+        <p:nvCxnSpPr>
+          <p:cNvPr id="116" name="Straight Arrow Connector 115"/>
+          <p:cNvCxnSpPr/>
+          <p:nvPr/>
+        </p:nvCxnSpPr>
+        <p:spPr bwMode="auto">
+          <a:xfrm flipV="1">
+            <a:off x="6768504" y="4643933"/>
+            <a:ext cx="216024" cy="360040"/>
+          </a:xfrm>
+          <a:prstGeom prst="straightConnector1">
+            <a:avLst/>
+          </a:prstGeom>
+          <a:solidFill>
+            <a:srgbClr val="00B8FF"/>
+          </a:solidFill>
+          <a:ln w="38100" cap="flat" cmpd="sng" algn="ctr">
+            <a:solidFill>
+              <a:srgbClr val="FFC000"/>
+            </a:solidFill>
+            <a:prstDash val="solid"/>
+            <a:round/>
+            <a:headEnd type="none" w="med" len="med"/>
+            <a:tailEnd type="arrow"/>
+          </a:ln>
+          <a:effectLst/>
+          <a:extLst>
+            <a:ext uri="{AF507438-7753-43E0-B8FC-AC1667EBCBE1}">
+              <a14:hiddenEffects xmlns:a14="http://schemas.microsoft.com/office/drawing/2010/main" xmlns="">
+                <a:effectLst>
+                  <a:outerShdw dist="35921" dir="2700000" algn="ctr" rotWithShape="0">
+                    <a:schemeClr val="bg2"/>
+                  </a:outerShdw>
+                </a:effectLst>
+              </a14:hiddenEffects>
+            </a:ext>
+          </a:extLst>
+        </p:spPr>
+      </p:cxnSp>
+      <p:cxnSp>
+        <p:nvCxnSpPr>
+          <p:cNvPr id="117" name="Straight Arrow Connector 116"/>
+          <p:cNvCxnSpPr/>
+          <p:nvPr/>
+        </p:nvCxnSpPr>
+        <p:spPr bwMode="auto">
+          <a:xfrm>
+            <a:off x="7056536" y="4715941"/>
+            <a:ext cx="216024" cy="504056"/>
+          </a:xfrm>
+          <a:prstGeom prst="straightConnector1">
+            <a:avLst/>
+          </a:prstGeom>
+          <a:solidFill>
+            <a:srgbClr val="00B8FF"/>
+          </a:solidFill>
+          <a:ln w="38100" cap="flat" cmpd="sng" algn="ctr">
+            <a:solidFill>
+              <a:srgbClr val="FFC000"/>
+            </a:solidFill>
+            <a:prstDash val="solid"/>
+            <a:round/>
+            <a:headEnd type="none" w="med" len="med"/>
+            <a:tailEnd type="arrow"/>
+          </a:ln>
+          <a:effectLst/>
+          <a:extLst>
+            <a:ext uri="{AF507438-7753-43E0-B8FC-AC1667EBCBE1}">
+              <a14:hiddenEffects xmlns:a14="http://schemas.microsoft.com/office/drawing/2010/main" xmlns="">
+                <a:effectLst>
+                  <a:outerShdw dist="35921" dir="2700000" algn="ctr" rotWithShape="0">
+                    <a:schemeClr val="bg2"/>
+                  </a:outerShdw>
+                </a:effectLst>
+              </a14:hiddenEffects>
+            </a:ext>
+          </a:extLst>
+        </p:spPr>
+      </p:cxnSp>
+      <p:cxnSp>
+        <p:nvCxnSpPr>
+          <p:cNvPr id="120" name="Straight Arrow Connector 119"/>
+          <p:cNvCxnSpPr/>
+          <p:nvPr/>
+        </p:nvCxnSpPr>
+        <p:spPr bwMode="auto">
+          <a:xfrm>
+            <a:off x="7272560" y="5219997"/>
+            <a:ext cx="216024" cy="504056"/>
+          </a:xfrm>
+          <a:prstGeom prst="straightConnector1">
+            <a:avLst/>
+          </a:prstGeom>
+          <a:solidFill>
+            <a:srgbClr val="00B8FF"/>
+          </a:solidFill>
+          <a:ln w="38100" cap="flat" cmpd="sng" algn="ctr">
+            <a:solidFill>
+              <a:srgbClr val="FFC000"/>
+            </a:solidFill>
+            <a:prstDash val="solid"/>
+            <a:round/>
+            <a:headEnd type="none" w="med" len="med"/>
+            <a:tailEnd type="arrow"/>
+          </a:ln>
+          <a:effectLst/>
+          <a:extLst>
+            <a:ext uri="{AF507438-7753-43E0-B8FC-AC1667EBCBE1}">
+              <a14:hiddenEffects xmlns:a14="http://schemas.microsoft.com/office/drawing/2010/main" xmlns="">
+                <a:effectLst>
+                  <a:outerShdw dist="35921" dir="2700000" algn="ctr" rotWithShape="0">
+                    <a:schemeClr val="bg2"/>
+                  </a:outerShdw>
+                </a:effectLst>
+              </a14:hiddenEffects>
+            </a:ext>
+          </a:extLst>
+        </p:spPr>
+      </p:cxnSp>
+      <p:cxnSp>
+        <p:nvCxnSpPr>
+          <p:cNvPr id="121" name="Straight Arrow Connector 120"/>
+          <p:cNvCxnSpPr/>
+          <p:nvPr/>
+        </p:nvCxnSpPr>
+        <p:spPr bwMode="auto">
+          <a:xfrm flipH="1">
+            <a:off x="7344568" y="6732165"/>
+            <a:ext cx="144016" cy="504056"/>
+          </a:xfrm>
+          <a:prstGeom prst="straightConnector1">
+            <a:avLst/>
+          </a:prstGeom>
+          <a:solidFill>
+            <a:srgbClr val="00B8FF"/>
+          </a:solidFill>
+          <a:ln w="38100" cap="flat" cmpd="sng" algn="ctr">
+            <a:solidFill>
+              <a:srgbClr val="FFC000"/>
+            </a:solidFill>
+            <a:prstDash val="solid"/>
+            <a:round/>
+            <a:headEnd type="none" w="med" len="med"/>
+            <a:tailEnd type="arrow"/>
+          </a:ln>
+          <a:effectLst/>
+          <a:extLst>
+            <a:ext uri="{AF507438-7753-43E0-B8FC-AC1667EBCBE1}">
+              <a14:hiddenEffects xmlns:a14="http://schemas.microsoft.com/office/drawing/2010/main" xmlns="">
+                <a:effectLst>
+                  <a:outerShdw dist="35921" dir="2700000" algn="ctr" rotWithShape="0">
+                    <a:schemeClr val="bg2"/>
+                  </a:outerShdw>
+                </a:effectLst>
+              </a14:hiddenEffects>
+            </a:ext>
+          </a:extLst>
+        </p:spPr>
+      </p:cxnSp>
     </p:spTree>
   </p:cSld>
   <p:clrMapOvr>
@@ -17156,8 +18764,8 @@
         </p:nvSpPr>
         <p:spPr>
           <a:xfrm>
-            <a:off x="503238" y="2987749"/>
-            <a:ext cx="9069387" cy="3768651"/>
+            <a:off x="503238" y="2987750"/>
+            <a:ext cx="9577387" cy="792088"/>
           </a:xfrm>
         </p:spPr>
         <p:txBody>
@@ -17170,38 +18778,13 @@
             </a:pPr>
             <a:r>
               <a:rPr lang="en-GB" dirty="0" smtClean="0"/>
-              <a:t>Trained with large selection of pictures of people and of not people</a:t>
+              <a:t>Trained with large selection of pictures of </a:t>
             </a:r>
-          </a:p>
-          <a:p>
-            <a:pPr marL="457200" indent="-457200">
-              <a:buFont typeface="Arial" pitchFamily="34" charset="0"/>
-              <a:buChar char="•"/>
-            </a:pPr>
             <a:r>
               <a:rPr lang="en-GB" dirty="0" smtClean="0"/>
-              <a:t>Retrains on false positives</a:t>
+              <a:t>people</a:t>
             </a:r>
-          </a:p>
-          <a:p>
-            <a:pPr marL="457200" indent="-457200">
-              <a:buFont typeface="Arial" pitchFamily="34" charset="0"/>
-              <a:buChar char="•"/>
-            </a:pPr>
-            <a:r>
-              <a:rPr lang="en-GB" dirty="0" smtClean="0"/>
-              <a:t>Uses these to predict whether a HOG window contains a person</a:t>
-            </a:r>
-          </a:p>
-          <a:p>
-            <a:pPr marL="457200" indent="-457200">
-              <a:buFont typeface="Arial" pitchFamily="34" charset="0"/>
-              <a:buChar char="•"/>
-            </a:pPr>
-            <a:r>
-              <a:rPr lang="en-GB" dirty="0" smtClean="0"/>
-              <a:t>Scale sensitive</a:t>
-            </a:r>
+            <a:endParaRPr lang="en-GB" dirty="0" smtClean="0"/>
           </a:p>
         </p:txBody>
       </p:sp>
@@ -17882,6 +19465,213 @@
           </a:extLst>
         </p:spPr>
       </p:cxnSp>
+      <p:pic>
+        <p:nvPicPr>
+          <p:cNvPr id="2050" name="Picture 2"/>
+          <p:cNvPicPr>
+            <a:picLocks noChangeAspect="1" noChangeArrowheads="1"/>
+          </p:cNvPicPr>
+          <p:nvPr/>
+        </p:nvPicPr>
+        <p:blipFill>
+          <a:blip r:embed="rId2" cstate="print"/>
+          <a:srcRect/>
+          <a:stretch>
+            <a:fillRect/>
+          </a:stretch>
+        </p:blipFill>
+        <p:spPr bwMode="auto">
+          <a:xfrm>
+            <a:off x="503808" y="3491805"/>
+            <a:ext cx="9163050" cy="1838325"/>
+          </a:xfrm>
+          <a:prstGeom prst="rect">
+            <a:avLst/>
+          </a:prstGeom>
+          <a:noFill/>
+          <a:ln w="9525">
+            <a:noFill/>
+            <a:miter lim="800000"/>
+            <a:headEnd/>
+            <a:tailEnd/>
+          </a:ln>
+        </p:spPr>
+      </p:pic>
+      <p:sp>
+        <p:nvSpPr>
+          <p:cNvPr id="17" name="Content Placeholder 2"/>
+          <p:cNvSpPr txBox="1">
+            <a:spLocks/>
+          </p:cNvSpPr>
+          <p:nvPr/>
+        </p:nvSpPr>
+        <p:spPr bwMode="auto">
+          <a:xfrm>
+            <a:off x="503808" y="5292005"/>
+            <a:ext cx="9577387" cy="792088"/>
+          </a:xfrm>
+          <a:prstGeom prst="rect">
+            <a:avLst/>
+          </a:prstGeom>
+          <a:noFill/>
+          <a:ln>
+            <a:noFill/>
+          </a:ln>
+          <a:effectLst/>
+          <a:extLst>
+            <a:ext uri="{909E8E84-426E-40DD-AFC4-6F175D3DCCD1}">
+              <a14:hiddenFill xmlns:a14="http://schemas.microsoft.com/office/drawing/2010/main" xmlns="">
+                <a:solidFill>
+                  <a:srgbClr val="FFFFFF"/>
+                </a:solidFill>
+              </a14:hiddenFill>
+            </a:ext>
+            <a:ext uri="{91240B29-F687-4F45-9708-019B960494DF}">
+              <a14:hiddenLine xmlns:a14="http://schemas.microsoft.com/office/drawing/2010/main" xmlns="" w="9525">
+                <a:solidFill>
+                  <a:srgbClr val="000000"/>
+                </a:solidFill>
+                <a:round/>
+                <a:headEnd/>
+                <a:tailEnd/>
+              </a14:hiddenLine>
+            </a:ext>
+            <a:ext uri="{AF507438-7753-43E0-B8FC-AC1667EBCBE1}">
+              <a14:hiddenEffects xmlns:a14="http://schemas.microsoft.com/office/drawing/2010/main" xmlns="">
+                <a:effectLst>
+                  <a:outerShdw dist="35921" dir="2700000" algn="ctr" rotWithShape="0">
+                    <a:schemeClr val="bg2"/>
+                  </a:outerShdw>
+                </a:effectLst>
+              </a14:hiddenEffects>
+            </a:ext>
+          </a:extLst>
+        </p:spPr>
+        <p:txBody>
+          <a:bodyPr vert="horz" wrap="square" lIns="0" tIns="28224" rIns="0" bIns="0" numCol="1" anchor="t" anchorCtr="0" compatLnSpc="1">
+            <a:prstTxWarp prst="textNoShape">
+              <a:avLst/>
+            </a:prstTxWarp>
+          </a:bodyPr>
+          <a:lstStyle/>
+          <a:p>
+            <a:pPr marL="457200" marR="0" lvl="0" indent="-457200" algn="l" defTabSz="449263" rtl="0" eaLnBrk="1" fontAlgn="base" latinLnBrk="0" hangingPunct="0">
+              <a:lnSpc>
+                <a:spcPct val="93000"/>
+              </a:lnSpc>
+              <a:spcBef>
+                <a:spcPct val="0"/>
+              </a:spcBef>
+              <a:spcAft>
+                <a:spcPts val="1425"/>
+              </a:spcAft>
+              <a:buClr>
+                <a:srgbClr val="000000"/>
+              </a:buClr>
+              <a:buSzPct val="100000"/>
+              <a:buFont typeface="Arial" pitchFamily="34" charset="0"/>
+              <a:buChar char="•"/>
+              <a:tabLst/>
+              <a:defRPr/>
+            </a:pPr>
+            <a:r>
+              <a:rPr kumimoji="0" lang="en-GB" sz="3200" b="0" i="0" u="none" strike="noStrike" kern="0" cap="none" spc="0" normalizeH="0" baseline="0" noProof="0" dirty="0" smtClean="0">
+                <a:ln>
+                  <a:noFill/>
+                </a:ln>
+                <a:solidFill>
+                  <a:srgbClr val="000000"/>
+                </a:solidFill>
+                <a:effectLst/>
+                <a:uLnTx/>
+                <a:uFillTx/>
+                <a:latin typeface="+mn-lt"/>
+                <a:ea typeface="+mn-ea"/>
+                <a:cs typeface="+mn-cs"/>
+              </a:rPr>
+              <a:t>And of not people</a:t>
+            </a:r>
+          </a:p>
+        </p:txBody>
+      </p:sp>
+      <p:pic>
+        <p:nvPicPr>
+          <p:cNvPr id="2051" name="Picture 3" descr="C:\Users\ames\Documents\OrientedGrads\Images\neg.png"/>
+          <p:cNvPicPr>
+            <a:picLocks noChangeAspect="1" noChangeArrowheads="1"/>
+          </p:cNvPicPr>
+          <p:nvPr/>
+        </p:nvPicPr>
+        <p:blipFill>
+          <a:blip r:embed="rId3" cstate="print"/>
+          <a:srcRect/>
+          <a:stretch>
+            <a:fillRect/>
+          </a:stretch>
+        </p:blipFill>
+        <p:spPr bwMode="auto">
+          <a:xfrm>
+            <a:off x="4511352" y="5678437"/>
+            <a:ext cx="889000" cy="1701800"/>
+          </a:xfrm>
+          <a:prstGeom prst="rect">
+            <a:avLst/>
+          </a:prstGeom>
+          <a:noFill/>
+        </p:spPr>
+      </p:pic>
+      <p:pic>
+        <p:nvPicPr>
+          <p:cNvPr id="2052" name="Picture 4" descr="C:\Users\ames\Documents\OrientedGrads\Images\02-03n.jpg"/>
+          <p:cNvPicPr>
+            <a:picLocks noChangeAspect="1" noChangeArrowheads="1"/>
+          </p:cNvPicPr>
+          <p:nvPr/>
+        </p:nvPicPr>
+        <p:blipFill>
+          <a:blip r:embed="rId4" cstate="print"/>
+          <a:srcRect b="55679"/>
+          <a:stretch>
+            <a:fillRect/>
+          </a:stretch>
+        </p:blipFill>
+        <p:spPr bwMode="auto">
+          <a:xfrm>
+            <a:off x="5760392" y="5724053"/>
+            <a:ext cx="2376264" cy="1584176"/>
+          </a:xfrm>
+          <a:prstGeom prst="rect">
+            <a:avLst/>
+          </a:prstGeom>
+          <a:noFill/>
+        </p:spPr>
+      </p:pic>
+      <p:pic>
+        <p:nvPicPr>
+          <p:cNvPr id="20" name="Picture 4" descr="C:\Users\ames\Documents\OrientedGrads\Images\02-03n.jpg"/>
+          <p:cNvPicPr>
+            <a:picLocks noChangeAspect="1" noChangeArrowheads="1"/>
+          </p:cNvPicPr>
+          <p:nvPr/>
+        </p:nvPicPr>
+        <p:blipFill>
+          <a:blip r:embed="rId4" cstate="print"/>
+          <a:srcRect t="56408"/>
+          <a:stretch>
+            <a:fillRect/>
+          </a:stretch>
+        </p:blipFill>
+        <p:spPr bwMode="auto">
+          <a:xfrm>
+            <a:off x="1727944" y="5796061"/>
+            <a:ext cx="2376264" cy="1558156"/>
+          </a:xfrm>
+          <a:prstGeom prst="rect">
+            <a:avLst/>
+          </a:prstGeom>
+          <a:noFill/>
+        </p:spPr>
+      </p:pic>
     </p:spTree>
     <p:extLst>
       <p:ext uri="{BB962C8B-B14F-4D97-AF65-F5344CB8AC3E}">
@@ -18182,7 +19972,7 @@
           <a:p>
             <a:r>
               <a:rPr lang="en-GB" dirty="0" smtClean="0"/>
-              <a:t>Results</a:t>
+              <a:t>The HOG Process</a:t>
             </a:r>
             <a:endParaRPr lang="en-GB" dirty="0"/>
           </a:p>
@@ -18198,19 +19988,736 @@
             <p:ph idx="1"/>
           </p:nvPr>
         </p:nvSpPr>
-        <p:spPr/>
+        <p:spPr>
+          <a:xfrm>
+            <a:off x="503238" y="2987749"/>
+            <a:ext cx="9069387" cy="3768651"/>
+          </a:xfrm>
+        </p:spPr>
         <p:txBody>
           <a:bodyPr/>
           <a:lstStyle/>
           <a:p>
-            <a:endParaRPr lang="en-GB"/>
+            <a:pPr marL="457200" indent="-457200">
+              <a:buFont typeface="Arial" pitchFamily="34" charset="0"/>
+              <a:buChar char="•"/>
+            </a:pPr>
+            <a:r>
+              <a:rPr lang="en-GB" dirty="0" smtClean="0"/>
+              <a:t>Retrained </a:t>
+            </a:r>
+            <a:r>
+              <a:rPr lang="en-GB" dirty="0" smtClean="0"/>
+              <a:t>on false positives</a:t>
+            </a:r>
+          </a:p>
+          <a:p>
+            <a:pPr marL="457200" indent="-457200">
+              <a:buFont typeface="Arial" pitchFamily="34" charset="0"/>
+              <a:buChar char="•"/>
+            </a:pPr>
+            <a:r>
+              <a:rPr lang="en-GB" dirty="0" smtClean="0"/>
+              <a:t>SVM predicts </a:t>
+            </a:r>
+            <a:r>
+              <a:rPr lang="en-GB" dirty="0" smtClean="0"/>
+              <a:t>whether a HOG window contains a person</a:t>
+            </a:r>
+          </a:p>
+          <a:p>
+            <a:pPr marL="457200" indent="-457200">
+              <a:buFont typeface="Arial" pitchFamily="34" charset="0"/>
+              <a:buChar char="•"/>
+            </a:pPr>
+            <a:r>
+              <a:rPr lang="en-GB" dirty="0" smtClean="0"/>
+              <a:t>Scale sensitive</a:t>
+            </a:r>
           </a:p>
         </p:txBody>
       </p:sp>
+      <p:sp>
+        <p:nvSpPr>
+          <p:cNvPr id="5" name="Flowchart: Process 4"/>
+          <p:cNvSpPr/>
+          <p:nvPr/>
+        </p:nvSpPr>
+        <p:spPr bwMode="auto">
+          <a:xfrm>
+            <a:off x="287784" y="1619597"/>
+            <a:ext cx="1368152" cy="864096"/>
+          </a:xfrm>
+          <a:prstGeom prst="flowChartProcess">
+            <a:avLst/>
+          </a:prstGeom>
+          <a:solidFill>
+            <a:srgbClr val="92D050"/>
+          </a:solidFill>
+          <a:ln w="9525" cap="flat" cmpd="sng" algn="ctr">
+            <a:solidFill>
+              <a:schemeClr val="tx1"/>
+            </a:solidFill>
+            <a:prstDash val="solid"/>
+            <a:round/>
+            <a:headEnd type="none" w="med" len="med"/>
+            <a:tailEnd type="none" w="med" len="med"/>
+          </a:ln>
+          <a:effectLst/>
+          <a:extLst>
+            <a:ext uri="{AF507438-7753-43E0-B8FC-AC1667EBCBE1}">
+              <a14:hiddenEffects xmlns:a14="http://schemas.microsoft.com/office/drawing/2010/main" xmlns="">
+                <a:effectLst>
+                  <a:outerShdw dist="35921" dir="2700000" algn="ctr" rotWithShape="0">
+                    <a:schemeClr val="bg2"/>
+                  </a:outerShdw>
+                </a:effectLst>
+              </a14:hiddenEffects>
+            </a:ext>
+          </a:extLst>
+        </p:spPr>
+        <p:txBody>
+          <a:bodyPr vert="horz" wrap="square" lIns="91440" tIns="45720" rIns="91440" bIns="45720" numCol="1" rtlCol="0" anchor="t" anchorCtr="0" compatLnSpc="1">
+            <a:prstTxWarp prst="textNoShape">
+              <a:avLst/>
+            </a:prstTxWarp>
+          </a:bodyPr>
+          <a:lstStyle/>
+          <a:p>
+            <a:pPr marL="0" marR="0" indent="0" algn="l" defTabSz="449263" rtl="0" eaLnBrk="1" fontAlgn="base" latinLnBrk="0" hangingPunct="0">
+              <a:lnSpc>
+                <a:spcPct val="93000"/>
+              </a:lnSpc>
+              <a:spcBef>
+                <a:spcPct val="0"/>
+              </a:spcBef>
+              <a:spcAft>
+                <a:spcPct val="0"/>
+              </a:spcAft>
+              <a:buClr>
+                <a:srgbClr val="000000"/>
+              </a:buClr>
+              <a:buSzPct val="100000"/>
+              <a:buFont typeface="Times New Roman" pitchFamily="16" charset="0"/>
+              <a:buNone/>
+              <a:tabLst/>
+            </a:pPr>
+            <a:r>
+              <a:rPr lang="en-GB" dirty="0" smtClean="0"/>
+              <a:t>Compute Gradients</a:t>
+            </a:r>
+            <a:endParaRPr kumimoji="0" lang="en-GB" sz="1800" b="0" i="0" u="none" strike="noStrike" cap="none" normalizeH="0" baseline="0" dirty="0" smtClean="0">
+              <a:ln>
+                <a:noFill/>
+              </a:ln>
+              <a:effectLst/>
+              <a:latin typeface="Arial" charset="0"/>
+            </a:endParaRPr>
+          </a:p>
+        </p:txBody>
+      </p:sp>
+      <p:sp>
+        <p:nvSpPr>
+          <p:cNvPr id="6" name="Flowchart: Process 5"/>
+          <p:cNvSpPr/>
+          <p:nvPr/>
+        </p:nvSpPr>
+        <p:spPr bwMode="auto">
+          <a:xfrm>
+            <a:off x="1943968" y="1613478"/>
+            <a:ext cx="1368152" cy="864096"/>
+          </a:xfrm>
+          <a:prstGeom prst="flowChartProcess">
+            <a:avLst/>
+          </a:prstGeom>
+          <a:solidFill>
+            <a:srgbClr val="92D050"/>
+          </a:solidFill>
+          <a:ln w="9525" cap="flat" cmpd="sng" algn="ctr">
+            <a:solidFill>
+              <a:schemeClr val="tx1"/>
+            </a:solidFill>
+            <a:prstDash val="solid"/>
+            <a:round/>
+            <a:headEnd type="none" w="med" len="med"/>
+            <a:tailEnd type="none" w="med" len="med"/>
+          </a:ln>
+          <a:effectLst/>
+          <a:extLst>
+            <a:ext uri="{AF507438-7753-43E0-B8FC-AC1667EBCBE1}">
+              <a14:hiddenEffects xmlns:a14="http://schemas.microsoft.com/office/drawing/2010/main" xmlns="">
+                <a:effectLst>
+                  <a:outerShdw dist="35921" dir="2700000" algn="ctr" rotWithShape="0">
+                    <a:schemeClr val="bg2"/>
+                  </a:outerShdw>
+                </a:effectLst>
+              </a14:hiddenEffects>
+            </a:ext>
+          </a:extLst>
+        </p:spPr>
+        <p:txBody>
+          <a:bodyPr vert="horz" wrap="square" lIns="91440" tIns="45720" rIns="91440" bIns="45720" numCol="1" rtlCol="0" anchor="t" anchorCtr="0" compatLnSpc="1">
+            <a:prstTxWarp prst="textNoShape">
+              <a:avLst/>
+            </a:prstTxWarp>
+          </a:bodyPr>
+          <a:lstStyle/>
+          <a:p>
+            <a:pPr marL="0" marR="0" indent="0" algn="l" defTabSz="449263" rtl="0" eaLnBrk="1" fontAlgn="base" latinLnBrk="0" hangingPunct="0">
+              <a:lnSpc>
+                <a:spcPct val="93000"/>
+              </a:lnSpc>
+              <a:spcBef>
+                <a:spcPct val="0"/>
+              </a:spcBef>
+              <a:spcAft>
+                <a:spcPct val="0"/>
+              </a:spcAft>
+              <a:buClr>
+                <a:srgbClr val="000000"/>
+              </a:buClr>
+              <a:buSzPct val="100000"/>
+              <a:buFont typeface="Times New Roman" pitchFamily="16" charset="0"/>
+              <a:buNone/>
+              <a:tabLst/>
+            </a:pPr>
+            <a:r>
+              <a:rPr lang="en-GB" dirty="0" smtClean="0"/>
+              <a:t>Compute Orientation</a:t>
+            </a:r>
+            <a:endParaRPr kumimoji="0" lang="en-GB" sz="1800" b="0" i="0" u="none" strike="noStrike" cap="none" normalizeH="0" baseline="0" dirty="0" smtClean="0">
+              <a:ln>
+                <a:noFill/>
+              </a:ln>
+              <a:effectLst/>
+              <a:latin typeface="Arial" charset="0"/>
+            </a:endParaRPr>
+          </a:p>
+        </p:txBody>
+      </p:sp>
+      <p:sp>
+        <p:nvSpPr>
+          <p:cNvPr id="7" name="Flowchart: Process 6"/>
+          <p:cNvSpPr/>
+          <p:nvPr/>
+        </p:nvSpPr>
+        <p:spPr bwMode="auto">
+          <a:xfrm>
+            <a:off x="3600152" y="1613478"/>
+            <a:ext cx="1368152" cy="864096"/>
+          </a:xfrm>
+          <a:prstGeom prst="flowChartProcess">
+            <a:avLst/>
+          </a:prstGeom>
+          <a:solidFill>
+            <a:srgbClr val="92D050"/>
+          </a:solidFill>
+          <a:ln w="9525" cap="flat" cmpd="sng" algn="ctr">
+            <a:solidFill>
+              <a:schemeClr val="tx1"/>
+            </a:solidFill>
+            <a:prstDash val="solid"/>
+            <a:round/>
+            <a:headEnd type="none" w="med" len="med"/>
+            <a:tailEnd type="none" w="med" len="med"/>
+          </a:ln>
+          <a:effectLst/>
+          <a:extLst>
+            <a:ext uri="{AF507438-7753-43E0-B8FC-AC1667EBCBE1}">
+              <a14:hiddenEffects xmlns:a14="http://schemas.microsoft.com/office/drawing/2010/main" xmlns="">
+                <a:effectLst>
+                  <a:outerShdw dist="35921" dir="2700000" algn="ctr" rotWithShape="0">
+                    <a:schemeClr val="bg2"/>
+                  </a:outerShdw>
+                </a:effectLst>
+              </a14:hiddenEffects>
+            </a:ext>
+          </a:extLst>
+        </p:spPr>
+        <p:txBody>
+          <a:bodyPr vert="horz" wrap="square" lIns="91440" tIns="45720" rIns="91440" bIns="45720" numCol="1" rtlCol="0" anchor="t" anchorCtr="0" compatLnSpc="1">
+            <a:prstTxWarp prst="textNoShape">
+              <a:avLst/>
+            </a:prstTxWarp>
+          </a:bodyPr>
+          <a:lstStyle/>
+          <a:p>
+            <a:pPr marL="0" marR="0" indent="0" algn="l" defTabSz="449263" rtl="0" eaLnBrk="1" fontAlgn="base" latinLnBrk="0" hangingPunct="0">
+              <a:lnSpc>
+                <a:spcPct val="93000"/>
+              </a:lnSpc>
+              <a:spcBef>
+                <a:spcPct val="0"/>
+              </a:spcBef>
+              <a:spcAft>
+                <a:spcPct val="0"/>
+              </a:spcAft>
+              <a:buClr>
+                <a:srgbClr val="000000"/>
+              </a:buClr>
+              <a:buSzPct val="100000"/>
+              <a:buFont typeface="Times New Roman" pitchFamily="16" charset="0"/>
+              <a:buNone/>
+              <a:tabLst/>
+            </a:pPr>
+            <a:r>
+              <a:rPr lang="en-GB" dirty="0" smtClean="0"/>
+              <a:t>Histograms</a:t>
+            </a:r>
+            <a:endParaRPr kumimoji="0" lang="en-GB" sz="1800" b="0" i="0" u="none" strike="noStrike" cap="none" normalizeH="0" baseline="0" dirty="0" smtClean="0">
+              <a:ln>
+                <a:noFill/>
+              </a:ln>
+              <a:effectLst/>
+              <a:latin typeface="Arial" charset="0"/>
+            </a:endParaRPr>
+          </a:p>
+        </p:txBody>
+      </p:sp>
+      <p:sp>
+        <p:nvSpPr>
+          <p:cNvPr id="8" name="Flowchart: Process 7"/>
+          <p:cNvSpPr/>
+          <p:nvPr/>
+        </p:nvSpPr>
+        <p:spPr bwMode="auto">
+          <a:xfrm>
+            <a:off x="5256336" y="1613478"/>
+            <a:ext cx="1368152" cy="864096"/>
+          </a:xfrm>
+          <a:prstGeom prst="flowChartProcess">
+            <a:avLst/>
+          </a:prstGeom>
+          <a:solidFill>
+            <a:srgbClr val="92D050"/>
+          </a:solidFill>
+          <a:ln w="9525" cap="flat" cmpd="sng" algn="ctr">
+            <a:solidFill>
+              <a:schemeClr val="tx1"/>
+            </a:solidFill>
+            <a:prstDash val="solid"/>
+            <a:round/>
+            <a:headEnd type="none" w="med" len="med"/>
+            <a:tailEnd type="none" w="med" len="med"/>
+          </a:ln>
+          <a:effectLst/>
+          <a:extLst>
+            <a:ext uri="{AF507438-7753-43E0-B8FC-AC1667EBCBE1}">
+              <a14:hiddenEffects xmlns:a14="http://schemas.microsoft.com/office/drawing/2010/main" xmlns="">
+                <a:effectLst>
+                  <a:outerShdw dist="35921" dir="2700000" algn="ctr" rotWithShape="0">
+                    <a:schemeClr val="bg2"/>
+                  </a:outerShdw>
+                </a:effectLst>
+              </a14:hiddenEffects>
+            </a:ext>
+          </a:extLst>
+        </p:spPr>
+        <p:txBody>
+          <a:bodyPr vert="horz" wrap="square" lIns="91440" tIns="45720" rIns="91440" bIns="45720" numCol="1" rtlCol="0" anchor="t" anchorCtr="0" compatLnSpc="1">
+            <a:prstTxWarp prst="textNoShape">
+              <a:avLst/>
+            </a:prstTxWarp>
+          </a:bodyPr>
+          <a:lstStyle/>
+          <a:p>
+            <a:pPr marL="0" marR="0" indent="0" algn="l" defTabSz="449263" rtl="0" eaLnBrk="1" fontAlgn="base" latinLnBrk="0" hangingPunct="0">
+              <a:lnSpc>
+                <a:spcPct val="93000"/>
+              </a:lnSpc>
+              <a:spcBef>
+                <a:spcPct val="0"/>
+              </a:spcBef>
+              <a:spcAft>
+                <a:spcPct val="0"/>
+              </a:spcAft>
+              <a:buClr>
+                <a:srgbClr val="000000"/>
+              </a:buClr>
+              <a:buSzPct val="100000"/>
+              <a:buFont typeface="Times New Roman" pitchFamily="16" charset="0"/>
+              <a:buNone/>
+              <a:tabLst/>
+            </a:pPr>
+            <a:r>
+              <a:rPr lang="en-GB" dirty="0" smtClean="0"/>
+              <a:t>Normalise</a:t>
+            </a:r>
+            <a:endParaRPr kumimoji="0" lang="en-GB" sz="1800" b="0" i="0" u="none" strike="noStrike" cap="none" normalizeH="0" baseline="0" dirty="0" smtClean="0">
+              <a:ln>
+                <a:noFill/>
+              </a:ln>
+              <a:effectLst/>
+              <a:latin typeface="Arial" charset="0"/>
+            </a:endParaRPr>
+          </a:p>
+        </p:txBody>
+      </p:sp>
+      <p:sp>
+        <p:nvSpPr>
+          <p:cNvPr id="9" name="Flowchart: Process 8"/>
+          <p:cNvSpPr/>
+          <p:nvPr/>
+        </p:nvSpPr>
+        <p:spPr bwMode="auto">
+          <a:xfrm>
+            <a:off x="6912520" y="1613478"/>
+            <a:ext cx="1368152" cy="864096"/>
+          </a:xfrm>
+          <a:prstGeom prst="flowChartProcess">
+            <a:avLst/>
+          </a:prstGeom>
+          <a:solidFill>
+            <a:srgbClr val="92D050"/>
+          </a:solidFill>
+          <a:ln w="9525" cap="flat" cmpd="sng" algn="ctr">
+            <a:solidFill>
+              <a:schemeClr val="tx1"/>
+            </a:solidFill>
+            <a:prstDash val="solid"/>
+            <a:round/>
+            <a:headEnd type="none" w="med" len="med"/>
+            <a:tailEnd type="none" w="med" len="med"/>
+          </a:ln>
+          <a:effectLst/>
+          <a:extLst>
+            <a:ext uri="{AF507438-7753-43E0-B8FC-AC1667EBCBE1}">
+              <a14:hiddenEffects xmlns:a14="http://schemas.microsoft.com/office/drawing/2010/main" xmlns="">
+                <a:effectLst>
+                  <a:outerShdw dist="35921" dir="2700000" algn="ctr" rotWithShape="0">
+                    <a:schemeClr val="bg2"/>
+                  </a:outerShdw>
+                </a:effectLst>
+              </a14:hiddenEffects>
+            </a:ext>
+          </a:extLst>
+        </p:spPr>
+        <p:txBody>
+          <a:bodyPr vert="horz" wrap="square" lIns="91440" tIns="45720" rIns="91440" bIns="45720" numCol="1" rtlCol="0" anchor="t" anchorCtr="0" compatLnSpc="1">
+            <a:prstTxWarp prst="textNoShape">
+              <a:avLst/>
+            </a:prstTxWarp>
+          </a:bodyPr>
+          <a:lstStyle/>
+          <a:p>
+            <a:pPr marL="0" marR="0" indent="0" algn="l" defTabSz="449263" rtl="0" eaLnBrk="1" fontAlgn="base" latinLnBrk="0" hangingPunct="0">
+              <a:lnSpc>
+                <a:spcPct val="93000"/>
+              </a:lnSpc>
+              <a:spcBef>
+                <a:spcPct val="0"/>
+              </a:spcBef>
+              <a:spcAft>
+                <a:spcPct val="0"/>
+              </a:spcAft>
+              <a:buClr>
+                <a:srgbClr val="000000"/>
+              </a:buClr>
+              <a:buSzPct val="100000"/>
+              <a:buFont typeface="Times New Roman" pitchFamily="16" charset="0"/>
+              <a:buNone/>
+              <a:tabLst/>
+            </a:pPr>
+            <a:r>
+              <a:rPr lang="en-GB" dirty="0" smtClean="0"/>
+              <a:t>Collect over window</a:t>
+            </a:r>
+            <a:endParaRPr kumimoji="0" lang="en-GB" sz="1800" b="0" i="0" u="none" strike="noStrike" cap="none" normalizeH="0" baseline="0" dirty="0" smtClean="0">
+              <a:ln>
+                <a:noFill/>
+              </a:ln>
+              <a:effectLst/>
+              <a:latin typeface="Arial" charset="0"/>
+            </a:endParaRPr>
+          </a:p>
+        </p:txBody>
+      </p:sp>
+      <p:sp>
+        <p:nvSpPr>
+          <p:cNvPr id="10" name="Flowchart: Process 9"/>
+          <p:cNvSpPr/>
+          <p:nvPr/>
+        </p:nvSpPr>
+        <p:spPr bwMode="auto">
+          <a:xfrm>
+            <a:off x="8568704" y="1613478"/>
+            <a:ext cx="1368152" cy="864096"/>
+          </a:xfrm>
+          <a:prstGeom prst="flowChartProcess">
+            <a:avLst/>
+          </a:prstGeom>
+          <a:solidFill>
+            <a:srgbClr val="FF0000"/>
+          </a:solidFill>
+          <a:ln w="9525" cap="flat" cmpd="sng" algn="ctr">
+            <a:solidFill>
+              <a:schemeClr val="tx1"/>
+            </a:solidFill>
+            <a:prstDash val="solid"/>
+            <a:round/>
+            <a:headEnd type="none" w="med" len="med"/>
+            <a:tailEnd type="none" w="med" len="med"/>
+          </a:ln>
+          <a:effectLst/>
+        </p:spPr>
+        <p:txBody>
+          <a:bodyPr vert="horz" wrap="square" lIns="91440" tIns="45720" rIns="91440" bIns="45720" numCol="1" rtlCol="0" anchor="t" anchorCtr="0" compatLnSpc="1">
+            <a:prstTxWarp prst="textNoShape">
+              <a:avLst/>
+            </a:prstTxWarp>
+          </a:bodyPr>
+          <a:lstStyle/>
+          <a:p>
+            <a:pPr marL="0" marR="0" indent="0" algn="l" defTabSz="449263" rtl="0" eaLnBrk="1" fontAlgn="base" latinLnBrk="0" hangingPunct="0">
+              <a:lnSpc>
+                <a:spcPct val="93000"/>
+              </a:lnSpc>
+              <a:spcBef>
+                <a:spcPct val="0"/>
+              </a:spcBef>
+              <a:spcAft>
+                <a:spcPct val="0"/>
+              </a:spcAft>
+              <a:buClr>
+                <a:srgbClr val="000000"/>
+              </a:buClr>
+              <a:buSzPct val="100000"/>
+              <a:buFont typeface="Times New Roman" pitchFamily="16" charset="0"/>
+              <a:buNone/>
+              <a:tabLst/>
+            </a:pPr>
+            <a:r>
+              <a:rPr lang="en-GB" dirty="0" smtClean="0"/>
+              <a:t>Linear SVM</a:t>
+            </a:r>
+            <a:endParaRPr kumimoji="0" lang="en-GB" sz="1800" b="0" i="0" u="none" strike="noStrike" cap="none" normalizeH="0" baseline="0" dirty="0" smtClean="0">
+              <a:ln>
+                <a:noFill/>
+              </a:ln>
+              <a:effectLst/>
+              <a:latin typeface="Arial" charset="0"/>
+            </a:endParaRPr>
+          </a:p>
+        </p:txBody>
+      </p:sp>
+      <p:cxnSp>
+        <p:nvCxnSpPr>
+          <p:cNvPr id="11" name="Straight Arrow Connector 10"/>
+          <p:cNvCxnSpPr>
+            <a:endCxn id="6" idx="1"/>
+          </p:cNvCxnSpPr>
+          <p:nvPr/>
+        </p:nvCxnSpPr>
+        <p:spPr bwMode="auto">
+          <a:xfrm flipV="1">
+            <a:off x="1655936" y="2045526"/>
+            <a:ext cx="288032" cy="6119"/>
+          </a:xfrm>
+          <a:prstGeom prst="straightConnector1">
+            <a:avLst/>
+          </a:prstGeom>
+          <a:solidFill>
+            <a:srgbClr val="92D050"/>
+          </a:solidFill>
+          <a:ln w="9525" cap="flat" cmpd="sng" algn="ctr">
+            <a:solidFill>
+              <a:schemeClr val="tx1"/>
+            </a:solidFill>
+            <a:prstDash val="solid"/>
+            <a:round/>
+            <a:headEnd type="none" w="med" len="med"/>
+            <a:tailEnd type="arrow"/>
+          </a:ln>
+          <a:effectLst/>
+          <a:extLst>
+            <a:ext uri="{AF507438-7753-43E0-B8FC-AC1667EBCBE1}">
+              <a14:hiddenEffects xmlns:a14="http://schemas.microsoft.com/office/drawing/2010/main" xmlns="">
+                <a:effectLst>
+                  <a:outerShdw dist="35921" dir="2700000" algn="ctr" rotWithShape="0">
+                    <a:schemeClr val="bg2"/>
+                  </a:outerShdw>
+                </a:effectLst>
+              </a14:hiddenEffects>
+            </a:ext>
+          </a:extLst>
+        </p:spPr>
+      </p:cxnSp>
+      <p:cxnSp>
+        <p:nvCxnSpPr>
+          <p:cNvPr id="12" name="Straight Arrow Connector 11"/>
+          <p:cNvCxnSpPr>
+            <a:stCxn id="6" idx="3"/>
+            <a:endCxn id="7" idx="1"/>
+          </p:cNvCxnSpPr>
+          <p:nvPr/>
+        </p:nvCxnSpPr>
+        <p:spPr bwMode="auto">
+          <a:xfrm>
+            <a:off x="3312120" y="2045526"/>
+            <a:ext cx="288032" cy="0"/>
+          </a:xfrm>
+          <a:prstGeom prst="straightConnector1">
+            <a:avLst/>
+          </a:prstGeom>
+          <a:solidFill>
+            <a:srgbClr val="92D050"/>
+          </a:solidFill>
+          <a:ln w="9525" cap="flat" cmpd="sng" algn="ctr">
+            <a:solidFill>
+              <a:schemeClr val="tx1"/>
+            </a:solidFill>
+            <a:prstDash val="solid"/>
+            <a:round/>
+            <a:headEnd type="none" w="med" len="med"/>
+            <a:tailEnd type="arrow"/>
+          </a:ln>
+          <a:effectLst/>
+          <a:extLst>
+            <a:ext uri="{AF507438-7753-43E0-B8FC-AC1667EBCBE1}">
+              <a14:hiddenEffects xmlns:a14="http://schemas.microsoft.com/office/drawing/2010/main" xmlns="">
+                <a:effectLst>
+                  <a:outerShdw dist="35921" dir="2700000" algn="ctr" rotWithShape="0">
+                    <a:schemeClr val="bg2"/>
+                  </a:outerShdw>
+                </a:effectLst>
+              </a14:hiddenEffects>
+            </a:ext>
+          </a:extLst>
+        </p:spPr>
+      </p:cxnSp>
+      <p:cxnSp>
+        <p:nvCxnSpPr>
+          <p:cNvPr id="13" name="Straight Arrow Connector 12"/>
+          <p:cNvCxnSpPr>
+            <a:stCxn id="7" idx="3"/>
+            <a:endCxn id="8" idx="1"/>
+          </p:cNvCxnSpPr>
+          <p:nvPr/>
+        </p:nvCxnSpPr>
+        <p:spPr bwMode="auto">
+          <a:xfrm>
+            <a:off x="4968304" y="2045526"/>
+            <a:ext cx="288032" cy="0"/>
+          </a:xfrm>
+          <a:prstGeom prst="straightConnector1">
+            <a:avLst/>
+          </a:prstGeom>
+          <a:solidFill>
+            <a:srgbClr val="92D050"/>
+          </a:solidFill>
+          <a:ln w="9525" cap="flat" cmpd="sng" algn="ctr">
+            <a:solidFill>
+              <a:schemeClr val="tx1"/>
+            </a:solidFill>
+            <a:prstDash val="solid"/>
+            <a:round/>
+            <a:headEnd type="none" w="med" len="med"/>
+            <a:tailEnd type="arrow"/>
+          </a:ln>
+          <a:effectLst/>
+          <a:extLst>
+            <a:ext uri="{AF507438-7753-43E0-B8FC-AC1667EBCBE1}">
+              <a14:hiddenEffects xmlns:a14="http://schemas.microsoft.com/office/drawing/2010/main" xmlns="">
+                <a:effectLst>
+                  <a:outerShdw dist="35921" dir="2700000" algn="ctr" rotWithShape="0">
+                    <a:schemeClr val="bg2"/>
+                  </a:outerShdw>
+                </a:effectLst>
+              </a14:hiddenEffects>
+            </a:ext>
+          </a:extLst>
+        </p:spPr>
+      </p:cxnSp>
+      <p:cxnSp>
+        <p:nvCxnSpPr>
+          <p:cNvPr id="14" name="Straight Arrow Connector 13"/>
+          <p:cNvCxnSpPr>
+            <a:stCxn id="8" idx="3"/>
+            <a:endCxn id="9" idx="1"/>
+          </p:cNvCxnSpPr>
+          <p:nvPr/>
+        </p:nvCxnSpPr>
+        <p:spPr bwMode="auto">
+          <a:xfrm>
+            <a:off x="6624488" y="2045526"/>
+            <a:ext cx="288032" cy="0"/>
+          </a:xfrm>
+          <a:prstGeom prst="straightConnector1">
+            <a:avLst/>
+          </a:prstGeom>
+          <a:solidFill>
+            <a:srgbClr val="92D050"/>
+          </a:solidFill>
+          <a:ln w="9525" cap="flat" cmpd="sng" algn="ctr">
+            <a:solidFill>
+              <a:schemeClr val="tx1"/>
+            </a:solidFill>
+            <a:prstDash val="solid"/>
+            <a:round/>
+            <a:headEnd type="none" w="med" len="med"/>
+            <a:tailEnd type="arrow"/>
+          </a:ln>
+          <a:effectLst/>
+          <a:extLst>
+            <a:ext uri="{AF507438-7753-43E0-B8FC-AC1667EBCBE1}">
+              <a14:hiddenEffects xmlns:a14="http://schemas.microsoft.com/office/drawing/2010/main" xmlns="">
+                <a:effectLst>
+                  <a:outerShdw dist="35921" dir="2700000" algn="ctr" rotWithShape="0">
+                    <a:schemeClr val="bg2"/>
+                  </a:outerShdw>
+                </a:effectLst>
+              </a14:hiddenEffects>
+            </a:ext>
+          </a:extLst>
+        </p:spPr>
+      </p:cxnSp>
+      <p:cxnSp>
+        <p:nvCxnSpPr>
+          <p:cNvPr id="15" name="Straight Arrow Connector 14"/>
+          <p:cNvCxnSpPr>
+            <a:stCxn id="9" idx="3"/>
+            <a:endCxn id="10" idx="1"/>
+          </p:cNvCxnSpPr>
+          <p:nvPr/>
+        </p:nvCxnSpPr>
+        <p:spPr bwMode="auto">
+          <a:xfrm>
+            <a:off x="8280672" y="2045526"/>
+            <a:ext cx="288032" cy="0"/>
+          </a:xfrm>
+          <a:prstGeom prst="straightConnector1">
+            <a:avLst/>
+          </a:prstGeom>
+          <a:solidFill>
+            <a:srgbClr val="92D050"/>
+          </a:solidFill>
+          <a:ln w="9525" cap="flat" cmpd="sng" algn="ctr">
+            <a:solidFill>
+              <a:schemeClr val="tx1"/>
+            </a:solidFill>
+            <a:prstDash val="solid"/>
+            <a:round/>
+            <a:headEnd type="none" w="med" len="med"/>
+            <a:tailEnd type="arrow"/>
+          </a:ln>
+          <a:effectLst/>
+          <a:extLst>
+            <a:ext uri="{AF507438-7753-43E0-B8FC-AC1667EBCBE1}">
+              <a14:hiddenEffects xmlns:a14="http://schemas.microsoft.com/office/drawing/2010/main" xmlns="">
+                <a:effectLst>
+                  <a:outerShdw dist="35921" dir="2700000" algn="ctr" rotWithShape="0">
+                    <a:schemeClr val="bg2"/>
+                  </a:outerShdw>
+                </a:effectLst>
+              </a14:hiddenEffects>
+            </a:ext>
+          </a:extLst>
+        </p:spPr>
+      </p:cxnSp>
     </p:spTree>
     <p:extLst>
       <p:ext uri="{BB962C8B-B14F-4D97-AF65-F5344CB8AC3E}">
-        <p14:creationId xmlns:p14="http://schemas.microsoft.com/office/powerpoint/2010/main" xmlns="" val="4003275848"/>
+        <p14:creationId xmlns:p14="http://schemas.microsoft.com/office/powerpoint/2010/main" xmlns="" val="809673653"/>
       </p:ext>
     </p:extLst>
   </p:cSld>
@@ -18261,45 +20768,1975 @@
           <a:p>
             <a:r>
               <a:rPr lang="en-GB" dirty="0" smtClean="0"/>
-              <a:t>Demo</a:t>
+              <a:t>The HOG Process</a:t>
             </a:r>
             <a:endParaRPr lang="en-GB" dirty="0"/>
+          </a:p>
+        </p:txBody>
+      </p:sp>
+      <p:sp>
+        <p:nvSpPr>
+          <p:cNvPr id="3" name="Content Placeholder 2"/>
+          <p:cNvSpPr>
+            <a:spLocks noGrp="1"/>
+          </p:cNvSpPr>
+          <p:nvPr>
+            <p:ph idx="1"/>
+          </p:nvPr>
+        </p:nvSpPr>
+        <p:spPr>
+          <a:xfrm>
+            <a:off x="503238" y="2987749"/>
+            <a:ext cx="9069387" cy="3768651"/>
+          </a:xfrm>
+        </p:spPr>
+        <p:txBody>
+          <a:bodyPr/>
+          <a:lstStyle/>
+          <a:p>
+            <a:pPr marL="457200" indent="-457200">
+              <a:buFont typeface="Arial" pitchFamily="34" charset="0"/>
+              <a:buChar char="•"/>
+            </a:pPr>
+            <a:r>
+              <a:rPr lang="en-GB" dirty="0" smtClean="0"/>
+              <a:t>For location invariance a sliding window is used</a:t>
+            </a:r>
           </a:p>
         </p:txBody>
       </p:sp>
       <p:pic>
         <p:nvPicPr>
-          <p:cNvPr id="4" name="Content Placeholder 3"/>
+          <p:cNvPr id="1026" name="Picture 2" descr="C:\Users\ames\Documents\OrientedGrads\Images\left_pedestrian.png"/>
           <p:cNvPicPr>
-            <a:picLocks noGrp="1" noChangeAspect="1"/>
+            <a:picLocks noChangeAspect="1" noChangeArrowheads="1"/>
           </p:cNvPicPr>
-          <p:nvPr>
-            <p:ph idx="1"/>
-          </p:nvPr>
+          <p:nvPr/>
         </p:nvPicPr>
         <p:blipFill>
-          <a:blip r:embed="rId2" cstate="print">
-            <a:extLst>
-              <a:ext uri="{28A0092B-C50C-407E-A947-70E740481C1C}">
-                <a14:useLocalDpi xmlns:a14="http://schemas.microsoft.com/office/drawing/2010/main" xmlns="" val="0"/>
-              </a:ext>
-            </a:extLst>
-          </a:blip>
+          <a:blip r:embed="rId2" cstate="print"/>
+          <a:srcRect/>
           <a:stretch>
             <a:fillRect/>
           </a:stretch>
         </p:blipFill>
-        <p:spPr>
+        <p:spPr bwMode="auto">
           <a:xfrm>
-            <a:off x="1394619" y="1833562"/>
-            <a:ext cx="7286625" cy="4857750"/>
-          </a:xfrm>
+            <a:off x="2520032" y="3923853"/>
+            <a:ext cx="4367709" cy="3275782"/>
+          </a:xfrm>
+          <a:prstGeom prst="rect">
+            <a:avLst/>
+          </a:prstGeom>
+          <a:noFill/>
         </p:spPr>
       </p:pic>
+      <p:sp>
+        <p:nvSpPr>
+          <p:cNvPr id="17" name="Rectangle 5"/>
+          <p:cNvSpPr>
+            <a:spLocks noChangeArrowheads="1"/>
+          </p:cNvSpPr>
+          <p:nvPr/>
+        </p:nvSpPr>
+        <p:spPr bwMode="auto">
+          <a:xfrm>
+            <a:off x="2514185" y="3923853"/>
+            <a:ext cx="725927" cy="1404168"/>
+          </a:xfrm>
+          <a:prstGeom prst="rect">
+            <a:avLst/>
+          </a:prstGeom>
+          <a:noFill/>
+          <a:ln w="36000">
+            <a:solidFill>
+              <a:srgbClr val="FF0000"/>
+            </a:solidFill>
+            <a:prstDash val="solid"/>
+            <a:round/>
+            <a:headEnd/>
+            <a:tailEnd/>
+          </a:ln>
+          <a:effectLst/>
+          <a:extLst>
+            <a:ext uri="{909E8E84-426E-40DD-AFC4-6F175D3DCCD1}">
+              <a14:hiddenFill xmlns:a14="http://schemas.microsoft.com/office/drawing/2010/main" xmlns="">
+                <a:solidFill>
+                  <a:srgbClr val="FFFFFF"/>
+                </a:solidFill>
+              </a14:hiddenFill>
+            </a:ext>
+            <a:ext uri="{AF507438-7753-43E0-B8FC-AC1667EBCBE1}">
+              <a14:hiddenEffects xmlns:a14="http://schemas.microsoft.com/office/drawing/2010/main" xmlns="">
+                <a:effectLst>
+                  <a:outerShdw dist="35921" dir="2700000" algn="ctr" rotWithShape="0">
+                    <a:srgbClr val="808080"/>
+                  </a:outerShdw>
+                </a:effectLst>
+              </a14:hiddenEffects>
+            </a:ext>
+          </a:extLst>
+        </p:spPr>
+        <p:txBody>
+          <a:bodyPr wrap="none" anchor="ctr"/>
+          <a:lstStyle/>
+          <a:p>
+            <a:endParaRPr lang="en-GB"/>
+          </a:p>
+        </p:txBody>
+      </p:sp>
+      <p:graphicFrame>
+        <p:nvGraphicFramePr>
+          <p:cNvPr id="25" name="Table 24"/>
+          <p:cNvGraphicFramePr>
+            <a:graphicFrameLocks noGrp="1"/>
+          </p:cNvGraphicFramePr>
+          <p:nvPr/>
+        </p:nvGraphicFramePr>
+        <p:xfrm>
+          <a:off x="2520032" y="3923853"/>
+          <a:ext cx="720081" cy="1368152"/>
+        </p:xfrm>
+        <a:graphic>
+          <a:graphicData uri="http://schemas.openxmlformats.org/drawingml/2006/table">
+            <a:tbl>
+              <a:tblPr firstRow="1" bandRow="1">
+                <a:tableStyleId>{5940675A-B579-460E-94D1-54222C63F5DA}</a:tableStyleId>
+              </a:tblPr>
+              <a:tblGrid>
+                <a:gridCol w="240027"/>
+                <a:gridCol w="240027"/>
+                <a:gridCol w="240027"/>
+              </a:tblGrid>
+              <a:tr h="171019">
+                <a:tc>
+                  <a:txBody>
+                    <a:bodyPr/>
+                    <a:lstStyle/>
+                    <a:p>
+                      <a:endParaRPr lang="en-GB" sz="100" dirty="0"/>
+                    </a:p>
+                  </a:txBody>
+                  <a:tcPr>
+                    <a:lnL w="12700" cap="flat" cmpd="sng" algn="ctr">
+                      <a:solidFill>
+                        <a:srgbClr val="FF0000"/>
+                      </a:solidFill>
+                      <a:prstDash val="solid"/>
+                      <a:round/>
+                      <a:headEnd type="none" w="med" len="med"/>
+                      <a:tailEnd type="none" w="med" len="med"/>
+                    </a:lnL>
+                    <a:lnR w="12700" cap="flat" cmpd="sng" algn="ctr">
+                      <a:solidFill>
+                        <a:srgbClr val="FF0000"/>
+                      </a:solidFill>
+                      <a:prstDash val="solid"/>
+                      <a:round/>
+                      <a:headEnd type="none" w="med" len="med"/>
+                      <a:tailEnd type="none" w="med" len="med"/>
+                    </a:lnR>
+                    <a:lnT w="12700" cap="flat" cmpd="sng" algn="ctr">
+                      <a:solidFill>
+                        <a:srgbClr val="FF0000"/>
+                      </a:solidFill>
+                      <a:prstDash val="solid"/>
+                      <a:round/>
+                      <a:headEnd type="none" w="med" len="med"/>
+                      <a:tailEnd type="none" w="med" len="med"/>
+                    </a:lnT>
+                    <a:lnB w="12700" cap="flat" cmpd="sng" algn="ctr">
+                      <a:solidFill>
+                        <a:srgbClr val="FF0000"/>
+                      </a:solidFill>
+                      <a:prstDash val="solid"/>
+                      <a:round/>
+                      <a:headEnd type="none" w="med" len="med"/>
+                      <a:tailEnd type="none" w="med" len="med"/>
+                    </a:lnB>
+                  </a:tcPr>
+                </a:tc>
+                <a:tc>
+                  <a:txBody>
+                    <a:bodyPr/>
+                    <a:lstStyle/>
+                    <a:p>
+                      <a:endParaRPr lang="en-GB" sz="100"/>
+                    </a:p>
+                  </a:txBody>
+                  <a:tcPr>
+                    <a:lnL w="12700" cap="flat" cmpd="sng" algn="ctr">
+                      <a:solidFill>
+                        <a:srgbClr val="FF0000"/>
+                      </a:solidFill>
+                      <a:prstDash val="solid"/>
+                      <a:round/>
+                      <a:headEnd type="none" w="med" len="med"/>
+                      <a:tailEnd type="none" w="med" len="med"/>
+                    </a:lnL>
+                    <a:lnR w="12700" cap="flat" cmpd="sng" algn="ctr">
+                      <a:solidFill>
+                        <a:srgbClr val="FF0000"/>
+                      </a:solidFill>
+                      <a:prstDash val="solid"/>
+                      <a:round/>
+                      <a:headEnd type="none" w="med" len="med"/>
+                      <a:tailEnd type="none" w="med" len="med"/>
+                    </a:lnR>
+                    <a:lnT w="12700" cap="flat" cmpd="sng" algn="ctr">
+                      <a:solidFill>
+                        <a:srgbClr val="FF0000"/>
+                      </a:solidFill>
+                      <a:prstDash val="solid"/>
+                      <a:round/>
+                      <a:headEnd type="none" w="med" len="med"/>
+                      <a:tailEnd type="none" w="med" len="med"/>
+                    </a:lnT>
+                    <a:lnB w="12700" cap="flat" cmpd="sng" algn="ctr">
+                      <a:solidFill>
+                        <a:srgbClr val="FF0000"/>
+                      </a:solidFill>
+                      <a:prstDash val="solid"/>
+                      <a:round/>
+                      <a:headEnd type="none" w="med" len="med"/>
+                      <a:tailEnd type="none" w="med" len="med"/>
+                    </a:lnB>
+                  </a:tcPr>
+                </a:tc>
+                <a:tc>
+                  <a:txBody>
+                    <a:bodyPr/>
+                    <a:lstStyle/>
+                    <a:p>
+                      <a:endParaRPr lang="en-GB" sz="100"/>
+                    </a:p>
+                  </a:txBody>
+                  <a:tcPr>
+                    <a:lnL w="12700" cap="flat" cmpd="sng" algn="ctr">
+                      <a:solidFill>
+                        <a:srgbClr val="FF0000"/>
+                      </a:solidFill>
+                      <a:prstDash val="solid"/>
+                      <a:round/>
+                      <a:headEnd type="none" w="med" len="med"/>
+                      <a:tailEnd type="none" w="med" len="med"/>
+                    </a:lnL>
+                    <a:lnR w="12700" cap="flat" cmpd="sng" algn="ctr">
+                      <a:solidFill>
+                        <a:srgbClr val="FF0000"/>
+                      </a:solidFill>
+                      <a:prstDash val="solid"/>
+                      <a:round/>
+                      <a:headEnd type="none" w="med" len="med"/>
+                      <a:tailEnd type="none" w="med" len="med"/>
+                    </a:lnR>
+                    <a:lnT w="12700" cap="flat" cmpd="sng" algn="ctr">
+                      <a:solidFill>
+                        <a:srgbClr val="FF0000"/>
+                      </a:solidFill>
+                      <a:prstDash val="solid"/>
+                      <a:round/>
+                      <a:headEnd type="none" w="med" len="med"/>
+                      <a:tailEnd type="none" w="med" len="med"/>
+                    </a:lnT>
+                    <a:lnB w="12700" cap="flat" cmpd="sng" algn="ctr">
+                      <a:solidFill>
+                        <a:srgbClr val="FF0000"/>
+                      </a:solidFill>
+                      <a:prstDash val="solid"/>
+                      <a:round/>
+                      <a:headEnd type="none" w="med" len="med"/>
+                      <a:tailEnd type="none" w="med" len="med"/>
+                    </a:lnB>
+                  </a:tcPr>
+                </a:tc>
+              </a:tr>
+              <a:tr h="171019">
+                <a:tc>
+                  <a:txBody>
+                    <a:bodyPr/>
+                    <a:lstStyle/>
+                    <a:p>
+                      <a:endParaRPr lang="en-GB" sz="100"/>
+                    </a:p>
+                  </a:txBody>
+                  <a:tcPr>
+                    <a:lnL w="12700" cap="flat" cmpd="sng" algn="ctr">
+                      <a:solidFill>
+                        <a:srgbClr val="FF0000"/>
+                      </a:solidFill>
+                      <a:prstDash val="solid"/>
+                      <a:round/>
+                      <a:headEnd type="none" w="med" len="med"/>
+                      <a:tailEnd type="none" w="med" len="med"/>
+                    </a:lnL>
+                    <a:lnR w="12700" cap="flat" cmpd="sng" algn="ctr">
+                      <a:solidFill>
+                        <a:srgbClr val="FF0000"/>
+                      </a:solidFill>
+                      <a:prstDash val="solid"/>
+                      <a:round/>
+                      <a:headEnd type="none" w="med" len="med"/>
+                      <a:tailEnd type="none" w="med" len="med"/>
+                    </a:lnR>
+                    <a:lnT w="12700" cap="flat" cmpd="sng" algn="ctr">
+                      <a:solidFill>
+                        <a:srgbClr val="FF0000"/>
+                      </a:solidFill>
+                      <a:prstDash val="solid"/>
+                      <a:round/>
+                      <a:headEnd type="none" w="med" len="med"/>
+                      <a:tailEnd type="none" w="med" len="med"/>
+                    </a:lnT>
+                    <a:lnB w="12700" cap="flat" cmpd="sng" algn="ctr">
+                      <a:solidFill>
+                        <a:srgbClr val="FF0000"/>
+                      </a:solidFill>
+                      <a:prstDash val="solid"/>
+                      <a:round/>
+                      <a:headEnd type="none" w="med" len="med"/>
+                      <a:tailEnd type="none" w="med" len="med"/>
+                    </a:lnB>
+                  </a:tcPr>
+                </a:tc>
+                <a:tc>
+                  <a:txBody>
+                    <a:bodyPr/>
+                    <a:lstStyle/>
+                    <a:p>
+                      <a:endParaRPr lang="en-GB" sz="100" dirty="0"/>
+                    </a:p>
+                  </a:txBody>
+                  <a:tcPr>
+                    <a:lnL w="12700" cap="flat" cmpd="sng" algn="ctr">
+                      <a:solidFill>
+                        <a:srgbClr val="FF0000"/>
+                      </a:solidFill>
+                      <a:prstDash val="solid"/>
+                      <a:round/>
+                      <a:headEnd type="none" w="med" len="med"/>
+                      <a:tailEnd type="none" w="med" len="med"/>
+                    </a:lnL>
+                    <a:lnR w="12700" cap="flat" cmpd="sng" algn="ctr">
+                      <a:solidFill>
+                        <a:srgbClr val="FF0000"/>
+                      </a:solidFill>
+                      <a:prstDash val="solid"/>
+                      <a:round/>
+                      <a:headEnd type="none" w="med" len="med"/>
+                      <a:tailEnd type="none" w="med" len="med"/>
+                    </a:lnR>
+                    <a:lnT w="12700" cap="flat" cmpd="sng" algn="ctr">
+                      <a:solidFill>
+                        <a:srgbClr val="FF0000"/>
+                      </a:solidFill>
+                      <a:prstDash val="solid"/>
+                      <a:round/>
+                      <a:headEnd type="none" w="med" len="med"/>
+                      <a:tailEnd type="none" w="med" len="med"/>
+                    </a:lnT>
+                    <a:lnB w="12700" cap="flat" cmpd="sng" algn="ctr">
+                      <a:solidFill>
+                        <a:srgbClr val="FF0000"/>
+                      </a:solidFill>
+                      <a:prstDash val="solid"/>
+                      <a:round/>
+                      <a:headEnd type="none" w="med" len="med"/>
+                      <a:tailEnd type="none" w="med" len="med"/>
+                    </a:lnB>
+                  </a:tcPr>
+                </a:tc>
+                <a:tc>
+                  <a:txBody>
+                    <a:bodyPr/>
+                    <a:lstStyle/>
+                    <a:p>
+                      <a:endParaRPr lang="en-GB" sz="100"/>
+                    </a:p>
+                  </a:txBody>
+                  <a:tcPr>
+                    <a:lnL w="12700" cap="flat" cmpd="sng" algn="ctr">
+                      <a:solidFill>
+                        <a:srgbClr val="FF0000"/>
+                      </a:solidFill>
+                      <a:prstDash val="solid"/>
+                      <a:round/>
+                      <a:headEnd type="none" w="med" len="med"/>
+                      <a:tailEnd type="none" w="med" len="med"/>
+                    </a:lnL>
+                    <a:lnR w="12700" cap="flat" cmpd="sng" algn="ctr">
+                      <a:solidFill>
+                        <a:srgbClr val="FF0000"/>
+                      </a:solidFill>
+                      <a:prstDash val="solid"/>
+                      <a:round/>
+                      <a:headEnd type="none" w="med" len="med"/>
+                      <a:tailEnd type="none" w="med" len="med"/>
+                    </a:lnR>
+                    <a:lnT w="12700" cap="flat" cmpd="sng" algn="ctr">
+                      <a:solidFill>
+                        <a:srgbClr val="FF0000"/>
+                      </a:solidFill>
+                      <a:prstDash val="solid"/>
+                      <a:round/>
+                      <a:headEnd type="none" w="med" len="med"/>
+                      <a:tailEnd type="none" w="med" len="med"/>
+                    </a:lnT>
+                    <a:lnB w="12700" cap="flat" cmpd="sng" algn="ctr">
+                      <a:solidFill>
+                        <a:srgbClr val="FF0000"/>
+                      </a:solidFill>
+                      <a:prstDash val="solid"/>
+                      <a:round/>
+                      <a:headEnd type="none" w="med" len="med"/>
+                      <a:tailEnd type="none" w="med" len="med"/>
+                    </a:lnB>
+                  </a:tcPr>
+                </a:tc>
+              </a:tr>
+              <a:tr h="171019">
+                <a:tc>
+                  <a:txBody>
+                    <a:bodyPr/>
+                    <a:lstStyle/>
+                    <a:p>
+                      <a:endParaRPr lang="en-GB" sz="100"/>
+                    </a:p>
+                  </a:txBody>
+                  <a:tcPr>
+                    <a:lnL w="12700" cap="flat" cmpd="sng" algn="ctr">
+                      <a:solidFill>
+                        <a:srgbClr val="FF0000"/>
+                      </a:solidFill>
+                      <a:prstDash val="solid"/>
+                      <a:round/>
+                      <a:headEnd type="none" w="med" len="med"/>
+                      <a:tailEnd type="none" w="med" len="med"/>
+                    </a:lnL>
+                    <a:lnR w="12700" cap="flat" cmpd="sng" algn="ctr">
+                      <a:solidFill>
+                        <a:srgbClr val="FF0000"/>
+                      </a:solidFill>
+                      <a:prstDash val="solid"/>
+                      <a:round/>
+                      <a:headEnd type="none" w="med" len="med"/>
+                      <a:tailEnd type="none" w="med" len="med"/>
+                    </a:lnR>
+                    <a:lnT w="12700" cap="flat" cmpd="sng" algn="ctr">
+                      <a:solidFill>
+                        <a:srgbClr val="FF0000"/>
+                      </a:solidFill>
+                      <a:prstDash val="solid"/>
+                      <a:round/>
+                      <a:headEnd type="none" w="med" len="med"/>
+                      <a:tailEnd type="none" w="med" len="med"/>
+                    </a:lnT>
+                    <a:lnB w="12700" cap="flat" cmpd="sng" algn="ctr">
+                      <a:solidFill>
+                        <a:srgbClr val="FF0000"/>
+                      </a:solidFill>
+                      <a:prstDash val="solid"/>
+                      <a:round/>
+                      <a:headEnd type="none" w="med" len="med"/>
+                      <a:tailEnd type="none" w="med" len="med"/>
+                    </a:lnB>
+                  </a:tcPr>
+                </a:tc>
+                <a:tc>
+                  <a:txBody>
+                    <a:bodyPr/>
+                    <a:lstStyle/>
+                    <a:p>
+                      <a:endParaRPr lang="en-GB" sz="100"/>
+                    </a:p>
+                  </a:txBody>
+                  <a:tcPr>
+                    <a:lnL w="12700" cap="flat" cmpd="sng" algn="ctr">
+                      <a:solidFill>
+                        <a:srgbClr val="FF0000"/>
+                      </a:solidFill>
+                      <a:prstDash val="solid"/>
+                      <a:round/>
+                      <a:headEnd type="none" w="med" len="med"/>
+                      <a:tailEnd type="none" w="med" len="med"/>
+                    </a:lnL>
+                    <a:lnR w="12700" cap="flat" cmpd="sng" algn="ctr">
+                      <a:solidFill>
+                        <a:srgbClr val="FF0000"/>
+                      </a:solidFill>
+                      <a:prstDash val="solid"/>
+                      <a:round/>
+                      <a:headEnd type="none" w="med" len="med"/>
+                      <a:tailEnd type="none" w="med" len="med"/>
+                    </a:lnR>
+                    <a:lnT w="12700" cap="flat" cmpd="sng" algn="ctr">
+                      <a:solidFill>
+                        <a:srgbClr val="FF0000"/>
+                      </a:solidFill>
+                      <a:prstDash val="solid"/>
+                      <a:round/>
+                      <a:headEnd type="none" w="med" len="med"/>
+                      <a:tailEnd type="none" w="med" len="med"/>
+                    </a:lnT>
+                    <a:lnB w="12700" cap="flat" cmpd="sng" algn="ctr">
+                      <a:solidFill>
+                        <a:srgbClr val="FF0000"/>
+                      </a:solidFill>
+                      <a:prstDash val="solid"/>
+                      <a:round/>
+                      <a:headEnd type="none" w="med" len="med"/>
+                      <a:tailEnd type="none" w="med" len="med"/>
+                    </a:lnB>
+                  </a:tcPr>
+                </a:tc>
+                <a:tc>
+                  <a:txBody>
+                    <a:bodyPr/>
+                    <a:lstStyle/>
+                    <a:p>
+                      <a:endParaRPr lang="en-GB" sz="100"/>
+                    </a:p>
+                  </a:txBody>
+                  <a:tcPr>
+                    <a:lnL w="12700" cap="flat" cmpd="sng" algn="ctr">
+                      <a:solidFill>
+                        <a:srgbClr val="FF0000"/>
+                      </a:solidFill>
+                      <a:prstDash val="solid"/>
+                      <a:round/>
+                      <a:headEnd type="none" w="med" len="med"/>
+                      <a:tailEnd type="none" w="med" len="med"/>
+                    </a:lnL>
+                    <a:lnR w="12700" cap="flat" cmpd="sng" algn="ctr">
+                      <a:solidFill>
+                        <a:srgbClr val="FF0000"/>
+                      </a:solidFill>
+                      <a:prstDash val="solid"/>
+                      <a:round/>
+                      <a:headEnd type="none" w="med" len="med"/>
+                      <a:tailEnd type="none" w="med" len="med"/>
+                    </a:lnR>
+                    <a:lnT w="12700" cap="flat" cmpd="sng" algn="ctr">
+                      <a:solidFill>
+                        <a:srgbClr val="FF0000"/>
+                      </a:solidFill>
+                      <a:prstDash val="solid"/>
+                      <a:round/>
+                      <a:headEnd type="none" w="med" len="med"/>
+                      <a:tailEnd type="none" w="med" len="med"/>
+                    </a:lnT>
+                    <a:lnB w="12700" cap="flat" cmpd="sng" algn="ctr">
+                      <a:solidFill>
+                        <a:srgbClr val="FF0000"/>
+                      </a:solidFill>
+                      <a:prstDash val="solid"/>
+                      <a:round/>
+                      <a:headEnd type="none" w="med" len="med"/>
+                      <a:tailEnd type="none" w="med" len="med"/>
+                    </a:lnB>
+                  </a:tcPr>
+                </a:tc>
+              </a:tr>
+              <a:tr h="171019">
+                <a:tc>
+                  <a:txBody>
+                    <a:bodyPr/>
+                    <a:lstStyle/>
+                    <a:p>
+                      <a:endParaRPr lang="en-GB" sz="100"/>
+                    </a:p>
+                  </a:txBody>
+                  <a:tcPr>
+                    <a:lnL w="12700" cap="flat" cmpd="sng" algn="ctr">
+                      <a:solidFill>
+                        <a:srgbClr val="FF0000"/>
+                      </a:solidFill>
+                      <a:prstDash val="solid"/>
+                      <a:round/>
+                      <a:headEnd type="none" w="med" len="med"/>
+                      <a:tailEnd type="none" w="med" len="med"/>
+                    </a:lnL>
+                    <a:lnR w="12700" cap="flat" cmpd="sng" algn="ctr">
+                      <a:solidFill>
+                        <a:srgbClr val="FF0000"/>
+                      </a:solidFill>
+                      <a:prstDash val="solid"/>
+                      <a:round/>
+                      <a:headEnd type="none" w="med" len="med"/>
+                      <a:tailEnd type="none" w="med" len="med"/>
+                    </a:lnR>
+                    <a:lnT w="12700" cap="flat" cmpd="sng" algn="ctr">
+                      <a:solidFill>
+                        <a:srgbClr val="FF0000"/>
+                      </a:solidFill>
+                      <a:prstDash val="solid"/>
+                      <a:round/>
+                      <a:headEnd type="none" w="med" len="med"/>
+                      <a:tailEnd type="none" w="med" len="med"/>
+                    </a:lnT>
+                    <a:lnB w="12700" cap="flat" cmpd="sng" algn="ctr">
+                      <a:solidFill>
+                        <a:srgbClr val="FF0000"/>
+                      </a:solidFill>
+                      <a:prstDash val="solid"/>
+                      <a:round/>
+                      <a:headEnd type="none" w="med" len="med"/>
+                      <a:tailEnd type="none" w="med" len="med"/>
+                    </a:lnB>
+                  </a:tcPr>
+                </a:tc>
+                <a:tc>
+                  <a:txBody>
+                    <a:bodyPr/>
+                    <a:lstStyle/>
+                    <a:p>
+                      <a:endParaRPr lang="en-GB" sz="100"/>
+                    </a:p>
+                  </a:txBody>
+                  <a:tcPr>
+                    <a:lnL w="12700" cap="flat" cmpd="sng" algn="ctr">
+                      <a:solidFill>
+                        <a:srgbClr val="FF0000"/>
+                      </a:solidFill>
+                      <a:prstDash val="solid"/>
+                      <a:round/>
+                      <a:headEnd type="none" w="med" len="med"/>
+                      <a:tailEnd type="none" w="med" len="med"/>
+                    </a:lnL>
+                    <a:lnR w="12700" cap="flat" cmpd="sng" algn="ctr">
+                      <a:solidFill>
+                        <a:srgbClr val="FF0000"/>
+                      </a:solidFill>
+                      <a:prstDash val="solid"/>
+                      <a:round/>
+                      <a:headEnd type="none" w="med" len="med"/>
+                      <a:tailEnd type="none" w="med" len="med"/>
+                    </a:lnR>
+                    <a:lnT w="12700" cap="flat" cmpd="sng" algn="ctr">
+                      <a:solidFill>
+                        <a:srgbClr val="FF0000"/>
+                      </a:solidFill>
+                      <a:prstDash val="solid"/>
+                      <a:round/>
+                      <a:headEnd type="none" w="med" len="med"/>
+                      <a:tailEnd type="none" w="med" len="med"/>
+                    </a:lnT>
+                    <a:lnB w="12700" cap="flat" cmpd="sng" algn="ctr">
+                      <a:solidFill>
+                        <a:srgbClr val="FF0000"/>
+                      </a:solidFill>
+                      <a:prstDash val="solid"/>
+                      <a:round/>
+                      <a:headEnd type="none" w="med" len="med"/>
+                      <a:tailEnd type="none" w="med" len="med"/>
+                    </a:lnB>
+                  </a:tcPr>
+                </a:tc>
+                <a:tc>
+                  <a:txBody>
+                    <a:bodyPr/>
+                    <a:lstStyle/>
+                    <a:p>
+                      <a:endParaRPr lang="en-GB" sz="100" dirty="0"/>
+                    </a:p>
+                  </a:txBody>
+                  <a:tcPr>
+                    <a:lnL w="12700" cap="flat" cmpd="sng" algn="ctr">
+                      <a:solidFill>
+                        <a:srgbClr val="FF0000"/>
+                      </a:solidFill>
+                      <a:prstDash val="solid"/>
+                      <a:round/>
+                      <a:headEnd type="none" w="med" len="med"/>
+                      <a:tailEnd type="none" w="med" len="med"/>
+                    </a:lnL>
+                    <a:lnR w="12700" cap="flat" cmpd="sng" algn="ctr">
+                      <a:solidFill>
+                        <a:srgbClr val="FF0000"/>
+                      </a:solidFill>
+                      <a:prstDash val="solid"/>
+                      <a:round/>
+                      <a:headEnd type="none" w="med" len="med"/>
+                      <a:tailEnd type="none" w="med" len="med"/>
+                    </a:lnR>
+                    <a:lnT w="12700" cap="flat" cmpd="sng" algn="ctr">
+                      <a:solidFill>
+                        <a:srgbClr val="FF0000"/>
+                      </a:solidFill>
+                      <a:prstDash val="solid"/>
+                      <a:round/>
+                      <a:headEnd type="none" w="med" len="med"/>
+                      <a:tailEnd type="none" w="med" len="med"/>
+                    </a:lnT>
+                    <a:lnB w="12700" cap="flat" cmpd="sng" algn="ctr">
+                      <a:solidFill>
+                        <a:srgbClr val="FF0000"/>
+                      </a:solidFill>
+                      <a:prstDash val="solid"/>
+                      <a:round/>
+                      <a:headEnd type="none" w="med" len="med"/>
+                      <a:tailEnd type="none" w="med" len="med"/>
+                    </a:lnB>
+                  </a:tcPr>
+                </a:tc>
+              </a:tr>
+              <a:tr h="171019">
+                <a:tc>
+                  <a:txBody>
+                    <a:bodyPr/>
+                    <a:lstStyle/>
+                    <a:p>
+                      <a:endParaRPr lang="en-GB" sz="100"/>
+                    </a:p>
+                  </a:txBody>
+                  <a:tcPr>
+                    <a:lnL w="12700" cap="flat" cmpd="sng" algn="ctr">
+                      <a:solidFill>
+                        <a:srgbClr val="FF0000"/>
+                      </a:solidFill>
+                      <a:prstDash val="solid"/>
+                      <a:round/>
+                      <a:headEnd type="none" w="med" len="med"/>
+                      <a:tailEnd type="none" w="med" len="med"/>
+                    </a:lnL>
+                    <a:lnR w="12700" cap="flat" cmpd="sng" algn="ctr">
+                      <a:solidFill>
+                        <a:srgbClr val="FF0000"/>
+                      </a:solidFill>
+                      <a:prstDash val="solid"/>
+                      <a:round/>
+                      <a:headEnd type="none" w="med" len="med"/>
+                      <a:tailEnd type="none" w="med" len="med"/>
+                    </a:lnR>
+                    <a:lnT w="12700" cap="flat" cmpd="sng" algn="ctr">
+                      <a:solidFill>
+                        <a:srgbClr val="FF0000"/>
+                      </a:solidFill>
+                      <a:prstDash val="solid"/>
+                      <a:round/>
+                      <a:headEnd type="none" w="med" len="med"/>
+                      <a:tailEnd type="none" w="med" len="med"/>
+                    </a:lnT>
+                    <a:lnB w="12700" cap="flat" cmpd="sng" algn="ctr">
+                      <a:solidFill>
+                        <a:srgbClr val="FF0000"/>
+                      </a:solidFill>
+                      <a:prstDash val="solid"/>
+                      <a:round/>
+                      <a:headEnd type="none" w="med" len="med"/>
+                      <a:tailEnd type="none" w="med" len="med"/>
+                    </a:lnB>
+                  </a:tcPr>
+                </a:tc>
+                <a:tc>
+                  <a:txBody>
+                    <a:bodyPr/>
+                    <a:lstStyle/>
+                    <a:p>
+                      <a:endParaRPr lang="en-GB" sz="100" dirty="0"/>
+                    </a:p>
+                  </a:txBody>
+                  <a:tcPr>
+                    <a:lnL w="12700" cap="flat" cmpd="sng" algn="ctr">
+                      <a:solidFill>
+                        <a:srgbClr val="FF0000"/>
+                      </a:solidFill>
+                      <a:prstDash val="solid"/>
+                      <a:round/>
+                      <a:headEnd type="none" w="med" len="med"/>
+                      <a:tailEnd type="none" w="med" len="med"/>
+                    </a:lnL>
+                    <a:lnR w="12700" cap="flat" cmpd="sng" algn="ctr">
+                      <a:solidFill>
+                        <a:srgbClr val="FF0000"/>
+                      </a:solidFill>
+                      <a:prstDash val="solid"/>
+                      <a:round/>
+                      <a:headEnd type="none" w="med" len="med"/>
+                      <a:tailEnd type="none" w="med" len="med"/>
+                    </a:lnR>
+                    <a:lnT w="12700" cap="flat" cmpd="sng" algn="ctr">
+                      <a:solidFill>
+                        <a:srgbClr val="FF0000"/>
+                      </a:solidFill>
+                      <a:prstDash val="solid"/>
+                      <a:round/>
+                      <a:headEnd type="none" w="med" len="med"/>
+                      <a:tailEnd type="none" w="med" len="med"/>
+                    </a:lnT>
+                    <a:lnB w="12700" cap="flat" cmpd="sng" algn="ctr">
+                      <a:solidFill>
+                        <a:srgbClr val="FF0000"/>
+                      </a:solidFill>
+                      <a:prstDash val="solid"/>
+                      <a:round/>
+                      <a:headEnd type="none" w="med" len="med"/>
+                      <a:tailEnd type="none" w="med" len="med"/>
+                    </a:lnB>
+                  </a:tcPr>
+                </a:tc>
+                <a:tc>
+                  <a:txBody>
+                    <a:bodyPr/>
+                    <a:lstStyle/>
+                    <a:p>
+                      <a:endParaRPr lang="en-GB" sz="100" dirty="0"/>
+                    </a:p>
+                  </a:txBody>
+                  <a:tcPr>
+                    <a:lnL w="12700" cap="flat" cmpd="sng" algn="ctr">
+                      <a:solidFill>
+                        <a:srgbClr val="FF0000"/>
+                      </a:solidFill>
+                      <a:prstDash val="solid"/>
+                      <a:round/>
+                      <a:headEnd type="none" w="med" len="med"/>
+                      <a:tailEnd type="none" w="med" len="med"/>
+                    </a:lnL>
+                    <a:lnR w="12700" cap="flat" cmpd="sng" algn="ctr">
+                      <a:solidFill>
+                        <a:srgbClr val="FF0000"/>
+                      </a:solidFill>
+                      <a:prstDash val="solid"/>
+                      <a:round/>
+                      <a:headEnd type="none" w="med" len="med"/>
+                      <a:tailEnd type="none" w="med" len="med"/>
+                    </a:lnR>
+                    <a:lnT w="12700" cap="flat" cmpd="sng" algn="ctr">
+                      <a:solidFill>
+                        <a:srgbClr val="FF0000"/>
+                      </a:solidFill>
+                      <a:prstDash val="solid"/>
+                      <a:round/>
+                      <a:headEnd type="none" w="med" len="med"/>
+                      <a:tailEnd type="none" w="med" len="med"/>
+                    </a:lnT>
+                    <a:lnB w="12700" cap="flat" cmpd="sng" algn="ctr">
+                      <a:solidFill>
+                        <a:srgbClr val="FF0000"/>
+                      </a:solidFill>
+                      <a:prstDash val="solid"/>
+                      <a:round/>
+                      <a:headEnd type="none" w="med" len="med"/>
+                      <a:tailEnd type="none" w="med" len="med"/>
+                    </a:lnB>
+                  </a:tcPr>
+                </a:tc>
+              </a:tr>
+              <a:tr h="171019">
+                <a:tc>
+                  <a:txBody>
+                    <a:bodyPr/>
+                    <a:lstStyle/>
+                    <a:p>
+                      <a:endParaRPr lang="en-GB" sz="100"/>
+                    </a:p>
+                  </a:txBody>
+                  <a:tcPr>
+                    <a:lnL w="12700" cap="flat" cmpd="sng" algn="ctr">
+                      <a:solidFill>
+                        <a:srgbClr val="FF0000"/>
+                      </a:solidFill>
+                      <a:prstDash val="solid"/>
+                      <a:round/>
+                      <a:headEnd type="none" w="med" len="med"/>
+                      <a:tailEnd type="none" w="med" len="med"/>
+                    </a:lnL>
+                    <a:lnR w="12700" cap="flat" cmpd="sng" algn="ctr">
+                      <a:solidFill>
+                        <a:srgbClr val="FF0000"/>
+                      </a:solidFill>
+                      <a:prstDash val="solid"/>
+                      <a:round/>
+                      <a:headEnd type="none" w="med" len="med"/>
+                      <a:tailEnd type="none" w="med" len="med"/>
+                    </a:lnR>
+                    <a:lnT w="12700" cap="flat" cmpd="sng" algn="ctr">
+                      <a:solidFill>
+                        <a:srgbClr val="FF0000"/>
+                      </a:solidFill>
+                      <a:prstDash val="solid"/>
+                      <a:round/>
+                      <a:headEnd type="none" w="med" len="med"/>
+                      <a:tailEnd type="none" w="med" len="med"/>
+                    </a:lnT>
+                    <a:lnB w="12700" cap="flat" cmpd="sng" algn="ctr">
+                      <a:solidFill>
+                        <a:srgbClr val="FF0000"/>
+                      </a:solidFill>
+                      <a:prstDash val="solid"/>
+                      <a:round/>
+                      <a:headEnd type="none" w="med" len="med"/>
+                      <a:tailEnd type="none" w="med" len="med"/>
+                    </a:lnB>
+                  </a:tcPr>
+                </a:tc>
+                <a:tc>
+                  <a:txBody>
+                    <a:bodyPr/>
+                    <a:lstStyle/>
+                    <a:p>
+                      <a:endParaRPr lang="en-GB" sz="100"/>
+                    </a:p>
+                  </a:txBody>
+                  <a:tcPr>
+                    <a:lnL w="12700" cap="flat" cmpd="sng" algn="ctr">
+                      <a:solidFill>
+                        <a:srgbClr val="FF0000"/>
+                      </a:solidFill>
+                      <a:prstDash val="solid"/>
+                      <a:round/>
+                      <a:headEnd type="none" w="med" len="med"/>
+                      <a:tailEnd type="none" w="med" len="med"/>
+                    </a:lnL>
+                    <a:lnR w="12700" cap="flat" cmpd="sng" algn="ctr">
+                      <a:solidFill>
+                        <a:srgbClr val="FF0000"/>
+                      </a:solidFill>
+                      <a:prstDash val="solid"/>
+                      <a:round/>
+                      <a:headEnd type="none" w="med" len="med"/>
+                      <a:tailEnd type="none" w="med" len="med"/>
+                    </a:lnR>
+                    <a:lnT w="12700" cap="flat" cmpd="sng" algn="ctr">
+                      <a:solidFill>
+                        <a:srgbClr val="FF0000"/>
+                      </a:solidFill>
+                      <a:prstDash val="solid"/>
+                      <a:round/>
+                      <a:headEnd type="none" w="med" len="med"/>
+                      <a:tailEnd type="none" w="med" len="med"/>
+                    </a:lnT>
+                    <a:lnB w="12700" cap="flat" cmpd="sng" algn="ctr">
+                      <a:solidFill>
+                        <a:srgbClr val="FF0000"/>
+                      </a:solidFill>
+                      <a:prstDash val="solid"/>
+                      <a:round/>
+                      <a:headEnd type="none" w="med" len="med"/>
+                      <a:tailEnd type="none" w="med" len="med"/>
+                    </a:lnB>
+                  </a:tcPr>
+                </a:tc>
+                <a:tc>
+                  <a:txBody>
+                    <a:bodyPr/>
+                    <a:lstStyle/>
+                    <a:p>
+                      <a:endParaRPr lang="en-GB" sz="100"/>
+                    </a:p>
+                  </a:txBody>
+                  <a:tcPr>
+                    <a:lnL w="12700" cap="flat" cmpd="sng" algn="ctr">
+                      <a:solidFill>
+                        <a:srgbClr val="FF0000"/>
+                      </a:solidFill>
+                      <a:prstDash val="solid"/>
+                      <a:round/>
+                      <a:headEnd type="none" w="med" len="med"/>
+                      <a:tailEnd type="none" w="med" len="med"/>
+                    </a:lnL>
+                    <a:lnR w="12700" cap="flat" cmpd="sng" algn="ctr">
+                      <a:solidFill>
+                        <a:srgbClr val="FF0000"/>
+                      </a:solidFill>
+                      <a:prstDash val="solid"/>
+                      <a:round/>
+                      <a:headEnd type="none" w="med" len="med"/>
+                      <a:tailEnd type="none" w="med" len="med"/>
+                    </a:lnR>
+                    <a:lnT w="12700" cap="flat" cmpd="sng" algn="ctr">
+                      <a:solidFill>
+                        <a:srgbClr val="FF0000"/>
+                      </a:solidFill>
+                      <a:prstDash val="solid"/>
+                      <a:round/>
+                      <a:headEnd type="none" w="med" len="med"/>
+                      <a:tailEnd type="none" w="med" len="med"/>
+                    </a:lnT>
+                    <a:lnB w="12700" cap="flat" cmpd="sng" algn="ctr">
+                      <a:solidFill>
+                        <a:srgbClr val="FF0000"/>
+                      </a:solidFill>
+                      <a:prstDash val="solid"/>
+                      <a:round/>
+                      <a:headEnd type="none" w="med" len="med"/>
+                      <a:tailEnd type="none" w="med" len="med"/>
+                    </a:lnB>
+                  </a:tcPr>
+                </a:tc>
+              </a:tr>
+              <a:tr h="171019">
+                <a:tc>
+                  <a:txBody>
+                    <a:bodyPr/>
+                    <a:lstStyle/>
+                    <a:p>
+                      <a:endParaRPr lang="en-GB" sz="100"/>
+                    </a:p>
+                  </a:txBody>
+                  <a:tcPr>
+                    <a:lnL w="12700" cap="flat" cmpd="sng" algn="ctr">
+                      <a:solidFill>
+                        <a:srgbClr val="FF0000"/>
+                      </a:solidFill>
+                      <a:prstDash val="solid"/>
+                      <a:round/>
+                      <a:headEnd type="none" w="med" len="med"/>
+                      <a:tailEnd type="none" w="med" len="med"/>
+                    </a:lnL>
+                    <a:lnR w="12700" cap="flat" cmpd="sng" algn="ctr">
+                      <a:solidFill>
+                        <a:srgbClr val="FF0000"/>
+                      </a:solidFill>
+                      <a:prstDash val="solid"/>
+                      <a:round/>
+                      <a:headEnd type="none" w="med" len="med"/>
+                      <a:tailEnd type="none" w="med" len="med"/>
+                    </a:lnR>
+                    <a:lnT w="12700" cap="flat" cmpd="sng" algn="ctr">
+                      <a:solidFill>
+                        <a:srgbClr val="FF0000"/>
+                      </a:solidFill>
+                      <a:prstDash val="solid"/>
+                      <a:round/>
+                      <a:headEnd type="none" w="med" len="med"/>
+                      <a:tailEnd type="none" w="med" len="med"/>
+                    </a:lnT>
+                    <a:lnB w="12700" cap="flat" cmpd="sng" algn="ctr">
+                      <a:solidFill>
+                        <a:srgbClr val="FF0000"/>
+                      </a:solidFill>
+                      <a:prstDash val="solid"/>
+                      <a:round/>
+                      <a:headEnd type="none" w="med" len="med"/>
+                      <a:tailEnd type="none" w="med" len="med"/>
+                    </a:lnB>
+                  </a:tcPr>
+                </a:tc>
+                <a:tc>
+                  <a:txBody>
+                    <a:bodyPr/>
+                    <a:lstStyle/>
+                    <a:p>
+                      <a:endParaRPr lang="en-GB" sz="100"/>
+                    </a:p>
+                  </a:txBody>
+                  <a:tcPr>
+                    <a:lnL w="12700" cap="flat" cmpd="sng" algn="ctr">
+                      <a:solidFill>
+                        <a:srgbClr val="FF0000"/>
+                      </a:solidFill>
+                      <a:prstDash val="solid"/>
+                      <a:round/>
+                      <a:headEnd type="none" w="med" len="med"/>
+                      <a:tailEnd type="none" w="med" len="med"/>
+                    </a:lnL>
+                    <a:lnR w="12700" cap="flat" cmpd="sng" algn="ctr">
+                      <a:solidFill>
+                        <a:srgbClr val="FF0000"/>
+                      </a:solidFill>
+                      <a:prstDash val="solid"/>
+                      <a:round/>
+                      <a:headEnd type="none" w="med" len="med"/>
+                      <a:tailEnd type="none" w="med" len="med"/>
+                    </a:lnR>
+                    <a:lnT w="12700" cap="flat" cmpd="sng" algn="ctr">
+                      <a:solidFill>
+                        <a:srgbClr val="FF0000"/>
+                      </a:solidFill>
+                      <a:prstDash val="solid"/>
+                      <a:round/>
+                      <a:headEnd type="none" w="med" len="med"/>
+                      <a:tailEnd type="none" w="med" len="med"/>
+                    </a:lnT>
+                    <a:lnB w="12700" cap="flat" cmpd="sng" algn="ctr">
+                      <a:solidFill>
+                        <a:srgbClr val="FF0000"/>
+                      </a:solidFill>
+                      <a:prstDash val="solid"/>
+                      <a:round/>
+                      <a:headEnd type="none" w="med" len="med"/>
+                      <a:tailEnd type="none" w="med" len="med"/>
+                    </a:lnB>
+                  </a:tcPr>
+                </a:tc>
+                <a:tc>
+                  <a:txBody>
+                    <a:bodyPr/>
+                    <a:lstStyle/>
+                    <a:p>
+                      <a:endParaRPr lang="en-GB" sz="100"/>
+                    </a:p>
+                  </a:txBody>
+                  <a:tcPr>
+                    <a:lnL w="12700" cap="flat" cmpd="sng" algn="ctr">
+                      <a:solidFill>
+                        <a:srgbClr val="FF0000"/>
+                      </a:solidFill>
+                      <a:prstDash val="solid"/>
+                      <a:round/>
+                      <a:headEnd type="none" w="med" len="med"/>
+                      <a:tailEnd type="none" w="med" len="med"/>
+                    </a:lnL>
+                    <a:lnR w="12700" cap="flat" cmpd="sng" algn="ctr">
+                      <a:solidFill>
+                        <a:srgbClr val="FF0000"/>
+                      </a:solidFill>
+                      <a:prstDash val="solid"/>
+                      <a:round/>
+                      <a:headEnd type="none" w="med" len="med"/>
+                      <a:tailEnd type="none" w="med" len="med"/>
+                    </a:lnR>
+                    <a:lnT w="12700" cap="flat" cmpd="sng" algn="ctr">
+                      <a:solidFill>
+                        <a:srgbClr val="FF0000"/>
+                      </a:solidFill>
+                      <a:prstDash val="solid"/>
+                      <a:round/>
+                      <a:headEnd type="none" w="med" len="med"/>
+                      <a:tailEnd type="none" w="med" len="med"/>
+                    </a:lnT>
+                    <a:lnB w="12700" cap="flat" cmpd="sng" algn="ctr">
+                      <a:solidFill>
+                        <a:srgbClr val="FF0000"/>
+                      </a:solidFill>
+                      <a:prstDash val="solid"/>
+                      <a:round/>
+                      <a:headEnd type="none" w="med" len="med"/>
+                      <a:tailEnd type="none" w="med" len="med"/>
+                    </a:lnB>
+                  </a:tcPr>
+                </a:tc>
+              </a:tr>
+              <a:tr h="171019">
+                <a:tc>
+                  <a:txBody>
+                    <a:bodyPr/>
+                    <a:lstStyle/>
+                    <a:p>
+                      <a:endParaRPr lang="en-GB" sz="100"/>
+                    </a:p>
+                  </a:txBody>
+                  <a:tcPr>
+                    <a:lnL w="12700" cap="flat" cmpd="sng" algn="ctr">
+                      <a:solidFill>
+                        <a:srgbClr val="FF0000"/>
+                      </a:solidFill>
+                      <a:prstDash val="solid"/>
+                      <a:round/>
+                      <a:headEnd type="none" w="med" len="med"/>
+                      <a:tailEnd type="none" w="med" len="med"/>
+                    </a:lnL>
+                    <a:lnR w="12700" cap="flat" cmpd="sng" algn="ctr">
+                      <a:solidFill>
+                        <a:srgbClr val="FF0000"/>
+                      </a:solidFill>
+                      <a:prstDash val="solid"/>
+                      <a:round/>
+                      <a:headEnd type="none" w="med" len="med"/>
+                      <a:tailEnd type="none" w="med" len="med"/>
+                    </a:lnR>
+                    <a:lnT w="12700" cap="flat" cmpd="sng" algn="ctr">
+                      <a:solidFill>
+                        <a:srgbClr val="FF0000"/>
+                      </a:solidFill>
+                      <a:prstDash val="solid"/>
+                      <a:round/>
+                      <a:headEnd type="none" w="med" len="med"/>
+                      <a:tailEnd type="none" w="med" len="med"/>
+                    </a:lnT>
+                    <a:lnB w="12700" cap="flat" cmpd="sng" algn="ctr">
+                      <a:solidFill>
+                        <a:srgbClr val="FF0000"/>
+                      </a:solidFill>
+                      <a:prstDash val="solid"/>
+                      <a:round/>
+                      <a:headEnd type="none" w="med" len="med"/>
+                      <a:tailEnd type="none" w="med" len="med"/>
+                    </a:lnB>
+                  </a:tcPr>
+                </a:tc>
+                <a:tc>
+                  <a:txBody>
+                    <a:bodyPr/>
+                    <a:lstStyle/>
+                    <a:p>
+                      <a:endParaRPr lang="en-GB" sz="100"/>
+                    </a:p>
+                  </a:txBody>
+                  <a:tcPr>
+                    <a:lnL w="12700" cap="flat" cmpd="sng" algn="ctr">
+                      <a:solidFill>
+                        <a:srgbClr val="FF0000"/>
+                      </a:solidFill>
+                      <a:prstDash val="solid"/>
+                      <a:round/>
+                      <a:headEnd type="none" w="med" len="med"/>
+                      <a:tailEnd type="none" w="med" len="med"/>
+                    </a:lnL>
+                    <a:lnR w="12700" cap="flat" cmpd="sng" algn="ctr">
+                      <a:solidFill>
+                        <a:srgbClr val="FF0000"/>
+                      </a:solidFill>
+                      <a:prstDash val="solid"/>
+                      <a:round/>
+                      <a:headEnd type="none" w="med" len="med"/>
+                      <a:tailEnd type="none" w="med" len="med"/>
+                    </a:lnR>
+                    <a:lnT w="12700" cap="flat" cmpd="sng" algn="ctr">
+                      <a:solidFill>
+                        <a:srgbClr val="FF0000"/>
+                      </a:solidFill>
+                      <a:prstDash val="solid"/>
+                      <a:round/>
+                      <a:headEnd type="none" w="med" len="med"/>
+                      <a:tailEnd type="none" w="med" len="med"/>
+                    </a:lnT>
+                    <a:lnB w="12700" cap="flat" cmpd="sng" algn="ctr">
+                      <a:solidFill>
+                        <a:srgbClr val="FF0000"/>
+                      </a:solidFill>
+                      <a:prstDash val="solid"/>
+                      <a:round/>
+                      <a:headEnd type="none" w="med" len="med"/>
+                      <a:tailEnd type="none" w="med" len="med"/>
+                    </a:lnB>
+                  </a:tcPr>
+                </a:tc>
+                <a:tc>
+                  <a:txBody>
+                    <a:bodyPr/>
+                    <a:lstStyle/>
+                    <a:p>
+                      <a:endParaRPr lang="en-GB" sz="100" dirty="0"/>
+                    </a:p>
+                  </a:txBody>
+                  <a:tcPr>
+                    <a:lnL w="12700" cap="flat" cmpd="sng" algn="ctr">
+                      <a:solidFill>
+                        <a:srgbClr val="FF0000"/>
+                      </a:solidFill>
+                      <a:prstDash val="solid"/>
+                      <a:round/>
+                      <a:headEnd type="none" w="med" len="med"/>
+                      <a:tailEnd type="none" w="med" len="med"/>
+                    </a:lnL>
+                    <a:lnR w="12700" cap="flat" cmpd="sng" algn="ctr">
+                      <a:solidFill>
+                        <a:srgbClr val="FF0000"/>
+                      </a:solidFill>
+                      <a:prstDash val="solid"/>
+                      <a:round/>
+                      <a:headEnd type="none" w="med" len="med"/>
+                      <a:tailEnd type="none" w="med" len="med"/>
+                    </a:lnR>
+                    <a:lnT w="12700" cap="flat" cmpd="sng" algn="ctr">
+                      <a:solidFill>
+                        <a:srgbClr val="FF0000"/>
+                      </a:solidFill>
+                      <a:prstDash val="solid"/>
+                      <a:round/>
+                      <a:headEnd type="none" w="med" len="med"/>
+                      <a:tailEnd type="none" w="med" len="med"/>
+                    </a:lnT>
+                    <a:lnB w="12700" cap="flat" cmpd="sng" algn="ctr">
+                      <a:solidFill>
+                        <a:srgbClr val="FF0000"/>
+                      </a:solidFill>
+                      <a:prstDash val="solid"/>
+                      <a:round/>
+                      <a:headEnd type="none" w="med" len="med"/>
+                      <a:tailEnd type="none" w="med" len="med"/>
+                    </a:lnB>
+                  </a:tcPr>
+                </a:tc>
+              </a:tr>
+            </a:tbl>
+          </a:graphicData>
+        </a:graphic>
+      </p:graphicFrame>
+      <p:sp>
+        <p:nvSpPr>
+          <p:cNvPr id="27" name="Flowchart: Process 26"/>
+          <p:cNvSpPr/>
+          <p:nvPr/>
+        </p:nvSpPr>
+        <p:spPr bwMode="auto">
+          <a:xfrm>
+            <a:off x="287784" y="1619597"/>
+            <a:ext cx="1368152" cy="864096"/>
+          </a:xfrm>
+          <a:prstGeom prst="flowChartProcess">
+            <a:avLst/>
+          </a:prstGeom>
+          <a:solidFill>
+            <a:srgbClr val="92D050"/>
+          </a:solidFill>
+          <a:ln w="9525" cap="flat" cmpd="sng" algn="ctr">
+            <a:solidFill>
+              <a:schemeClr val="tx1"/>
+            </a:solidFill>
+            <a:prstDash val="solid"/>
+            <a:round/>
+            <a:headEnd type="none" w="med" len="med"/>
+            <a:tailEnd type="none" w="med" len="med"/>
+          </a:ln>
+          <a:effectLst/>
+          <a:extLst>
+            <a:ext uri="{AF507438-7753-43E0-B8FC-AC1667EBCBE1}">
+              <a14:hiddenEffects xmlns:a14="http://schemas.microsoft.com/office/drawing/2010/main" xmlns="">
+                <a:effectLst>
+                  <a:outerShdw dist="35921" dir="2700000" algn="ctr" rotWithShape="0">
+                    <a:schemeClr val="bg2"/>
+                  </a:outerShdw>
+                </a:effectLst>
+              </a14:hiddenEffects>
+            </a:ext>
+          </a:extLst>
+        </p:spPr>
+        <p:txBody>
+          <a:bodyPr vert="horz" wrap="square" lIns="91440" tIns="45720" rIns="91440" bIns="45720" numCol="1" rtlCol="0" anchor="t" anchorCtr="0" compatLnSpc="1">
+            <a:prstTxWarp prst="textNoShape">
+              <a:avLst/>
+            </a:prstTxWarp>
+          </a:bodyPr>
+          <a:lstStyle/>
+          <a:p>
+            <a:pPr marL="0" marR="0" indent="0" algn="l" defTabSz="449263" rtl="0" eaLnBrk="1" fontAlgn="base" latinLnBrk="0" hangingPunct="0">
+              <a:lnSpc>
+                <a:spcPct val="93000"/>
+              </a:lnSpc>
+              <a:spcBef>
+                <a:spcPct val="0"/>
+              </a:spcBef>
+              <a:spcAft>
+                <a:spcPct val="0"/>
+              </a:spcAft>
+              <a:buClr>
+                <a:srgbClr val="000000"/>
+              </a:buClr>
+              <a:buSzPct val="100000"/>
+              <a:buFont typeface="Times New Roman" pitchFamily="16" charset="0"/>
+              <a:buNone/>
+              <a:tabLst/>
+            </a:pPr>
+            <a:r>
+              <a:rPr lang="en-GB" dirty="0" smtClean="0"/>
+              <a:t>Compute Gradients</a:t>
+            </a:r>
+            <a:endParaRPr kumimoji="0" lang="en-GB" sz="1800" b="0" i="0" u="none" strike="noStrike" cap="none" normalizeH="0" baseline="0" dirty="0" smtClean="0">
+              <a:ln>
+                <a:noFill/>
+              </a:ln>
+              <a:effectLst/>
+              <a:latin typeface="Arial" charset="0"/>
+            </a:endParaRPr>
+          </a:p>
+        </p:txBody>
+      </p:sp>
+      <p:sp>
+        <p:nvSpPr>
+          <p:cNvPr id="28" name="Flowchart: Process 27"/>
+          <p:cNvSpPr/>
+          <p:nvPr/>
+        </p:nvSpPr>
+        <p:spPr bwMode="auto">
+          <a:xfrm>
+            <a:off x="1943968" y="1613478"/>
+            <a:ext cx="1368152" cy="864096"/>
+          </a:xfrm>
+          <a:prstGeom prst="flowChartProcess">
+            <a:avLst/>
+          </a:prstGeom>
+          <a:solidFill>
+            <a:srgbClr val="92D050"/>
+          </a:solidFill>
+          <a:ln w="9525" cap="flat" cmpd="sng" algn="ctr">
+            <a:solidFill>
+              <a:schemeClr val="tx1"/>
+            </a:solidFill>
+            <a:prstDash val="solid"/>
+            <a:round/>
+            <a:headEnd type="none" w="med" len="med"/>
+            <a:tailEnd type="none" w="med" len="med"/>
+          </a:ln>
+          <a:effectLst/>
+          <a:extLst>
+            <a:ext uri="{AF507438-7753-43E0-B8FC-AC1667EBCBE1}">
+              <a14:hiddenEffects xmlns:a14="http://schemas.microsoft.com/office/drawing/2010/main" xmlns="">
+                <a:effectLst>
+                  <a:outerShdw dist="35921" dir="2700000" algn="ctr" rotWithShape="0">
+                    <a:schemeClr val="bg2"/>
+                  </a:outerShdw>
+                </a:effectLst>
+              </a14:hiddenEffects>
+            </a:ext>
+          </a:extLst>
+        </p:spPr>
+        <p:txBody>
+          <a:bodyPr vert="horz" wrap="square" lIns="91440" tIns="45720" rIns="91440" bIns="45720" numCol="1" rtlCol="0" anchor="t" anchorCtr="0" compatLnSpc="1">
+            <a:prstTxWarp prst="textNoShape">
+              <a:avLst/>
+            </a:prstTxWarp>
+          </a:bodyPr>
+          <a:lstStyle/>
+          <a:p>
+            <a:pPr marL="0" marR="0" indent="0" algn="l" defTabSz="449263" rtl="0" eaLnBrk="1" fontAlgn="base" latinLnBrk="0" hangingPunct="0">
+              <a:lnSpc>
+                <a:spcPct val="93000"/>
+              </a:lnSpc>
+              <a:spcBef>
+                <a:spcPct val="0"/>
+              </a:spcBef>
+              <a:spcAft>
+                <a:spcPct val="0"/>
+              </a:spcAft>
+              <a:buClr>
+                <a:srgbClr val="000000"/>
+              </a:buClr>
+              <a:buSzPct val="100000"/>
+              <a:buFont typeface="Times New Roman" pitchFamily="16" charset="0"/>
+              <a:buNone/>
+              <a:tabLst/>
+            </a:pPr>
+            <a:r>
+              <a:rPr lang="en-GB" dirty="0" smtClean="0"/>
+              <a:t>Compute Orientation</a:t>
+            </a:r>
+            <a:endParaRPr kumimoji="0" lang="en-GB" sz="1800" b="0" i="0" u="none" strike="noStrike" cap="none" normalizeH="0" baseline="0" dirty="0" smtClean="0">
+              <a:ln>
+                <a:noFill/>
+              </a:ln>
+              <a:effectLst/>
+              <a:latin typeface="Arial" charset="0"/>
+            </a:endParaRPr>
+          </a:p>
+        </p:txBody>
+      </p:sp>
+      <p:sp>
+        <p:nvSpPr>
+          <p:cNvPr id="29" name="Flowchart: Process 28"/>
+          <p:cNvSpPr/>
+          <p:nvPr/>
+        </p:nvSpPr>
+        <p:spPr bwMode="auto">
+          <a:xfrm>
+            <a:off x="3600152" y="1613478"/>
+            <a:ext cx="1368152" cy="864096"/>
+          </a:xfrm>
+          <a:prstGeom prst="flowChartProcess">
+            <a:avLst/>
+          </a:prstGeom>
+          <a:solidFill>
+            <a:srgbClr val="92D050"/>
+          </a:solidFill>
+          <a:ln w="9525" cap="flat" cmpd="sng" algn="ctr">
+            <a:solidFill>
+              <a:schemeClr val="tx1"/>
+            </a:solidFill>
+            <a:prstDash val="solid"/>
+            <a:round/>
+            <a:headEnd type="none" w="med" len="med"/>
+            <a:tailEnd type="none" w="med" len="med"/>
+          </a:ln>
+          <a:effectLst/>
+          <a:extLst>
+            <a:ext uri="{AF507438-7753-43E0-B8FC-AC1667EBCBE1}">
+              <a14:hiddenEffects xmlns:a14="http://schemas.microsoft.com/office/drawing/2010/main" xmlns="">
+                <a:effectLst>
+                  <a:outerShdw dist="35921" dir="2700000" algn="ctr" rotWithShape="0">
+                    <a:schemeClr val="bg2"/>
+                  </a:outerShdw>
+                </a:effectLst>
+              </a14:hiddenEffects>
+            </a:ext>
+          </a:extLst>
+        </p:spPr>
+        <p:txBody>
+          <a:bodyPr vert="horz" wrap="square" lIns="91440" tIns="45720" rIns="91440" bIns="45720" numCol="1" rtlCol="0" anchor="t" anchorCtr="0" compatLnSpc="1">
+            <a:prstTxWarp prst="textNoShape">
+              <a:avLst/>
+            </a:prstTxWarp>
+          </a:bodyPr>
+          <a:lstStyle/>
+          <a:p>
+            <a:pPr marL="0" marR="0" indent="0" algn="l" defTabSz="449263" rtl="0" eaLnBrk="1" fontAlgn="base" latinLnBrk="0" hangingPunct="0">
+              <a:lnSpc>
+                <a:spcPct val="93000"/>
+              </a:lnSpc>
+              <a:spcBef>
+                <a:spcPct val="0"/>
+              </a:spcBef>
+              <a:spcAft>
+                <a:spcPct val="0"/>
+              </a:spcAft>
+              <a:buClr>
+                <a:srgbClr val="000000"/>
+              </a:buClr>
+              <a:buSzPct val="100000"/>
+              <a:buFont typeface="Times New Roman" pitchFamily="16" charset="0"/>
+              <a:buNone/>
+              <a:tabLst/>
+            </a:pPr>
+            <a:r>
+              <a:rPr lang="en-GB" dirty="0" smtClean="0"/>
+              <a:t>Histograms</a:t>
+            </a:r>
+            <a:endParaRPr kumimoji="0" lang="en-GB" sz="1800" b="0" i="0" u="none" strike="noStrike" cap="none" normalizeH="0" baseline="0" dirty="0" smtClean="0">
+              <a:ln>
+                <a:noFill/>
+              </a:ln>
+              <a:effectLst/>
+              <a:latin typeface="Arial" charset="0"/>
+            </a:endParaRPr>
+          </a:p>
+        </p:txBody>
+      </p:sp>
+      <p:sp>
+        <p:nvSpPr>
+          <p:cNvPr id="30" name="Flowchart: Process 29"/>
+          <p:cNvSpPr/>
+          <p:nvPr/>
+        </p:nvSpPr>
+        <p:spPr bwMode="auto">
+          <a:xfrm>
+            <a:off x="5256336" y="1613478"/>
+            <a:ext cx="1368152" cy="864096"/>
+          </a:xfrm>
+          <a:prstGeom prst="flowChartProcess">
+            <a:avLst/>
+          </a:prstGeom>
+          <a:solidFill>
+            <a:srgbClr val="92D050"/>
+          </a:solidFill>
+          <a:ln w="9525" cap="flat" cmpd="sng" algn="ctr">
+            <a:solidFill>
+              <a:schemeClr val="tx1"/>
+            </a:solidFill>
+            <a:prstDash val="solid"/>
+            <a:round/>
+            <a:headEnd type="none" w="med" len="med"/>
+            <a:tailEnd type="none" w="med" len="med"/>
+          </a:ln>
+          <a:effectLst/>
+          <a:extLst>
+            <a:ext uri="{AF507438-7753-43E0-B8FC-AC1667EBCBE1}">
+              <a14:hiddenEffects xmlns:a14="http://schemas.microsoft.com/office/drawing/2010/main" xmlns="">
+                <a:effectLst>
+                  <a:outerShdw dist="35921" dir="2700000" algn="ctr" rotWithShape="0">
+                    <a:schemeClr val="bg2"/>
+                  </a:outerShdw>
+                </a:effectLst>
+              </a14:hiddenEffects>
+            </a:ext>
+          </a:extLst>
+        </p:spPr>
+        <p:txBody>
+          <a:bodyPr vert="horz" wrap="square" lIns="91440" tIns="45720" rIns="91440" bIns="45720" numCol="1" rtlCol="0" anchor="t" anchorCtr="0" compatLnSpc="1">
+            <a:prstTxWarp prst="textNoShape">
+              <a:avLst/>
+            </a:prstTxWarp>
+          </a:bodyPr>
+          <a:lstStyle/>
+          <a:p>
+            <a:pPr marL="0" marR="0" indent="0" algn="l" defTabSz="449263" rtl="0" eaLnBrk="1" fontAlgn="base" latinLnBrk="0" hangingPunct="0">
+              <a:lnSpc>
+                <a:spcPct val="93000"/>
+              </a:lnSpc>
+              <a:spcBef>
+                <a:spcPct val="0"/>
+              </a:spcBef>
+              <a:spcAft>
+                <a:spcPct val="0"/>
+              </a:spcAft>
+              <a:buClr>
+                <a:srgbClr val="000000"/>
+              </a:buClr>
+              <a:buSzPct val="100000"/>
+              <a:buFont typeface="Times New Roman" pitchFamily="16" charset="0"/>
+              <a:buNone/>
+              <a:tabLst/>
+            </a:pPr>
+            <a:r>
+              <a:rPr lang="en-GB" dirty="0" smtClean="0"/>
+              <a:t>Normalise</a:t>
+            </a:r>
+            <a:endParaRPr kumimoji="0" lang="en-GB" sz="1800" b="0" i="0" u="none" strike="noStrike" cap="none" normalizeH="0" baseline="0" dirty="0" smtClean="0">
+              <a:ln>
+                <a:noFill/>
+              </a:ln>
+              <a:effectLst/>
+              <a:latin typeface="Arial" charset="0"/>
+            </a:endParaRPr>
+          </a:p>
+        </p:txBody>
+      </p:sp>
+      <p:sp>
+        <p:nvSpPr>
+          <p:cNvPr id="31" name="Flowchart: Process 30"/>
+          <p:cNvSpPr/>
+          <p:nvPr/>
+        </p:nvSpPr>
+        <p:spPr bwMode="auto">
+          <a:xfrm>
+            <a:off x="6912520" y="1613478"/>
+            <a:ext cx="1368152" cy="864096"/>
+          </a:xfrm>
+          <a:prstGeom prst="flowChartProcess">
+            <a:avLst/>
+          </a:prstGeom>
+          <a:solidFill>
+            <a:srgbClr val="FF0000"/>
+          </a:solidFill>
+          <a:ln w="9525" cap="flat" cmpd="sng" algn="ctr">
+            <a:solidFill>
+              <a:schemeClr val="tx1"/>
+            </a:solidFill>
+            <a:prstDash val="solid"/>
+            <a:round/>
+            <a:headEnd type="none" w="med" len="med"/>
+            <a:tailEnd type="none" w="med" len="med"/>
+          </a:ln>
+          <a:effectLst/>
+        </p:spPr>
+        <p:txBody>
+          <a:bodyPr vert="horz" wrap="square" lIns="91440" tIns="45720" rIns="91440" bIns="45720" numCol="1" rtlCol="0" anchor="t" anchorCtr="0" compatLnSpc="1">
+            <a:prstTxWarp prst="textNoShape">
+              <a:avLst/>
+            </a:prstTxWarp>
+          </a:bodyPr>
+          <a:lstStyle/>
+          <a:p>
+            <a:pPr marL="0" marR="0" indent="0" algn="l" defTabSz="449263" rtl="0" eaLnBrk="1" fontAlgn="base" latinLnBrk="0" hangingPunct="0">
+              <a:lnSpc>
+                <a:spcPct val="93000"/>
+              </a:lnSpc>
+              <a:spcBef>
+                <a:spcPct val="0"/>
+              </a:spcBef>
+              <a:spcAft>
+                <a:spcPct val="0"/>
+              </a:spcAft>
+              <a:buClr>
+                <a:srgbClr val="000000"/>
+              </a:buClr>
+              <a:buSzPct val="100000"/>
+              <a:buFont typeface="Times New Roman" pitchFamily="16" charset="0"/>
+              <a:buNone/>
+              <a:tabLst/>
+            </a:pPr>
+            <a:r>
+              <a:rPr lang="en-GB" dirty="0" smtClean="0"/>
+              <a:t>Collect over window</a:t>
+            </a:r>
+            <a:endParaRPr kumimoji="0" lang="en-GB" sz="1800" b="0" i="0" u="none" strike="noStrike" cap="none" normalizeH="0" baseline="0" dirty="0" smtClean="0">
+              <a:ln>
+                <a:noFill/>
+              </a:ln>
+              <a:effectLst/>
+              <a:latin typeface="Arial" charset="0"/>
+            </a:endParaRPr>
+          </a:p>
+        </p:txBody>
+      </p:sp>
+      <p:sp>
+        <p:nvSpPr>
+          <p:cNvPr id="32" name="Flowchart: Process 31"/>
+          <p:cNvSpPr/>
+          <p:nvPr/>
+        </p:nvSpPr>
+        <p:spPr bwMode="auto">
+          <a:xfrm>
+            <a:off x="8568704" y="1613478"/>
+            <a:ext cx="1368152" cy="864096"/>
+          </a:xfrm>
+          <a:prstGeom prst="flowChartProcess">
+            <a:avLst/>
+          </a:prstGeom>
+          <a:solidFill>
+            <a:srgbClr val="92D050"/>
+          </a:solidFill>
+          <a:ln w="9525" cap="flat" cmpd="sng" algn="ctr">
+            <a:solidFill>
+              <a:schemeClr val="tx1"/>
+            </a:solidFill>
+            <a:prstDash val="solid"/>
+            <a:round/>
+            <a:headEnd type="none" w="med" len="med"/>
+            <a:tailEnd type="none" w="med" len="med"/>
+          </a:ln>
+          <a:effectLst/>
+          <a:extLst>
+            <a:ext uri="{AF507438-7753-43E0-B8FC-AC1667EBCBE1}">
+              <a14:hiddenEffects xmlns:a14="http://schemas.microsoft.com/office/drawing/2010/main" xmlns="">
+                <a:effectLst>
+                  <a:outerShdw dist="35921" dir="2700000" algn="ctr" rotWithShape="0">
+                    <a:schemeClr val="bg2"/>
+                  </a:outerShdw>
+                </a:effectLst>
+              </a14:hiddenEffects>
+            </a:ext>
+          </a:extLst>
+        </p:spPr>
+        <p:txBody>
+          <a:bodyPr vert="horz" wrap="square" lIns="91440" tIns="45720" rIns="91440" bIns="45720" numCol="1" rtlCol="0" anchor="t" anchorCtr="0" compatLnSpc="1">
+            <a:prstTxWarp prst="textNoShape">
+              <a:avLst/>
+            </a:prstTxWarp>
+          </a:bodyPr>
+          <a:lstStyle/>
+          <a:p>
+            <a:pPr marL="0" marR="0" indent="0" algn="l" defTabSz="449263" rtl="0" eaLnBrk="1" fontAlgn="base" latinLnBrk="0" hangingPunct="0">
+              <a:lnSpc>
+                <a:spcPct val="93000"/>
+              </a:lnSpc>
+              <a:spcBef>
+                <a:spcPct val="0"/>
+              </a:spcBef>
+              <a:spcAft>
+                <a:spcPct val="0"/>
+              </a:spcAft>
+              <a:buClr>
+                <a:srgbClr val="000000"/>
+              </a:buClr>
+              <a:buSzPct val="100000"/>
+              <a:buFont typeface="Times New Roman" pitchFamily="16" charset="0"/>
+              <a:buNone/>
+              <a:tabLst/>
+            </a:pPr>
+            <a:r>
+              <a:rPr lang="en-GB" dirty="0" smtClean="0"/>
+              <a:t>Linear SVM</a:t>
+            </a:r>
+            <a:endParaRPr kumimoji="0" lang="en-GB" sz="1800" b="0" i="0" u="none" strike="noStrike" cap="none" normalizeH="0" baseline="0" dirty="0" smtClean="0">
+              <a:ln>
+                <a:noFill/>
+              </a:ln>
+              <a:effectLst/>
+              <a:latin typeface="Arial" charset="0"/>
+            </a:endParaRPr>
+          </a:p>
+        </p:txBody>
+      </p:sp>
+      <p:cxnSp>
+        <p:nvCxnSpPr>
+          <p:cNvPr id="33" name="Straight Arrow Connector 32"/>
+          <p:cNvCxnSpPr>
+            <a:endCxn id="28" idx="1"/>
+          </p:cNvCxnSpPr>
+          <p:nvPr/>
+        </p:nvCxnSpPr>
+        <p:spPr bwMode="auto">
+          <a:xfrm flipV="1">
+            <a:off x="1655936" y="2045526"/>
+            <a:ext cx="288032" cy="6119"/>
+          </a:xfrm>
+          <a:prstGeom prst="straightConnector1">
+            <a:avLst/>
+          </a:prstGeom>
+          <a:solidFill>
+            <a:srgbClr val="92D050"/>
+          </a:solidFill>
+          <a:ln w="9525" cap="flat" cmpd="sng" algn="ctr">
+            <a:solidFill>
+              <a:schemeClr val="tx1"/>
+            </a:solidFill>
+            <a:prstDash val="solid"/>
+            <a:round/>
+            <a:headEnd type="none" w="med" len="med"/>
+            <a:tailEnd type="arrow"/>
+          </a:ln>
+          <a:effectLst/>
+          <a:extLst>
+            <a:ext uri="{AF507438-7753-43E0-B8FC-AC1667EBCBE1}">
+              <a14:hiddenEffects xmlns:a14="http://schemas.microsoft.com/office/drawing/2010/main" xmlns="">
+                <a:effectLst>
+                  <a:outerShdw dist="35921" dir="2700000" algn="ctr" rotWithShape="0">
+                    <a:schemeClr val="bg2"/>
+                  </a:outerShdw>
+                </a:effectLst>
+              </a14:hiddenEffects>
+            </a:ext>
+          </a:extLst>
+        </p:spPr>
+      </p:cxnSp>
+      <p:cxnSp>
+        <p:nvCxnSpPr>
+          <p:cNvPr id="34" name="Straight Arrow Connector 33"/>
+          <p:cNvCxnSpPr>
+            <a:stCxn id="28" idx="3"/>
+            <a:endCxn id="29" idx="1"/>
+          </p:cNvCxnSpPr>
+          <p:nvPr/>
+        </p:nvCxnSpPr>
+        <p:spPr bwMode="auto">
+          <a:xfrm>
+            <a:off x="3312120" y="2045526"/>
+            <a:ext cx="288032" cy="0"/>
+          </a:xfrm>
+          <a:prstGeom prst="straightConnector1">
+            <a:avLst/>
+          </a:prstGeom>
+          <a:solidFill>
+            <a:srgbClr val="92D050"/>
+          </a:solidFill>
+          <a:ln w="9525" cap="flat" cmpd="sng" algn="ctr">
+            <a:solidFill>
+              <a:schemeClr val="tx1"/>
+            </a:solidFill>
+            <a:prstDash val="solid"/>
+            <a:round/>
+            <a:headEnd type="none" w="med" len="med"/>
+            <a:tailEnd type="arrow"/>
+          </a:ln>
+          <a:effectLst/>
+          <a:extLst>
+            <a:ext uri="{AF507438-7753-43E0-B8FC-AC1667EBCBE1}">
+              <a14:hiddenEffects xmlns:a14="http://schemas.microsoft.com/office/drawing/2010/main" xmlns="">
+                <a:effectLst>
+                  <a:outerShdw dist="35921" dir="2700000" algn="ctr" rotWithShape="0">
+                    <a:schemeClr val="bg2"/>
+                  </a:outerShdw>
+                </a:effectLst>
+              </a14:hiddenEffects>
+            </a:ext>
+          </a:extLst>
+        </p:spPr>
+      </p:cxnSp>
+      <p:cxnSp>
+        <p:nvCxnSpPr>
+          <p:cNvPr id="35" name="Straight Arrow Connector 34"/>
+          <p:cNvCxnSpPr>
+            <a:stCxn id="29" idx="3"/>
+            <a:endCxn id="30" idx="1"/>
+          </p:cNvCxnSpPr>
+          <p:nvPr/>
+        </p:nvCxnSpPr>
+        <p:spPr bwMode="auto">
+          <a:xfrm>
+            <a:off x="4968304" y="2045526"/>
+            <a:ext cx="288032" cy="0"/>
+          </a:xfrm>
+          <a:prstGeom prst="straightConnector1">
+            <a:avLst/>
+          </a:prstGeom>
+          <a:solidFill>
+            <a:srgbClr val="92D050"/>
+          </a:solidFill>
+          <a:ln w="9525" cap="flat" cmpd="sng" algn="ctr">
+            <a:solidFill>
+              <a:schemeClr val="tx1"/>
+            </a:solidFill>
+            <a:prstDash val="solid"/>
+            <a:round/>
+            <a:headEnd type="none" w="med" len="med"/>
+            <a:tailEnd type="arrow"/>
+          </a:ln>
+          <a:effectLst/>
+          <a:extLst>
+            <a:ext uri="{AF507438-7753-43E0-B8FC-AC1667EBCBE1}">
+              <a14:hiddenEffects xmlns:a14="http://schemas.microsoft.com/office/drawing/2010/main" xmlns="">
+                <a:effectLst>
+                  <a:outerShdw dist="35921" dir="2700000" algn="ctr" rotWithShape="0">
+                    <a:schemeClr val="bg2"/>
+                  </a:outerShdw>
+                </a:effectLst>
+              </a14:hiddenEffects>
+            </a:ext>
+          </a:extLst>
+        </p:spPr>
+      </p:cxnSp>
+      <p:cxnSp>
+        <p:nvCxnSpPr>
+          <p:cNvPr id="36" name="Straight Arrow Connector 35"/>
+          <p:cNvCxnSpPr>
+            <a:stCxn id="30" idx="3"/>
+            <a:endCxn id="31" idx="1"/>
+          </p:cNvCxnSpPr>
+          <p:nvPr/>
+        </p:nvCxnSpPr>
+        <p:spPr bwMode="auto">
+          <a:xfrm>
+            <a:off x="6624488" y="2045526"/>
+            <a:ext cx="288032" cy="0"/>
+          </a:xfrm>
+          <a:prstGeom prst="straightConnector1">
+            <a:avLst/>
+          </a:prstGeom>
+          <a:solidFill>
+            <a:srgbClr val="92D050"/>
+          </a:solidFill>
+          <a:ln w="9525" cap="flat" cmpd="sng" algn="ctr">
+            <a:solidFill>
+              <a:schemeClr val="tx1"/>
+            </a:solidFill>
+            <a:prstDash val="solid"/>
+            <a:round/>
+            <a:headEnd type="none" w="med" len="med"/>
+            <a:tailEnd type="arrow"/>
+          </a:ln>
+          <a:effectLst/>
+          <a:extLst>
+            <a:ext uri="{AF507438-7753-43E0-B8FC-AC1667EBCBE1}">
+              <a14:hiddenEffects xmlns:a14="http://schemas.microsoft.com/office/drawing/2010/main" xmlns="">
+                <a:effectLst>
+                  <a:outerShdw dist="35921" dir="2700000" algn="ctr" rotWithShape="0">
+                    <a:schemeClr val="bg2"/>
+                  </a:outerShdw>
+                </a:effectLst>
+              </a14:hiddenEffects>
+            </a:ext>
+          </a:extLst>
+        </p:spPr>
+      </p:cxnSp>
+      <p:cxnSp>
+        <p:nvCxnSpPr>
+          <p:cNvPr id="37" name="Straight Arrow Connector 36"/>
+          <p:cNvCxnSpPr>
+            <a:stCxn id="31" idx="3"/>
+            <a:endCxn id="32" idx="1"/>
+          </p:cNvCxnSpPr>
+          <p:nvPr/>
+        </p:nvCxnSpPr>
+        <p:spPr bwMode="auto">
+          <a:xfrm>
+            <a:off x="8280672" y="2045526"/>
+            <a:ext cx="288032" cy="0"/>
+          </a:xfrm>
+          <a:prstGeom prst="straightConnector1">
+            <a:avLst/>
+          </a:prstGeom>
+          <a:solidFill>
+            <a:srgbClr val="92D050"/>
+          </a:solidFill>
+          <a:ln w="9525" cap="flat" cmpd="sng" algn="ctr">
+            <a:solidFill>
+              <a:schemeClr val="tx1"/>
+            </a:solidFill>
+            <a:prstDash val="solid"/>
+            <a:round/>
+            <a:headEnd type="none" w="med" len="med"/>
+            <a:tailEnd type="arrow"/>
+          </a:ln>
+          <a:effectLst/>
+          <a:extLst>
+            <a:ext uri="{AF507438-7753-43E0-B8FC-AC1667EBCBE1}">
+              <a14:hiddenEffects xmlns:a14="http://schemas.microsoft.com/office/drawing/2010/main" xmlns="">
+                <a:effectLst>
+                  <a:outerShdw dist="35921" dir="2700000" algn="ctr" rotWithShape="0">
+                    <a:schemeClr val="bg2"/>
+                  </a:outerShdw>
+                </a:effectLst>
+              </a14:hiddenEffects>
+            </a:ext>
+          </a:extLst>
+        </p:spPr>
+      </p:cxnSp>
     </p:spTree>
     <p:extLst>
       <p:ext uri="{BB962C8B-B14F-4D97-AF65-F5344CB8AC3E}">
-        <p14:creationId xmlns:p14="http://schemas.microsoft.com/office/powerpoint/2010/main" xmlns="" val="2015659797"/>
+        <p14:creationId xmlns:p14="http://schemas.microsoft.com/office/powerpoint/2010/main" xmlns="" val="3647855734"/>
       </p:ext>
     </p:extLst>
   </p:cSld>
@@ -18350,6 +22787,2936 @@
           <a:p>
             <a:r>
               <a:rPr lang="en-GB" dirty="0" smtClean="0"/>
+              <a:t>The HOG Process</a:t>
+            </a:r>
+            <a:endParaRPr lang="en-GB" dirty="0"/>
+          </a:p>
+        </p:txBody>
+      </p:sp>
+      <p:sp>
+        <p:nvSpPr>
+          <p:cNvPr id="3" name="Content Placeholder 2"/>
+          <p:cNvSpPr>
+            <a:spLocks noGrp="1"/>
+          </p:cNvSpPr>
+          <p:nvPr>
+            <p:ph idx="1"/>
+          </p:nvPr>
+        </p:nvSpPr>
+        <p:spPr>
+          <a:xfrm>
+            <a:off x="503238" y="2987749"/>
+            <a:ext cx="9069387" cy="3768651"/>
+          </a:xfrm>
+        </p:spPr>
+        <p:txBody>
+          <a:bodyPr/>
+          <a:lstStyle/>
+          <a:p>
+            <a:pPr marL="457200" indent="-457200">
+              <a:buFont typeface="Arial" pitchFamily="34" charset="0"/>
+              <a:buChar char="•"/>
+            </a:pPr>
+            <a:r>
+              <a:rPr lang="en-GB" dirty="0" smtClean="0"/>
+              <a:t>For location invariance a sliding window is used</a:t>
+            </a:r>
+          </a:p>
+        </p:txBody>
+      </p:sp>
+      <p:pic>
+        <p:nvPicPr>
+          <p:cNvPr id="1026" name="Picture 2" descr="C:\Users\ames\Documents\OrientedGrads\Images\left_pedestrian.png"/>
+          <p:cNvPicPr>
+            <a:picLocks noChangeAspect="1" noChangeArrowheads="1"/>
+          </p:cNvPicPr>
+          <p:nvPr/>
+        </p:nvPicPr>
+        <p:blipFill>
+          <a:blip r:embed="rId2" cstate="print"/>
+          <a:srcRect/>
+          <a:stretch>
+            <a:fillRect/>
+          </a:stretch>
+        </p:blipFill>
+        <p:spPr bwMode="auto">
+          <a:xfrm>
+            <a:off x="2520032" y="3923853"/>
+            <a:ext cx="4367709" cy="3275782"/>
+          </a:xfrm>
+          <a:prstGeom prst="rect">
+            <a:avLst/>
+          </a:prstGeom>
+          <a:noFill/>
+        </p:spPr>
+      </p:pic>
+      <p:sp>
+        <p:nvSpPr>
+          <p:cNvPr id="17" name="Rectangle 5"/>
+          <p:cNvSpPr>
+            <a:spLocks noChangeArrowheads="1"/>
+          </p:cNvSpPr>
+          <p:nvPr/>
+        </p:nvSpPr>
+        <p:spPr bwMode="auto">
+          <a:xfrm>
+            <a:off x="2514185" y="3923853"/>
+            <a:ext cx="725927" cy="1404168"/>
+          </a:xfrm>
+          <a:prstGeom prst="rect">
+            <a:avLst/>
+          </a:prstGeom>
+          <a:noFill/>
+          <a:ln w="36000">
+            <a:solidFill>
+              <a:srgbClr val="FF0000"/>
+            </a:solidFill>
+            <a:prstDash val="solid"/>
+            <a:round/>
+            <a:headEnd/>
+            <a:tailEnd/>
+          </a:ln>
+          <a:effectLst/>
+          <a:extLst>
+            <a:ext uri="{909E8E84-426E-40DD-AFC4-6F175D3DCCD1}">
+              <a14:hiddenFill xmlns:a14="http://schemas.microsoft.com/office/drawing/2010/main" xmlns="">
+                <a:solidFill>
+                  <a:srgbClr val="FFFFFF"/>
+                </a:solidFill>
+              </a14:hiddenFill>
+            </a:ext>
+            <a:ext uri="{AF507438-7753-43E0-B8FC-AC1667EBCBE1}">
+              <a14:hiddenEffects xmlns:a14="http://schemas.microsoft.com/office/drawing/2010/main" xmlns="">
+                <a:effectLst>
+                  <a:outerShdw dist="35921" dir="2700000" algn="ctr" rotWithShape="0">
+                    <a:srgbClr val="808080"/>
+                  </a:outerShdw>
+                </a:effectLst>
+              </a14:hiddenEffects>
+            </a:ext>
+          </a:extLst>
+        </p:spPr>
+        <p:txBody>
+          <a:bodyPr wrap="none" anchor="ctr"/>
+          <a:lstStyle/>
+          <a:p>
+            <a:endParaRPr lang="en-GB"/>
+          </a:p>
+        </p:txBody>
+      </p:sp>
+      <p:cxnSp>
+        <p:nvCxnSpPr>
+          <p:cNvPr id="20" name="Straight Arrow Connector 19"/>
+          <p:cNvCxnSpPr/>
+          <p:nvPr/>
+        </p:nvCxnSpPr>
+        <p:spPr bwMode="auto">
+          <a:xfrm>
+            <a:off x="3384128" y="4571925"/>
+            <a:ext cx="2448272" cy="0"/>
+          </a:xfrm>
+          <a:prstGeom prst="straightConnector1">
+            <a:avLst/>
+          </a:prstGeom>
+          <a:solidFill>
+            <a:srgbClr val="00B8FF"/>
+          </a:solidFill>
+          <a:ln w="38100" cap="flat" cmpd="sng" algn="ctr">
+            <a:solidFill>
+              <a:srgbClr val="FF0000"/>
+            </a:solidFill>
+            <a:prstDash val="solid"/>
+            <a:round/>
+            <a:headEnd type="none" w="med" len="med"/>
+            <a:tailEnd type="arrow"/>
+          </a:ln>
+          <a:effectLst/>
+          <a:extLst>
+            <a:ext uri="{AF507438-7753-43E0-B8FC-AC1667EBCBE1}">
+              <a14:hiddenEffects xmlns:a14="http://schemas.microsoft.com/office/drawing/2010/main" xmlns="">
+                <a:effectLst>
+                  <a:outerShdw dist="35921" dir="2700000" algn="ctr" rotWithShape="0">
+                    <a:schemeClr val="bg2"/>
+                  </a:outerShdw>
+                </a:effectLst>
+              </a14:hiddenEffects>
+            </a:ext>
+          </a:extLst>
+        </p:spPr>
+      </p:cxnSp>
+      <p:sp>
+        <p:nvSpPr>
+          <p:cNvPr id="19" name="Rectangle 5"/>
+          <p:cNvSpPr>
+            <a:spLocks noChangeArrowheads="1"/>
+          </p:cNvSpPr>
+          <p:nvPr/>
+        </p:nvSpPr>
+        <p:spPr bwMode="auto">
+          <a:xfrm>
+            <a:off x="2520032" y="4103861"/>
+            <a:ext cx="725927" cy="1404168"/>
+          </a:xfrm>
+          <a:prstGeom prst="rect">
+            <a:avLst/>
+          </a:prstGeom>
+          <a:noFill/>
+          <a:ln w="36000">
+            <a:solidFill>
+              <a:srgbClr val="FF0000"/>
+            </a:solidFill>
+            <a:prstDash val="solid"/>
+            <a:round/>
+            <a:headEnd/>
+            <a:tailEnd/>
+          </a:ln>
+          <a:effectLst/>
+          <a:extLst>
+            <a:ext uri="{909E8E84-426E-40DD-AFC4-6F175D3DCCD1}">
+              <a14:hiddenFill xmlns:a14="http://schemas.microsoft.com/office/drawing/2010/main" xmlns="">
+                <a:solidFill>
+                  <a:srgbClr val="FFFFFF"/>
+                </a:solidFill>
+              </a14:hiddenFill>
+            </a:ext>
+            <a:ext uri="{AF507438-7753-43E0-B8FC-AC1667EBCBE1}">
+              <a14:hiddenEffects xmlns:a14="http://schemas.microsoft.com/office/drawing/2010/main" xmlns="">
+                <a:effectLst>
+                  <a:outerShdw dist="35921" dir="2700000" algn="ctr" rotWithShape="0">
+                    <a:srgbClr val="808080"/>
+                  </a:outerShdw>
+                </a:effectLst>
+              </a14:hiddenEffects>
+            </a:ext>
+          </a:extLst>
+        </p:spPr>
+        <p:txBody>
+          <a:bodyPr wrap="none" anchor="ctr"/>
+          <a:lstStyle/>
+          <a:p>
+            <a:endParaRPr lang="en-GB"/>
+          </a:p>
+        </p:txBody>
+      </p:sp>
+      <p:sp>
+        <p:nvSpPr>
+          <p:cNvPr id="21" name="Rectangle 5"/>
+          <p:cNvSpPr>
+            <a:spLocks noChangeArrowheads="1"/>
+          </p:cNvSpPr>
+          <p:nvPr/>
+        </p:nvSpPr>
+        <p:spPr bwMode="auto">
+          <a:xfrm>
+            <a:off x="2520032" y="4355901"/>
+            <a:ext cx="725927" cy="1404168"/>
+          </a:xfrm>
+          <a:prstGeom prst="rect">
+            <a:avLst/>
+          </a:prstGeom>
+          <a:noFill/>
+          <a:ln w="36000">
+            <a:solidFill>
+              <a:srgbClr val="FF0000"/>
+            </a:solidFill>
+            <a:prstDash val="solid"/>
+            <a:round/>
+            <a:headEnd/>
+            <a:tailEnd/>
+          </a:ln>
+          <a:effectLst/>
+          <a:extLst>
+            <a:ext uri="{909E8E84-426E-40DD-AFC4-6F175D3DCCD1}">
+              <a14:hiddenFill xmlns:a14="http://schemas.microsoft.com/office/drawing/2010/main" xmlns="">
+                <a:solidFill>
+                  <a:srgbClr val="FFFFFF"/>
+                </a:solidFill>
+              </a14:hiddenFill>
+            </a:ext>
+            <a:ext uri="{AF507438-7753-43E0-B8FC-AC1667EBCBE1}">
+              <a14:hiddenEffects xmlns:a14="http://schemas.microsoft.com/office/drawing/2010/main" xmlns="">
+                <a:effectLst>
+                  <a:outerShdw dist="35921" dir="2700000" algn="ctr" rotWithShape="0">
+                    <a:srgbClr val="808080"/>
+                  </a:outerShdw>
+                </a:effectLst>
+              </a14:hiddenEffects>
+            </a:ext>
+          </a:extLst>
+        </p:spPr>
+        <p:txBody>
+          <a:bodyPr wrap="none" anchor="ctr"/>
+          <a:lstStyle/>
+          <a:p>
+            <a:endParaRPr lang="en-GB"/>
+          </a:p>
+        </p:txBody>
+      </p:sp>
+      <p:sp>
+        <p:nvSpPr>
+          <p:cNvPr id="22" name="Rectangle 5"/>
+          <p:cNvSpPr>
+            <a:spLocks noChangeArrowheads="1"/>
+          </p:cNvSpPr>
+          <p:nvPr/>
+        </p:nvSpPr>
+        <p:spPr bwMode="auto">
+          <a:xfrm>
+            <a:off x="2520032" y="4607917"/>
+            <a:ext cx="725927" cy="1404168"/>
+          </a:xfrm>
+          <a:prstGeom prst="rect">
+            <a:avLst/>
+          </a:prstGeom>
+          <a:noFill/>
+          <a:ln w="36000">
+            <a:solidFill>
+              <a:srgbClr val="FF0000"/>
+            </a:solidFill>
+            <a:prstDash val="solid"/>
+            <a:round/>
+            <a:headEnd/>
+            <a:tailEnd/>
+          </a:ln>
+          <a:effectLst/>
+          <a:extLst>
+            <a:ext uri="{909E8E84-426E-40DD-AFC4-6F175D3DCCD1}">
+              <a14:hiddenFill xmlns:a14="http://schemas.microsoft.com/office/drawing/2010/main" xmlns="">
+                <a:solidFill>
+                  <a:srgbClr val="FFFFFF"/>
+                </a:solidFill>
+              </a14:hiddenFill>
+            </a:ext>
+            <a:ext uri="{AF507438-7753-43E0-B8FC-AC1667EBCBE1}">
+              <a14:hiddenEffects xmlns:a14="http://schemas.microsoft.com/office/drawing/2010/main" xmlns="">
+                <a:effectLst>
+                  <a:outerShdw dist="35921" dir="2700000" algn="ctr" rotWithShape="0">
+                    <a:srgbClr val="808080"/>
+                  </a:outerShdw>
+                </a:effectLst>
+              </a14:hiddenEffects>
+            </a:ext>
+          </a:extLst>
+        </p:spPr>
+        <p:txBody>
+          <a:bodyPr wrap="none" anchor="ctr"/>
+          <a:lstStyle/>
+          <a:p>
+            <a:endParaRPr lang="en-GB"/>
+          </a:p>
+        </p:txBody>
+      </p:sp>
+      <p:sp>
+        <p:nvSpPr>
+          <p:cNvPr id="23" name="Rectangle 5"/>
+          <p:cNvSpPr>
+            <a:spLocks noChangeArrowheads="1"/>
+          </p:cNvSpPr>
+          <p:nvPr/>
+        </p:nvSpPr>
+        <p:spPr bwMode="auto">
+          <a:xfrm>
+            <a:off x="2520032" y="4895949"/>
+            <a:ext cx="725927" cy="1404168"/>
+          </a:xfrm>
+          <a:prstGeom prst="rect">
+            <a:avLst/>
+          </a:prstGeom>
+          <a:noFill/>
+          <a:ln w="36000">
+            <a:solidFill>
+              <a:srgbClr val="FF0000"/>
+            </a:solidFill>
+            <a:prstDash val="solid"/>
+            <a:round/>
+            <a:headEnd/>
+            <a:tailEnd/>
+          </a:ln>
+          <a:effectLst/>
+          <a:extLst>
+            <a:ext uri="{909E8E84-426E-40DD-AFC4-6F175D3DCCD1}">
+              <a14:hiddenFill xmlns:a14="http://schemas.microsoft.com/office/drawing/2010/main" xmlns="">
+                <a:solidFill>
+                  <a:srgbClr val="FFFFFF"/>
+                </a:solidFill>
+              </a14:hiddenFill>
+            </a:ext>
+            <a:ext uri="{AF507438-7753-43E0-B8FC-AC1667EBCBE1}">
+              <a14:hiddenEffects xmlns:a14="http://schemas.microsoft.com/office/drawing/2010/main" xmlns="">
+                <a:effectLst>
+                  <a:outerShdw dist="35921" dir="2700000" algn="ctr" rotWithShape="0">
+                    <a:srgbClr val="808080"/>
+                  </a:outerShdw>
+                </a:effectLst>
+              </a14:hiddenEffects>
+            </a:ext>
+          </a:extLst>
+        </p:spPr>
+        <p:txBody>
+          <a:bodyPr wrap="none" anchor="ctr"/>
+          <a:lstStyle/>
+          <a:p>
+            <a:endParaRPr lang="en-GB"/>
+          </a:p>
+        </p:txBody>
+      </p:sp>
+      <p:sp>
+        <p:nvSpPr>
+          <p:cNvPr id="24" name="Rectangle 5"/>
+          <p:cNvSpPr>
+            <a:spLocks noChangeArrowheads="1"/>
+          </p:cNvSpPr>
+          <p:nvPr/>
+        </p:nvSpPr>
+        <p:spPr bwMode="auto">
+          <a:xfrm>
+            <a:off x="2520032" y="5183981"/>
+            <a:ext cx="725927" cy="1404168"/>
+          </a:xfrm>
+          <a:prstGeom prst="rect">
+            <a:avLst/>
+          </a:prstGeom>
+          <a:noFill/>
+          <a:ln w="36000">
+            <a:solidFill>
+              <a:srgbClr val="FF0000"/>
+            </a:solidFill>
+            <a:prstDash val="solid"/>
+            <a:round/>
+            <a:headEnd/>
+            <a:tailEnd/>
+          </a:ln>
+          <a:effectLst/>
+          <a:extLst>
+            <a:ext uri="{909E8E84-426E-40DD-AFC4-6F175D3DCCD1}">
+              <a14:hiddenFill xmlns:a14="http://schemas.microsoft.com/office/drawing/2010/main" xmlns="">
+                <a:solidFill>
+                  <a:srgbClr val="FFFFFF"/>
+                </a:solidFill>
+              </a14:hiddenFill>
+            </a:ext>
+            <a:ext uri="{AF507438-7753-43E0-B8FC-AC1667EBCBE1}">
+              <a14:hiddenEffects xmlns:a14="http://schemas.microsoft.com/office/drawing/2010/main" xmlns="">
+                <a:effectLst>
+                  <a:outerShdw dist="35921" dir="2700000" algn="ctr" rotWithShape="0">
+                    <a:srgbClr val="808080"/>
+                  </a:outerShdw>
+                </a:effectLst>
+              </a14:hiddenEffects>
+            </a:ext>
+          </a:extLst>
+        </p:spPr>
+        <p:txBody>
+          <a:bodyPr wrap="none" anchor="ctr"/>
+          <a:lstStyle/>
+          <a:p>
+            <a:endParaRPr lang="en-GB"/>
+          </a:p>
+        </p:txBody>
+      </p:sp>
+      <p:sp>
+        <p:nvSpPr>
+          <p:cNvPr id="25" name="Rectangle 5"/>
+          <p:cNvSpPr>
+            <a:spLocks noChangeArrowheads="1"/>
+          </p:cNvSpPr>
+          <p:nvPr/>
+        </p:nvSpPr>
+        <p:spPr bwMode="auto">
+          <a:xfrm>
+            <a:off x="2520032" y="5472013"/>
+            <a:ext cx="725927" cy="1404168"/>
+          </a:xfrm>
+          <a:prstGeom prst="rect">
+            <a:avLst/>
+          </a:prstGeom>
+          <a:noFill/>
+          <a:ln w="36000">
+            <a:solidFill>
+              <a:srgbClr val="FF0000"/>
+            </a:solidFill>
+            <a:prstDash val="solid"/>
+            <a:round/>
+            <a:headEnd/>
+            <a:tailEnd/>
+          </a:ln>
+          <a:effectLst/>
+          <a:extLst>
+            <a:ext uri="{909E8E84-426E-40DD-AFC4-6F175D3DCCD1}">
+              <a14:hiddenFill xmlns:a14="http://schemas.microsoft.com/office/drawing/2010/main" xmlns="">
+                <a:solidFill>
+                  <a:srgbClr val="FFFFFF"/>
+                </a:solidFill>
+              </a14:hiddenFill>
+            </a:ext>
+            <a:ext uri="{AF507438-7753-43E0-B8FC-AC1667EBCBE1}">
+              <a14:hiddenEffects xmlns:a14="http://schemas.microsoft.com/office/drawing/2010/main" xmlns="">
+                <a:effectLst>
+                  <a:outerShdw dist="35921" dir="2700000" algn="ctr" rotWithShape="0">
+                    <a:srgbClr val="808080"/>
+                  </a:outerShdw>
+                </a:effectLst>
+              </a14:hiddenEffects>
+            </a:ext>
+          </a:extLst>
+        </p:spPr>
+        <p:txBody>
+          <a:bodyPr wrap="none" anchor="ctr"/>
+          <a:lstStyle/>
+          <a:p>
+            <a:endParaRPr lang="en-GB"/>
+          </a:p>
+        </p:txBody>
+      </p:sp>
+      <p:sp>
+        <p:nvSpPr>
+          <p:cNvPr id="26" name="Rectangle 5"/>
+          <p:cNvSpPr>
+            <a:spLocks noChangeArrowheads="1"/>
+          </p:cNvSpPr>
+          <p:nvPr/>
+        </p:nvSpPr>
+        <p:spPr bwMode="auto">
+          <a:xfrm>
+            <a:off x="2520032" y="5760045"/>
+            <a:ext cx="725927" cy="1404168"/>
+          </a:xfrm>
+          <a:prstGeom prst="rect">
+            <a:avLst/>
+          </a:prstGeom>
+          <a:noFill/>
+          <a:ln w="36000">
+            <a:solidFill>
+              <a:srgbClr val="FF0000"/>
+            </a:solidFill>
+            <a:prstDash val="solid"/>
+            <a:round/>
+            <a:headEnd/>
+            <a:tailEnd/>
+          </a:ln>
+          <a:effectLst/>
+          <a:extLst>
+            <a:ext uri="{909E8E84-426E-40DD-AFC4-6F175D3DCCD1}">
+              <a14:hiddenFill xmlns:a14="http://schemas.microsoft.com/office/drawing/2010/main" xmlns="">
+                <a:solidFill>
+                  <a:srgbClr val="FFFFFF"/>
+                </a:solidFill>
+              </a14:hiddenFill>
+            </a:ext>
+            <a:ext uri="{AF507438-7753-43E0-B8FC-AC1667EBCBE1}">
+              <a14:hiddenEffects xmlns:a14="http://schemas.microsoft.com/office/drawing/2010/main" xmlns="">
+                <a:effectLst>
+                  <a:outerShdw dist="35921" dir="2700000" algn="ctr" rotWithShape="0">
+                    <a:srgbClr val="808080"/>
+                  </a:outerShdw>
+                </a:effectLst>
+              </a14:hiddenEffects>
+            </a:ext>
+          </a:extLst>
+        </p:spPr>
+        <p:txBody>
+          <a:bodyPr wrap="none" anchor="ctr"/>
+          <a:lstStyle/>
+          <a:p>
+            <a:endParaRPr lang="en-GB"/>
+          </a:p>
+        </p:txBody>
+      </p:sp>
+      <p:sp>
+        <p:nvSpPr>
+          <p:cNvPr id="27" name="Rectangle 5"/>
+          <p:cNvSpPr>
+            <a:spLocks noChangeArrowheads="1"/>
+          </p:cNvSpPr>
+          <p:nvPr/>
+        </p:nvSpPr>
+        <p:spPr bwMode="auto">
+          <a:xfrm>
+            <a:off x="6108738" y="3923853"/>
+            <a:ext cx="725927" cy="1404168"/>
+          </a:xfrm>
+          <a:prstGeom prst="rect">
+            <a:avLst/>
+          </a:prstGeom>
+          <a:noFill/>
+          <a:ln w="36000">
+            <a:solidFill>
+              <a:srgbClr val="FF0000"/>
+            </a:solidFill>
+            <a:prstDash val="solid"/>
+            <a:round/>
+            <a:headEnd/>
+            <a:tailEnd/>
+          </a:ln>
+          <a:effectLst/>
+          <a:extLst>
+            <a:ext uri="{909E8E84-426E-40DD-AFC4-6F175D3DCCD1}">
+              <a14:hiddenFill xmlns:a14="http://schemas.microsoft.com/office/drawing/2010/main" xmlns="">
+                <a:solidFill>
+                  <a:srgbClr val="FFFFFF"/>
+                </a:solidFill>
+              </a14:hiddenFill>
+            </a:ext>
+            <a:ext uri="{AF507438-7753-43E0-B8FC-AC1667EBCBE1}">
+              <a14:hiddenEffects xmlns:a14="http://schemas.microsoft.com/office/drawing/2010/main" xmlns="">
+                <a:effectLst>
+                  <a:outerShdw dist="35921" dir="2700000" algn="ctr" rotWithShape="0">
+                    <a:srgbClr val="808080"/>
+                  </a:outerShdw>
+                </a:effectLst>
+              </a14:hiddenEffects>
+            </a:ext>
+          </a:extLst>
+        </p:spPr>
+        <p:txBody>
+          <a:bodyPr wrap="none" anchor="ctr"/>
+          <a:lstStyle/>
+          <a:p>
+            <a:endParaRPr lang="en-GB"/>
+          </a:p>
+        </p:txBody>
+      </p:sp>
+      <p:sp>
+        <p:nvSpPr>
+          <p:cNvPr id="28" name="Rectangle 5"/>
+          <p:cNvSpPr>
+            <a:spLocks noChangeArrowheads="1"/>
+          </p:cNvSpPr>
+          <p:nvPr/>
+        </p:nvSpPr>
+        <p:spPr bwMode="auto">
+          <a:xfrm>
+            <a:off x="6114585" y="4103861"/>
+            <a:ext cx="725927" cy="1404168"/>
+          </a:xfrm>
+          <a:prstGeom prst="rect">
+            <a:avLst/>
+          </a:prstGeom>
+          <a:noFill/>
+          <a:ln w="36000">
+            <a:solidFill>
+              <a:srgbClr val="FF0000"/>
+            </a:solidFill>
+            <a:prstDash val="solid"/>
+            <a:round/>
+            <a:headEnd/>
+            <a:tailEnd/>
+          </a:ln>
+          <a:effectLst/>
+          <a:extLst>
+            <a:ext uri="{909E8E84-426E-40DD-AFC4-6F175D3DCCD1}">
+              <a14:hiddenFill xmlns:a14="http://schemas.microsoft.com/office/drawing/2010/main" xmlns="">
+                <a:solidFill>
+                  <a:srgbClr val="FFFFFF"/>
+                </a:solidFill>
+              </a14:hiddenFill>
+            </a:ext>
+            <a:ext uri="{AF507438-7753-43E0-B8FC-AC1667EBCBE1}">
+              <a14:hiddenEffects xmlns:a14="http://schemas.microsoft.com/office/drawing/2010/main" xmlns="">
+                <a:effectLst>
+                  <a:outerShdw dist="35921" dir="2700000" algn="ctr" rotWithShape="0">
+                    <a:srgbClr val="808080"/>
+                  </a:outerShdw>
+                </a:effectLst>
+              </a14:hiddenEffects>
+            </a:ext>
+          </a:extLst>
+        </p:spPr>
+        <p:txBody>
+          <a:bodyPr wrap="none" anchor="ctr"/>
+          <a:lstStyle/>
+          <a:p>
+            <a:endParaRPr lang="en-GB"/>
+          </a:p>
+        </p:txBody>
+      </p:sp>
+      <p:sp>
+        <p:nvSpPr>
+          <p:cNvPr id="29" name="Rectangle 5"/>
+          <p:cNvSpPr>
+            <a:spLocks noChangeArrowheads="1"/>
+          </p:cNvSpPr>
+          <p:nvPr/>
+        </p:nvSpPr>
+        <p:spPr bwMode="auto">
+          <a:xfrm>
+            <a:off x="6114585" y="4355901"/>
+            <a:ext cx="725927" cy="1404168"/>
+          </a:xfrm>
+          <a:prstGeom prst="rect">
+            <a:avLst/>
+          </a:prstGeom>
+          <a:noFill/>
+          <a:ln w="36000">
+            <a:solidFill>
+              <a:srgbClr val="FF0000"/>
+            </a:solidFill>
+            <a:prstDash val="solid"/>
+            <a:round/>
+            <a:headEnd/>
+            <a:tailEnd/>
+          </a:ln>
+          <a:effectLst/>
+          <a:extLst>
+            <a:ext uri="{909E8E84-426E-40DD-AFC4-6F175D3DCCD1}">
+              <a14:hiddenFill xmlns:a14="http://schemas.microsoft.com/office/drawing/2010/main" xmlns="">
+                <a:solidFill>
+                  <a:srgbClr val="FFFFFF"/>
+                </a:solidFill>
+              </a14:hiddenFill>
+            </a:ext>
+            <a:ext uri="{AF507438-7753-43E0-B8FC-AC1667EBCBE1}">
+              <a14:hiddenEffects xmlns:a14="http://schemas.microsoft.com/office/drawing/2010/main" xmlns="">
+                <a:effectLst>
+                  <a:outerShdw dist="35921" dir="2700000" algn="ctr" rotWithShape="0">
+                    <a:srgbClr val="808080"/>
+                  </a:outerShdw>
+                </a:effectLst>
+              </a14:hiddenEffects>
+            </a:ext>
+          </a:extLst>
+        </p:spPr>
+        <p:txBody>
+          <a:bodyPr wrap="none" anchor="ctr"/>
+          <a:lstStyle/>
+          <a:p>
+            <a:endParaRPr lang="en-GB"/>
+          </a:p>
+        </p:txBody>
+      </p:sp>
+      <p:sp>
+        <p:nvSpPr>
+          <p:cNvPr id="30" name="Rectangle 5"/>
+          <p:cNvSpPr>
+            <a:spLocks noChangeArrowheads="1"/>
+          </p:cNvSpPr>
+          <p:nvPr/>
+        </p:nvSpPr>
+        <p:spPr bwMode="auto">
+          <a:xfrm>
+            <a:off x="6114585" y="4607917"/>
+            <a:ext cx="725927" cy="1404168"/>
+          </a:xfrm>
+          <a:prstGeom prst="rect">
+            <a:avLst/>
+          </a:prstGeom>
+          <a:noFill/>
+          <a:ln w="36000">
+            <a:solidFill>
+              <a:srgbClr val="FF0000"/>
+            </a:solidFill>
+            <a:prstDash val="solid"/>
+            <a:round/>
+            <a:headEnd/>
+            <a:tailEnd/>
+          </a:ln>
+          <a:effectLst/>
+          <a:extLst>
+            <a:ext uri="{909E8E84-426E-40DD-AFC4-6F175D3DCCD1}">
+              <a14:hiddenFill xmlns:a14="http://schemas.microsoft.com/office/drawing/2010/main" xmlns="">
+                <a:solidFill>
+                  <a:srgbClr val="FFFFFF"/>
+                </a:solidFill>
+              </a14:hiddenFill>
+            </a:ext>
+            <a:ext uri="{AF507438-7753-43E0-B8FC-AC1667EBCBE1}">
+              <a14:hiddenEffects xmlns:a14="http://schemas.microsoft.com/office/drawing/2010/main" xmlns="">
+                <a:effectLst>
+                  <a:outerShdw dist="35921" dir="2700000" algn="ctr" rotWithShape="0">
+                    <a:srgbClr val="808080"/>
+                  </a:outerShdw>
+                </a:effectLst>
+              </a14:hiddenEffects>
+            </a:ext>
+          </a:extLst>
+        </p:spPr>
+        <p:txBody>
+          <a:bodyPr wrap="none" anchor="ctr"/>
+          <a:lstStyle/>
+          <a:p>
+            <a:endParaRPr lang="en-GB"/>
+          </a:p>
+        </p:txBody>
+      </p:sp>
+      <p:sp>
+        <p:nvSpPr>
+          <p:cNvPr id="31" name="Rectangle 5"/>
+          <p:cNvSpPr>
+            <a:spLocks noChangeArrowheads="1"/>
+          </p:cNvSpPr>
+          <p:nvPr/>
+        </p:nvSpPr>
+        <p:spPr bwMode="auto">
+          <a:xfrm>
+            <a:off x="6114585" y="4895949"/>
+            <a:ext cx="725927" cy="1404168"/>
+          </a:xfrm>
+          <a:prstGeom prst="rect">
+            <a:avLst/>
+          </a:prstGeom>
+          <a:noFill/>
+          <a:ln w="36000">
+            <a:solidFill>
+              <a:srgbClr val="FF0000"/>
+            </a:solidFill>
+            <a:prstDash val="solid"/>
+            <a:round/>
+            <a:headEnd/>
+            <a:tailEnd/>
+          </a:ln>
+          <a:effectLst/>
+          <a:extLst>
+            <a:ext uri="{909E8E84-426E-40DD-AFC4-6F175D3DCCD1}">
+              <a14:hiddenFill xmlns:a14="http://schemas.microsoft.com/office/drawing/2010/main" xmlns="">
+                <a:solidFill>
+                  <a:srgbClr val="FFFFFF"/>
+                </a:solidFill>
+              </a14:hiddenFill>
+            </a:ext>
+            <a:ext uri="{AF507438-7753-43E0-B8FC-AC1667EBCBE1}">
+              <a14:hiddenEffects xmlns:a14="http://schemas.microsoft.com/office/drawing/2010/main" xmlns="">
+                <a:effectLst>
+                  <a:outerShdw dist="35921" dir="2700000" algn="ctr" rotWithShape="0">
+                    <a:srgbClr val="808080"/>
+                  </a:outerShdw>
+                </a:effectLst>
+              </a14:hiddenEffects>
+            </a:ext>
+          </a:extLst>
+        </p:spPr>
+        <p:txBody>
+          <a:bodyPr wrap="none" anchor="ctr"/>
+          <a:lstStyle/>
+          <a:p>
+            <a:endParaRPr lang="en-GB"/>
+          </a:p>
+        </p:txBody>
+      </p:sp>
+      <p:sp>
+        <p:nvSpPr>
+          <p:cNvPr id="32" name="Rectangle 5"/>
+          <p:cNvSpPr>
+            <a:spLocks noChangeArrowheads="1"/>
+          </p:cNvSpPr>
+          <p:nvPr/>
+        </p:nvSpPr>
+        <p:spPr bwMode="auto">
+          <a:xfrm>
+            <a:off x="6114585" y="5183981"/>
+            <a:ext cx="725927" cy="1404168"/>
+          </a:xfrm>
+          <a:prstGeom prst="rect">
+            <a:avLst/>
+          </a:prstGeom>
+          <a:noFill/>
+          <a:ln w="36000">
+            <a:solidFill>
+              <a:srgbClr val="FF0000"/>
+            </a:solidFill>
+            <a:prstDash val="solid"/>
+            <a:round/>
+            <a:headEnd/>
+            <a:tailEnd/>
+          </a:ln>
+          <a:effectLst/>
+          <a:extLst>
+            <a:ext uri="{909E8E84-426E-40DD-AFC4-6F175D3DCCD1}">
+              <a14:hiddenFill xmlns:a14="http://schemas.microsoft.com/office/drawing/2010/main" xmlns="">
+                <a:solidFill>
+                  <a:srgbClr val="FFFFFF"/>
+                </a:solidFill>
+              </a14:hiddenFill>
+            </a:ext>
+            <a:ext uri="{AF507438-7753-43E0-B8FC-AC1667EBCBE1}">
+              <a14:hiddenEffects xmlns:a14="http://schemas.microsoft.com/office/drawing/2010/main" xmlns="">
+                <a:effectLst>
+                  <a:outerShdw dist="35921" dir="2700000" algn="ctr" rotWithShape="0">
+                    <a:srgbClr val="808080"/>
+                  </a:outerShdw>
+                </a:effectLst>
+              </a14:hiddenEffects>
+            </a:ext>
+          </a:extLst>
+        </p:spPr>
+        <p:txBody>
+          <a:bodyPr wrap="none" anchor="ctr"/>
+          <a:lstStyle/>
+          <a:p>
+            <a:endParaRPr lang="en-GB"/>
+          </a:p>
+        </p:txBody>
+      </p:sp>
+      <p:sp>
+        <p:nvSpPr>
+          <p:cNvPr id="33" name="Rectangle 5"/>
+          <p:cNvSpPr>
+            <a:spLocks noChangeArrowheads="1"/>
+          </p:cNvSpPr>
+          <p:nvPr/>
+        </p:nvSpPr>
+        <p:spPr bwMode="auto">
+          <a:xfrm>
+            <a:off x="6114585" y="5472013"/>
+            <a:ext cx="725927" cy="1404168"/>
+          </a:xfrm>
+          <a:prstGeom prst="rect">
+            <a:avLst/>
+          </a:prstGeom>
+          <a:noFill/>
+          <a:ln w="36000">
+            <a:solidFill>
+              <a:srgbClr val="FF0000"/>
+            </a:solidFill>
+            <a:prstDash val="solid"/>
+            <a:round/>
+            <a:headEnd/>
+            <a:tailEnd/>
+          </a:ln>
+          <a:effectLst/>
+          <a:extLst>
+            <a:ext uri="{909E8E84-426E-40DD-AFC4-6F175D3DCCD1}">
+              <a14:hiddenFill xmlns:a14="http://schemas.microsoft.com/office/drawing/2010/main" xmlns="">
+                <a:solidFill>
+                  <a:srgbClr val="FFFFFF"/>
+                </a:solidFill>
+              </a14:hiddenFill>
+            </a:ext>
+            <a:ext uri="{AF507438-7753-43E0-B8FC-AC1667EBCBE1}">
+              <a14:hiddenEffects xmlns:a14="http://schemas.microsoft.com/office/drawing/2010/main" xmlns="">
+                <a:effectLst>
+                  <a:outerShdw dist="35921" dir="2700000" algn="ctr" rotWithShape="0">
+                    <a:srgbClr val="808080"/>
+                  </a:outerShdw>
+                </a:effectLst>
+              </a14:hiddenEffects>
+            </a:ext>
+          </a:extLst>
+        </p:spPr>
+        <p:txBody>
+          <a:bodyPr wrap="none" anchor="ctr"/>
+          <a:lstStyle/>
+          <a:p>
+            <a:endParaRPr lang="en-GB"/>
+          </a:p>
+        </p:txBody>
+      </p:sp>
+      <p:sp>
+        <p:nvSpPr>
+          <p:cNvPr id="34" name="Rectangle 5"/>
+          <p:cNvSpPr>
+            <a:spLocks noChangeArrowheads="1"/>
+          </p:cNvSpPr>
+          <p:nvPr/>
+        </p:nvSpPr>
+        <p:spPr bwMode="auto">
+          <a:xfrm>
+            <a:off x="6114585" y="5760045"/>
+            <a:ext cx="725927" cy="1404168"/>
+          </a:xfrm>
+          <a:prstGeom prst="rect">
+            <a:avLst/>
+          </a:prstGeom>
+          <a:noFill/>
+          <a:ln w="36000">
+            <a:solidFill>
+              <a:srgbClr val="FF0000"/>
+            </a:solidFill>
+            <a:prstDash val="solid"/>
+            <a:round/>
+            <a:headEnd/>
+            <a:tailEnd/>
+          </a:ln>
+          <a:effectLst/>
+          <a:extLst>
+            <a:ext uri="{909E8E84-426E-40DD-AFC4-6F175D3DCCD1}">
+              <a14:hiddenFill xmlns:a14="http://schemas.microsoft.com/office/drawing/2010/main" xmlns="">
+                <a:solidFill>
+                  <a:srgbClr val="FFFFFF"/>
+                </a:solidFill>
+              </a14:hiddenFill>
+            </a:ext>
+            <a:ext uri="{AF507438-7753-43E0-B8FC-AC1667EBCBE1}">
+              <a14:hiddenEffects xmlns:a14="http://schemas.microsoft.com/office/drawing/2010/main" xmlns="">
+                <a:effectLst>
+                  <a:outerShdw dist="35921" dir="2700000" algn="ctr" rotWithShape="0">
+                    <a:srgbClr val="808080"/>
+                  </a:outerShdw>
+                </a:effectLst>
+              </a14:hiddenEffects>
+            </a:ext>
+          </a:extLst>
+        </p:spPr>
+        <p:txBody>
+          <a:bodyPr wrap="none" anchor="ctr"/>
+          <a:lstStyle/>
+          <a:p>
+            <a:endParaRPr lang="en-GB"/>
+          </a:p>
+        </p:txBody>
+      </p:sp>
+      <p:sp>
+        <p:nvSpPr>
+          <p:cNvPr id="35" name="Rectangle 5"/>
+          <p:cNvSpPr>
+            <a:spLocks noChangeArrowheads="1"/>
+          </p:cNvSpPr>
+          <p:nvPr/>
+        </p:nvSpPr>
+        <p:spPr bwMode="auto">
+          <a:xfrm>
+            <a:off x="4104208" y="4895949"/>
+            <a:ext cx="725927" cy="1404168"/>
+          </a:xfrm>
+          <a:prstGeom prst="rect">
+            <a:avLst/>
+          </a:prstGeom>
+          <a:noFill/>
+          <a:ln w="36000">
+            <a:solidFill>
+              <a:srgbClr val="FF0000"/>
+            </a:solidFill>
+            <a:prstDash val="sysDash"/>
+            <a:round/>
+            <a:headEnd/>
+            <a:tailEnd/>
+          </a:ln>
+          <a:effectLst/>
+          <a:extLst>
+            <a:ext uri="{909E8E84-426E-40DD-AFC4-6F175D3DCCD1}">
+              <a14:hiddenFill xmlns:a14="http://schemas.microsoft.com/office/drawing/2010/main" xmlns="">
+                <a:solidFill>
+                  <a:srgbClr val="FFFFFF"/>
+                </a:solidFill>
+              </a14:hiddenFill>
+            </a:ext>
+            <a:ext uri="{AF507438-7753-43E0-B8FC-AC1667EBCBE1}">
+              <a14:hiddenEffects xmlns:a14="http://schemas.microsoft.com/office/drawing/2010/main" xmlns="">
+                <a:effectLst>
+                  <a:outerShdw dist="35921" dir="2700000" algn="ctr" rotWithShape="0">
+                    <a:srgbClr val="808080"/>
+                  </a:outerShdw>
+                </a:effectLst>
+              </a14:hiddenEffects>
+            </a:ext>
+          </a:extLst>
+        </p:spPr>
+        <p:txBody>
+          <a:bodyPr wrap="none" anchor="ctr"/>
+          <a:lstStyle/>
+          <a:p>
+            <a:endParaRPr lang="en-GB"/>
+          </a:p>
+        </p:txBody>
+      </p:sp>
+      <p:sp>
+        <p:nvSpPr>
+          <p:cNvPr id="47" name="Flowchart: Process 46"/>
+          <p:cNvSpPr/>
+          <p:nvPr/>
+        </p:nvSpPr>
+        <p:spPr bwMode="auto">
+          <a:xfrm>
+            <a:off x="287784" y="1619597"/>
+            <a:ext cx="1368152" cy="864096"/>
+          </a:xfrm>
+          <a:prstGeom prst="flowChartProcess">
+            <a:avLst/>
+          </a:prstGeom>
+          <a:solidFill>
+            <a:srgbClr val="92D050"/>
+          </a:solidFill>
+          <a:ln w="9525" cap="flat" cmpd="sng" algn="ctr">
+            <a:solidFill>
+              <a:schemeClr val="tx1"/>
+            </a:solidFill>
+            <a:prstDash val="solid"/>
+            <a:round/>
+            <a:headEnd type="none" w="med" len="med"/>
+            <a:tailEnd type="none" w="med" len="med"/>
+          </a:ln>
+          <a:effectLst/>
+          <a:extLst>
+            <a:ext uri="{AF507438-7753-43E0-B8FC-AC1667EBCBE1}">
+              <a14:hiddenEffects xmlns:a14="http://schemas.microsoft.com/office/drawing/2010/main" xmlns="">
+                <a:effectLst>
+                  <a:outerShdw dist="35921" dir="2700000" algn="ctr" rotWithShape="0">
+                    <a:schemeClr val="bg2"/>
+                  </a:outerShdw>
+                </a:effectLst>
+              </a14:hiddenEffects>
+            </a:ext>
+          </a:extLst>
+        </p:spPr>
+        <p:txBody>
+          <a:bodyPr vert="horz" wrap="square" lIns="91440" tIns="45720" rIns="91440" bIns="45720" numCol="1" rtlCol="0" anchor="t" anchorCtr="0" compatLnSpc="1">
+            <a:prstTxWarp prst="textNoShape">
+              <a:avLst/>
+            </a:prstTxWarp>
+          </a:bodyPr>
+          <a:lstStyle/>
+          <a:p>
+            <a:pPr marL="0" marR="0" indent="0" algn="l" defTabSz="449263" rtl="0" eaLnBrk="1" fontAlgn="base" latinLnBrk="0" hangingPunct="0">
+              <a:lnSpc>
+                <a:spcPct val="93000"/>
+              </a:lnSpc>
+              <a:spcBef>
+                <a:spcPct val="0"/>
+              </a:spcBef>
+              <a:spcAft>
+                <a:spcPct val="0"/>
+              </a:spcAft>
+              <a:buClr>
+                <a:srgbClr val="000000"/>
+              </a:buClr>
+              <a:buSzPct val="100000"/>
+              <a:buFont typeface="Times New Roman" pitchFamily="16" charset="0"/>
+              <a:buNone/>
+              <a:tabLst/>
+            </a:pPr>
+            <a:r>
+              <a:rPr lang="en-GB" dirty="0" smtClean="0"/>
+              <a:t>Compute Gradients</a:t>
+            </a:r>
+            <a:endParaRPr kumimoji="0" lang="en-GB" sz="1800" b="0" i="0" u="none" strike="noStrike" cap="none" normalizeH="0" baseline="0" dirty="0" smtClean="0">
+              <a:ln>
+                <a:noFill/>
+              </a:ln>
+              <a:effectLst/>
+              <a:latin typeface="Arial" charset="0"/>
+            </a:endParaRPr>
+          </a:p>
+        </p:txBody>
+      </p:sp>
+      <p:sp>
+        <p:nvSpPr>
+          <p:cNvPr id="48" name="Flowchart: Process 47"/>
+          <p:cNvSpPr/>
+          <p:nvPr/>
+        </p:nvSpPr>
+        <p:spPr bwMode="auto">
+          <a:xfrm>
+            <a:off x="1943968" y="1613478"/>
+            <a:ext cx="1368152" cy="864096"/>
+          </a:xfrm>
+          <a:prstGeom prst="flowChartProcess">
+            <a:avLst/>
+          </a:prstGeom>
+          <a:solidFill>
+            <a:srgbClr val="92D050"/>
+          </a:solidFill>
+          <a:ln w="9525" cap="flat" cmpd="sng" algn="ctr">
+            <a:solidFill>
+              <a:schemeClr val="tx1"/>
+            </a:solidFill>
+            <a:prstDash val="solid"/>
+            <a:round/>
+            <a:headEnd type="none" w="med" len="med"/>
+            <a:tailEnd type="none" w="med" len="med"/>
+          </a:ln>
+          <a:effectLst/>
+          <a:extLst>
+            <a:ext uri="{AF507438-7753-43E0-B8FC-AC1667EBCBE1}">
+              <a14:hiddenEffects xmlns:a14="http://schemas.microsoft.com/office/drawing/2010/main" xmlns="">
+                <a:effectLst>
+                  <a:outerShdw dist="35921" dir="2700000" algn="ctr" rotWithShape="0">
+                    <a:schemeClr val="bg2"/>
+                  </a:outerShdw>
+                </a:effectLst>
+              </a14:hiddenEffects>
+            </a:ext>
+          </a:extLst>
+        </p:spPr>
+        <p:txBody>
+          <a:bodyPr vert="horz" wrap="square" lIns="91440" tIns="45720" rIns="91440" bIns="45720" numCol="1" rtlCol="0" anchor="t" anchorCtr="0" compatLnSpc="1">
+            <a:prstTxWarp prst="textNoShape">
+              <a:avLst/>
+            </a:prstTxWarp>
+          </a:bodyPr>
+          <a:lstStyle/>
+          <a:p>
+            <a:pPr marL="0" marR="0" indent="0" algn="l" defTabSz="449263" rtl="0" eaLnBrk="1" fontAlgn="base" latinLnBrk="0" hangingPunct="0">
+              <a:lnSpc>
+                <a:spcPct val="93000"/>
+              </a:lnSpc>
+              <a:spcBef>
+                <a:spcPct val="0"/>
+              </a:spcBef>
+              <a:spcAft>
+                <a:spcPct val="0"/>
+              </a:spcAft>
+              <a:buClr>
+                <a:srgbClr val="000000"/>
+              </a:buClr>
+              <a:buSzPct val="100000"/>
+              <a:buFont typeface="Times New Roman" pitchFamily="16" charset="0"/>
+              <a:buNone/>
+              <a:tabLst/>
+            </a:pPr>
+            <a:r>
+              <a:rPr lang="en-GB" dirty="0" smtClean="0"/>
+              <a:t>Compute Orientation</a:t>
+            </a:r>
+            <a:endParaRPr kumimoji="0" lang="en-GB" sz="1800" b="0" i="0" u="none" strike="noStrike" cap="none" normalizeH="0" baseline="0" dirty="0" smtClean="0">
+              <a:ln>
+                <a:noFill/>
+              </a:ln>
+              <a:effectLst/>
+              <a:latin typeface="Arial" charset="0"/>
+            </a:endParaRPr>
+          </a:p>
+        </p:txBody>
+      </p:sp>
+      <p:sp>
+        <p:nvSpPr>
+          <p:cNvPr id="49" name="Flowchart: Process 48"/>
+          <p:cNvSpPr/>
+          <p:nvPr/>
+        </p:nvSpPr>
+        <p:spPr bwMode="auto">
+          <a:xfrm>
+            <a:off x="3600152" y="1613478"/>
+            <a:ext cx="1368152" cy="864096"/>
+          </a:xfrm>
+          <a:prstGeom prst="flowChartProcess">
+            <a:avLst/>
+          </a:prstGeom>
+          <a:solidFill>
+            <a:srgbClr val="92D050"/>
+          </a:solidFill>
+          <a:ln w="9525" cap="flat" cmpd="sng" algn="ctr">
+            <a:solidFill>
+              <a:schemeClr val="tx1"/>
+            </a:solidFill>
+            <a:prstDash val="solid"/>
+            <a:round/>
+            <a:headEnd type="none" w="med" len="med"/>
+            <a:tailEnd type="none" w="med" len="med"/>
+          </a:ln>
+          <a:effectLst/>
+          <a:extLst>
+            <a:ext uri="{AF507438-7753-43E0-B8FC-AC1667EBCBE1}">
+              <a14:hiddenEffects xmlns:a14="http://schemas.microsoft.com/office/drawing/2010/main" xmlns="">
+                <a:effectLst>
+                  <a:outerShdw dist="35921" dir="2700000" algn="ctr" rotWithShape="0">
+                    <a:schemeClr val="bg2"/>
+                  </a:outerShdw>
+                </a:effectLst>
+              </a14:hiddenEffects>
+            </a:ext>
+          </a:extLst>
+        </p:spPr>
+        <p:txBody>
+          <a:bodyPr vert="horz" wrap="square" lIns="91440" tIns="45720" rIns="91440" bIns="45720" numCol="1" rtlCol="0" anchor="t" anchorCtr="0" compatLnSpc="1">
+            <a:prstTxWarp prst="textNoShape">
+              <a:avLst/>
+            </a:prstTxWarp>
+          </a:bodyPr>
+          <a:lstStyle/>
+          <a:p>
+            <a:pPr marL="0" marR="0" indent="0" algn="l" defTabSz="449263" rtl="0" eaLnBrk="1" fontAlgn="base" latinLnBrk="0" hangingPunct="0">
+              <a:lnSpc>
+                <a:spcPct val="93000"/>
+              </a:lnSpc>
+              <a:spcBef>
+                <a:spcPct val="0"/>
+              </a:spcBef>
+              <a:spcAft>
+                <a:spcPct val="0"/>
+              </a:spcAft>
+              <a:buClr>
+                <a:srgbClr val="000000"/>
+              </a:buClr>
+              <a:buSzPct val="100000"/>
+              <a:buFont typeface="Times New Roman" pitchFamily="16" charset="0"/>
+              <a:buNone/>
+              <a:tabLst/>
+            </a:pPr>
+            <a:r>
+              <a:rPr lang="en-GB" dirty="0" smtClean="0"/>
+              <a:t>Histograms</a:t>
+            </a:r>
+            <a:endParaRPr kumimoji="0" lang="en-GB" sz="1800" b="0" i="0" u="none" strike="noStrike" cap="none" normalizeH="0" baseline="0" dirty="0" smtClean="0">
+              <a:ln>
+                <a:noFill/>
+              </a:ln>
+              <a:effectLst/>
+              <a:latin typeface="Arial" charset="0"/>
+            </a:endParaRPr>
+          </a:p>
+        </p:txBody>
+      </p:sp>
+      <p:sp>
+        <p:nvSpPr>
+          <p:cNvPr id="50" name="Flowchart: Process 49"/>
+          <p:cNvSpPr/>
+          <p:nvPr/>
+        </p:nvSpPr>
+        <p:spPr bwMode="auto">
+          <a:xfrm>
+            <a:off x="5256336" y="1613478"/>
+            <a:ext cx="1368152" cy="864096"/>
+          </a:xfrm>
+          <a:prstGeom prst="flowChartProcess">
+            <a:avLst/>
+          </a:prstGeom>
+          <a:solidFill>
+            <a:srgbClr val="92D050"/>
+          </a:solidFill>
+          <a:ln w="9525" cap="flat" cmpd="sng" algn="ctr">
+            <a:solidFill>
+              <a:schemeClr val="tx1"/>
+            </a:solidFill>
+            <a:prstDash val="solid"/>
+            <a:round/>
+            <a:headEnd type="none" w="med" len="med"/>
+            <a:tailEnd type="none" w="med" len="med"/>
+          </a:ln>
+          <a:effectLst/>
+          <a:extLst>
+            <a:ext uri="{AF507438-7753-43E0-B8FC-AC1667EBCBE1}">
+              <a14:hiddenEffects xmlns:a14="http://schemas.microsoft.com/office/drawing/2010/main" xmlns="">
+                <a:effectLst>
+                  <a:outerShdw dist="35921" dir="2700000" algn="ctr" rotWithShape="0">
+                    <a:schemeClr val="bg2"/>
+                  </a:outerShdw>
+                </a:effectLst>
+              </a14:hiddenEffects>
+            </a:ext>
+          </a:extLst>
+        </p:spPr>
+        <p:txBody>
+          <a:bodyPr vert="horz" wrap="square" lIns="91440" tIns="45720" rIns="91440" bIns="45720" numCol="1" rtlCol="0" anchor="t" anchorCtr="0" compatLnSpc="1">
+            <a:prstTxWarp prst="textNoShape">
+              <a:avLst/>
+            </a:prstTxWarp>
+          </a:bodyPr>
+          <a:lstStyle/>
+          <a:p>
+            <a:pPr marL="0" marR="0" indent="0" algn="l" defTabSz="449263" rtl="0" eaLnBrk="1" fontAlgn="base" latinLnBrk="0" hangingPunct="0">
+              <a:lnSpc>
+                <a:spcPct val="93000"/>
+              </a:lnSpc>
+              <a:spcBef>
+                <a:spcPct val="0"/>
+              </a:spcBef>
+              <a:spcAft>
+                <a:spcPct val="0"/>
+              </a:spcAft>
+              <a:buClr>
+                <a:srgbClr val="000000"/>
+              </a:buClr>
+              <a:buSzPct val="100000"/>
+              <a:buFont typeface="Times New Roman" pitchFamily="16" charset="0"/>
+              <a:buNone/>
+              <a:tabLst/>
+            </a:pPr>
+            <a:r>
+              <a:rPr lang="en-GB" dirty="0" smtClean="0"/>
+              <a:t>Normalise</a:t>
+            </a:r>
+            <a:endParaRPr kumimoji="0" lang="en-GB" sz="1800" b="0" i="0" u="none" strike="noStrike" cap="none" normalizeH="0" baseline="0" dirty="0" smtClean="0">
+              <a:ln>
+                <a:noFill/>
+              </a:ln>
+              <a:effectLst/>
+              <a:latin typeface="Arial" charset="0"/>
+            </a:endParaRPr>
+          </a:p>
+        </p:txBody>
+      </p:sp>
+      <p:sp>
+        <p:nvSpPr>
+          <p:cNvPr id="51" name="Flowchart: Process 50"/>
+          <p:cNvSpPr/>
+          <p:nvPr/>
+        </p:nvSpPr>
+        <p:spPr bwMode="auto">
+          <a:xfrm>
+            <a:off x="6912520" y="1613478"/>
+            <a:ext cx="1368152" cy="864096"/>
+          </a:xfrm>
+          <a:prstGeom prst="flowChartProcess">
+            <a:avLst/>
+          </a:prstGeom>
+          <a:solidFill>
+            <a:srgbClr val="FF0000"/>
+          </a:solidFill>
+          <a:ln w="9525" cap="flat" cmpd="sng" algn="ctr">
+            <a:solidFill>
+              <a:schemeClr val="tx1"/>
+            </a:solidFill>
+            <a:prstDash val="solid"/>
+            <a:round/>
+            <a:headEnd type="none" w="med" len="med"/>
+            <a:tailEnd type="none" w="med" len="med"/>
+          </a:ln>
+          <a:effectLst/>
+        </p:spPr>
+        <p:txBody>
+          <a:bodyPr vert="horz" wrap="square" lIns="91440" tIns="45720" rIns="91440" bIns="45720" numCol="1" rtlCol="0" anchor="t" anchorCtr="0" compatLnSpc="1">
+            <a:prstTxWarp prst="textNoShape">
+              <a:avLst/>
+            </a:prstTxWarp>
+          </a:bodyPr>
+          <a:lstStyle/>
+          <a:p>
+            <a:pPr marL="0" marR="0" indent="0" algn="l" defTabSz="449263" rtl="0" eaLnBrk="1" fontAlgn="base" latinLnBrk="0" hangingPunct="0">
+              <a:lnSpc>
+                <a:spcPct val="93000"/>
+              </a:lnSpc>
+              <a:spcBef>
+                <a:spcPct val="0"/>
+              </a:spcBef>
+              <a:spcAft>
+                <a:spcPct val="0"/>
+              </a:spcAft>
+              <a:buClr>
+                <a:srgbClr val="000000"/>
+              </a:buClr>
+              <a:buSzPct val="100000"/>
+              <a:buFont typeface="Times New Roman" pitchFamily="16" charset="0"/>
+              <a:buNone/>
+              <a:tabLst/>
+            </a:pPr>
+            <a:r>
+              <a:rPr lang="en-GB" dirty="0" smtClean="0"/>
+              <a:t>Collect over window</a:t>
+            </a:r>
+            <a:endParaRPr kumimoji="0" lang="en-GB" sz="1800" b="0" i="0" u="none" strike="noStrike" cap="none" normalizeH="0" baseline="0" dirty="0" smtClean="0">
+              <a:ln>
+                <a:noFill/>
+              </a:ln>
+              <a:effectLst/>
+              <a:latin typeface="Arial" charset="0"/>
+            </a:endParaRPr>
+          </a:p>
+        </p:txBody>
+      </p:sp>
+      <p:sp>
+        <p:nvSpPr>
+          <p:cNvPr id="52" name="Flowchart: Process 51"/>
+          <p:cNvSpPr/>
+          <p:nvPr/>
+        </p:nvSpPr>
+        <p:spPr bwMode="auto">
+          <a:xfrm>
+            <a:off x="8568704" y="1613478"/>
+            <a:ext cx="1368152" cy="864096"/>
+          </a:xfrm>
+          <a:prstGeom prst="flowChartProcess">
+            <a:avLst/>
+          </a:prstGeom>
+          <a:solidFill>
+            <a:srgbClr val="92D050"/>
+          </a:solidFill>
+          <a:ln w="9525" cap="flat" cmpd="sng" algn="ctr">
+            <a:solidFill>
+              <a:schemeClr val="tx1"/>
+            </a:solidFill>
+            <a:prstDash val="solid"/>
+            <a:round/>
+            <a:headEnd type="none" w="med" len="med"/>
+            <a:tailEnd type="none" w="med" len="med"/>
+          </a:ln>
+          <a:effectLst/>
+          <a:extLst>
+            <a:ext uri="{AF507438-7753-43E0-B8FC-AC1667EBCBE1}">
+              <a14:hiddenEffects xmlns:a14="http://schemas.microsoft.com/office/drawing/2010/main" xmlns="">
+                <a:effectLst>
+                  <a:outerShdw dist="35921" dir="2700000" algn="ctr" rotWithShape="0">
+                    <a:schemeClr val="bg2"/>
+                  </a:outerShdw>
+                </a:effectLst>
+              </a14:hiddenEffects>
+            </a:ext>
+          </a:extLst>
+        </p:spPr>
+        <p:txBody>
+          <a:bodyPr vert="horz" wrap="square" lIns="91440" tIns="45720" rIns="91440" bIns="45720" numCol="1" rtlCol="0" anchor="t" anchorCtr="0" compatLnSpc="1">
+            <a:prstTxWarp prst="textNoShape">
+              <a:avLst/>
+            </a:prstTxWarp>
+          </a:bodyPr>
+          <a:lstStyle/>
+          <a:p>
+            <a:pPr marL="0" marR="0" indent="0" algn="l" defTabSz="449263" rtl="0" eaLnBrk="1" fontAlgn="base" latinLnBrk="0" hangingPunct="0">
+              <a:lnSpc>
+                <a:spcPct val="93000"/>
+              </a:lnSpc>
+              <a:spcBef>
+                <a:spcPct val="0"/>
+              </a:spcBef>
+              <a:spcAft>
+                <a:spcPct val="0"/>
+              </a:spcAft>
+              <a:buClr>
+                <a:srgbClr val="000000"/>
+              </a:buClr>
+              <a:buSzPct val="100000"/>
+              <a:buFont typeface="Times New Roman" pitchFamily="16" charset="0"/>
+              <a:buNone/>
+              <a:tabLst/>
+            </a:pPr>
+            <a:r>
+              <a:rPr lang="en-GB" dirty="0" smtClean="0"/>
+              <a:t>Linear SVM</a:t>
+            </a:r>
+            <a:endParaRPr kumimoji="0" lang="en-GB" sz="1800" b="0" i="0" u="none" strike="noStrike" cap="none" normalizeH="0" baseline="0" dirty="0" smtClean="0">
+              <a:ln>
+                <a:noFill/>
+              </a:ln>
+              <a:effectLst/>
+              <a:latin typeface="Arial" charset="0"/>
+            </a:endParaRPr>
+          </a:p>
+        </p:txBody>
+      </p:sp>
+      <p:cxnSp>
+        <p:nvCxnSpPr>
+          <p:cNvPr id="53" name="Straight Arrow Connector 52"/>
+          <p:cNvCxnSpPr>
+            <a:endCxn id="48" idx="1"/>
+          </p:cNvCxnSpPr>
+          <p:nvPr/>
+        </p:nvCxnSpPr>
+        <p:spPr bwMode="auto">
+          <a:xfrm flipV="1">
+            <a:off x="1655936" y="2045526"/>
+            <a:ext cx="288032" cy="6119"/>
+          </a:xfrm>
+          <a:prstGeom prst="straightConnector1">
+            <a:avLst/>
+          </a:prstGeom>
+          <a:solidFill>
+            <a:srgbClr val="92D050"/>
+          </a:solidFill>
+          <a:ln w="9525" cap="flat" cmpd="sng" algn="ctr">
+            <a:solidFill>
+              <a:schemeClr val="tx1"/>
+            </a:solidFill>
+            <a:prstDash val="solid"/>
+            <a:round/>
+            <a:headEnd type="none" w="med" len="med"/>
+            <a:tailEnd type="arrow"/>
+          </a:ln>
+          <a:effectLst/>
+          <a:extLst>
+            <a:ext uri="{AF507438-7753-43E0-B8FC-AC1667EBCBE1}">
+              <a14:hiddenEffects xmlns:a14="http://schemas.microsoft.com/office/drawing/2010/main" xmlns="">
+                <a:effectLst>
+                  <a:outerShdw dist="35921" dir="2700000" algn="ctr" rotWithShape="0">
+                    <a:schemeClr val="bg2"/>
+                  </a:outerShdw>
+                </a:effectLst>
+              </a14:hiddenEffects>
+            </a:ext>
+          </a:extLst>
+        </p:spPr>
+      </p:cxnSp>
+      <p:cxnSp>
+        <p:nvCxnSpPr>
+          <p:cNvPr id="54" name="Straight Arrow Connector 53"/>
+          <p:cNvCxnSpPr>
+            <a:stCxn id="48" idx="3"/>
+            <a:endCxn id="49" idx="1"/>
+          </p:cNvCxnSpPr>
+          <p:nvPr/>
+        </p:nvCxnSpPr>
+        <p:spPr bwMode="auto">
+          <a:xfrm>
+            <a:off x="3312120" y="2045526"/>
+            <a:ext cx="288032" cy="0"/>
+          </a:xfrm>
+          <a:prstGeom prst="straightConnector1">
+            <a:avLst/>
+          </a:prstGeom>
+          <a:solidFill>
+            <a:srgbClr val="92D050"/>
+          </a:solidFill>
+          <a:ln w="9525" cap="flat" cmpd="sng" algn="ctr">
+            <a:solidFill>
+              <a:schemeClr val="tx1"/>
+            </a:solidFill>
+            <a:prstDash val="solid"/>
+            <a:round/>
+            <a:headEnd type="none" w="med" len="med"/>
+            <a:tailEnd type="arrow"/>
+          </a:ln>
+          <a:effectLst/>
+          <a:extLst>
+            <a:ext uri="{AF507438-7753-43E0-B8FC-AC1667EBCBE1}">
+              <a14:hiddenEffects xmlns:a14="http://schemas.microsoft.com/office/drawing/2010/main" xmlns="">
+                <a:effectLst>
+                  <a:outerShdw dist="35921" dir="2700000" algn="ctr" rotWithShape="0">
+                    <a:schemeClr val="bg2"/>
+                  </a:outerShdw>
+                </a:effectLst>
+              </a14:hiddenEffects>
+            </a:ext>
+          </a:extLst>
+        </p:spPr>
+      </p:cxnSp>
+      <p:cxnSp>
+        <p:nvCxnSpPr>
+          <p:cNvPr id="55" name="Straight Arrow Connector 54"/>
+          <p:cNvCxnSpPr>
+            <a:stCxn id="49" idx="3"/>
+            <a:endCxn id="50" idx="1"/>
+          </p:cNvCxnSpPr>
+          <p:nvPr/>
+        </p:nvCxnSpPr>
+        <p:spPr bwMode="auto">
+          <a:xfrm>
+            <a:off x="4968304" y="2045526"/>
+            <a:ext cx="288032" cy="0"/>
+          </a:xfrm>
+          <a:prstGeom prst="straightConnector1">
+            <a:avLst/>
+          </a:prstGeom>
+          <a:solidFill>
+            <a:srgbClr val="92D050"/>
+          </a:solidFill>
+          <a:ln w="9525" cap="flat" cmpd="sng" algn="ctr">
+            <a:solidFill>
+              <a:schemeClr val="tx1"/>
+            </a:solidFill>
+            <a:prstDash val="solid"/>
+            <a:round/>
+            <a:headEnd type="none" w="med" len="med"/>
+            <a:tailEnd type="arrow"/>
+          </a:ln>
+          <a:effectLst/>
+          <a:extLst>
+            <a:ext uri="{AF507438-7753-43E0-B8FC-AC1667EBCBE1}">
+              <a14:hiddenEffects xmlns:a14="http://schemas.microsoft.com/office/drawing/2010/main" xmlns="">
+                <a:effectLst>
+                  <a:outerShdw dist="35921" dir="2700000" algn="ctr" rotWithShape="0">
+                    <a:schemeClr val="bg2"/>
+                  </a:outerShdw>
+                </a:effectLst>
+              </a14:hiddenEffects>
+            </a:ext>
+          </a:extLst>
+        </p:spPr>
+      </p:cxnSp>
+      <p:cxnSp>
+        <p:nvCxnSpPr>
+          <p:cNvPr id="56" name="Straight Arrow Connector 55"/>
+          <p:cNvCxnSpPr>
+            <a:stCxn id="50" idx="3"/>
+            <a:endCxn id="51" idx="1"/>
+          </p:cNvCxnSpPr>
+          <p:nvPr/>
+        </p:nvCxnSpPr>
+        <p:spPr bwMode="auto">
+          <a:xfrm>
+            <a:off x="6624488" y="2045526"/>
+            <a:ext cx="288032" cy="0"/>
+          </a:xfrm>
+          <a:prstGeom prst="straightConnector1">
+            <a:avLst/>
+          </a:prstGeom>
+          <a:solidFill>
+            <a:srgbClr val="92D050"/>
+          </a:solidFill>
+          <a:ln w="9525" cap="flat" cmpd="sng" algn="ctr">
+            <a:solidFill>
+              <a:schemeClr val="tx1"/>
+            </a:solidFill>
+            <a:prstDash val="solid"/>
+            <a:round/>
+            <a:headEnd type="none" w="med" len="med"/>
+            <a:tailEnd type="arrow"/>
+          </a:ln>
+          <a:effectLst/>
+          <a:extLst>
+            <a:ext uri="{AF507438-7753-43E0-B8FC-AC1667EBCBE1}">
+              <a14:hiddenEffects xmlns:a14="http://schemas.microsoft.com/office/drawing/2010/main" xmlns="">
+                <a:effectLst>
+                  <a:outerShdw dist="35921" dir="2700000" algn="ctr" rotWithShape="0">
+                    <a:schemeClr val="bg2"/>
+                  </a:outerShdw>
+                </a:effectLst>
+              </a14:hiddenEffects>
+            </a:ext>
+          </a:extLst>
+        </p:spPr>
+      </p:cxnSp>
+      <p:cxnSp>
+        <p:nvCxnSpPr>
+          <p:cNvPr id="57" name="Straight Arrow Connector 56"/>
+          <p:cNvCxnSpPr>
+            <a:stCxn id="51" idx="3"/>
+            <a:endCxn id="52" idx="1"/>
+          </p:cNvCxnSpPr>
+          <p:nvPr/>
+        </p:nvCxnSpPr>
+        <p:spPr bwMode="auto">
+          <a:xfrm>
+            <a:off x="8280672" y="2045526"/>
+            <a:ext cx="288032" cy="0"/>
+          </a:xfrm>
+          <a:prstGeom prst="straightConnector1">
+            <a:avLst/>
+          </a:prstGeom>
+          <a:solidFill>
+            <a:srgbClr val="92D050"/>
+          </a:solidFill>
+          <a:ln w="9525" cap="flat" cmpd="sng" algn="ctr">
+            <a:solidFill>
+              <a:schemeClr val="tx1"/>
+            </a:solidFill>
+            <a:prstDash val="solid"/>
+            <a:round/>
+            <a:headEnd type="none" w="med" len="med"/>
+            <a:tailEnd type="arrow"/>
+          </a:ln>
+          <a:effectLst/>
+          <a:extLst>
+            <a:ext uri="{AF507438-7753-43E0-B8FC-AC1667EBCBE1}">
+              <a14:hiddenEffects xmlns:a14="http://schemas.microsoft.com/office/drawing/2010/main" xmlns="">
+                <a:effectLst>
+                  <a:outerShdw dist="35921" dir="2700000" algn="ctr" rotWithShape="0">
+                    <a:schemeClr val="bg2"/>
+                  </a:outerShdw>
+                </a:effectLst>
+              </a14:hiddenEffects>
+            </a:ext>
+          </a:extLst>
+        </p:spPr>
+      </p:cxnSp>
+    </p:spTree>
+    <p:extLst>
+      <p:ext uri="{BB962C8B-B14F-4D97-AF65-F5344CB8AC3E}">
+        <p14:creationId xmlns:p14="http://schemas.microsoft.com/office/powerpoint/2010/main" xmlns="" val="3647855734"/>
+      </p:ext>
+    </p:extLst>
+  </p:cSld>
+  <p:clrMapOvr>
+    <a:masterClrMapping/>
+  </p:clrMapOvr>
+  <p:timing>
+    <p:tnLst>
+      <p:par>
+        <p:cTn id="1" dur="indefinite" restart="never" nodeType="tmRoot"/>
+      </p:par>
+    </p:tnLst>
+  </p:timing>
+</p:sld>
+</file>
+
+<file path=ppt/slides/slide23.xml><?xml version="1.0" encoding="utf-8"?>
+<p:sld xmlns:a="http://schemas.openxmlformats.org/drawingml/2006/main" xmlns:r="http://schemas.openxmlformats.org/officeDocument/2006/relationships" xmlns:p="http://schemas.openxmlformats.org/presentationml/2006/main">
+  <p:cSld>
+    <p:spTree>
+      <p:nvGrpSpPr>
+        <p:cNvPr id="1" name=""/>
+        <p:cNvGrpSpPr/>
+        <p:nvPr/>
+      </p:nvGrpSpPr>
+      <p:grpSpPr>
+        <a:xfrm>
+          <a:off x="0" y="0"/>
+          <a:ext cx="0" cy="0"/>
+          <a:chOff x="0" y="0"/>
+          <a:chExt cx="0" cy="0"/>
+        </a:xfrm>
+      </p:grpSpPr>
+      <p:sp>
+        <p:nvSpPr>
+          <p:cNvPr id="2" name="Title 1"/>
+          <p:cNvSpPr>
+            <a:spLocks noGrp="1"/>
+          </p:cNvSpPr>
+          <p:nvPr>
+            <p:ph type="title"/>
+          </p:nvPr>
+        </p:nvSpPr>
+        <p:spPr/>
+        <p:txBody>
+          <a:bodyPr/>
+          <a:lstStyle/>
+          <a:p>
+            <a:r>
+              <a:rPr lang="en-GB" dirty="0" smtClean="0"/>
+              <a:t>The HOG Process</a:t>
+            </a:r>
+            <a:endParaRPr lang="en-GB" dirty="0"/>
+          </a:p>
+        </p:txBody>
+      </p:sp>
+      <p:sp>
+        <p:nvSpPr>
+          <p:cNvPr id="3" name="Content Placeholder 2"/>
+          <p:cNvSpPr>
+            <a:spLocks noGrp="1"/>
+          </p:cNvSpPr>
+          <p:nvPr>
+            <p:ph idx="1"/>
+          </p:nvPr>
+        </p:nvSpPr>
+        <p:spPr>
+          <a:xfrm>
+            <a:off x="503238" y="2987749"/>
+            <a:ext cx="9069387" cy="3768651"/>
+          </a:xfrm>
+        </p:spPr>
+        <p:txBody>
+          <a:bodyPr/>
+          <a:lstStyle/>
+          <a:p>
+            <a:pPr marL="457200" indent="-457200">
+              <a:buFont typeface="Arial" pitchFamily="34" charset="0"/>
+              <a:buChar char="•"/>
+            </a:pPr>
+            <a:r>
+              <a:rPr lang="en-GB" dirty="0" smtClean="0"/>
+              <a:t>Experimented with scale invariance</a:t>
+            </a:r>
+          </a:p>
+        </p:txBody>
+      </p:sp>
+      <p:pic>
+        <p:nvPicPr>
+          <p:cNvPr id="1026" name="Picture 2" descr="C:\Users\ames\Documents\OrientedGrads\Images\left_pedestrian.png"/>
+          <p:cNvPicPr>
+            <a:picLocks noChangeAspect="1" noChangeArrowheads="1"/>
+          </p:cNvPicPr>
+          <p:nvPr/>
+        </p:nvPicPr>
+        <p:blipFill>
+          <a:blip r:embed="rId2" cstate="print"/>
+          <a:srcRect/>
+          <a:stretch>
+            <a:fillRect/>
+          </a:stretch>
+        </p:blipFill>
+        <p:spPr bwMode="auto">
+          <a:xfrm>
+            <a:off x="2520032" y="3923853"/>
+            <a:ext cx="4367709" cy="3275782"/>
+          </a:xfrm>
+          <a:prstGeom prst="rect">
+            <a:avLst/>
+          </a:prstGeom>
+          <a:noFill/>
+        </p:spPr>
+      </p:pic>
+      <p:sp>
+        <p:nvSpPr>
+          <p:cNvPr id="17" name="Rectangle 5"/>
+          <p:cNvSpPr>
+            <a:spLocks noChangeArrowheads="1"/>
+          </p:cNvSpPr>
+          <p:nvPr/>
+        </p:nvSpPr>
+        <p:spPr bwMode="auto">
+          <a:xfrm>
+            <a:off x="2514185" y="3923853"/>
+            <a:ext cx="725927" cy="1404168"/>
+          </a:xfrm>
+          <a:prstGeom prst="rect">
+            <a:avLst/>
+          </a:prstGeom>
+          <a:noFill/>
+          <a:ln w="36000">
+            <a:solidFill>
+              <a:srgbClr val="FF0000"/>
+            </a:solidFill>
+            <a:prstDash val="solid"/>
+            <a:round/>
+            <a:headEnd/>
+            <a:tailEnd/>
+          </a:ln>
+          <a:effectLst/>
+          <a:extLst>
+            <a:ext uri="{909E8E84-426E-40DD-AFC4-6F175D3DCCD1}">
+              <a14:hiddenFill xmlns:a14="http://schemas.microsoft.com/office/drawing/2010/main" xmlns="">
+                <a:solidFill>
+                  <a:srgbClr val="FFFFFF"/>
+                </a:solidFill>
+              </a14:hiddenFill>
+            </a:ext>
+            <a:ext uri="{AF507438-7753-43E0-B8FC-AC1667EBCBE1}">
+              <a14:hiddenEffects xmlns:a14="http://schemas.microsoft.com/office/drawing/2010/main" xmlns="">
+                <a:effectLst>
+                  <a:outerShdw dist="35921" dir="2700000" algn="ctr" rotWithShape="0">
+                    <a:srgbClr val="808080"/>
+                  </a:outerShdw>
+                </a:effectLst>
+              </a14:hiddenEffects>
+            </a:ext>
+          </a:extLst>
+        </p:spPr>
+        <p:txBody>
+          <a:bodyPr wrap="none" anchor="ctr"/>
+          <a:lstStyle/>
+          <a:p>
+            <a:endParaRPr lang="en-GB"/>
+          </a:p>
+        </p:txBody>
+      </p:sp>
+      <p:sp>
+        <p:nvSpPr>
+          <p:cNvPr id="19" name="Rectangle 5"/>
+          <p:cNvSpPr>
+            <a:spLocks noChangeArrowheads="1"/>
+          </p:cNvSpPr>
+          <p:nvPr/>
+        </p:nvSpPr>
+        <p:spPr bwMode="auto">
+          <a:xfrm>
+            <a:off x="2520032" y="3923854"/>
+            <a:ext cx="1042348" cy="2016224"/>
+          </a:xfrm>
+          <a:prstGeom prst="rect">
+            <a:avLst/>
+          </a:prstGeom>
+          <a:noFill/>
+          <a:ln w="36000">
+            <a:solidFill>
+              <a:srgbClr val="FF0000"/>
+            </a:solidFill>
+            <a:prstDash val="solid"/>
+            <a:round/>
+            <a:headEnd/>
+            <a:tailEnd/>
+          </a:ln>
+          <a:effectLst/>
+          <a:extLst>
+            <a:ext uri="{909E8E84-426E-40DD-AFC4-6F175D3DCCD1}">
+              <a14:hiddenFill xmlns:a14="http://schemas.microsoft.com/office/drawing/2010/main" xmlns="">
+                <a:solidFill>
+                  <a:srgbClr val="FFFFFF"/>
+                </a:solidFill>
+              </a14:hiddenFill>
+            </a:ext>
+            <a:ext uri="{AF507438-7753-43E0-B8FC-AC1667EBCBE1}">
+              <a14:hiddenEffects xmlns:a14="http://schemas.microsoft.com/office/drawing/2010/main" xmlns="">
+                <a:effectLst>
+                  <a:outerShdw dist="35921" dir="2700000" algn="ctr" rotWithShape="0">
+                    <a:srgbClr val="808080"/>
+                  </a:outerShdw>
+                </a:effectLst>
+              </a14:hiddenEffects>
+            </a:ext>
+          </a:extLst>
+        </p:spPr>
+        <p:txBody>
+          <a:bodyPr wrap="none" anchor="ctr"/>
+          <a:lstStyle/>
+          <a:p>
+            <a:endParaRPr lang="en-GB" dirty="0"/>
+          </a:p>
+        </p:txBody>
+      </p:sp>
+      <p:sp>
+        <p:nvSpPr>
+          <p:cNvPr id="21" name="Rectangle 5"/>
+          <p:cNvSpPr>
+            <a:spLocks noChangeArrowheads="1"/>
+          </p:cNvSpPr>
+          <p:nvPr/>
+        </p:nvSpPr>
+        <p:spPr bwMode="auto">
+          <a:xfrm>
+            <a:off x="2520033" y="3923853"/>
+            <a:ext cx="1377388" cy="2664296"/>
+          </a:xfrm>
+          <a:prstGeom prst="rect">
+            <a:avLst/>
+          </a:prstGeom>
+          <a:noFill/>
+          <a:ln w="36000">
+            <a:solidFill>
+              <a:srgbClr val="FF0000"/>
+            </a:solidFill>
+            <a:prstDash val="solid"/>
+            <a:round/>
+            <a:headEnd/>
+            <a:tailEnd/>
+          </a:ln>
+          <a:effectLst/>
+          <a:extLst>
+            <a:ext uri="{909E8E84-426E-40DD-AFC4-6F175D3DCCD1}">
+              <a14:hiddenFill xmlns:a14="http://schemas.microsoft.com/office/drawing/2010/main" xmlns="">
+                <a:solidFill>
+                  <a:srgbClr val="FFFFFF"/>
+                </a:solidFill>
+              </a14:hiddenFill>
+            </a:ext>
+            <a:ext uri="{AF507438-7753-43E0-B8FC-AC1667EBCBE1}">
+              <a14:hiddenEffects xmlns:a14="http://schemas.microsoft.com/office/drawing/2010/main" xmlns="">
+                <a:effectLst>
+                  <a:outerShdw dist="35921" dir="2700000" algn="ctr" rotWithShape="0">
+                    <a:srgbClr val="808080"/>
+                  </a:outerShdw>
+                </a:effectLst>
+              </a14:hiddenEffects>
+            </a:ext>
+          </a:extLst>
+        </p:spPr>
+        <p:txBody>
+          <a:bodyPr wrap="none" anchor="ctr"/>
+          <a:lstStyle/>
+          <a:p>
+            <a:endParaRPr lang="en-GB"/>
+          </a:p>
+        </p:txBody>
+      </p:sp>
+      <p:sp>
+        <p:nvSpPr>
+          <p:cNvPr id="22" name="Rectangle 5"/>
+          <p:cNvSpPr>
+            <a:spLocks noChangeArrowheads="1"/>
+          </p:cNvSpPr>
+          <p:nvPr/>
+        </p:nvSpPr>
+        <p:spPr bwMode="auto">
+          <a:xfrm>
+            <a:off x="2520032" y="3923852"/>
+            <a:ext cx="1656184" cy="3203573"/>
+          </a:xfrm>
+          <a:prstGeom prst="rect">
+            <a:avLst/>
+          </a:prstGeom>
+          <a:noFill/>
+          <a:ln w="36000">
+            <a:solidFill>
+              <a:srgbClr val="FF0000"/>
+            </a:solidFill>
+            <a:prstDash val="solid"/>
+            <a:round/>
+            <a:headEnd/>
+            <a:tailEnd/>
+          </a:ln>
+          <a:effectLst/>
+          <a:extLst>
+            <a:ext uri="{909E8E84-426E-40DD-AFC4-6F175D3DCCD1}">
+              <a14:hiddenFill xmlns:a14="http://schemas.microsoft.com/office/drawing/2010/main" xmlns="">
+                <a:solidFill>
+                  <a:srgbClr val="FFFFFF"/>
+                </a:solidFill>
+              </a14:hiddenFill>
+            </a:ext>
+            <a:ext uri="{AF507438-7753-43E0-B8FC-AC1667EBCBE1}">
+              <a14:hiddenEffects xmlns:a14="http://schemas.microsoft.com/office/drawing/2010/main" xmlns="">
+                <a:effectLst>
+                  <a:outerShdw dist="35921" dir="2700000" algn="ctr" rotWithShape="0">
+                    <a:srgbClr val="808080"/>
+                  </a:outerShdw>
+                </a:effectLst>
+              </a14:hiddenEffects>
+            </a:ext>
+          </a:extLst>
+        </p:spPr>
+        <p:txBody>
+          <a:bodyPr wrap="none" anchor="ctr"/>
+          <a:lstStyle/>
+          <a:p>
+            <a:endParaRPr lang="en-GB"/>
+          </a:p>
+        </p:txBody>
+      </p:sp>
+      <p:sp>
+        <p:nvSpPr>
+          <p:cNvPr id="23" name="Flowchart: Process 22"/>
+          <p:cNvSpPr/>
+          <p:nvPr/>
+        </p:nvSpPr>
+        <p:spPr bwMode="auto">
+          <a:xfrm>
+            <a:off x="287784" y="1619597"/>
+            <a:ext cx="1368152" cy="864096"/>
+          </a:xfrm>
+          <a:prstGeom prst="flowChartProcess">
+            <a:avLst/>
+          </a:prstGeom>
+          <a:solidFill>
+            <a:srgbClr val="92D050"/>
+          </a:solidFill>
+          <a:ln w="9525" cap="flat" cmpd="sng" algn="ctr">
+            <a:solidFill>
+              <a:schemeClr val="tx1"/>
+            </a:solidFill>
+            <a:prstDash val="solid"/>
+            <a:round/>
+            <a:headEnd type="none" w="med" len="med"/>
+            <a:tailEnd type="none" w="med" len="med"/>
+          </a:ln>
+          <a:effectLst/>
+          <a:extLst>
+            <a:ext uri="{AF507438-7753-43E0-B8FC-AC1667EBCBE1}">
+              <a14:hiddenEffects xmlns:a14="http://schemas.microsoft.com/office/drawing/2010/main" xmlns="">
+                <a:effectLst>
+                  <a:outerShdw dist="35921" dir="2700000" algn="ctr" rotWithShape="0">
+                    <a:schemeClr val="bg2"/>
+                  </a:outerShdw>
+                </a:effectLst>
+              </a14:hiddenEffects>
+            </a:ext>
+          </a:extLst>
+        </p:spPr>
+        <p:txBody>
+          <a:bodyPr vert="horz" wrap="square" lIns="91440" tIns="45720" rIns="91440" bIns="45720" numCol="1" rtlCol="0" anchor="t" anchorCtr="0" compatLnSpc="1">
+            <a:prstTxWarp prst="textNoShape">
+              <a:avLst/>
+            </a:prstTxWarp>
+          </a:bodyPr>
+          <a:lstStyle/>
+          <a:p>
+            <a:pPr marL="0" marR="0" indent="0" algn="l" defTabSz="449263" rtl="0" eaLnBrk="1" fontAlgn="base" latinLnBrk="0" hangingPunct="0">
+              <a:lnSpc>
+                <a:spcPct val="93000"/>
+              </a:lnSpc>
+              <a:spcBef>
+                <a:spcPct val="0"/>
+              </a:spcBef>
+              <a:spcAft>
+                <a:spcPct val="0"/>
+              </a:spcAft>
+              <a:buClr>
+                <a:srgbClr val="000000"/>
+              </a:buClr>
+              <a:buSzPct val="100000"/>
+              <a:buFont typeface="Times New Roman" pitchFamily="16" charset="0"/>
+              <a:buNone/>
+              <a:tabLst/>
+            </a:pPr>
+            <a:r>
+              <a:rPr lang="en-GB" dirty="0" smtClean="0"/>
+              <a:t>Compute Gradients</a:t>
+            </a:r>
+            <a:endParaRPr kumimoji="0" lang="en-GB" sz="1800" b="0" i="0" u="none" strike="noStrike" cap="none" normalizeH="0" baseline="0" dirty="0" smtClean="0">
+              <a:ln>
+                <a:noFill/>
+              </a:ln>
+              <a:effectLst/>
+              <a:latin typeface="Arial" charset="0"/>
+            </a:endParaRPr>
+          </a:p>
+        </p:txBody>
+      </p:sp>
+      <p:sp>
+        <p:nvSpPr>
+          <p:cNvPr id="24" name="Flowchart: Process 23"/>
+          <p:cNvSpPr/>
+          <p:nvPr/>
+        </p:nvSpPr>
+        <p:spPr bwMode="auto">
+          <a:xfrm>
+            <a:off x="1943968" y="1613478"/>
+            <a:ext cx="1368152" cy="864096"/>
+          </a:xfrm>
+          <a:prstGeom prst="flowChartProcess">
+            <a:avLst/>
+          </a:prstGeom>
+          <a:solidFill>
+            <a:srgbClr val="92D050"/>
+          </a:solidFill>
+          <a:ln w="9525" cap="flat" cmpd="sng" algn="ctr">
+            <a:solidFill>
+              <a:schemeClr val="tx1"/>
+            </a:solidFill>
+            <a:prstDash val="solid"/>
+            <a:round/>
+            <a:headEnd type="none" w="med" len="med"/>
+            <a:tailEnd type="none" w="med" len="med"/>
+          </a:ln>
+          <a:effectLst/>
+          <a:extLst>
+            <a:ext uri="{AF507438-7753-43E0-B8FC-AC1667EBCBE1}">
+              <a14:hiddenEffects xmlns:a14="http://schemas.microsoft.com/office/drawing/2010/main" xmlns="">
+                <a:effectLst>
+                  <a:outerShdw dist="35921" dir="2700000" algn="ctr" rotWithShape="0">
+                    <a:schemeClr val="bg2"/>
+                  </a:outerShdw>
+                </a:effectLst>
+              </a14:hiddenEffects>
+            </a:ext>
+          </a:extLst>
+        </p:spPr>
+        <p:txBody>
+          <a:bodyPr vert="horz" wrap="square" lIns="91440" tIns="45720" rIns="91440" bIns="45720" numCol="1" rtlCol="0" anchor="t" anchorCtr="0" compatLnSpc="1">
+            <a:prstTxWarp prst="textNoShape">
+              <a:avLst/>
+            </a:prstTxWarp>
+          </a:bodyPr>
+          <a:lstStyle/>
+          <a:p>
+            <a:pPr marL="0" marR="0" indent="0" algn="l" defTabSz="449263" rtl="0" eaLnBrk="1" fontAlgn="base" latinLnBrk="0" hangingPunct="0">
+              <a:lnSpc>
+                <a:spcPct val="93000"/>
+              </a:lnSpc>
+              <a:spcBef>
+                <a:spcPct val="0"/>
+              </a:spcBef>
+              <a:spcAft>
+                <a:spcPct val="0"/>
+              </a:spcAft>
+              <a:buClr>
+                <a:srgbClr val="000000"/>
+              </a:buClr>
+              <a:buSzPct val="100000"/>
+              <a:buFont typeface="Times New Roman" pitchFamily="16" charset="0"/>
+              <a:buNone/>
+              <a:tabLst/>
+            </a:pPr>
+            <a:r>
+              <a:rPr lang="en-GB" dirty="0" smtClean="0"/>
+              <a:t>Compute Orientation</a:t>
+            </a:r>
+            <a:endParaRPr kumimoji="0" lang="en-GB" sz="1800" b="0" i="0" u="none" strike="noStrike" cap="none" normalizeH="0" baseline="0" dirty="0" smtClean="0">
+              <a:ln>
+                <a:noFill/>
+              </a:ln>
+              <a:effectLst/>
+              <a:latin typeface="Arial" charset="0"/>
+            </a:endParaRPr>
+          </a:p>
+        </p:txBody>
+      </p:sp>
+      <p:sp>
+        <p:nvSpPr>
+          <p:cNvPr id="25" name="Flowchart: Process 24"/>
+          <p:cNvSpPr/>
+          <p:nvPr/>
+        </p:nvSpPr>
+        <p:spPr bwMode="auto">
+          <a:xfrm>
+            <a:off x="3600152" y="1613478"/>
+            <a:ext cx="1368152" cy="864096"/>
+          </a:xfrm>
+          <a:prstGeom prst="flowChartProcess">
+            <a:avLst/>
+          </a:prstGeom>
+          <a:solidFill>
+            <a:srgbClr val="92D050"/>
+          </a:solidFill>
+          <a:ln w="9525" cap="flat" cmpd="sng" algn="ctr">
+            <a:solidFill>
+              <a:schemeClr val="tx1"/>
+            </a:solidFill>
+            <a:prstDash val="solid"/>
+            <a:round/>
+            <a:headEnd type="none" w="med" len="med"/>
+            <a:tailEnd type="none" w="med" len="med"/>
+          </a:ln>
+          <a:effectLst/>
+          <a:extLst>
+            <a:ext uri="{AF507438-7753-43E0-B8FC-AC1667EBCBE1}">
+              <a14:hiddenEffects xmlns:a14="http://schemas.microsoft.com/office/drawing/2010/main" xmlns="">
+                <a:effectLst>
+                  <a:outerShdw dist="35921" dir="2700000" algn="ctr" rotWithShape="0">
+                    <a:schemeClr val="bg2"/>
+                  </a:outerShdw>
+                </a:effectLst>
+              </a14:hiddenEffects>
+            </a:ext>
+          </a:extLst>
+        </p:spPr>
+        <p:txBody>
+          <a:bodyPr vert="horz" wrap="square" lIns="91440" tIns="45720" rIns="91440" bIns="45720" numCol="1" rtlCol="0" anchor="t" anchorCtr="0" compatLnSpc="1">
+            <a:prstTxWarp prst="textNoShape">
+              <a:avLst/>
+            </a:prstTxWarp>
+          </a:bodyPr>
+          <a:lstStyle/>
+          <a:p>
+            <a:pPr marL="0" marR="0" indent="0" algn="l" defTabSz="449263" rtl="0" eaLnBrk="1" fontAlgn="base" latinLnBrk="0" hangingPunct="0">
+              <a:lnSpc>
+                <a:spcPct val="93000"/>
+              </a:lnSpc>
+              <a:spcBef>
+                <a:spcPct val="0"/>
+              </a:spcBef>
+              <a:spcAft>
+                <a:spcPct val="0"/>
+              </a:spcAft>
+              <a:buClr>
+                <a:srgbClr val="000000"/>
+              </a:buClr>
+              <a:buSzPct val="100000"/>
+              <a:buFont typeface="Times New Roman" pitchFamily="16" charset="0"/>
+              <a:buNone/>
+              <a:tabLst/>
+            </a:pPr>
+            <a:r>
+              <a:rPr lang="en-GB" dirty="0" smtClean="0"/>
+              <a:t>Histograms</a:t>
+            </a:r>
+            <a:endParaRPr kumimoji="0" lang="en-GB" sz="1800" b="0" i="0" u="none" strike="noStrike" cap="none" normalizeH="0" baseline="0" dirty="0" smtClean="0">
+              <a:ln>
+                <a:noFill/>
+              </a:ln>
+              <a:effectLst/>
+              <a:latin typeface="Arial" charset="0"/>
+            </a:endParaRPr>
+          </a:p>
+        </p:txBody>
+      </p:sp>
+      <p:sp>
+        <p:nvSpPr>
+          <p:cNvPr id="26" name="Flowchart: Process 25"/>
+          <p:cNvSpPr/>
+          <p:nvPr/>
+        </p:nvSpPr>
+        <p:spPr bwMode="auto">
+          <a:xfrm>
+            <a:off x="5256336" y="1613478"/>
+            <a:ext cx="1368152" cy="864096"/>
+          </a:xfrm>
+          <a:prstGeom prst="flowChartProcess">
+            <a:avLst/>
+          </a:prstGeom>
+          <a:solidFill>
+            <a:srgbClr val="92D050"/>
+          </a:solidFill>
+          <a:ln w="9525" cap="flat" cmpd="sng" algn="ctr">
+            <a:solidFill>
+              <a:schemeClr val="tx1"/>
+            </a:solidFill>
+            <a:prstDash val="solid"/>
+            <a:round/>
+            <a:headEnd type="none" w="med" len="med"/>
+            <a:tailEnd type="none" w="med" len="med"/>
+          </a:ln>
+          <a:effectLst/>
+          <a:extLst>
+            <a:ext uri="{AF507438-7753-43E0-B8FC-AC1667EBCBE1}">
+              <a14:hiddenEffects xmlns:a14="http://schemas.microsoft.com/office/drawing/2010/main" xmlns="">
+                <a:effectLst>
+                  <a:outerShdw dist="35921" dir="2700000" algn="ctr" rotWithShape="0">
+                    <a:schemeClr val="bg2"/>
+                  </a:outerShdw>
+                </a:effectLst>
+              </a14:hiddenEffects>
+            </a:ext>
+          </a:extLst>
+        </p:spPr>
+        <p:txBody>
+          <a:bodyPr vert="horz" wrap="square" lIns="91440" tIns="45720" rIns="91440" bIns="45720" numCol="1" rtlCol="0" anchor="t" anchorCtr="0" compatLnSpc="1">
+            <a:prstTxWarp prst="textNoShape">
+              <a:avLst/>
+            </a:prstTxWarp>
+          </a:bodyPr>
+          <a:lstStyle/>
+          <a:p>
+            <a:pPr marL="0" marR="0" indent="0" algn="l" defTabSz="449263" rtl="0" eaLnBrk="1" fontAlgn="base" latinLnBrk="0" hangingPunct="0">
+              <a:lnSpc>
+                <a:spcPct val="93000"/>
+              </a:lnSpc>
+              <a:spcBef>
+                <a:spcPct val="0"/>
+              </a:spcBef>
+              <a:spcAft>
+                <a:spcPct val="0"/>
+              </a:spcAft>
+              <a:buClr>
+                <a:srgbClr val="000000"/>
+              </a:buClr>
+              <a:buSzPct val="100000"/>
+              <a:buFont typeface="Times New Roman" pitchFamily="16" charset="0"/>
+              <a:buNone/>
+              <a:tabLst/>
+            </a:pPr>
+            <a:r>
+              <a:rPr lang="en-GB" dirty="0" smtClean="0"/>
+              <a:t>Normalise</a:t>
+            </a:r>
+            <a:endParaRPr kumimoji="0" lang="en-GB" sz="1800" b="0" i="0" u="none" strike="noStrike" cap="none" normalizeH="0" baseline="0" dirty="0" smtClean="0">
+              <a:ln>
+                <a:noFill/>
+              </a:ln>
+              <a:effectLst/>
+              <a:latin typeface="Arial" charset="0"/>
+            </a:endParaRPr>
+          </a:p>
+        </p:txBody>
+      </p:sp>
+      <p:sp>
+        <p:nvSpPr>
+          <p:cNvPr id="27" name="Flowchart: Process 26"/>
+          <p:cNvSpPr/>
+          <p:nvPr/>
+        </p:nvSpPr>
+        <p:spPr bwMode="auto">
+          <a:xfrm>
+            <a:off x="6912520" y="1613478"/>
+            <a:ext cx="1368152" cy="864096"/>
+          </a:xfrm>
+          <a:prstGeom prst="flowChartProcess">
+            <a:avLst/>
+          </a:prstGeom>
+          <a:solidFill>
+            <a:srgbClr val="FF0000"/>
+          </a:solidFill>
+          <a:ln w="9525" cap="flat" cmpd="sng" algn="ctr">
+            <a:solidFill>
+              <a:schemeClr val="tx1"/>
+            </a:solidFill>
+            <a:prstDash val="solid"/>
+            <a:round/>
+            <a:headEnd type="none" w="med" len="med"/>
+            <a:tailEnd type="none" w="med" len="med"/>
+          </a:ln>
+          <a:effectLst/>
+        </p:spPr>
+        <p:txBody>
+          <a:bodyPr vert="horz" wrap="square" lIns="91440" tIns="45720" rIns="91440" bIns="45720" numCol="1" rtlCol="0" anchor="t" anchorCtr="0" compatLnSpc="1">
+            <a:prstTxWarp prst="textNoShape">
+              <a:avLst/>
+            </a:prstTxWarp>
+          </a:bodyPr>
+          <a:lstStyle/>
+          <a:p>
+            <a:pPr marL="0" marR="0" indent="0" algn="l" defTabSz="449263" rtl="0" eaLnBrk="1" fontAlgn="base" latinLnBrk="0" hangingPunct="0">
+              <a:lnSpc>
+                <a:spcPct val="93000"/>
+              </a:lnSpc>
+              <a:spcBef>
+                <a:spcPct val="0"/>
+              </a:spcBef>
+              <a:spcAft>
+                <a:spcPct val="0"/>
+              </a:spcAft>
+              <a:buClr>
+                <a:srgbClr val="000000"/>
+              </a:buClr>
+              <a:buSzPct val="100000"/>
+              <a:buFont typeface="Times New Roman" pitchFamily="16" charset="0"/>
+              <a:buNone/>
+              <a:tabLst/>
+            </a:pPr>
+            <a:r>
+              <a:rPr lang="en-GB" dirty="0" smtClean="0"/>
+              <a:t>Collect over window</a:t>
+            </a:r>
+            <a:endParaRPr kumimoji="0" lang="en-GB" sz="1800" b="0" i="0" u="none" strike="noStrike" cap="none" normalizeH="0" baseline="0" dirty="0" smtClean="0">
+              <a:ln>
+                <a:noFill/>
+              </a:ln>
+              <a:effectLst/>
+              <a:latin typeface="Arial" charset="0"/>
+            </a:endParaRPr>
+          </a:p>
+        </p:txBody>
+      </p:sp>
+      <p:sp>
+        <p:nvSpPr>
+          <p:cNvPr id="28" name="Flowchart: Process 27"/>
+          <p:cNvSpPr/>
+          <p:nvPr/>
+        </p:nvSpPr>
+        <p:spPr bwMode="auto">
+          <a:xfrm>
+            <a:off x="8568704" y="1613478"/>
+            <a:ext cx="1368152" cy="864096"/>
+          </a:xfrm>
+          <a:prstGeom prst="flowChartProcess">
+            <a:avLst/>
+          </a:prstGeom>
+          <a:solidFill>
+            <a:srgbClr val="92D050"/>
+          </a:solidFill>
+          <a:ln w="9525" cap="flat" cmpd="sng" algn="ctr">
+            <a:solidFill>
+              <a:schemeClr val="tx1"/>
+            </a:solidFill>
+            <a:prstDash val="solid"/>
+            <a:round/>
+            <a:headEnd type="none" w="med" len="med"/>
+            <a:tailEnd type="none" w="med" len="med"/>
+          </a:ln>
+          <a:effectLst/>
+          <a:extLst>
+            <a:ext uri="{AF507438-7753-43E0-B8FC-AC1667EBCBE1}">
+              <a14:hiddenEffects xmlns:a14="http://schemas.microsoft.com/office/drawing/2010/main" xmlns="">
+                <a:effectLst>
+                  <a:outerShdw dist="35921" dir="2700000" algn="ctr" rotWithShape="0">
+                    <a:schemeClr val="bg2"/>
+                  </a:outerShdw>
+                </a:effectLst>
+              </a14:hiddenEffects>
+            </a:ext>
+          </a:extLst>
+        </p:spPr>
+        <p:txBody>
+          <a:bodyPr vert="horz" wrap="square" lIns="91440" tIns="45720" rIns="91440" bIns="45720" numCol="1" rtlCol="0" anchor="t" anchorCtr="0" compatLnSpc="1">
+            <a:prstTxWarp prst="textNoShape">
+              <a:avLst/>
+            </a:prstTxWarp>
+          </a:bodyPr>
+          <a:lstStyle/>
+          <a:p>
+            <a:pPr marL="0" marR="0" indent="0" algn="l" defTabSz="449263" rtl="0" eaLnBrk="1" fontAlgn="base" latinLnBrk="0" hangingPunct="0">
+              <a:lnSpc>
+                <a:spcPct val="93000"/>
+              </a:lnSpc>
+              <a:spcBef>
+                <a:spcPct val="0"/>
+              </a:spcBef>
+              <a:spcAft>
+                <a:spcPct val="0"/>
+              </a:spcAft>
+              <a:buClr>
+                <a:srgbClr val="000000"/>
+              </a:buClr>
+              <a:buSzPct val="100000"/>
+              <a:buFont typeface="Times New Roman" pitchFamily="16" charset="0"/>
+              <a:buNone/>
+              <a:tabLst/>
+            </a:pPr>
+            <a:r>
+              <a:rPr lang="en-GB" dirty="0" smtClean="0"/>
+              <a:t>Linear SVM</a:t>
+            </a:r>
+            <a:endParaRPr kumimoji="0" lang="en-GB" sz="1800" b="0" i="0" u="none" strike="noStrike" cap="none" normalizeH="0" baseline="0" dirty="0" smtClean="0">
+              <a:ln>
+                <a:noFill/>
+              </a:ln>
+              <a:effectLst/>
+              <a:latin typeface="Arial" charset="0"/>
+            </a:endParaRPr>
+          </a:p>
+        </p:txBody>
+      </p:sp>
+      <p:cxnSp>
+        <p:nvCxnSpPr>
+          <p:cNvPr id="29" name="Straight Arrow Connector 28"/>
+          <p:cNvCxnSpPr>
+            <a:endCxn id="24" idx="1"/>
+          </p:cNvCxnSpPr>
+          <p:nvPr/>
+        </p:nvCxnSpPr>
+        <p:spPr bwMode="auto">
+          <a:xfrm flipV="1">
+            <a:off x="1655936" y="2045526"/>
+            <a:ext cx="288032" cy="6119"/>
+          </a:xfrm>
+          <a:prstGeom prst="straightConnector1">
+            <a:avLst/>
+          </a:prstGeom>
+          <a:solidFill>
+            <a:srgbClr val="92D050"/>
+          </a:solidFill>
+          <a:ln w="9525" cap="flat" cmpd="sng" algn="ctr">
+            <a:solidFill>
+              <a:schemeClr val="tx1"/>
+            </a:solidFill>
+            <a:prstDash val="solid"/>
+            <a:round/>
+            <a:headEnd type="none" w="med" len="med"/>
+            <a:tailEnd type="arrow"/>
+          </a:ln>
+          <a:effectLst/>
+          <a:extLst>
+            <a:ext uri="{AF507438-7753-43E0-B8FC-AC1667EBCBE1}">
+              <a14:hiddenEffects xmlns:a14="http://schemas.microsoft.com/office/drawing/2010/main" xmlns="">
+                <a:effectLst>
+                  <a:outerShdw dist="35921" dir="2700000" algn="ctr" rotWithShape="0">
+                    <a:schemeClr val="bg2"/>
+                  </a:outerShdw>
+                </a:effectLst>
+              </a14:hiddenEffects>
+            </a:ext>
+          </a:extLst>
+        </p:spPr>
+      </p:cxnSp>
+      <p:cxnSp>
+        <p:nvCxnSpPr>
+          <p:cNvPr id="30" name="Straight Arrow Connector 29"/>
+          <p:cNvCxnSpPr>
+            <a:stCxn id="24" idx="3"/>
+            <a:endCxn id="25" idx="1"/>
+          </p:cNvCxnSpPr>
+          <p:nvPr/>
+        </p:nvCxnSpPr>
+        <p:spPr bwMode="auto">
+          <a:xfrm>
+            <a:off x="3312120" y="2045526"/>
+            <a:ext cx="288032" cy="0"/>
+          </a:xfrm>
+          <a:prstGeom prst="straightConnector1">
+            <a:avLst/>
+          </a:prstGeom>
+          <a:solidFill>
+            <a:srgbClr val="92D050"/>
+          </a:solidFill>
+          <a:ln w="9525" cap="flat" cmpd="sng" algn="ctr">
+            <a:solidFill>
+              <a:schemeClr val="tx1"/>
+            </a:solidFill>
+            <a:prstDash val="solid"/>
+            <a:round/>
+            <a:headEnd type="none" w="med" len="med"/>
+            <a:tailEnd type="arrow"/>
+          </a:ln>
+          <a:effectLst/>
+          <a:extLst>
+            <a:ext uri="{AF507438-7753-43E0-B8FC-AC1667EBCBE1}">
+              <a14:hiddenEffects xmlns:a14="http://schemas.microsoft.com/office/drawing/2010/main" xmlns="">
+                <a:effectLst>
+                  <a:outerShdw dist="35921" dir="2700000" algn="ctr" rotWithShape="0">
+                    <a:schemeClr val="bg2"/>
+                  </a:outerShdw>
+                </a:effectLst>
+              </a14:hiddenEffects>
+            </a:ext>
+          </a:extLst>
+        </p:spPr>
+      </p:cxnSp>
+      <p:cxnSp>
+        <p:nvCxnSpPr>
+          <p:cNvPr id="31" name="Straight Arrow Connector 30"/>
+          <p:cNvCxnSpPr>
+            <a:stCxn id="25" idx="3"/>
+            <a:endCxn id="26" idx="1"/>
+          </p:cNvCxnSpPr>
+          <p:nvPr/>
+        </p:nvCxnSpPr>
+        <p:spPr bwMode="auto">
+          <a:xfrm>
+            <a:off x="4968304" y="2045526"/>
+            <a:ext cx="288032" cy="0"/>
+          </a:xfrm>
+          <a:prstGeom prst="straightConnector1">
+            <a:avLst/>
+          </a:prstGeom>
+          <a:solidFill>
+            <a:srgbClr val="92D050"/>
+          </a:solidFill>
+          <a:ln w="9525" cap="flat" cmpd="sng" algn="ctr">
+            <a:solidFill>
+              <a:schemeClr val="tx1"/>
+            </a:solidFill>
+            <a:prstDash val="solid"/>
+            <a:round/>
+            <a:headEnd type="none" w="med" len="med"/>
+            <a:tailEnd type="arrow"/>
+          </a:ln>
+          <a:effectLst/>
+          <a:extLst>
+            <a:ext uri="{AF507438-7753-43E0-B8FC-AC1667EBCBE1}">
+              <a14:hiddenEffects xmlns:a14="http://schemas.microsoft.com/office/drawing/2010/main" xmlns="">
+                <a:effectLst>
+                  <a:outerShdw dist="35921" dir="2700000" algn="ctr" rotWithShape="0">
+                    <a:schemeClr val="bg2"/>
+                  </a:outerShdw>
+                </a:effectLst>
+              </a14:hiddenEffects>
+            </a:ext>
+          </a:extLst>
+        </p:spPr>
+      </p:cxnSp>
+      <p:cxnSp>
+        <p:nvCxnSpPr>
+          <p:cNvPr id="32" name="Straight Arrow Connector 31"/>
+          <p:cNvCxnSpPr>
+            <a:stCxn id="26" idx="3"/>
+            <a:endCxn id="27" idx="1"/>
+          </p:cNvCxnSpPr>
+          <p:nvPr/>
+        </p:nvCxnSpPr>
+        <p:spPr bwMode="auto">
+          <a:xfrm>
+            <a:off x="6624488" y="2045526"/>
+            <a:ext cx="288032" cy="0"/>
+          </a:xfrm>
+          <a:prstGeom prst="straightConnector1">
+            <a:avLst/>
+          </a:prstGeom>
+          <a:solidFill>
+            <a:srgbClr val="92D050"/>
+          </a:solidFill>
+          <a:ln w="9525" cap="flat" cmpd="sng" algn="ctr">
+            <a:solidFill>
+              <a:schemeClr val="tx1"/>
+            </a:solidFill>
+            <a:prstDash val="solid"/>
+            <a:round/>
+            <a:headEnd type="none" w="med" len="med"/>
+            <a:tailEnd type="arrow"/>
+          </a:ln>
+          <a:effectLst/>
+          <a:extLst>
+            <a:ext uri="{AF507438-7753-43E0-B8FC-AC1667EBCBE1}">
+              <a14:hiddenEffects xmlns:a14="http://schemas.microsoft.com/office/drawing/2010/main" xmlns="">
+                <a:effectLst>
+                  <a:outerShdw dist="35921" dir="2700000" algn="ctr" rotWithShape="0">
+                    <a:schemeClr val="bg2"/>
+                  </a:outerShdw>
+                </a:effectLst>
+              </a14:hiddenEffects>
+            </a:ext>
+          </a:extLst>
+        </p:spPr>
+      </p:cxnSp>
+      <p:cxnSp>
+        <p:nvCxnSpPr>
+          <p:cNvPr id="33" name="Straight Arrow Connector 32"/>
+          <p:cNvCxnSpPr>
+            <a:stCxn id="27" idx="3"/>
+            <a:endCxn id="28" idx="1"/>
+          </p:cNvCxnSpPr>
+          <p:nvPr/>
+        </p:nvCxnSpPr>
+        <p:spPr bwMode="auto">
+          <a:xfrm>
+            <a:off x="8280672" y="2045526"/>
+            <a:ext cx="288032" cy="0"/>
+          </a:xfrm>
+          <a:prstGeom prst="straightConnector1">
+            <a:avLst/>
+          </a:prstGeom>
+          <a:solidFill>
+            <a:srgbClr val="92D050"/>
+          </a:solidFill>
+          <a:ln w="9525" cap="flat" cmpd="sng" algn="ctr">
+            <a:solidFill>
+              <a:schemeClr val="tx1"/>
+            </a:solidFill>
+            <a:prstDash val="solid"/>
+            <a:round/>
+            <a:headEnd type="none" w="med" len="med"/>
+            <a:tailEnd type="arrow"/>
+          </a:ln>
+          <a:effectLst/>
+          <a:extLst>
+            <a:ext uri="{AF507438-7753-43E0-B8FC-AC1667EBCBE1}">
+              <a14:hiddenEffects xmlns:a14="http://schemas.microsoft.com/office/drawing/2010/main" xmlns="">
+                <a:effectLst>
+                  <a:outerShdw dist="35921" dir="2700000" algn="ctr" rotWithShape="0">
+                    <a:schemeClr val="bg2"/>
+                  </a:outerShdw>
+                </a:effectLst>
+              </a14:hiddenEffects>
+            </a:ext>
+          </a:extLst>
+        </p:spPr>
+      </p:cxnSp>
+    </p:spTree>
+    <p:extLst>
+      <p:ext uri="{BB962C8B-B14F-4D97-AF65-F5344CB8AC3E}">
+        <p14:creationId xmlns:p14="http://schemas.microsoft.com/office/powerpoint/2010/main" xmlns="" val="3647855734"/>
+      </p:ext>
+    </p:extLst>
+  </p:cSld>
+  <p:clrMapOvr>
+    <a:masterClrMapping/>
+  </p:clrMapOvr>
+  <p:timing>
+    <p:tnLst>
+      <p:par>
+        <p:cTn id="1" dur="indefinite" restart="never" nodeType="tmRoot"/>
+      </p:par>
+    </p:tnLst>
+  </p:timing>
+</p:sld>
+</file>
+
+<file path=ppt/slides/slide24.xml><?xml version="1.0" encoding="utf-8"?>
+<p:sld xmlns:a="http://schemas.openxmlformats.org/drawingml/2006/main" xmlns:r="http://schemas.openxmlformats.org/officeDocument/2006/relationships" xmlns:p="http://schemas.openxmlformats.org/presentationml/2006/main">
+  <p:cSld>
+    <p:spTree>
+      <p:nvGrpSpPr>
+        <p:cNvPr id="1" name=""/>
+        <p:cNvGrpSpPr/>
+        <p:nvPr/>
+      </p:nvGrpSpPr>
+      <p:grpSpPr>
+        <a:xfrm>
+          <a:off x="0" y="0"/>
+          <a:ext cx="0" cy="0"/>
+          <a:chOff x="0" y="0"/>
+          <a:chExt cx="0" cy="0"/>
+        </a:xfrm>
+      </p:grpSpPr>
+      <p:sp>
+        <p:nvSpPr>
+          <p:cNvPr id="2" name="Title 1"/>
+          <p:cNvSpPr>
+            <a:spLocks noGrp="1"/>
+          </p:cNvSpPr>
+          <p:nvPr>
+            <p:ph type="title"/>
+          </p:nvPr>
+        </p:nvSpPr>
+        <p:spPr/>
+        <p:txBody>
+          <a:bodyPr/>
+          <a:lstStyle/>
+          <a:p>
+            <a:r>
+              <a:rPr lang="en-GB" dirty="0" smtClean="0"/>
+              <a:t>Results</a:t>
+            </a:r>
+            <a:endParaRPr lang="en-GB" dirty="0"/>
+          </a:p>
+        </p:txBody>
+      </p:sp>
+      <p:sp>
+        <p:nvSpPr>
+          <p:cNvPr id="3" name="Content Placeholder 2"/>
+          <p:cNvSpPr>
+            <a:spLocks noGrp="1"/>
+          </p:cNvSpPr>
+          <p:nvPr>
+            <p:ph idx="1"/>
+          </p:nvPr>
+        </p:nvSpPr>
+        <p:spPr/>
+        <p:txBody>
+          <a:bodyPr/>
+          <a:lstStyle/>
+          <a:p>
+            <a:endParaRPr lang="en-GB" dirty="0"/>
+          </a:p>
+        </p:txBody>
+      </p:sp>
+    </p:spTree>
+    <p:extLst>
+      <p:ext uri="{BB962C8B-B14F-4D97-AF65-F5344CB8AC3E}">
+        <p14:creationId xmlns:p14="http://schemas.microsoft.com/office/powerpoint/2010/main" xmlns="" val="4003275848"/>
+      </p:ext>
+    </p:extLst>
+  </p:cSld>
+  <p:clrMapOvr>
+    <a:masterClrMapping/>
+  </p:clrMapOvr>
+  <p:timing>
+    <p:tnLst>
+      <p:par>
+        <p:cTn id="1" dur="indefinite" restart="never" nodeType="tmRoot"/>
+      </p:par>
+    </p:tnLst>
+  </p:timing>
+</p:sld>
+</file>
+
+<file path=ppt/slides/slide25.xml><?xml version="1.0" encoding="utf-8"?>
+<p:sld xmlns:a="http://schemas.openxmlformats.org/drawingml/2006/main" xmlns:r="http://schemas.openxmlformats.org/officeDocument/2006/relationships" xmlns:p="http://schemas.openxmlformats.org/presentationml/2006/main">
+  <p:cSld>
+    <p:spTree>
+      <p:nvGrpSpPr>
+        <p:cNvPr id="1" name=""/>
+        <p:cNvGrpSpPr/>
+        <p:nvPr/>
+      </p:nvGrpSpPr>
+      <p:grpSpPr>
+        <a:xfrm>
+          <a:off x="0" y="0"/>
+          <a:ext cx="0" cy="0"/>
+          <a:chOff x="0" y="0"/>
+          <a:chExt cx="0" cy="0"/>
+        </a:xfrm>
+      </p:grpSpPr>
+      <p:sp>
+        <p:nvSpPr>
+          <p:cNvPr id="2" name="Title 1"/>
+          <p:cNvSpPr>
+            <a:spLocks noGrp="1"/>
+          </p:cNvSpPr>
+          <p:nvPr>
+            <p:ph type="title"/>
+          </p:nvPr>
+        </p:nvSpPr>
+        <p:spPr/>
+        <p:txBody>
+          <a:bodyPr/>
+          <a:lstStyle/>
+          <a:p>
+            <a:r>
+              <a:rPr lang="en-GB" dirty="0" smtClean="0"/>
+              <a:t>Demo</a:t>
+            </a:r>
+            <a:endParaRPr lang="en-GB" dirty="0"/>
+          </a:p>
+        </p:txBody>
+      </p:sp>
+      <p:pic>
+        <p:nvPicPr>
+          <p:cNvPr id="4" name="Content Placeholder 3"/>
+          <p:cNvPicPr>
+            <a:picLocks noGrp="1" noChangeAspect="1"/>
+          </p:cNvPicPr>
+          <p:nvPr>
+            <p:ph idx="1"/>
+          </p:nvPr>
+        </p:nvPicPr>
+        <p:blipFill>
+          <a:blip r:embed="rId2" cstate="print">
+            <a:extLst>
+              <a:ext uri="{28A0092B-C50C-407E-A947-70E740481C1C}">
+                <a14:useLocalDpi xmlns:a14="http://schemas.microsoft.com/office/drawing/2010/main" xmlns="" val="0"/>
+              </a:ext>
+            </a:extLst>
+          </a:blip>
+          <a:stretch>
+            <a:fillRect/>
+          </a:stretch>
+        </p:blipFill>
+        <p:spPr>
+          <a:xfrm>
+            <a:off x="1394619" y="1833562"/>
+            <a:ext cx="7286625" cy="4857750"/>
+          </a:xfrm>
+        </p:spPr>
+      </p:pic>
+    </p:spTree>
+    <p:extLst>
+      <p:ext uri="{BB962C8B-B14F-4D97-AF65-F5344CB8AC3E}">
+        <p14:creationId xmlns:p14="http://schemas.microsoft.com/office/powerpoint/2010/main" xmlns="" val="2015659797"/>
+      </p:ext>
+    </p:extLst>
+  </p:cSld>
+  <p:clrMapOvr>
+    <a:masterClrMapping/>
+  </p:clrMapOvr>
+  <p:timing>
+    <p:tnLst>
+      <p:par>
+        <p:cTn id="1" dur="indefinite" restart="never" nodeType="tmRoot"/>
+      </p:par>
+    </p:tnLst>
+  </p:timing>
+</p:sld>
+</file>
+
+<file path=ppt/slides/slide26.xml><?xml version="1.0" encoding="utf-8"?>
+<p:sld xmlns:a="http://schemas.openxmlformats.org/drawingml/2006/main" xmlns:r="http://schemas.openxmlformats.org/officeDocument/2006/relationships" xmlns:p="http://schemas.openxmlformats.org/presentationml/2006/main">
+  <p:cSld>
+    <p:spTree>
+      <p:nvGrpSpPr>
+        <p:cNvPr id="1" name=""/>
+        <p:cNvGrpSpPr/>
+        <p:nvPr/>
+      </p:nvGrpSpPr>
+      <p:grpSpPr>
+        <a:xfrm>
+          <a:off x="0" y="0"/>
+          <a:ext cx="0" cy="0"/>
+          <a:chOff x="0" y="0"/>
+          <a:chExt cx="0" cy="0"/>
+        </a:xfrm>
+      </p:grpSpPr>
+      <p:sp>
+        <p:nvSpPr>
+          <p:cNvPr id="2" name="Title 1"/>
+          <p:cNvSpPr>
+            <a:spLocks noGrp="1"/>
+          </p:cNvSpPr>
+          <p:nvPr>
+            <p:ph type="title"/>
+          </p:nvPr>
+        </p:nvSpPr>
+        <p:spPr/>
+        <p:txBody>
+          <a:bodyPr/>
+          <a:lstStyle/>
+          <a:p>
+            <a:r>
+              <a:rPr lang="en-GB" dirty="0" smtClean="0"/>
               <a:t>Conclusions</a:t>
             </a:r>
             <a:endParaRPr lang="en-GB" dirty="0"/>
@@ -18417,7 +25784,7 @@
 </p:sld>
 </file>
 
-<file path=ppt/slides/slide23.xml><?xml version="1.0" encoding="utf-8"?>
+<file path=ppt/slides/slide27.xml><?xml version="1.0" encoding="utf-8"?>
 <p:sld xmlns:a="http://schemas.openxmlformats.org/drawingml/2006/main" xmlns:r="http://schemas.openxmlformats.org/officeDocument/2006/relationships" xmlns:p="http://schemas.openxmlformats.org/presentationml/2006/main">
   <p:cSld>
     <p:spTree>
@@ -25755,7 +33122,7 @@
       </p:grpSpPr>
       <p:pic>
         <p:nvPicPr>
-          <p:cNvPr id="29" name="Picture 28"/>
+          <p:cNvPr id="47" name="Picture 46"/>
           <p:cNvPicPr>
             <a:picLocks noChangeAspect="1"/>
           </p:cNvPicPr>
@@ -25769,13 +33136,13 @@
               </a:ext>
             </a:extLst>
           </a:blip>
-          <a:srcRect l="20991" t="9624" r="17581" b="9465"/>
+          <a:srcRect l="28917" t="18826" r="17581" b="9465"/>
           <a:stretch/>
         </p:blipFill>
         <p:spPr>
           <a:xfrm>
-            <a:off x="716856" y="2843733"/>
-            <a:ext cx="4464496" cy="4432145"/>
+            <a:off x="575816" y="2555701"/>
+            <a:ext cx="3888432" cy="3928089"/>
           </a:xfrm>
           <a:prstGeom prst="rect">
             <a:avLst/>

--- a/HOGPres1.pptx
+++ b/HOGPres1.pptx
@@ -320,13 +320,12 @@
             </c:numRef>
           </c:val>
         </c:ser>
-        <c:dLbls/>
         <c:gapWidth val="0"/>
-        <c:axId val="193104896"/>
-        <c:axId val="148538112"/>
+        <c:axId val="139351552"/>
+        <c:axId val="139353088"/>
       </c:barChart>
       <c:catAx>
-        <c:axId val="193104896"/>
+        <c:axId val="139351552"/>
         <c:scaling>
           <c:orientation val="minMax"/>
         </c:scaling>
@@ -334,14 +333,14 @@
         <c:majorGridlines/>
         <c:majorTickMark val="none"/>
         <c:tickLblPos val="nextTo"/>
-        <c:crossAx val="148538112"/>
+        <c:crossAx val="139353088"/>
         <c:crosses val="autoZero"/>
         <c:auto val="1"/>
         <c:lblAlgn val="ctr"/>
         <c:lblOffset val="100"/>
       </c:catAx>
       <c:valAx>
-        <c:axId val="148538112"/>
+        <c:axId val="139353088"/>
         <c:scaling>
           <c:orientation val="minMax"/>
         </c:scaling>
@@ -349,7 +348,7 @@
         <c:axPos val="l"/>
         <c:numFmt formatCode="General" sourceLinked="1"/>
         <c:tickLblPos val="none"/>
-        <c:crossAx val="193104896"/>
+        <c:crossAx val="139351552"/>
         <c:crosses val="autoZero"/>
         <c:crossBetween val="between"/>
       </c:valAx>
@@ -432,14 +431,14 @@
           <a:effectLst/>
           <a:extLst>
             <a:ext uri="{909E8E84-426E-40DD-AFC4-6F175D3DCCD1}">
-              <a14:hiddenFill xmlns:a14="http://schemas.microsoft.com/office/drawing/2010/main" xmlns="">
+              <a14:hiddenFill xmlns="" xmlns:a14="http://schemas.microsoft.com/office/drawing/2010/main">
                 <a:solidFill>
                   <a:srgbClr val="FFFFFF"/>
                 </a:solidFill>
               </a14:hiddenFill>
             </a:ext>
             <a:ext uri="{91240B29-F687-4F45-9708-019B960494DF}">
-              <a14:hiddenLine xmlns:a14="http://schemas.microsoft.com/office/drawing/2010/main" xmlns="" w="9525">
+              <a14:hiddenLine xmlns="" xmlns:a14="http://schemas.microsoft.com/office/drawing/2010/main" w="9525">
                 <a:solidFill>
                   <a:srgbClr val="000000"/>
                 </a:solidFill>
@@ -449,7 +448,7 @@
               </a14:hiddenLine>
             </a:ext>
             <a:ext uri="{AF507438-7753-43E0-B8FC-AC1667EBCBE1}">
-              <a14:hiddenEffects xmlns:a14="http://schemas.microsoft.com/office/drawing/2010/main" xmlns="">
+              <a14:hiddenEffects xmlns="" xmlns:a14="http://schemas.microsoft.com/office/drawing/2010/main">
                 <a:effectLst>
                   <a:outerShdw dist="35921" dir="2700000" algn="ctr" rotWithShape="0">
                     <a:schemeClr val="bg2"/>
@@ -485,14 +484,14 @@
           <a:effectLst/>
           <a:extLst>
             <a:ext uri="{909E8E84-426E-40DD-AFC4-6F175D3DCCD1}">
-              <a14:hiddenFill xmlns:a14="http://schemas.microsoft.com/office/drawing/2010/main" xmlns="">
+              <a14:hiddenFill xmlns="" xmlns:a14="http://schemas.microsoft.com/office/drawing/2010/main">
                 <a:solidFill>
                   <a:srgbClr val="FFFFFF"/>
                 </a:solidFill>
               </a14:hiddenFill>
             </a:ext>
             <a:ext uri="{91240B29-F687-4F45-9708-019B960494DF}">
-              <a14:hiddenLine xmlns:a14="http://schemas.microsoft.com/office/drawing/2010/main" xmlns="" w="9525">
+              <a14:hiddenLine xmlns="" xmlns:a14="http://schemas.microsoft.com/office/drawing/2010/main" w="9525">
                 <a:solidFill>
                   <a:srgbClr val="000000"/>
                 </a:solidFill>
@@ -502,7 +501,7 @@
               </a14:hiddenLine>
             </a:ext>
             <a:ext uri="{AF507438-7753-43E0-B8FC-AC1667EBCBE1}">
-              <a14:hiddenEffects xmlns:a14="http://schemas.microsoft.com/office/drawing/2010/main" xmlns="">
+              <a14:hiddenEffects xmlns="" xmlns:a14="http://schemas.microsoft.com/office/drawing/2010/main">
                 <a:effectLst>
                   <a:outerShdw dist="35921" dir="2700000" algn="ctr" rotWithShape="0">
                     <a:schemeClr val="bg2"/>
@@ -550,14 +549,14 @@
           <a:effectLst/>
           <a:extLst>
             <a:ext uri="{909E8E84-426E-40DD-AFC4-6F175D3DCCD1}">
-              <a14:hiddenFill xmlns:a14="http://schemas.microsoft.com/office/drawing/2010/main" xmlns="">
+              <a14:hiddenFill xmlns="" xmlns:a14="http://schemas.microsoft.com/office/drawing/2010/main">
                 <a:solidFill>
                   <a:srgbClr val="FFFFFF"/>
                 </a:solidFill>
               </a14:hiddenFill>
             </a:ext>
             <a:ext uri="{91240B29-F687-4F45-9708-019B960494DF}">
-              <a14:hiddenLine xmlns:a14="http://schemas.microsoft.com/office/drawing/2010/main" xmlns="" w="9525">
+              <a14:hiddenLine xmlns="" xmlns:a14="http://schemas.microsoft.com/office/drawing/2010/main" w="9525">
                 <a:solidFill>
                   <a:srgbClr val="000000"/>
                 </a:solidFill>
@@ -567,7 +566,7 @@
               </a14:hiddenLine>
             </a:ext>
             <a:ext uri="{AF507438-7753-43E0-B8FC-AC1667EBCBE1}">
-              <a14:hiddenEffects xmlns:a14="http://schemas.microsoft.com/office/drawing/2010/main" xmlns="">
+              <a14:hiddenEffects xmlns="" xmlns:a14="http://schemas.microsoft.com/office/drawing/2010/main">
                 <a:effectLst>
                   <a:outerShdw dist="35921" dir="2700000" algn="ctr" rotWithShape="0">
                     <a:schemeClr val="bg2"/>
@@ -631,14 +630,14 @@
           <a:effectLst/>
           <a:extLst>
             <a:ext uri="{909E8E84-426E-40DD-AFC4-6F175D3DCCD1}">
-              <a14:hiddenFill xmlns:a14="http://schemas.microsoft.com/office/drawing/2010/main" xmlns="">
+              <a14:hiddenFill xmlns="" xmlns:a14="http://schemas.microsoft.com/office/drawing/2010/main">
                 <a:solidFill>
                   <a:srgbClr val="FFFFFF"/>
                 </a:solidFill>
               </a14:hiddenFill>
             </a:ext>
             <a:ext uri="{91240B29-F687-4F45-9708-019B960494DF}">
-              <a14:hiddenLine xmlns:a14="http://schemas.microsoft.com/office/drawing/2010/main" xmlns="" w="9525">
+              <a14:hiddenLine xmlns="" xmlns:a14="http://schemas.microsoft.com/office/drawing/2010/main" w="9525">
                 <a:solidFill>
                   <a:srgbClr val="000000"/>
                 </a:solidFill>
@@ -648,7 +647,7 @@
               </a14:hiddenLine>
             </a:ext>
             <a:ext uri="{AF507438-7753-43E0-B8FC-AC1667EBCBE1}">
-              <a14:hiddenEffects xmlns:a14="http://schemas.microsoft.com/office/drawing/2010/main" xmlns="">
+              <a14:hiddenEffects xmlns="" xmlns:a14="http://schemas.microsoft.com/office/drawing/2010/main">
                 <a:effectLst>
                   <a:outerShdw dist="35921" dir="2700000" algn="ctr" rotWithShape="0">
                     <a:schemeClr val="bg2"/>
@@ -712,14 +711,14 @@
           <a:effectLst/>
           <a:extLst>
             <a:ext uri="{909E8E84-426E-40DD-AFC4-6F175D3DCCD1}">
-              <a14:hiddenFill xmlns:a14="http://schemas.microsoft.com/office/drawing/2010/main" xmlns="">
+              <a14:hiddenFill xmlns="" xmlns:a14="http://schemas.microsoft.com/office/drawing/2010/main">
                 <a:solidFill>
                   <a:srgbClr val="FFFFFF"/>
                 </a:solidFill>
               </a14:hiddenFill>
             </a:ext>
             <a:ext uri="{91240B29-F687-4F45-9708-019B960494DF}">
-              <a14:hiddenLine xmlns:a14="http://schemas.microsoft.com/office/drawing/2010/main" xmlns="" w="9525">
+              <a14:hiddenLine xmlns="" xmlns:a14="http://schemas.microsoft.com/office/drawing/2010/main" w="9525">
                 <a:solidFill>
                   <a:srgbClr val="000000"/>
                 </a:solidFill>
@@ -729,7 +728,7 @@
               </a14:hiddenLine>
             </a:ext>
             <a:ext uri="{AF507438-7753-43E0-B8FC-AC1667EBCBE1}">
-              <a14:hiddenEffects xmlns:a14="http://schemas.microsoft.com/office/drawing/2010/main" xmlns="">
+              <a14:hiddenEffects xmlns="" xmlns:a14="http://schemas.microsoft.com/office/drawing/2010/main">
                 <a:effectLst>
                   <a:outerShdw dist="35921" dir="2700000" algn="ctr" rotWithShape="0">
                     <a:schemeClr val="bg2"/>
@@ -793,14 +792,14 @@
           <a:effectLst/>
           <a:extLst>
             <a:ext uri="{909E8E84-426E-40DD-AFC4-6F175D3DCCD1}">
-              <a14:hiddenFill xmlns:a14="http://schemas.microsoft.com/office/drawing/2010/main" xmlns="">
+              <a14:hiddenFill xmlns="" xmlns:a14="http://schemas.microsoft.com/office/drawing/2010/main">
                 <a:solidFill>
                   <a:srgbClr val="FFFFFF"/>
                 </a:solidFill>
               </a14:hiddenFill>
             </a:ext>
             <a:ext uri="{91240B29-F687-4F45-9708-019B960494DF}">
-              <a14:hiddenLine xmlns:a14="http://schemas.microsoft.com/office/drawing/2010/main" xmlns="" w="9525">
+              <a14:hiddenLine xmlns="" xmlns:a14="http://schemas.microsoft.com/office/drawing/2010/main" w="9525">
                 <a:solidFill>
                   <a:srgbClr val="000000"/>
                 </a:solidFill>
@@ -810,7 +809,7 @@
               </a14:hiddenLine>
             </a:ext>
             <a:ext uri="{AF507438-7753-43E0-B8FC-AC1667EBCBE1}">
-              <a14:hiddenEffects xmlns:a14="http://schemas.microsoft.com/office/drawing/2010/main" xmlns="">
+              <a14:hiddenEffects xmlns="" xmlns:a14="http://schemas.microsoft.com/office/drawing/2010/main">
                 <a:effectLst>
                   <a:outerShdw dist="35921" dir="2700000" algn="ctr" rotWithShape="0">
                     <a:schemeClr val="bg2"/>
@@ -857,7 +856,7 @@
     </p:spTree>
     <p:extLst>
       <p:ext uri="{BB962C8B-B14F-4D97-AF65-F5344CB8AC3E}">
-        <p14:creationId xmlns:p14="http://schemas.microsoft.com/office/powerpoint/2010/main" xmlns="" val="422083220"/>
+        <p14:creationId xmlns="" xmlns:p14="http://schemas.microsoft.com/office/powerpoint/2010/main" val="422083220"/>
       </p:ext>
     </p:extLst>
   </p:cSld>
@@ -1094,7 +1093,7 @@
           </a:ln>
           <a:extLst>
             <a:ext uri="{AF507438-7753-43E0-B8FC-AC1667EBCBE1}">
-              <a14:hiddenEffects xmlns:a14="http://schemas.microsoft.com/office/drawing/2010/main" xmlns="">
+              <a14:hiddenEffects xmlns="" xmlns:a14="http://schemas.microsoft.com/office/drawing/2010/main">
                 <a:effectLst>
                   <a:outerShdw dist="35921" dir="2700000" algn="ctr" rotWithShape="0">
                     <a:srgbClr val="808080"/>
@@ -1127,14 +1126,14 @@
           <a:ln/>
           <a:extLst>
             <a:ext uri="{909E8E84-426E-40DD-AFC4-6F175D3DCCD1}">
-              <a14:hiddenFill xmlns:a14="http://schemas.microsoft.com/office/drawing/2010/main" xmlns="">
+              <a14:hiddenFill xmlns="" xmlns:a14="http://schemas.microsoft.com/office/drawing/2010/main">
                 <a:solidFill>
                   <a:srgbClr val="FFFFFF"/>
                 </a:solidFill>
               </a14:hiddenFill>
             </a:ext>
             <a:ext uri="{91240B29-F687-4F45-9708-019B960494DF}">
-              <a14:hiddenLine xmlns:a14="http://schemas.microsoft.com/office/drawing/2010/main" xmlns="" w="9525">
+              <a14:hiddenLine xmlns="" xmlns:a14="http://schemas.microsoft.com/office/drawing/2010/main" w="9525">
                 <a:solidFill>
                   <a:srgbClr val="000000"/>
                 </a:solidFill>
@@ -1144,7 +1143,7 @@
               </a14:hiddenLine>
             </a:ext>
             <a:ext uri="{AF507438-7753-43E0-B8FC-AC1667EBCBE1}">
-              <a14:hiddenEffects xmlns:a14="http://schemas.microsoft.com/office/drawing/2010/main" xmlns="">
+              <a14:hiddenEffects xmlns="" xmlns:a14="http://schemas.microsoft.com/office/drawing/2010/main">
                 <a:effectLst>
                   <a:outerShdw dist="35921" dir="2700000" algn="ctr" rotWithShape="0">
                     <a:srgbClr val="808080"/>
@@ -1252,7 +1251,7 @@
           </a:ln>
           <a:extLst>
             <a:ext uri="{AF507438-7753-43E0-B8FC-AC1667EBCBE1}">
-              <a14:hiddenEffects xmlns:a14="http://schemas.microsoft.com/office/drawing/2010/main" xmlns="">
+              <a14:hiddenEffects xmlns="" xmlns:a14="http://schemas.microsoft.com/office/drawing/2010/main">
                 <a:effectLst>
                   <a:outerShdw dist="35921" dir="2700000" algn="ctr" rotWithShape="0">
                     <a:srgbClr val="808080"/>
@@ -1285,14 +1284,14 @@
           <a:ln/>
           <a:extLst>
             <a:ext uri="{909E8E84-426E-40DD-AFC4-6F175D3DCCD1}">
-              <a14:hiddenFill xmlns:a14="http://schemas.microsoft.com/office/drawing/2010/main" xmlns="">
+              <a14:hiddenFill xmlns="" xmlns:a14="http://schemas.microsoft.com/office/drawing/2010/main">
                 <a:solidFill>
                   <a:srgbClr val="FFFFFF"/>
                 </a:solidFill>
               </a14:hiddenFill>
             </a:ext>
             <a:ext uri="{91240B29-F687-4F45-9708-019B960494DF}">
-              <a14:hiddenLine xmlns:a14="http://schemas.microsoft.com/office/drawing/2010/main" xmlns="" w="9525">
+              <a14:hiddenLine xmlns="" xmlns:a14="http://schemas.microsoft.com/office/drawing/2010/main" w="9525">
                 <a:solidFill>
                   <a:srgbClr val="000000"/>
                 </a:solidFill>
@@ -1302,7 +1301,7 @@
               </a14:hiddenLine>
             </a:ext>
             <a:ext uri="{AF507438-7753-43E0-B8FC-AC1667EBCBE1}">
-              <a14:hiddenEffects xmlns:a14="http://schemas.microsoft.com/office/drawing/2010/main" xmlns="">
+              <a14:hiddenEffects xmlns="" xmlns:a14="http://schemas.microsoft.com/office/drawing/2010/main">
                 <a:effectLst>
                   <a:outerShdw dist="35921" dir="2700000" algn="ctr" rotWithShape="0">
                     <a:srgbClr val="808080"/>
@@ -1410,7 +1409,7 @@
           </a:ln>
           <a:extLst>
             <a:ext uri="{AF507438-7753-43E0-B8FC-AC1667EBCBE1}">
-              <a14:hiddenEffects xmlns:a14="http://schemas.microsoft.com/office/drawing/2010/main" xmlns="">
+              <a14:hiddenEffects xmlns="" xmlns:a14="http://schemas.microsoft.com/office/drawing/2010/main">
                 <a:effectLst>
                   <a:outerShdw dist="35921" dir="2700000" algn="ctr" rotWithShape="0">
                     <a:srgbClr val="808080"/>
@@ -1443,14 +1442,14 @@
           <a:ln/>
           <a:extLst>
             <a:ext uri="{909E8E84-426E-40DD-AFC4-6F175D3DCCD1}">
-              <a14:hiddenFill xmlns:a14="http://schemas.microsoft.com/office/drawing/2010/main" xmlns="">
+              <a14:hiddenFill xmlns="" xmlns:a14="http://schemas.microsoft.com/office/drawing/2010/main">
                 <a:solidFill>
                   <a:srgbClr val="FFFFFF"/>
                 </a:solidFill>
               </a14:hiddenFill>
             </a:ext>
             <a:ext uri="{91240B29-F687-4F45-9708-019B960494DF}">
-              <a14:hiddenLine xmlns:a14="http://schemas.microsoft.com/office/drawing/2010/main" xmlns="" w="9525">
+              <a14:hiddenLine xmlns="" xmlns:a14="http://schemas.microsoft.com/office/drawing/2010/main" w="9525">
                 <a:solidFill>
                   <a:srgbClr val="000000"/>
                 </a:solidFill>
@@ -1460,7 +1459,7 @@
               </a14:hiddenLine>
             </a:ext>
             <a:ext uri="{AF507438-7753-43E0-B8FC-AC1667EBCBE1}">
-              <a14:hiddenEffects xmlns:a14="http://schemas.microsoft.com/office/drawing/2010/main" xmlns="">
+              <a14:hiddenEffects xmlns="" xmlns:a14="http://schemas.microsoft.com/office/drawing/2010/main">
                 <a:effectLst>
                   <a:outerShdw dist="35921" dir="2700000" algn="ctr" rotWithShape="0">
                     <a:srgbClr val="808080"/>
@@ -1568,7 +1567,7 @@
           </a:ln>
           <a:extLst>
             <a:ext uri="{AF507438-7753-43E0-B8FC-AC1667EBCBE1}">
-              <a14:hiddenEffects xmlns:a14="http://schemas.microsoft.com/office/drawing/2010/main" xmlns="">
+              <a14:hiddenEffects xmlns="" xmlns:a14="http://schemas.microsoft.com/office/drawing/2010/main">
                 <a:effectLst>
                   <a:outerShdw dist="35921" dir="2700000" algn="ctr" rotWithShape="0">
                     <a:srgbClr val="808080"/>
@@ -1601,14 +1600,14 @@
           <a:ln/>
           <a:extLst>
             <a:ext uri="{909E8E84-426E-40DD-AFC4-6F175D3DCCD1}">
-              <a14:hiddenFill xmlns:a14="http://schemas.microsoft.com/office/drawing/2010/main" xmlns="">
+              <a14:hiddenFill xmlns="" xmlns:a14="http://schemas.microsoft.com/office/drawing/2010/main">
                 <a:solidFill>
                   <a:srgbClr val="FFFFFF"/>
                 </a:solidFill>
               </a14:hiddenFill>
             </a:ext>
             <a:ext uri="{91240B29-F687-4F45-9708-019B960494DF}">
-              <a14:hiddenLine xmlns:a14="http://schemas.microsoft.com/office/drawing/2010/main" xmlns="" w="9525">
+              <a14:hiddenLine xmlns="" xmlns:a14="http://schemas.microsoft.com/office/drawing/2010/main" w="9525">
                 <a:solidFill>
                   <a:srgbClr val="000000"/>
                 </a:solidFill>
@@ -1618,7 +1617,7 @@
               </a14:hiddenLine>
             </a:ext>
             <a:ext uri="{AF507438-7753-43E0-B8FC-AC1667EBCBE1}">
-              <a14:hiddenEffects xmlns:a14="http://schemas.microsoft.com/office/drawing/2010/main" xmlns="">
+              <a14:hiddenEffects xmlns="" xmlns:a14="http://schemas.microsoft.com/office/drawing/2010/main">
                 <a:effectLst>
                   <a:outerShdw dist="35921" dir="2700000" algn="ctr" rotWithShape="0">
                     <a:srgbClr val="808080"/>
@@ -1726,7 +1725,7 @@
           </a:ln>
           <a:extLst>
             <a:ext uri="{AF507438-7753-43E0-B8FC-AC1667EBCBE1}">
-              <a14:hiddenEffects xmlns:a14="http://schemas.microsoft.com/office/drawing/2010/main" xmlns="">
+              <a14:hiddenEffects xmlns="" xmlns:a14="http://schemas.microsoft.com/office/drawing/2010/main">
                 <a:effectLst>
                   <a:outerShdw dist="35921" dir="2700000" algn="ctr" rotWithShape="0">
                     <a:srgbClr val="808080"/>
@@ -1759,14 +1758,14 @@
           <a:ln/>
           <a:extLst>
             <a:ext uri="{909E8E84-426E-40DD-AFC4-6F175D3DCCD1}">
-              <a14:hiddenFill xmlns:a14="http://schemas.microsoft.com/office/drawing/2010/main" xmlns="">
+              <a14:hiddenFill xmlns="" xmlns:a14="http://schemas.microsoft.com/office/drawing/2010/main">
                 <a:solidFill>
                   <a:srgbClr val="FFFFFF"/>
                 </a:solidFill>
               </a14:hiddenFill>
             </a:ext>
             <a:ext uri="{91240B29-F687-4F45-9708-019B960494DF}">
-              <a14:hiddenLine xmlns:a14="http://schemas.microsoft.com/office/drawing/2010/main" xmlns="" w="9525">
+              <a14:hiddenLine xmlns="" xmlns:a14="http://schemas.microsoft.com/office/drawing/2010/main" w="9525">
                 <a:solidFill>
                   <a:srgbClr val="000000"/>
                 </a:solidFill>
@@ -1776,7 +1775,7 @@
               </a14:hiddenLine>
             </a:ext>
             <a:ext uri="{AF507438-7753-43E0-B8FC-AC1667EBCBE1}">
-              <a14:hiddenEffects xmlns:a14="http://schemas.microsoft.com/office/drawing/2010/main" xmlns="">
+              <a14:hiddenEffects xmlns="" xmlns:a14="http://schemas.microsoft.com/office/drawing/2010/main">
                 <a:effectLst>
                   <a:outerShdw dist="35921" dir="2700000" algn="ctr" rotWithShape="0">
                     <a:srgbClr val="808080"/>
@@ -1884,7 +1883,7 @@
           </a:ln>
           <a:extLst>
             <a:ext uri="{AF507438-7753-43E0-B8FC-AC1667EBCBE1}">
-              <a14:hiddenEffects xmlns:a14="http://schemas.microsoft.com/office/drawing/2010/main" xmlns="">
+              <a14:hiddenEffects xmlns="" xmlns:a14="http://schemas.microsoft.com/office/drawing/2010/main">
                 <a:effectLst>
                   <a:outerShdw dist="35921" dir="2700000" algn="ctr" rotWithShape="0">
                     <a:srgbClr val="808080"/>
@@ -1917,14 +1916,14 @@
           <a:ln/>
           <a:extLst>
             <a:ext uri="{909E8E84-426E-40DD-AFC4-6F175D3DCCD1}">
-              <a14:hiddenFill xmlns:a14="http://schemas.microsoft.com/office/drawing/2010/main" xmlns="">
+              <a14:hiddenFill xmlns="" xmlns:a14="http://schemas.microsoft.com/office/drawing/2010/main">
                 <a:solidFill>
                   <a:srgbClr val="FFFFFF"/>
                 </a:solidFill>
               </a14:hiddenFill>
             </a:ext>
             <a:ext uri="{91240B29-F687-4F45-9708-019B960494DF}">
-              <a14:hiddenLine xmlns:a14="http://schemas.microsoft.com/office/drawing/2010/main" xmlns="" w="9525">
+              <a14:hiddenLine xmlns="" xmlns:a14="http://schemas.microsoft.com/office/drawing/2010/main" w="9525">
                 <a:solidFill>
                   <a:srgbClr val="000000"/>
                 </a:solidFill>
@@ -1934,7 +1933,7 @@
               </a14:hiddenLine>
             </a:ext>
             <a:ext uri="{AF507438-7753-43E0-B8FC-AC1667EBCBE1}">
-              <a14:hiddenEffects xmlns:a14="http://schemas.microsoft.com/office/drawing/2010/main" xmlns="">
+              <a14:hiddenEffects xmlns="" xmlns:a14="http://schemas.microsoft.com/office/drawing/2010/main">
                 <a:effectLst>
                   <a:outerShdw dist="35921" dir="2700000" algn="ctr" rotWithShape="0">
                     <a:srgbClr val="808080"/>
@@ -2042,7 +2041,7 @@
           </a:ln>
           <a:extLst>
             <a:ext uri="{AF507438-7753-43E0-B8FC-AC1667EBCBE1}">
-              <a14:hiddenEffects xmlns:a14="http://schemas.microsoft.com/office/drawing/2010/main" xmlns="">
+              <a14:hiddenEffects xmlns="" xmlns:a14="http://schemas.microsoft.com/office/drawing/2010/main">
                 <a:effectLst>
                   <a:outerShdw dist="35921" dir="2700000" algn="ctr" rotWithShape="0">
                     <a:srgbClr val="808080"/>
@@ -2075,14 +2074,14 @@
           <a:ln/>
           <a:extLst>
             <a:ext uri="{909E8E84-426E-40DD-AFC4-6F175D3DCCD1}">
-              <a14:hiddenFill xmlns:a14="http://schemas.microsoft.com/office/drawing/2010/main" xmlns="">
+              <a14:hiddenFill xmlns="" xmlns:a14="http://schemas.microsoft.com/office/drawing/2010/main">
                 <a:solidFill>
                   <a:srgbClr val="FFFFFF"/>
                 </a:solidFill>
               </a14:hiddenFill>
             </a:ext>
             <a:ext uri="{91240B29-F687-4F45-9708-019B960494DF}">
-              <a14:hiddenLine xmlns:a14="http://schemas.microsoft.com/office/drawing/2010/main" xmlns="" w="9525">
+              <a14:hiddenLine xmlns="" xmlns:a14="http://schemas.microsoft.com/office/drawing/2010/main" w="9525">
                 <a:solidFill>
                   <a:srgbClr val="000000"/>
                 </a:solidFill>
@@ -2092,7 +2091,7 @@
               </a14:hiddenLine>
             </a:ext>
             <a:ext uri="{AF507438-7753-43E0-B8FC-AC1667EBCBE1}">
-              <a14:hiddenEffects xmlns:a14="http://schemas.microsoft.com/office/drawing/2010/main" xmlns="">
+              <a14:hiddenEffects xmlns="" xmlns:a14="http://schemas.microsoft.com/office/drawing/2010/main">
                 <a:effectLst>
                   <a:outerShdw dist="35921" dir="2700000" algn="ctr" rotWithShape="0">
                     <a:srgbClr val="808080"/>
@@ -2200,7 +2199,7 @@
           </a:ln>
           <a:extLst>
             <a:ext uri="{AF507438-7753-43E0-B8FC-AC1667EBCBE1}">
-              <a14:hiddenEffects xmlns:a14="http://schemas.microsoft.com/office/drawing/2010/main" xmlns="">
+              <a14:hiddenEffects xmlns="" xmlns:a14="http://schemas.microsoft.com/office/drawing/2010/main">
                 <a:effectLst>
                   <a:outerShdw dist="35921" dir="2700000" algn="ctr" rotWithShape="0">
                     <a:srgbClr val="808080"/>
@@ -2233,14 +2232,14 @@
           <a:ln/>
           <a:extLst>
             <a:ext uri="{909E8E84-426E-40DD-AFC4-6F175D3DCCD1}">
-              <a14:hiddenFill xmlns:a14="http://schemas.microsoft.com/office/drawing/2010/main" xmlns="">
+              <a14:hiddenFill xmlns="" xmlns:a14="http://schemas.microsoft.com/office/drawing/2010/main">
                 <a:solidFill>
                   <a:srgbClr val="FFFFFF"/>
                 </a:solidFill>
               </a14:hiddenFill>
             </a:ext>
             <a:ext uri="{91240B29-F687-4F45-9708-019B960494DF}">
-              <a14:hiddenLine xmlns:a14="http://schemas.microsoft.com/office/drawing/2010/main" xmlns="" w="9525">
+              <a14:hiddenLine xmlns="" xmlns:a14="http://schemas.microsoft.com/office/drawing/2010/main" w="9525">
                 <a:solidFill>
                   <a:srgbClr val="000000"/>
                 </a:solidFill>
@@ -2250,7 +2249,7 @@
               </a14:hiddenLine>
             </a:ext>
             <a:ext uri="{AF507438-7753-43E0-B8FC-AC1667EBCBE1}">
-              <a14:hiddenEffects xmlns:a14="http://schemas.microsoft.com/office/drawing/2010/main" xmlns="">
+              <a14:hiddenEffects xmlns="" xmlns:a14="http://schemas.microsoft.com/office/drawing/2010/main">
                 <a:effectLst>
                   <a:outerShdw dist="35921" dir="2700000" algn="ctr" rotWithShape="0">
                     <a:srgbClr val="808080"/>
@@ -2358,7 +2357,7 @@
           </a:ln>
           <a:extLst>
             <a:ext uri="{AF507438-7753-43E0-B8FC-AC1667EBCBE1}">
-              <a14:hiddenEffects xmlns:a14="http://schemas.microsoft.com/office/drawing/2010/main" xmlns="">
+              <a14:hiddenEffects xmlns="" xmlns:a14="http://schemas.microsoft.com/office/drawing/2010/main">
                 <a:effectLst>
                   <a:outerShdw dist="35921" dir="2700000" algn="ctr" rotWithShape="0">
                     <a:srgbClr val="808080"/>
@@ -2391,14 +2390,14 @@
           <a:ln/>
           <a:extLst>
             <a:ext uri="{909E8E84-426E-40DD-AFC4-6F175D3DCCD1}">
-              <a14:hiddenFill xmlns:a14="http://schemas.microsoft.com/office/drawing/2010/main" xmlns="">
+              <a14:hiddenFill xmlns="" xmlns:a14="http://schemas.microsoft.com/office/drawing/2010/main">
                 <a:solidFill>
                   <a:srgbClr val="FFFFFF"/>
                 </a:solidFill>
               </a14:hiddenFill>
             </a:ext>
             <a:ext uri="{91240B29-F687-4F45-9708-019B960494DF}">
-              <a14:hiddenLine xmlns:a14="http://schemas.microsoft.com/office/drawing/2010/main" xmlns="" w="9525">
+              <a14:hiddenLine xmlns="" xmlns:a14="http://schemas.microsoft.com/office/drawing/2010/main" w="9525">
                 <a:solidFill>
                   <a:srgbClr val="000000"/>
                 </a:solidFill>
@@ -2408,7 +2407,7 @@
               </a14:hiddenLine>
             </a:ext>
             <a:ext uri="{AF507438-7753-43E0-B8FC-AC1667EBCBE1}">
-              <a14:hiddenEffects xmlns:a14="http://schemas.microsoft.com/office/drawing/2010/main" xmlns="">
+              <a14:hiddenEffects xmlns="" xmlns:a14="http://schemas.microsoft.com/office/drawing/2010/main">
                 <a:effectLst>
                   <a:outerShdw dist="35921" dir="2700000" algn="ctr" rotWithShape="0">
                     <a:srgbClr val="808080"/>
@@ -2621,7 +2620,7 @@
     </p:spTree>
     <p:extLst>
       <p:ext uri="{BB962C8B-B14F-4D97-AF65-F5344CB8AC3E}">
-        <p14:creationId xmlns:p14="http://schemas.microsoft.com/office/powerpoint/2010/main" xmlns="" val="2934067997"/>
+        <p14:creationId xmlns="" xmlns:p14="http://schemas.microsoft.com/office/powerpoint/2010/main" val="2934067997"/>
       </p:ext>
     </p:extLst>
   </p:cSld>
@@ -2800,7 +2799,7 @@
     </p:spTree>
     <p:extLst>
       <p:ext uri="{BB962C8B-B14F-4D97-AF65-F5344CB8AC3E}">
-        <p14:creationId xmlns:p14="http://schemas.microsoft.com/office/powerpoint/2010/main" xmlns="" val="2298745978"/>
+        <p14:creationId xmlns="" xmlns:p14="http://schemas.microsoft.com/office/powerpoint/2010/main" val="2298745978"/>
       </p:ext>
     </p:extLst>
   </p:cSld>
@@ -2989,7 +2988,7 @@
     </p:spTree>
     <p:extLst>
       <p:ext uri="{BB962C8B-B14F-4D97-AF65-F5344CB8AC3E}">
-        <p14:creationId xmlns:p14="http://schemas.microsoft.com/office/powerpoint/2010/main" xmlns="" val="1814092"/>
+        <p14:creationId xmlns="" xmlns:p14="http://schemas.microsoft.com/office/powerpoint/2010/main" val="1814092"/>
       </p:ext>
     </p:extLst>
   </p:cSld>
@@ -3168,7 +3167,7 @@
     </p:spTree>
     <p:extLst>
       <p:ext uri="{BB962C8B-B14F-4D97-AF65-F5344CB8AC3E}">
-        <p14:creationId xmlns:p14="http://schemas.microsoft.com/office/powerpoint/2010/main" xmlns="" val="2966787369"/>
+        <p14:creationId xmlns="" xmlns:p14="http://schemas.microsoft.com/office/powerpoint/2010/main" val="2966787369"/>
       </p:ext>
     </p:extLst>
   </p:cSld>
@@ -3369,7 +3368,7 @@
     </p:spTree>
     <p:extLst>
       <p:ext uri="{BB962C8B-B14F-4D97-AF65-F5344CB8AC3E}">
-        <p14:creationId xmlns:p14="http://schemas.microsoft.com/office/powerpoint/2010/main" xmlns="" val="1228429315"/>
+        <p14:creationId xmlns="" xmlns:p14="http://schemas.microsoft.com/office/powerpoint/2010/main" val="1228429315"/>
       </p:ext>
     </p:extLst>
   </p:cSld>
@@ -3666,7 +3665,7 @@
     </p:spTree>
     <p:extLst>
       <p:ext uri="{BB962C8B-B14F-4D97-AF65-F5344CB8AC3E}">
-        <p14:creationId xmlns:p14="http://schemas.microsoft.com/office/powerpoint/2010/main" xmlns="" val="2158099518"/>
+        <p14:creationId xmlns="" xmlns:p14="http://schemas.microsoft.com/office/powerpoint/2010/main" val="2158099518"/>
       </p:ext>
     </p:extLst>
   </p:cSld>
@@ -4102,7 +4101,7 @@
     </p:spTree>
     <p:extLst>
       <p:ext uri="{BB962C8B-B14F-4D97-AF65-F5344CB8AC3E}">
-        <p14:creationId xmlns:p14="http://schemas.microsoft.com/office/powerpoint/2010/main" xmlns="" val="1713368579"/>
+        <p14:creationId xmlns="" xmlns:p14="http://schemas.microsoft.com/office/powerpoint/2010/main" val="1713368579"/>
       </p:ext>
     </p:extLst>
   </p:cSld>
@@ -4229,7 +4228,7 @@
     </p:spTree>
     <p:extLst>
       <p:ext uri="{BB962C8B-B14F-4D97-AF65-F5344CB8AC3E}">
-        <p14:creationId xmlns:p14="http://schemas.microsoft.com/office/powerpoint/2010/main" xmlns="" val="3376530854"/>
+        <p14:creationId xmlns="" xmlns:p14="http://schemas.microsoft.com/office/powerpoint/2010/main" val="3376530854"/>
       </p:ext>
     </p:extLst>
   </p:cSld>
@@ -4333,7 +4332,7 @@
     </p:spTree>
     <p:extLst>
       <p:ext uri="{BB962C8B-B14F-4D97-AF65-F5344CB8AC3E}">
-        <p14:creationId xmlns:p14="http://schemas.microsoft.com/office/powerpoint/2010/main" xmlns="" val="3178106016"/>
+        <p14:creationId xmlns="" xmlns:p14="http://schemas.microsoft.com/office/powerpoint/2010/main" val="3178106016"/>
       </p:ext>
     </p:extLst>
   </p:cSld>
@@ -4619,7 +4618,7 @@
     </p:spTree>
     <p:extLst>
       <p:ext uri="{BB962C8B-B14F-4D97-AF65-F5344CB8AC3E}">
-        <p14:creationId xmlns:p14="http://schemas.microsoft.com/office/powerpoint/2010/main" xmlns="" val="1116726789"/>
+        <p14:creationId xmlns="" xmlns:p14="http://schemas.microsoft.com/office/powerpoint/2010/main" val="1116726789"/>
       </p:ext>
     </p:extLst>
   </p:cSld>
@@ -4881,7 +4880,7 @@
     </p:spTree>
     <p:extLst>
       <p:ext uri="{BB962C8B-B14F-4D97-AF65-F5344CB8AC3E}">
-        <p14:creationId xmlns:p14="http://schemas.microsoft.com/office/powerpoint/2010/main" xmlns="" val="4022104962"/>
+        <p14:creationId xmlns="" xmlns:p14="http://schemas.microsoft.com/office/powerpoint/2010/main" val="4022104962"/>
       </p:ext>
     </p:extLst>
   </p:cSld>
@@ -4941,14 +4940,14 @@
           <a:effectLst/>
           <a:extLst>
             <a:ext uri="{909E8E84-426E-40DD-AFC4-6F175D3DCCD1}">
-              <a14:hiddenFill xmlns:a14="http://schemas.microsoft.com/office/drawing/2010/main" xmlns="">
+              <a14:hiddenFill xmlns="" xmlns:a14="http://schemas.microsoft.com/office/drawing/2010/main">
                 <a:solidFill>
                   <a:srgbClr val="FFFFFF"/>
                 </a:solidFill>
               </a14:hiddenFill>
             </a:ext>
             <a:ext uri="{91240B29-F687-4F45-9708-019B960494DF}">
-              <a14:hiddenLine xmlns:a14="http://schemas.microsoft.com/office/drawing/2010/main" xmlns="" w="9525">
+              <a14:hiddenLine xmlns="" xmlns:a14="http://schemas.microsoft.com/office/drawing/2010/main" w="9525">
                 <a:solidFill>
                   <a:srgbClr val="000000"/>
                 </a:solidFill>
@@ -4958,7 +4957,7 @@
               </a14:hiddenLine>
             </a:ext>
             <a:ext uri="{AF507438-7753-43E0-B8FC-AC1667EBCBE1}">
-              <a14:hiddenEffects xmlns:a14="http://schemas.microsoft.com/office/drawing/2010/main" xmlns="">
+              <a14:hiddenEffects xmlns="" xmlns:a14="http://schemas.microsoft.com/office/drawing/2010/main">
                 <a:effectLst>
                   <a:outerShdw dist="35921" dir="2700000" algn="ctr" rotWithShape="0">
                     <a:schemeClr val="bg2"/>
@@ -5009,14 +5008,14 @@
           <a:effectLst/>
           <a:extLst>
             <a:ext uri="{909E8E84-426E-40DD-AFC4-6F175D3DCCD1}">
-              <a14:hiddenFill xmlns:a14="http://schemas.microsoft.com/office/drawing/2010/main" xmlns="">
+              <a14:hiddenFill xmlns="" xmlns:a14="http://schemas.microsoft.com/office/drawing/2010/main">
                 <a:solidFill>
                   <a:srgbClr val="FFFFFF"/>
                 </a:solidFill>
               </a14:hiddenFill>
             </a:ext>
             <a:ext uri="{91240B29-F687-4F45-9708-019B960494DF}">
-              <a14:hiddenLine xmlns:a14="http://schemas.microsoft.com/office/drawing/2010/main" xmlns="" w="9525">
+              <a14:hiddenLine xmlns="" xmlns:a14="http://schemas.microsoft.com/office/drawing/2010/main" w="9525">
                 <a:solidFill>
                   <a:srgbClr val="000000"/>
                 </a:solidFill>
@@ -5026,7 +5025,7 @@
               </a14:hiddenLine>
             </a:ext>
             <a:ext uri="{AF507438-7753-43E0-B8FC-AC1667EBCBE1}">
-              <a14:hiddenEffects xmlns:a14="http://schemas.microsoft.com/office/drawing/2010/main" xmlns="">
+              <a14:hiddenEffects xmlns="" xmlns:a14="http://schemas.microsoft.com/office/drawing/2010/main">
                 <a:effectLst>
                   <a:outerShdw dist="35921" dir="2700000" algn="ctr" rotWithShape="0">
                     <a:schemeClr val="bg2"/>
@@ -5133,14 +5132,14 @@
           <a:effectLst/>
           <a:extLst>
             <a:ext uri="{909E8E84-426E-40DD-AFC4-6F175D3DCCD1}">
-              <a14:hiddenFill xmlns:a14="http://schemas.microsoft.com/office/drawing/2010/main" xmlns="">
+              <a14:hiddenFill xmlns="" xmlns:a14="http://schemas.microsoft.com/office/drawing/2010/main">
                 <a:solidFill>
                   <a:srgbClr val="FFFFFF"/>
                 </a:solidFill>
               </a14:hiddenFill>
             </a:ext>
             <a:ext uri="{91240B29-F687-4F45-9708-019B960494DF}">
-              <a14:hiddenLine xmlns:a14="http://schemas.microsoft.com/office/drawing/2010/main" xmlns="" w="9525">
+              <a14:hiddenLine xmlns="" xmlns:a14="http://schemas.microsoft.com/office/drawing/2010/main" w="9525">
                 <a:solidFill>
                   <a:srgbClr val="000000"/>
                 </a:solidFill>
@@ -5150,7 +5149,7 @@
               </a14:hiddenLine>
             </a:ext>
             <a:ext uri="{AF507438-7753-43E0-B8FC-AC1667EBCBE1}">
-              <a14:hiddenEffects xmlns:a14="http://schemas.microsoft.com/office/drawing/2010/main" xmlns="">
+              <a14:hiddenEffects xmlns="" xmlns:a14="http://schemas.microsoft.com/office/drawing/2010/main">
                 <a:effectLst>
                   <a:outerShdw dist="35921" dir="2700000" algn="ctr" rotWithShape="0">
                     <a:schemeClr val="bg2"/>
@@ -5213,14 +5212,14 @@
           <a:effectLst/>
           <a:extLst>
             <a:ext uri="{909E8E84-426E-40DD-AFC4-6F175D3DCCD1}">
-              <a14:hiddenFill xmlns:a14="http://schemas.microsoft.com/office/drawing/2010/main" xmlns="">
+              <a14:hiddenFill xmlns="" xmlns:a14="http://schemas.microsoft.com/office/drawing/2010/main">
                 <a:solidFill>
                   <a:srgbClr val="FFFFFF"/>
                 </a:solidFill>
               </a14:hiddenFill>
             </a:ext>
             <a:ext uri="{91240B29-F687-4F45-9708-019B960494DF}">
-              <a14:hiddenLine xmlns:a14="http://schemas.microsoft.com/office/drawing/2010/main" xmlns="" w="9525">
+              <a14:hiddenLine xmlns="" xmlns:a14="http://schemas.microsoft.com/office/drawing/2010/main" w="9525">
                 <a:solidFill>
                   <a:srgbClr val="000000"/>
                 </a:solidFill>
@@ -5230,7 +5229,7 @@
               </a14:hiddenLine>
             </a:ext>
             <a:ext uri="{AF507438-7753-43E0-B8FC-AC1667EBCBE1}">
-              <a14:hiddenEffects xmlns:a14="http://schemas.microsoft.com/office/drawing/2010/main" xmlns="">
+              <a14:hiddenEffects xmlns="" xmlns:a14="http://schemas.microsoft.com/office/drawing/2010/main">
                 <a:effectLst>
                   <a:outerShdw dist="35921" dir="2700000" algn="ctr" rotWithShape="0">
                     <a:schemeClr val="bg2"/>
@@ -5294,14 +5293,14 @@
           <a:effectLst/>
           <a:extLst>
             <a:ext uri="{909E8E84-426E-40DD-AFC4-6F175D3DCCD1}">
-              <a14:hiddenFill xmlns:a14="http://schemas.microsoft.com/office/drawing/2010/main" xmlns="">
+              <a14:hiddenFill xmlns="" xmlns:a14="http://schemas.microsoft.com/office/drawing/2010/main">
                 <a:solidFill>
                   <a:srgbClr val="FFFFFF"/>
                 </a:solidFill>
               </a14:hiddenFill>
             </a:ext>
             <a:ext uri="{91240B29-F687-4F45-9708-019B960494DF}">
-              <a14:hiddenLine xmlns:a14="http://schemas.microsoft.com/office/drawing/2010/main" xmlns="" w="9525">
+              <a14:hiddenLine xmlns="" xmlns:a14="http://schemas.microsoft.com/office/drawing/2010/main" w="9525">
                 <a:solidFill>
                   <a:srgbClr val="000000"/>
                 </a:solidFill>
@@ -5311,7 +5310,7 @@
               </a14:hiddenLine>
             </a:ext>
             <a:ext uri="{AF507438-7753-43E0-B8FC-AC1667EBCBE1}">
-              <a14:hiddenEffects xmlns:a14="http://schemas.microsoft.com/office/drawing/2010/main" xmlns="">
+              <a14:hiddenEffects xmlns="" xmlns:a14="http://schemas.microsoft.com/office/drawing/2010/main">
                 <a:effectLst>
                   <a:outerShdw dist="35921" dir="2700000" algn="ctr" rotWithShape="0">
                     <a:schemeClr val="bg2"/>
@@ -5946,14 +5945,14 @@
           <a:effectLst/>
           <a:extLst>
             <a:ext uri="{909E8E84-426E-40DD-AFC4-6F175D3DCCD1}">
-              <a14:hiddenFill xmlns:a14="http://schemas.microsoft.com/office/drawing/2010/main" xmlns="">
+              <a14:hiddenFill xmlns="" xmlns:a14="http://schemas.microsoft.com/office/drawing/2010/main">
                 <a:solidFill>
                   <a:srgbClr val="FFFFFF"/>
                 </a:solidFill>
               </a14:hiddenFill>
             </a:ext>
             <a:ext uri="{91240B29-F687-4F45-9708-019B960494DF}">
-              <a14:hiddenLine xmlns:a14="http://schemas.microsoft.com/office/drawing/2010/main" xmlns="" w="9525">
+              <a14:hiddenLine xmlns="" xmlns:a14="http://schemas.microsoft.com/office/drawing/2010/main" w="9525">
                 <a:solidFill>
                   <a:srgbClr val="000000"/>
                 </a:solidFill>
@@ -5963,7 +5962,7 @@
               </a14:hiddenLine>
             </a:ext>
             <a:ext uri="{AF507438-7753-43E0-B8FC-AC1667EBCBE1}">
-              <a14:hiddenEffects xmlns:a14="http://schemas.microsoft.com/office/drawing/2010/main" xmlns="">
+              <a14:hiddenEffects xmlns="" xmlns:a14="http://schemas.microsoft.com/office/drawing/2010/main">
                 <a:effectLst>
                   <a:outerShdw dist="35921" dir="2700000" algn="ctr" rotWithShape="0">
                     <a:srgbClr val="808080"/>
@@ -6279,14 +6278,14 @@
           <a:effectLst/>
           <a:extLst>
             <a:ext uri="{909E8E84-426E-40DD-AFC4-6F175D3DCCD1}">
-              <a14:hiddenFill xmlns:a14="http://schemas.microsoft.com/office/drawing/2010/main" xmlns="">
+              <a14:hiddenFill xmlns="" xmlns:a14="http://schemas.microsoft.com/office/drawing/2010/main">
                 <a:solidFill>
                   <a:srgbClr val="FFFFFF"/>
                 </a:solidFill>
               </a14:hiddenFill>
             </a:ext>
             <a:ext uri="{91240B29-F687-4F45-9708-019B960494DF}">
-              <a14:hiddenLine xmlns:a14="http://schemas.microsoft.com/office/drawing/2010/main" xmlns="" w="9525">
+              <a14:hiddenLine xmlns="" xmlns:a14="http://schemas.microsoft.com/office/drawing/2010/main" w="9525">
                 <a:solidFill>
                   <a:srgbClr val="000000"/>
                 </a:solidFill>
@@ -6296,7 +6295,7 @@
               </a14:hiddenLine>
             </a:ext>
             <a:ext uri="{AF507438-7753-43E0-B8FC-AC1667EBCBE1}">
-              <a14:hiddenEffects xmlns:a14="http://schemas.microsoft.com/office/drawing/2010/main" xmlns="">
+              <a14:hiddenEffects xmlns="" xmlns:a14="http://schemas.microsoft.com/office/drawing/2010/main">
                 <a:effectLst>
                   <a:outerShdw dist="35921" dir="2700000" algn="ctr" rotWithShape="0">
                     <a:srgbClr val="808080"/>
@@ -6588,7 +6587,7 @@
           <a:blip r:embed="rId3" cstate="print">
             <a:extLst>
               <a:ext uri="{28A0092B-C50C-407E-A947-70E740481C1C}">
-                <a14:useLocalDpi xmlns:a14="http://schemas.microsoft.com/office/drawing/2010/main" xmlns="" val="0"/>
+                <a14:useLocalDpi xmlns="" xmlns:a14="http://schemas.microsoft.com/office/drawing/2010/main" val="0"/>
               </a:ext>
             </a:extLst>
           </a:blip>
@@ -6633,14 +6632,14 @@
           <a:effectLst/>
           <a:extLst>
             <a:ext uri="{909E8E84-426E-40DD-AFC4-6F175D3DCCD1}">
-              <a14:hiddenFill xmlns:a14="http://schemas.microsoft.com/office/drawing/2010/main" xmlns="">
+              <a14:hiddenFill xmlns="" xmlns:a14="http://schemas.microsoft.com/office/drawing/2010/main">
                 <a:solidFill>
                   <a:srgbClr val="FFFFFF"/>
                 </a:solidFill>
               </a14:hiddenFill>
             </a:ext>
             <a:ext uri="{AF507438-7753-43E0-B8FC-AC1667EBCBE1}">
-              <a14:hiddenEffects xmlns:a14="http://schemas.microsoft.com/office/drawing/2010/main" xmlns="">
+              <a14:hiddenEffects xmlns="" xmlns:a14="http://schemas.microsoft.com/office/drawing/2010/main">
                 <a:effectLst>
                   <a:outerShdw dist="35921" dir="2700000" algn="ctr" rotWithShape="0">
                     <a:srgbClr val="808080"/>
@@ -6687,14 +6686,14 @@
           <a:effectLst/>
           <a:extLst>
             <a:ext uri="{909E8E84-426E-40DD-AFC4-6F175D3DCCD1}">
-              <a14:hiddenFill xmlns:a14="http://schemas.microsoft.com/office/drawing/2010/main" xmlns="">
+              <a14:hiddenFill xmlns="" xmlns:a14="http://schemas.microsoft.com/office/drawing/2010/main">
                 <a:solidFill>
                   <a:srgbClr val="FFFFFF"/>
                 </a:solidFill>
               </a14:hiddenFill>
             </a:ext>
             <a:ext uri="{AF507438-7753-43E0-B8FC-AC1667EBCBE1}">
-              <a14:hiddenEffects xmlns:a14="http://schemas.microsoft.com/office/drawing/2010/main" xmlns="">
+              <a14:hiddenEffects xmlns="" xmlns:a14="http://schemas.microsoft.com/office/drawing/2010/main">
                 <a:effectLst>
                   <a:outerShdw dist="35921" dir="2700000" algn="ctr" rotWithShape="0">
                     <a:srgbClr val="808080"/>
@@ -6741,14 +6740,14 @@
           <a:effectLst/>
           <a:extLst>
             <a:ext uri="{909E8E84-426E-40DD-AFC4-6F175D3DCCD1}">
-              <a14:hiddenFill xmlns:a14="http://schemas.microsoft.com/office/drawing/2010/main" xmlns="">
+              <a14:hiddenFill xmlns="" xmlns:a14="http://schemas.microsoft.com/office/drawing/2010/main">
                 <a:solidFill>
                   <a:srgbClr val="FFFFFF"/>
                 </a:solidFill>
               </a14:hiddenFill>
             </a:ext>
             <a:ext uri="{AF507438-7753-43E0-B8FC-AC1667EBCBE1}">
-              <a14:hiddenEffects xmlns:a14="http://schemas.microsoft.com/office/drawing/2010/main" xmlns="">
+              <a14:hiddenEffects xmlns="" xmlns:a14="http://schemas.microsoft.com/office/drawing/2010/main">
                 <a:effectLst>
                   <a:outerShdw dist="35921" dir="2700000" algn="ctr" rotWithShape="0">
                     <a:srgbClr val="808080"/>
@@ -6795,14 +6794,14 @@
           <a:effectLst/>
           <a:extLst>
             <a:ext uri="{909E8E84-426E-40DD-AFC4-6F175D3DCCD1}">
-              <a14:hiddenFill xmlns:a14="http://schemas.microsoft.com/office/drawing/2010/main" xmlns="">
+              <a14:hiddenFill xmlns="" xmlns:a14="http://schemas.microsoft.com/office/drawing/2010/main">
                 <a:solidFill>
                   <a:srgbClr val="FFFFFF"/>
                 </a:solidFill>
               </a14:hiddenFill>
             </a:ext>
             <a:ext uri="{AF507438-7753-43E0-B8FC-AC1667EBCBE1}">
-              <a14:hiddenEffects xmlns:a14="http://schemas.microsoft.com/office/drawing/2010/main" xmlns="">
+              <a14:hiddenEffects xmlns="" xmlns:a14="http://schemas.microsoft.com/office/drawing/2010/main">
                 <a:effectLst>
                   <a:outerShdw dist="35921" dir="2700000" algn="ctr" rotWithShape="0">
                     <a:srgbClr val="808080"/>
@@ -6849,14 +6848,14 @@
           <a:effectLst/>
           <a:extLst>
             <a:ext uri="{909E8E84-426E-40DD-AFC4-6F175D3DCCD1}">
-              <a14:hiddenFill xmlns:a14="http://schemas.microsoft.com/office/drawing/2010/main" xmlns="">
+              <a14:hiddenFill xmlns="" xmlns:a14="http://schemas.microsoft.com/office/drawing/2010/main">
                 <a:solidFill>
                   <a:srgbClr val="FFFFFF"/>
                 </a:solidFill>
               </a14:hiddenFill>
             </a:ext>
             <a:ext uri="{AF507438-7753-43E0-B8FC-AC1667EBCBE1}">
-              <a14:hiddenEffects xmlns:a14="http://schemas.microsoft.com/office/drawing/2010/main" xmlns="">
+              <a14:hiddenEffects xmlns="" xmlns:a14="http://schemas.microsoft.com/office/drawing/2010/main">
                 <a:effectLst>
                   <a:outerShdw dist="35921" dir="2700000" algn="ctr" rotWithShape="0">
                     <a:srgbClr val="808080"/>
@@ -6903,14 +6902,14 @@
           <a:effectLst/>
           <a:extLst>
             <a:ext uri="{909E8E84-426E-40DD-AFC4-6F175D3DCCD1}">
-              <a14:hiddenFill xmlns:a14="http://schemas.microsoft.com/office/drawing/2010/main" xmlns="">
+              <a14:hiddenFill xmlns="" xmlns:a14="http://schemas.microsoft.com/office/drawing/2010/main">
                 <a:solidFill>
                   <a:srgbClr val="FFFFFF"/>
                 </a:solidFill>
               </a14:hiddenFill>
             </a:ext>
             <a:ext uri="{AF507438-7753-43E0-B8FC-AC1667EBCBE1}">
-              <a14:hiddenEffects xmlns:a14="http://schemas.microsoft.com/office/drawing/2010/main" xmlns="">
+              <a14:hiddenEffects xmlns="" xmlns:a14="http://schemas.microsoft.com/office/drawing/2010/main">
                 <a:effectLst>
                   <a:outerShdw dist="35921" dir="2700000" algn="ctr" rotWithShape="0">
                     <a:srgbClr val="808080"/>
@@ -6957,14 +6956,14 @@
           <a:effectLst/>
           <a:extLst>
             <a:ext uri="{909E8E84-426E-40DD-AFC4-6F175D3DCCD1}">
-              <a14:hiddenFill xmlns:a14="http://schemas.microsoft.com/office/drawing/2010/main" xmlns="">
+              <a14:hiddenFill xmlns="" xmlns:a14="http://schemas.microsoft.com/office/drawing/2010/main">
                 <a:solidFill>
                   <a:srgbClr val="FFFFFF"/>
                 </a:solidFill>
               </a14:hiddenFill>
             </a:ext>
             <a:ext uri="{AF507438-7753-43E0-B8FC-AC1667EBCBE1}">
-              <a14:hiddenEffects xmlns:a14="http://schemas.microsoft.com/office/drawing/2010/main" xmlns="">
+              <a14:hiddenEffects xmlns="" xmlns:a14="http://schemas.microsoft.com/office/drawing/2010/main">
                 <a:effectLst>
                   <a:outerShdw dist="35921" dir="2700000" algn="ctr" rotWithShape="0">
                     <a:srgbClr val="808080"/>
@@ -7011,14 +7010,14 @@
           <a:effectLst/>
           <a:extLst>
             <a:ext uri="{909E8E84-426E-40DD-AFC4-6F175D3DCCD1}">
-              <a14:hiddenFill xmlns:a14="http://schemas.microsoft.com/office/drawing/2010/main" xmlns="">
+              <a14:hiddenFill xmlns="" xmlns:a14="http://schemas.microsoft.com/office/drawing/2010/main">
                 <a:solidFill>
                   <a:srgbClr val="FFFFFF"/>
                 </a:solidFill>
               </a14:hiddenFill>
             </a:ext>
             <a:ext uri="{AF507438-7753-43E0-B8FC-AC1667EBCBE1}">
-              <a14:hiddenEffects xmlns:a14="http://schemas.microsoft.com/office/drawing/2010/main" xmlns="">
+              <a14:hiddenEffects xmlns="" xmlns:a14="http://schemas.microsoft.com/office/drawing/2010/main">
                 <a:effectLst>
                   <a:outerShdw dist="35921" dir="2700000" algn="ctr" rotWithShape="0">
                     <a:srgbClr val="808080"/>
@@ -7065,14 +7064,14 @@
           <a:effectLst/>
           <a:extLst>
             <a:ext uri="{909E8E84-426E-40DD-AFC4-6F175D3DCCD1}">
-              <a14:hiddenFill xmlns:a14="http://schemas.microsoft.com/office/drawing/2010/main" xmlns="">
+              <a14:hiddenFill xmlns="" xmlns:a14="http://schemas.microsoft.com/office/drawing/2010/main">
                 <a:solidFill>
                   <a:srgbClr val="FFFFFF"/>
                 </a:solidFill>
               </a14:hiddenFill>
             </a:ext>
             <a:ext uri="{AF507438-7753-43E0-B8FC-AC1667EBCBE1}">
-              <a14:hiddenEffects xmlns:a14="http://schemas.microsoft.com/office/drawing/2010/main" xmlns="">
+              <a14:hiddenEffects xmlns="" xmlns:a14="http://schemas.microsoft.com/office/drawing/2010/main">
                 <a:effectLst>
                   <a:outerShdw dist="35921" dir="2700000" algn="ctr" rotWithShape="0">
                     <a:srgbClr val="808080"/>
@@ -7113,14 +7112,14 @@
           <a:effectLst/>
           <a:extLst>
             <a:ext uri="{909E8E84-426E-40DD-AFC4-6F175D3DCCD1}">
-              <a14:hiddenFill xmlns:a14="http://schemas.microsoft.com/office/drawing/2010/main" xmlns="">
+              <a14:hiddenFill xmlns="" xmlns:a14="http://schemas.microsoft.com/office/drawing/2010/main">
                 <a:solidFill>
                   <a:srgbClr val="FFFFFF"/>
                 </a:solidFill>
               </a14:hiddenFill>
             </a:ext>
             <a:ext uri="{91240B29-F687-4F45-9708-019B960494DF}">
-              <a14:hiddenLine xmlns:a14="http://schemas.microsoft.com/office/drawing/2010/main" xmlns="" w="9525">
+              <a14:hiddenLine xmlns="" xmlns:a14="http://schemas.microsoft.com/office/drawing/2010/main" w="9525">
                 <a:solidFill>
                   <a:srgbClr val="000000"/>
                 </a:solidFill>
@@ -7130,7 +7129,7 @@
               </a14:hiddenLine>
             </a:ext>
             <a:ext uri="{AF507438-7753-43E0-B8FC-AC1667EBCBE1}">
-              <a14:hiddenEffects xmlns:a14="http://schemas.microsoft.com/office/drawing/2010/main" xmlns="">
+              <a14:hiddenEffects xmlns="" xmlns:a14="http://schemas.microsoft.com/office/drawing/2010/main">
                 <a:effectLst>
                   <a:outerShdw dist="35921" dir="2700000" algn="ctr" rotWithShape="0">
                     <a:srgbClr val="808080"/>
@@ -7185,12 +7184,12 @@
           <a:effectLst/>
           <a:extLst>
             <a:ext uri="{909E8E84-426E-40DD-AFC4-6F175D3DCCD1}">
-              <a14:hiddenFill xmlns:a14="http://schemas.microsoft.com/office/drawing/2010/main" xmlns="">
+              <a14:hiddenFill xmlns="" xmlns:a14="http://schemas.microsoft.com/office/drawing/2010/main">
                 <a:noFill/>
               </a14:hiddenFill>
             </a:ext>
             <a:ext uri="{AF507438-7753-43E0-B8FC-AC1667EBCBE1}">
-              <a14:hiddenEffects xmlns:a14="http://schemas.microsoft.com/office/drawing/2010/main" xmlns="">
+              <a14:hiddenEffects xmlns="" xmlns:a14="http://schemas.microsoft.com/office/drawing/2010/main">
                 <a:effectLst>
                   <a:outerShdw dist="35921" dir="2700000" algn="ctr" rotWithShape="0">
                     <a:srgbClr val="808080"/>
@@ -7252,7 +7251,7 @@
             <a:effectLst/>
             <a:extLst>
               <a:ext uri="{AF507438-7753-43E0-B8FC-AC1667EBCBE1}">
-                <a14:hiddenEffects xmlns:a14="http://schemas.microsoft.com/office/drawing/2010/main" xmlns="">
+                <a14:hiddenEffects xmlns="" xmlns:a14="http://schemas.microsoft.com/office/drawing/2010/main">
                   <a:effectLst>
                     <a:outerShdw dist="35921" dir="2700000" algn="ctr" rotWithShape="0">
                       <a:schemeClr val="bg2"/>
@@ -7329,7 +7328,7 @@
             <a:effectLst/>
             <a:extLst>
               <a:ext uri="{AF507438-7753-43E0-B8FC-AC1667EBCBE1}">
-                <a14:hiddenEffects xmlns:a14="http://schemas.microsoft.com/office/drawing/2010/main" xmlns="">
+                <a14:hiddenEffects xmlns="" xmlns:a14="http://schemas.microsoft.com/office/drawing/2010/main">
                   <a:effectLst>
                     <a:outerShdw dist="35921" dir="2700000" algn="ctr" rotWithShape="0">
                       <a:schemeClr val="bg2"/>
@@ -7408,7 +7407,7 @@
             <a:effectLst/>
             <a:extLst>
               <a:ext uri="{AF507438-7753-43E0-B8FC-AC1667EBCBE1}">
-                <a14:hiddenEffects xmlns:a14="http://schemas.microsoft.com/office/drawing/2010/main" xmlns="">
+                <a14:hiddenEffects xmlns="" xmlns:a14="http://schemas.microsoft.com/office/drawing/2010/main">
                   <a:effectLst>
                     <a:outerShdw dist="35921" dir="2700000" algn="ctr" rotWithShape="0">
                       <a:schemeClr val="bg2"/>
@@ -7485,7 +7484,7 @@
             <a:effectLst/>
             <a:extLst>
               <a:ext uri="{AF507438-7753-43E0-B8FC-AC1667EBCBE1}">
-                <a14:hiddenEffects xmlns:a14="http://schemas.microsoft.com/office/drawing/2010/main" xmlns="">
+                <a14:hiddenEffects xmlns="" xmlns:a14="http://schemas.microsoft.com/office/drawing/2010/main">
                   <a:effectLst>
                     <a:outerShdw dist="35921" dir="2700000" algn="ctr" rotWithShape="0">
                       <a:schemeClr val="bg2"/>
@@ -7562,7 +7561,7 @@
             <a:effectLst/>
             <a:extLst>
               <a:ext uri="{AF507438-7753-43E0-B8FC-AC1667EBCBE1}">
-                <a14:hiddenEffects xmlns:a14="http://schemas.microsoft.com/office/drawing/2010/main" xmlns="">
+                <a14:hiddenEffects xmlns="" xmlns:a14="http://schemas.microsoft.com/office/drawing/2010/main">
                   <a:effectLst>
                     <a:outerShdw dist="35921" dir="2700000" algn="ctr" rotWithShape="0">
                       <a:schemeClr val="bg2"/>
@@ -7639,7 +7638,7 @@
             <a:effectLst/>
             <a:extLst>
               <a:ext uri="{AF507438-7753-43E0-B8FC-AC1667EBCBE1}">
-                <a14:hiddenEffects xmlns:a14="http://schemas.microsoft.com/office/drawing/2010/main" xmlns="">
+                <a14:hiddenEffects xmlns="" xmlns:a14="http://schemas.microsoft.com/office/drawing/2010/main">
                   <a:effectLst>
                     <a:outerShdw dist="35921" dir="2700000" algn="ctr" rotWithShape="0">
                       <a:schemeClr val="bg2"/>
@@ -7718,7 +7717,7 @@
             <a:effectLst/>
             <a:extLst>
               <a:ext uri="{AF507438-7753-43E0-B8FC-AC1667EBCBE1}">
-                <a14:hiddenEffects xmlns:a14="http://schemas.microsoft.com/office/drawing/2010/main" xmlns="">
+                <a14:hiddenEffects xmlns="" xmlns:a14="http://schemas.microsoft.com/office/drawing/2010/main">
                   <a:effectLst>
                     <a:outerShdw dist="35921" dir="2700000" algn="ctr" rotWithShape="0">
                       <a:schemeClr val="bg2"/>
@@ -7759,7 +7758,7 @@
             <a:effectLst/>
             <a:extLst>
               <a:ext uri="{AF507438-7753-43E0-B8FC-AC1667EBCBE1}">
-                <a14:hiddenEffects xmlns:a14="http://schemas.microsoft.com/office/drawing/2010/main" xmlns="">
+                <a14:hiddenEffects xmlns="" xmlns:a14="http://schemas.microsoft.com/office/drawing/2010/main">
                   <a:effectLst>
                     <a:outerShdw dist="35921" dir="2700000" algn="ctr" rotWithShape="0">
                       <a:schemeClr val="bg2"/>
@@ -7800,7 +7799,7 @@
             <a:effectLst/>
             <a:extLst>
               <a:ext uri="{AF507438-7753-43E0-B8FC-AC1667EBCBE1}">
-                <a14:hiddenEffects xmlns:a14="http://schemas.microsoft.com/office/drawing/2010/main" xmlns="">
+                <a14:hiddenEffects xmlns="" xmlns:a14="http://schemas.microsoft.com/office/drawing/2010/main">
                   <a:effectLst>
                     <a:outerShdw dist="35921" dir="2700000" algn="ctr" rotWithShape="0">
                       <a:schemeClr val="bg2"/>
@@ -7841,7 +7840,7 @@
             <a:effectLst/>
             <a:extLst>
               <a:ext uri="{AF507438-7753-43E0-B8FC-AC1667EBCBE1}">
-                <a14:hiddenEffects xmlns:a14="http://schemas.microsoft.com/office/drawing/2010/main" xmlns="">
+                <a14:hiddenEffects xmlns="" xmlns:a14="http://schemas.microsoft.com/office/drawing/2010/main">
                   <a:effectLst>
                     <a:outerShdw dist="35921" dir="2700000" algn="ctr" rotWithShape="0">
                       <a:schemeClr val="bg2"/>
@@ -7882,7 +7881,7 @@
             <a:effectLst/>
             <a:extLst>
               <a:ext uri="{AF507438-7753-43E0-B8FC-AC1667EBCBE1}">
-                <a14:hiddenEffects xmlns:a14="http://schemas.microsoft.com/office/drawing/2010/main" xmlns="">
+                <a14:hiddenEffects xmlns="" xmlns:a14="http://schemas.microsoft.com/office/drawing/2010/main">
                   <a:effectLst>
                     <a:outerShdw dist="35921" dir="2700000" algn="ctr" rotWithShape="0">
                       <a:schemeClr val="bg2"/>
@@ -7923,7 +7922,7 @@
           <a:effectLst/>
           <a:extLst>
             <a:ext uri="{AF507438-7753-43E0-B8FC-AC1667EBCBE1}">
-              <a14:hiddenEffects xmlns:a14="http://schemas.microsoft.com/office/drawing/2010/main" xmlns="">
+              <a14:hiddenEffects xmlns="" xmlns:a14="http://schemas.microsoft.com/office/drawing/2010/main">
                 <a:effectLst>
                   <a:outerShdw dist="35921" dir="2700000" algn="ctr" rotWithShape="0">
                     <a:schemeClr val="bg2"/>
@@ -7963,7 +7962,7 @@
           <a:effectLst/>
           <a:extLst>
             <a:ext uri="{AF507438-7753-43E0-B8FC-AC1667EBCBE1}">
-              <a14:hiddenEffects xmlns:a14="http://schemas.microsoft.com/office/drawing/2010/main" xmlns="">
+              <a14:hiddenEffects xmlns="" xmlns:a14="http://schemas.microsoft.com/office/drawing/2010/main">
                 <a:effectLst>
                   <a:outerShdw dist="35921" dir="2700000" algn="ctr" rotWithShape="0">
                     <a:schemeClr val="bg2"/>
@@ -8003,7 +8002,7 @@
           <a:effectLst/>
           <a:extLst>
             <a:ext uri="{AF507438-7753-43E0-B8FC-AC1667EBCBE1}">
-              <a14:hiddenEffects xmlns:a14="http://schemas.microsoft.com/office/drawing/2010/main" xmlns="">
+              <a14:hiddenEffects xmlns="" xmlns:a14="http://schemas.microsoft.com/office/drawing/2010/main">
                 <a:effectLst>
                   <a:outerShdw dist="35921" dir="2700000" algn="ctr" rotWithShape="0">
                     <a:schemeClr val="bg2"/>
@@ -8043,7 +8042,7 @@
           <a:effectLst/>
           <a:extLst>
             <a:ext uri="{AF507438-7753-43E0-B8FC-AC1667EBCBE1}">
-              <a14:hiddenEffects xmlns:a14="http://schemas.microsoft.com/office/drawing/2010/main" xmlns="">
+              <a14:hiddenEffects xmlns="" xmlns:a14="http://schemas.microsoft.com/office/drawing/2010/main">
                 <a:effectLst>
                   <a:outerShdw dist="35921" dir="2700000" algn="ctr" rotWithShape="0">
                     <a:schemeClr val="bg2"/>
@@ -8084,14 +8083,14 @@
           <a:effectLst/>
           <a:extLst>
             <a:ext uri="{909E8E84-426E-40DD-AFC4-6F175D3DCCD1}">
-              <a14:hiddenFill xmlns:a14="http://schemas.microsoft.com/office/drawing/2010/main" xmlns="">
+              <a14:hiddenFill xmlns="" xmlns:a14="http://schemas.microsoft.com/office/drawing/2010/main">
                 <a:solidFill>
                   <a:srgbClr val="FFFFFF"/>
                 </a:solidFill>
               </a14:hiddenFill>
             </a:ext>
             <a:ext uri="{AF507438-7753-43E0-B8FC-AC1667EBCBE1}">
-              <a14:hiddenEffects xmlns:a14="http://schemas.microsoft.com/office/drawing/2010/main" xmlns="">
+              <a14:hiddenEffects xmlns="" xmlns:a14="http://schemas.microsoft.com/office/drawing/2010/main">
                 <a:effectLst>
                   <a:outerShdw dist="35921" dir="2700000" algn="ctr" rotWithShape="0">
                     <a:srgbClr val="808080"/>
@@ -8121,7 +8120,7 @@
           <a:blip r:embed="rId3" cstate="print">
             <a:extLst>
               <a:ext uri="{28A0092B-C50C-407E-A947-70E740481C1C}">
-                <a14:useLocalDpi xmlns:a14="http://schemas.microsoft.com/office/drawing/2010/main" xmlns="" val="0"/>
+                <a14:useLocalDpi xmlns="" xmlns:a14="http://schemas.microsoft.com/office/drawing/2010/main" val="0"/>
               </a:ext>
             </a:extLst>
           </a:blip>
@@ -8832,7 +8831,7 @@
           <a:effectLst/>
           <a:extLst>
             <a:ext uri="{AF507438-7753-43E0-B8FC-AC1667EBCBE1}">
-              <a14:hiddenEffects xmlns:a14="http://schemas.microsoft.com/office/drawing/2010/main" xmlns="">
+              <a14:hiddenEffects xmlns="" xmlns:a14="http://schemas.microsoft.com/office/drawing/2010/main">
                 <a:effectLst>
                   <a:outerShdw dist="35921" dir="2700000" algn="ctr" rotWithShape="0">
                     <a:schemeClr val="bg2"/>
@@ -8872,7 +8871,7 @@
           <a:effectLst/>
           <a:extLst>
             <a:ext uri="{AF507438-7753-43E0-B8FC-AC1667EBCBE1}">
-              <a14:hiddenEffects xmlns:a14="http://schemas.microsoft.com/office/drawing/2010/main" xmlns="">
+              <a14:hiddenEffects xmlns="" xmlns:a14="http://schemas.microsoft.com/office/drawing/2010/main">
                 <a:effectLst>
                   <a:outerShdw dist="35921" dir="2700000" algn="ctr" rotWithShape="0">
                     <a:schemeClr val="bg2"/>
@@ -8912,7 +8911,7 @@
           <a:effectLst/>
           <a:extLst>
             <a:ext uri="{AF507438-7753-43E0-B8FC-AC1667EBCBE1}">
-              <a14:hiddenEffects xmlns:a14="http://schemas.microsoft.com/office/drawing/2010/main" xmlns="">
+              <a14:hiddenEffects xmlns="" xmlns:a14="http://schemas.microsoft.com/office/drawing/2010/main">
                 <a:effectLst>
                   <a:outerShdw dist="35921" dir="2700000" algn="ctr" rotWithShape="0">
                     <a:schemeClr val="bg2"/>
@@ -8952,7 +8951,7 @@
           <a:effectLst/>
           <a:extLst>
             <a:ext uri="{AF507438-7753-43E0-B8FC-AC1667EBCBE1}">
-              <a14:hiddenEffects xmlns:a14="http://schemas.microsoft.com/office/drawing/2010/main" xmlns="">
+              <a14:hiddenEffects xmlns="" xmlns:a14="http://schemas.microsoft.com/office/drawing/2010/main">
                 <a:effectLst>
                   <a:outerShdw dist="35921" dir="2700000" algn="ctr" rotWithShape="0">
                     <a:schemeClr val="bg2"/>
@@ -8992,7 +8991,7 @@
           <a:effectLst/>
           <a:extLst>
             <a:ext uri="{AF507438-7753-43E0-B8FC-AC1667EBCBE1}">
-              <a14:hiddenEffects xmlns:a14="http://schemas.microsoft.com/office/drawing/2010/main" xmlns="">
+              <a14:hiddenEffects xmlns="" xmlns:a14="http://schemas.microsoft.com/office/drawing/2010/main">
                 <a:effectLst>
                   <a:outerShdw dist="35921" dir="2700000" algn="ctr" rotWithShape="0">
                     <a:schemeClr val="bg2"/>
@@ -9032,7 +9031,7 @@
           <a:effectLst/>
           <a:extLst>
             <a:ext uri="{AF507438-7753-43E0-B8FC-AC1667EBCBE1}">
-              <a14:hiddenEffects xmlns:a14="http://schemas.microsoft.com/office/drawing/2010/main" xmlns="">
+              <a14:hiddenEffects xmlns="" xmlns:a14="http://schemas.microsoft.com/office/drawing/2010/main">
                 <a:effectLst>
                   <a:outerShdw dist="35921" dir="2700000" algn="ctr" rotWithShape="0">
                     <a:schemeClr val="bg2"/>
@@ -9072,7 +9071,7 @@
           <a:effectLst/>
           <a:extLst>
             <a:ext uri="{AF507438-7753-43E0-B8FC-AC1667EBCBE1}">
-              <a14:hiddenEffects xmlns:a14="http://schemas.microsoft.com/office/drawing/2010/main" xmlns="">
+              <a14:hiddenEffects xmlns="" xmlns:a14="http://schemas.microsoft.com/office/drawing/2010/main">
                 <a:effectLst>
                   <a:outerShdw dist="35921" dir="2700000" algn="ctr" rotWithShape="0">
                     <a:schemeClr val="bg2"/>
@@ -9112,7 +9111,7 @@
           <a:effectLst/>
           <a:extLst>
             <a:ext uri="{AF507438-7753-43E0-B8FC-AC1667EBCBE1}">
-              <a14:hiddenEffects xmlns:a14="http://schemas.microsoft.com/office/drawing/2010/main" xmlns="">
+              <a14:hiddenEffects xmlns="" xmlns:a14="http://schemas.microsoft.com/office/drawing/2010/main">
                 <a:effectLst>
                   <a:outerShdw dist="35921" dir="2700000" algn="ctr" rotWithShape="0">
                     <a:schemeClr val="bg2"/>
@@ -9152,7 +9151,7 @@
           <a:effectLst/>
           <a:extLst>
             <a:ext uri="{AF507438-7753-43E0-B8FC-AC1667EBCBE1}">
-              <a14:hiddenEffects xmlns:a14="http://schemas.microsoft.com/office/drawing/2010/main" xmlns="">
+              <a14:hiddenEffects xmlns="" xmlns:a14="http://schemas.microsoft.com/office/drawing/2010/main">
                 <a:effectLst>
                   <a:outerShdw dist="35921" dir="2700000" algn="ctr" rotWithShape="0">
                     <a:schemeClr val="bg2"/>
@@ -9192,7 +9191,7 @@
           <a:effectLst/>
           <a:extLst>
             <a:ext uri="{AF507438-7753-43E0-B8FC-AC1667EBCBE1}">
-              <a14:hiddenEffects xmlns:a14="http://schemas.microsoft.com/office/drawing/2010/main" xmlns="">
+              <a14:hiddenEffects xmlns="" xmlns:a14="http://schemas.microsoft.com/office/drawing/2010/main">
                 <a:effectLst>
                   <a:outerShdw dist="35921" dir="2700000" algn="ctr" rotWithShape="0">
                     <a:schemeClr val="bg2"/>
@@ -9232,7 +9231,7 @@
           <a:effectLst/>
           <a:extLst>
             <a:ext uri="{AF507438-7753-43E0-B8FC-AC1667EBCBE1}">
-              <a14:hiddenEffects xmlns:a14="http://schemas.microsoft.com/office/drawing/2010/main" xmlns="">
+              <a14:hiddenEffects xmlns="" xmlns:a14="http://schemas.microsoft.com/office/drawing/2010/main">
                 <a:effectLst>
                   <a:outerShdw dist="35921" dir="2700000" algn="ctr" rotWithShape="0">
                     <a:schemeClr val="bg2"/>
@@ -9272,7 +9271,7 @@
           <a:effectLst/>
           <a:extLst>
             <a:ext uri="{AF507438-7753-43E0-B8FC-AC1667EBCBE1}">
-              <a14:hiddenEffects xmlns:a14="http://schemas.microsoft.com/office/drawing/2010/main" xmlns="">
+              <a14:hiddenEffects xmlns="" xmlns:a14="http://schemas.microsoft.com/office/drawing/2010/main">
                 <a:effectLst>
                   <a:outerShdw dist="35921" dir="2700000" algn="ctr" rotWithShape="0">
                     <a:schemeClr val="bg2"/>
@@ -9312,7 +9311,7 @@
           <a:effectLst/>
           <a:extLst>
             <a:ext uri="{AF507438-7753-43E0-B8FC-AC1667EBCBE1}">
-              <a14:hiddenEffects xmlns:a14="http://schemas.microsoft.com/office/drawing/2010/main" xmlns="">
+              <a14:hiddenEffects xmlns="" xmlns:a14="http://schemas.microsoft.com/office/drawing/2010/main">
                 <a:effectLst>
                   <a:outerShdw dist="35921" dir="2700000" algn="ctr" rotWithShape="0">
                     <a:schemeClr val="bg2"/>
@@ -9352,7 +9351,7 @@
           <a:effectLst/>
           <a:extLst>
             <a:ext uri="{AF507438-7753-43E0-B8FC-AC1667EBCBE1}">
-              <a14:hiddenEffects xmlns:a14="http://schemas.microsoft.com/office/drawing/2010/main" xmlns="">
+              <a14:hiddenEffects xmlns="" xmlns:a14="http://schemas.microsoft.com/office/drawing/2010/main">
                 <a:effectLst>
                   <a:outerShdw dist="35921" dir="2700000" algn="ctr" rotWithShape="0">
                     <a:schemeClr val="bg2"/>
@@ -9392,7 +9391,7 @@
           <a:effectLst/>
           <a:extLst>
             <a:ext uri="{AF507438-7753-43E0-B8FC-AC1667EBCBE1}">
-              <a14:hiddenEffects xmlns:a14="http://schemas.microsoft.com/office/drawing/2010/main" xmlns="">
+              <a14:hiddenEffects xmlns="" xmlns:a14="http://schemas.microsoft.com/office/drawing/2010/main">
                 <a:effectLst>
                   <a:outerShdw dist="35921" dir="2700000" algn="ctr" rotWithShape="0">
                     <a:schemeClr val="bg2"/>
@@ -9432,7 +9431,7 @@
           <a:effectLst/>
           <a:extLst>
             <a:ext uri="{AF507438-7753-43E0-B8FC-AC1667EBCBE1}">
-              <a14:hiddenEffects xmlns:a14="http://schemas.microsoft.com/office/drawing/2010/main" xmlns="">
+              <a14:hiddenEffects xmlns="" xmlns:a14="http://schemas.microsoft.com/office/drawing/2010/main">
                 <a:effectLst>
                   <a:outerShdw dist="35921" dir="2700000" algn="ctr" rotWithShape="0">
                     <a:schemeClr val="bg2"/>
@@ -9472,7 +9471,7 @@
           <a:effectLst/>
           <a:extLst>
             <a:ext uri="{AF507438-7753-43E0-B8FC-AC1667EBCBE1}">
-              <a14:hiddenEffects xmlns:a14="http://schemas.microsoft.com/office/drawing/2010/main" xmlns="">
+              <a14:hiddenEffects xmlns="" xmlns:a14="http://schemas.microsoft.com/office/drawing/2010/main">
                 <a:effectLst>
                   <a:outerShdw dist="35921" dir="2700000" algn="ctr" rotWithShape="0">
                     <a:schemeClr val="bg2"/>
@@ -9512,7 +9511,7 @@
           <a:effectLst/>
           <a:extLst>
             <a:ext uri="{AF507438-7753-43E0-B8FC-AC1667EBCBE1}">
-              <a14:hiddenEffects xmlns:a14="http://schemas.microsoft.com/office/drawing/2010/main" xmlns="">
+              <a14:hiddenEffects xmlns="" xmlns:a14="http://schemas.microsoft.com/office/drawing/2010/main">
                 <a:effectLst>
                   <a:outerShdw dist="35921" dir="2700000" algn="ctr" rotWithShape="0">
                     <a:schemeClr val="bg2"/>
@@ -9588,7 +9587,7 @@
           <a:blip r:embed="rId3" cstate="print">
             <a:extLst>
               <a:ext uri="{28A0092B-C50C-407E-A947-70E740481C1C}">
-                <a14:useLocalDpi xmlns:a14="http://schemas.microsoft.com/office/drawing/2010/main" xmlns="" val="0"/>
+                <a14:useLocalDpi xmlns="" xmlns:a14="http://schemas.microsoft.com/office/drawing/2010/main" val="0"/>
               </a:ext>
             </a:extLst>
           </a:blip>
@@ -9633,14 +9632,14 @@
           <a:effectLst/>
           <a:extLst>
             <a:ext uri="{909E8E84-426E-40DD-AFC4-6F175D3DCCD1}">
-              <a14:hiddenFill xmlns:a14="http://schemas.microsoft.com/office/drawing/2010/main" xmlns="">
+              <a14:hiddenFill xmlns="" xmlns:a14="http://schemas.microsoft.com/office/drawing/2010/main">
                 <a:solidFill>
                   <a:srgbClr val="FFFFFF"/>
                 </a:solidFill>
               </a14:hiddenFill>
             </a:ext>
             <a:ext uri="{AF507438-7753-43E0-B8FC-AC1667EBCBE1}">
-              <a14:hiddenEffects xmlns:a14="http://schemas.microsoft.com/office/drawing/2010/main" xmlns="">
+              <a14:hiddenEffects xmlns="" xmlns:a14="http://schemas.microsoft.com/office/drawing/2010/main">
                 <a:effectLst>
                   <a:outerShdw dist="35921" dir="2700000" algn="ctr" rotWithShape="0">
                     <a:srgbClr val="808080"/>
@@ -9687,14 +9686,14 @@
           <a:effectLst/>
           <a:extLst>
             <a:ext uri="{909E8E84-426E-40DD-AFC4-6F175D3DCCD1}">
-              <a14:hiddenFill xmlns:a14="http://schemas.microsoft.com/office/drawing/2010/main" xmlns="">
+              <a14:hiddenFill xmlns="" xmlns:a14="http://schemas.microsoft.com/office/drawing/2010/main">
                 <a:solidFill>
                   <a:srgbClr val="FFFFFF"/>
                 </a:solidFill>
               </a14:hiddenFill>
             </a:ext>
             <a:ext uri="{AF507438-7753-43E0-B8FC-AC1667EBCBE1}">
-              <a14:hiddenEffects xmlns:a14="http://schemas.microsoft.com/office/drawing/2010/main" xmlns="">
+              <a14:hiddenEffects xmlns="" xmlns:a14="http://schemas.microsoft.com/office/drawing/2010/main">
                 <a:effectLst>
                   <a:outerShdw dist="35921" dir="2700000" algn="ctr" rotWithShape="0">
                     <a:srgbClr val="808080"/>
@@ -9741,14 +9740,14 @@
           <a:effectLst/>
           <a:extLst>
             <a:ext uri="{909E8E84-426E-40DD-AFC4-6F175D3DCCD1}">
-              <a14:hiddenFill xmlns:a14="http://schemas.microsoft.com/office/drawing/2010/main" xmlns="">
+              <a14:hiddenFill xmlns="" xmlns:a14="http://schemas.microsoft.com/office/drawing/2010/main">
                 <a:solidFill>
                   <a:srgbClr val="FFFFFF"/>
                 </a:solidFill>
               </a14:hiddenFill>
             </a:ext>
             <a:ext uri="{AF507438-7753-43E0-B8FC-AC1667EBCBE1}">
-              <a14:hiddenEffects xmlns:a14="http://schemas.microsoft.com/office/drawing/2010/main" xmlns="">
+              <a14:hiddenEffects xmlns="" xmlns:a14="http://schemas.microsoft.com/office/drawing/2010/main">
                 <a:effectLst>
                   <a:outerShdw dist="35921" dir="2700000" algn="ctr" rotWithShape="0">
                     <a:srgbClr val="808080"/>
@@ -9795,14 +9794,14 @@
           <a:effectLst/>
           <a:extLst>
             <a:ext uri="{909E8E84-426E-40DD-AFC4-6F175D3DCCD1}">
-              <a14:hiddenFill xmlns:a14="http://schemas.microsoft.com/office/drawing/2010/main" xmlns="">
+              <a14:hiddenFill xmlns="" xmlns:a14="http://schemas.microsoft.com/office/drawing/2010/main">
                 <a:solidFill>
                   <a:srgbClr val="FFFFFF"/>
                 </a:solidFill>
               </a14:hiddenFill>
             </a:ext>
             <a:ext uri="{AF507438-7753-43E0-B8FC-AC1667EBCBE1}">
-              <a14:hiddenEffects xmlns:a14="http://schemas.microsoft.com/office/drawing/2010/main" xmlns="">
+              <a14:hiddenEffects xmlns="" xmlns:a14="http://schemas.microsoft.com/office/drawing/2010/main">
                 <a:effectLst>
                   <a:outerShdw dist="35921" dir="2700000" algn="ctr" rotWithShape="0">
                     <a:srgbClr val="808080"/>
@@ -9849,14 +9848,14 @@
           <a:effectLst/>
           <a:extLst>
             <a:ext uri="{909E8E84-426E-40DD-AFC4-6F175D3DCCD1}">
-              <a14:hiddenFill xmlns:a14="http://schemas.microsoft.com/office/drawing/2010/main" xmlns="">
+              <a14:hiddenFill xmlns="" xmlns:a14="http://schemas.microsoft.com/office/drawing/2010/main">
                 <a:solidFill>
                   <a:srgbClr val="FFFFFF"/>
                 </a:solidFill>
               </a14:hiddenFill>
             </a:ext>
             <a:ext uri="{AF507438-7753-43E0-B8FC-AC1667EBCBE1}">
-              <a14:hiddenEffects xmlns:a14="http://schemas.microsoft.com/office/drawing/2010/main" xmlns="">
+              <a14:hiddenEffects xmlns="" xmlns:a14="http://schemas.microsoft.com/office/drawing/2010/main">
                 <a:effectLst>
                   <a:outerShdw dist="35921" dir="2700000" algn="ctr" rotWithShape="0">
                     <a:srgbClr val="808080"/>
@@ -9903,14 +9902,14 @@
           <a:effectLst/>
           <a:extLst>
             <a:ext uri="{909E8E84-426E-40DD-AFC4-6F175D3DCCD1}">
-              <a14:hiddenFill xmlns:a14="http://schemas.microsoft.com/office/drawing/2010/main" xmlns="">
+              <a14:hiddenFill xmlns="" xmlns:a14="http://schemas.microsoft.com/office/drawing/2010/main">
                 <a:solidFill>
                   <a:srgbClr val="FFFFFF"/>
                 </a:solidFill>
               </a14:hiddenFill>
             </a:ext>
             <a:ext uri="{AF507438-7753-43E0-B8FC-AC1667EBCBE1}">
-              <a14:hiddenEffects xmlns:a14="http://schemas.microsoft.com/office/drawing/2010/main" xmlns="">
+              <a14:hiddenEffects xmlns="" xmlns:a14="http://schemas.microsoft.com/office/drawing/2010/main">
                 <a:effectLst>
                   <a:outerShdw dist="35921" dir="2700000" algn="ctr" rotWithShape="0">
                     <a:srgbClr val="808080"/>
@@ -9957,14 +9956,14 @@
           <a:effectLst/>
           <a:extLst>
             <a:ext uri="{909E8E84-426E-40DD-AFC4-6F175D3DCCD1}">
-              <a14:hiddenFill xmlns:a14="http://schemas.microsoft.com/office/drawing/2010/main" xmlns="">
+              <a14:hiddenFill xmlns="" xmlns:a14="http://schemas.microsoft.com/office/drawing/2010/main">
                 <a:solidFill>
                   <a:srgbClr val="FFFFFF"/>
                 </a:solidFill>
               </a14:hiddenFill>
             </a:ext>
             <a:ext uri="{AF507438-7753-43E0-B8FC-AC1667EBCBE1}">
-              <a14:hiddenEffects xmlns:a14="http://schemas.microsoft.com/office/drawing/2010/main" xmlns="">
+              <a14:hiddenEffects xmlns="" xmlns:a14="http://schemas.microsoft.com/office/drawing/2010/main">
                 <a:effectLst>
                   <a:outerShdw dist="35921" dir="2700000" algn="ctr" rotWithShape="0">
                     <a:srgbClr val="808080"/>
@@ -10011,14 +10010,14 @@
           <a:effectLst/>
           <a:extLst>
             <a:ext uri="{909E8E84-426E-40DD-AFC4-6F175D3DCCD1}">
-              <a14:hiddenFill xmlns:a14="http://schemas.microsoft.com/office/drawing/2010/main" xmlns="">
+              <a14:hiddenFill xmlns="" xmlns:a14="http://schemas.microsoft.com/office/drawing/2010/main">
                 <a:solidFill>
                   <a:srgbClr val="FFFFFF"/>
                 </a:solidFill>
               </a14:hiddenFill>
             </a:ext>
             <a:ext uri="{AF507438-7753-43E0-B8FC-AC1667EBCBE1}">
-              <a14:hiddenEffects xmlns:a14="http://schemas.microsoft.com/office/drawing/2010/main" xmlns="">
+              <a14:hiddenEffects xmlns="" xmlns:a14="http://schemas.microsoft.com/office/drawing/2010/main">
                 <a:effectLst>
                   <a:outerShdw dist="35921" dir="2700000" algn="ctr" rotWithShape="0">
                     <a:srgbClr val="808080"/>
@@ -10065,14 +10064,14 @@
           <a:effectLst/>
           <a:extLst>
             <a:ext uri="{909E8E84-426E-40DD-AFC4-6F175D3DCCD1}">
-              <a14:hiddenFill xmlns:a14="http://schemas.microsoft.com/office/drawing/2010/main" xmlns="">
+              <a14:hiddenFill xmlns="" xmlns:a14="http://schemas.microsoft.com/office/drawing/2010/main">
                 <a:solidFill>
                   <a:srgbClr val="FFFFFF"/>
                 </a:solidFill>
               </a14:hiddenFill>
             </a:ext>
             <a:ext uri="{AF507438-7753-43E0-B8FC-AC1667EBCBE1}">
-              <a14:hiddenEffects xmlns:a14="http://schemas.microsoft.com/office/drawing/2010/main" xmlns="">
+              <a14:hiddenEffects xmlns="" xmlns:a14="http://schemas.microsoft.com/office/drawing/2010/main">
                 <a:effectLst>
                   <a:outerShdw dist="35921" dir="2700000" algn="ctr" rotWithShape="0">
                     <a:srgbClr val="808080"/>
@@ -10113,14 +10112,14 @@
           <a:effectLst/>
           <a:extLst>
             <a:ext uri="{909E8E84-426E-40DD-AFC4-6F175D3DCCD1}">
-              <a14:hiddenFill xmlns:a14="http://schemas.microsoft.com/office/drawing/2010/main" xmlns="">
+              <a14:hiddenFill xmlns="" xmlns:a14="http://schemas.microsoft.com/office/drawing/2010/main">
                 <a:solidFill>
                   <a:srgbClr val="FFFFFF"/>
                 </a:solidFill>
               </a14:hiddenFill>
             </a:ext>
             <a:ext uri="{91240B29-F687-4F45-9708-019B960494DF}">
-              <a14:hiddenLine xmlns:a14="http://schemas.microsoft.com/office/drawing/2010/main" xmlns="" w="9525">
+              <a14:hiddenLine xmlns="" xmlns:a14="http://schemas.microsoft.com/office/drawing/2010/main" w="9525">
                 <a:solidFill>
                   <a:srgbClr val="000000"/>
                 </a:solidFill>
@@ -10130,7 +10129,7 @@
               </a14:hiddenLine>
             </a:ext>
             <a:ext uri="{AF507438-7753-43E0-B8FC-AC1667EBCBE1}">
-              <a14:hiddenEffects xmlns:a14="http://schemas.microsoft.com/office/drawing/2010/main" xmlns="">
+              <a14:hiddenEffects xmlns="" xmlns:a14="http://schemas.microsoft.com/office/drawing/2010/main">
                 <a:effectLst>
                   <a:outerShdw dist="35921" dir="2700000" algn="ctr" rotWithShape="0">
                     <a:srgbClr val="808080"/>
@@ -10185,12 +10184,12 @@
           <a:effectLst/>
           <a:extLst>
             <a:ext uri="{909E8E84-426E-40DD-AFC4-6F175D3DCCD1}">
-              <a14:hiddenFill xmlns:a14="http://schemas.microsoft.com/office/drawing/2010/main" xmlns="">
+              <a14:hiddenFill xmlns="" xmlns:a14="http://schemas.microsoft.com/office/drawing/2010/main">
                 <a:noFill/>
               </a14:hiddenFill>
             </a:ext>
             <a:ext uri="{AF507438-7753-43E0-B8FC-AC1667EBCBE1}">
-              <a14:hiddenEffects xmlns:a14="http://schemas.microsoft.com/office/drawing/2010/main" xmlns="">
+              <a14:hiddenEffects xmlns="" xmlns:a14="http://schemas.microsoft.com/office/drawing/2010/main">
                 <a:effectLst>
                   <a:outerShdw dist="35921" dir="2700000" algn="ctr" rotWithShape="0">
                     <a:srgbClr val="808080"/>
@@ -10252,7 +10251,7 @@
             <a:effectLst/>
             <a:extLst>
               <a:ext uri="{AF507438-7753-43E0-B8FC-AC1667EBCBE1}">
-                <a14:hiddenEffects xmlns:a14="http://schemas.microsoft.com/office/drawing/2010/main" xmlns="">
+                <a14:hiddenEffects xmlns="" xmlns:a14="http://schemas.microsoft.com/office/drawing/2010/main">
                   <a:effectLst>
                     <a:outerShdw dist="35921" dir="2700000" algn="ctr" rotWithShape="0">
                       <a:schemeClr val="bg2"/>
@@ -10329,7 +10328,7 @@
             <a:effectLst/>
             <a:extLst>
               <a:ext uri="{AF507438-7753-43E0-B8FC-AC1667EBCBE1}">
-                <a14:hiddenEffects xmlns:a14="http://schemas.microsoft.com/office/drawing/2010/main" xmlns="">
+                <a14:hiddenEffects xmlns="" xmlns:a14="http://schemas.microsoft.com/office/drawing/2010/main">
                   <a:effectLst>
                     <a:outerShdw dist="35921" dir="2700000" algn="ctr" rotWithShape="0">
                       <a:schemeClr val="bg2"/>
@@ -10408,7 +10407,7 @@
             <a:effectLst/>
             <a:extLst>
               <a:ext uri="{AF507438-7753-43E0-B8FC-AC1667EBCBE1}">
-                <a14:hiddenEffects xmlns:a14="http://schemas.microsoft.com/office/drawing/2010/main" xmlns="">
+                <a14:hiddenEffects xmlns="" xmlns:a14="http://schemas.microsoft.com/office/drawing/2010/main">
                   <a:effectLst>
                     <a:outerShdw dist="35921" dir="2700000" algn="ctr" rotWithShape="0">
                       <a:schemeClr val="bg2"/>
@@ -10485,7 +10484,7 @@
             <a:effectLst/>
             <a:extLst>
               <a:ext uri="{AF507438-7753-43E0-B8FC-AC1667EBCBE1}">
-                <a14:hiddenEffects xmlns:a14="http://schemas.microsoft.com/office/drawing/2010/main" xmlns="">
+                <a14:hiddenEffects xmlns="" xmlns:a14="http://schemas.microsoft.com/office/drawing/2010/main">
                   <a:effectLst>
                     <a:outerShdw dist="35921" dir="2700000" algn="ctr" rotWithShape="0">
                       <a:schemeClr val="bg2"/>
@@ -10562,7 +10561,7 @@
             <a:effectLst/>
             <a:extLst>
               <a:ext uri="{AF507438-7753-43E0-B8FC-AC1667EBCBE1}">
-                <a14:hiddenEffects xmlns:a14="http://schemas.microsoft.com/office/drawing/2010/main" xmlns="">
+                <a14:hiddenEffects xmlns="" xmlns:a14="http://schemas.microsoft.com/office/drawing/2010/main">
                   <a:effectLst>
                     <a:outerShdw dist="35921" dir="2700000" algn="ctr" rotWithShape="0">
                       <a:schemeClr val="bg2"/>
@@ -10639,7 +10638,7 @@
             <a:effectLst/>
             <a:extLst>
               <a:ext uri="{AF507438-7753-43E0-B8FC-AC1667EBCBE1}">
-                <a14:hiddenEffects xmlns:a14="http://schemas.microsoft.com/office/drawing/2010/main" xmlns="">
+                <a14:hiddenEffects xmlns="" xmlns:a14="http://schemas.microsoft.com/office/drawing/2010/main">
                   <a:effectLst>
                     <a:outerShdw dist="35921" dir="2700000" algn="ctr" rotWithShape="0">
                       <a:schemeClr val="bg2"/>
@@ -10718,7 +10717,7 @@
             <a:effectLst/>
             <a:extLst>
               <a:ext uri="{AF507438-7753-43E0-B8FC-AC1667EBCBE1}">
-                <a14:hiddenEffects xmlns:a14="http://schemas.microsoft.com/office/drawing/2010/main" xmlns="">
+                <a14:hiddenEffects xmlns="" xmlns:a14="http://schemas.microsoft.com/office/drawing/2010/main">
                   <a:effectLst>
                     <a:outerShdw dist="35921" dir="2700000" algn="ctr" rotWithShape="0">
                       <a:schemeClr val="bg2"/>
@@ -10759,7 +10758,7 @@
             <a:effectLst/>
             <a:extLst>
               <a:ext uri="{AF507438-7753-43E0-B8FC-AC1667EBCBE1}">
-                <a14:hiddenEffects xmlns:a14="http://schemas.microsoft.com/office/drawing/2010/main" xmlns="">
+                <a14:hiddenEffects xmlns="" xmlns:a14="http://schemas.microsoft.com/office/drawing/2010/main">
                   <a:effectLst>
                     <a:outerShdw dist="35921" dir="2700000" algn="ctr" rotWithShape="0">
                       <a:schemeClr val="bg2"/>
@@ -10800,7 +10799,7 @@
             <a:effectLst/>
             <a:extLst>
               <a:ext uri="{AF507438-7753-43E0-B8FC-AC1667EBCBE1}">
-                <a14:hiddenEffects xmlns:a14="http://schemas.microsoft.com/office/drawing/2010/main" xmlns="">
+                <a14:hiddenEffects xmlns="" xmlns:a14="http://schemas.microsoft.com/office/drawing/2010/main">
                   <a:effectLst>
                     <a:outerShdw dist="35921" dir="2700000" algn="ctr" rotWithShape="0">
                       <a:schemeClr val="bg2"/>
@@ -10841,7 +10840,7 @@
             <a:effectLst/>
             <a:extLst>
               <a:ext uri="{AF507438-7753-43E0-B8FC-AC1667EBCBE1}">
-                <a14:hiddenEffects xmlns:a14="http://schemas.microsoft.com/office/drawing/2010/main" xmlns="">
+                <a14:hiddenEffects xmlns="" xmlns:a14="http://schemas.microsoft.com/office/drawing/2010/main">
                   <a:effectLst>
                     <a:outerShdw dist="35921" dir="2700000" algn="ctr" rotWithShape="0">
                       <a:schemeClr val="bg2"/>
@@ -10882,7 +10881,7 @@
             <a:effectLst/>
             <a:extLst>
               <a:ext uri="{AF507438-7753-43E0-B8FC-AC1667EBCBE1}">
-                <a14:hiddenEffects xmlns:a14="http://schemas.microsoft.com/office/drawing/2010/main" xmlns="">
+                <a14:hiddenEffects xmlns="" xmlns:a14="http://schemas.microsoft.com/office/drawing/2010/main">
                   <a:effectLst>
                     <a:outerShdw dist="35921" dir="2700000" algn="ctr" rotWithShape="0">
                       <a:schemeClr val="bg2"/>
@@ -10923,7 +10922,7 @@
           <a:effectLst/>
           <a:extLst>
             <a:ext uri="{AF507438-7753-43E0-B8FC-AC1667EBCBE1}">
-              <a14:hiddenEffects xmlns:a14="http://schemas.microsoft.com/office/drawing/2010/main" xmlns="">
+              <a14:hiddenEffects xmlns="" xmlns:a14="http://schemas.microsoft.com/office/drawing/2010/main">
                 <a:effectLst>
                   <a:outerShdw dist="35921" dir="2700000" algn="ctr" rotWithShape="0">
                     <a:schemeClr val="bg2"/>
@@ -10963,7 +10962,7 @@
           <a:effectLst/>
           <a:extLst>
             <a:ext uri="{AF507438-7753-43E0-B8FC-AC1667EBCBE1}">
-              <a14:hiddenEffects xmlns:a14="http://schemas.microsoft.com/office/drawing/2010/main" xmlns="">
+              <a14:hiddenEffects xmlns="" xmlns:a14="http://schemas.microsoft.com/office/drawing/2010/main">
                 <a:effectLst>
                   <a:outerShdw dist="35921" dir="2700000" algn="ctr" rotWithShape="0">
                     <a:schemeClr val="bg2"/>
@@ -11003,7 +11002,7 @@
           <a:effectLst/>
           <a:extLst>
             <a:ext uri="{AF507438-7753-43E0-B8FC-AC1667EBCBE1}">
-              <a14:hiddenEffects xmlns:a14="http://schemas.microsoft.com/office/drawing/2010/main" xmlns="">
+              <a14:hiddenEffects xmlns="" xmlns:a14="http://schemas.microsoft.com/office/drawing/2010/main">
                 <a:effectLst>
                   <a:outerShdw dist="35921" dir="2700000" algn="ctr" rotWithShape="0">
                     <a:schemeClr val="bg2"/>
@@ -11043,7 +11042,7 @@
           <a:effectLst/>
           <a:extLst>
             <a:ext uri="{AF507438-7753-43E0-B8FC-AC1667EBCBE1}">
-              <a14:hiddenEffects xmlns:a14="http://schemas.microsoft.com/office/drawing/2010/main" xmlns="">
+              <a14:hiddenEffects xmlns="" xmlns:a14="http://schemas.microsoft.com/office/drawing/2010/main">
                 <a:effectLst>
                   <a:outerShdw dist="35921" dir="2700000" algn="ctr" rotWithShape="0">
                     <a:schemeClr val="bg2"/>
@@ -11084,14 +11083,14 @@
           <a:effectLst/>
           <a:extLst>
             <a:ext uri="{909E8E84-426E-40DD-AFC4-6F175D3DCCD1}">
-              <a14:hiddenFill xmlns:a14="http://schemas.microsoft.com/office/drawing/2010/main" xmlns="">
+              <a14:hiddenFill xmlns="" xmlns:a14="http://schemas.microsoft.com/office/drawing/2010/main">
                 <a:solidFill>
                   <a:srgbClr val="FFFFFF"/>
                 </a:solidFill>
               </a14:hiddenFill>
             </a:ext>
             <a:ext uri="{AF507438-7753-43E0-B8FC-AC1667EBCBE1}">
-              <a14:hiddenEffects xmlns:a14="http://schemas.microsoft.com/office/drawing/2010/main" xmlns="">
+              <a14:hiddenEffects xmlns="" xmlns:a14="http://schemas.microsoft.com/office/drawing/2010/main">
                 <a:effectLst>
                   <a:outerShdw dist="35921" dir="2700000" algn="ctr" rotWithShape="0">
                     <a:srgbClr val="808080"/>
@@ -11121,7 +11120,7 @@
           <a:blip r:embed="rId3" cstate="print">
             <a:extLst>
               <a:ext uri="{28A0092B-C50C-407E-A947-70E740481C1C}">
-                <a14:useLocalDpi xmlns:a14="http://schemas.microsoft.com/office/drawing/2010/main" xmlns="" val="0"/>
+                <a14:useLocalDpi xmlns="" xmlns:a14="http://schemas.microsoft.com/office/drawing/2010/main" val="0"/>
               </a:ext>
             </a:extLst>
           </a:blip>
@@ -11785,7 +11784,7 @@
           <a:effectLst/>
           <a:extLst>
             <a:ext uri="{AF507438-7753-43E0-B8FC-AC1667EBCBE1}">
-              <a14:hiddenEffects xmlns:a14="http://schemas.microsoft.com/office/drawing/2010/main" xmlns="">
+              <a14:hiddenEffects xmlns="" xmlns:a14="http://schemas.microsoft.com/office/drawing/2010/main">
                 <a:effectLst>
                   <a:outerShdw dist="35921" dir="2700000" algn="ctr" rotWithShape="0">
                     <a:schemeClr val="bg2"/>
@@ -11825,7 +11824,7 @@
           <a:effectLst/>
           <a:extLst>
             <a:ext uri="{AF507438-7753-43E0-B8FC-AC1667EBCBE1}">
-              <a14:hiddenEffects xmlns:a14="http://schemas.microsoft.com/office/drawing/2010/main" xmlns="">
+              <a14:hiddenEffects xmlns="" xmlns:a14="http://schemas.microsoft.com/office/drawing/2010/main">
                 <a:effectLst>
                   <a:outerShdw dist="35921" dir="2700000" algn="ctr" rotWithShape="0">
                     <a:schemeClr val="bg2"/>
@@ -11865,7 +11864,7 @@
           <a:effectLst/>
           <a:extLst>
             <a:ext uri="{AF507438-7753-43E0-B8FC-AC1667EBCBE1}">
-              <a14:hiddenEffects xmlns:a14="http://schemas.microsoft.com/office/drawing/2010/main" xmlns="">
+              <a14:hiddenEffects xmlns="" xmlns:a14="http://schemas.microsoft.com/office/drawing/2010/main">
                 <a:effectLst>
                   <a:outerShdw dist="35921" dir="2700000" algn="ctr" rotWithShape="0">
                     <a:schemeClr val="bg2"/>
@@ -11905,7 +11904,7 @@
           <a:effectLst/>
           <a:extLst>
             <a:ext uri="{AF507438-7753-43E0-B8FC-AC1667EBCBE1}">
-              <a14:hiddenEffects xmlns:a14="http://schemas.microsoft.com/office/drawing/2010/main" xmlns="">
+              <a14:hiddenEffects xmlns="" xmlns:a14="http://schemas.microsoft.com/office/drawing/2010/main">
                 <a:effectLst>
                   <a:outerShdw dist="35921" dir="2700000" algn="ctr" rotWithShape="0">
                     <a:schemeClr val="bg2"/>
@@ -12008,7 +12007,7 @@
           <a:effectLst/>
           <a:extLst>
             <a:ext uri="{AF507438-7753-43E0-B8FC-AC1667EBCBE1}">
-              <a14:hiddenEffects xmlns:a14="http://schemas.microsoft.com/office/drawing/2010/main" xmlns="">
+              <a14:hiddenEffects xmlns="" xmlns:a14="http://schemas.microsoft.com/office/drawing/2010/main">
                 <a:effectLst>
                   <a:outerShdw dist="35921" dir="2700000" algn="ctr" rotWithShape="0">
                     <a:schemeClr val="bg2"/>
@@ -12048,7 +12047,7 @@
           <a:effectLst/>
           <a:extLst>
             <a:ext uri="{AF507438-7753-43E0-B8FC-AC1667EBCBE1}">
-              <a14:hiddenEffects xmlns:a14="http://schemas.microsoft.com/office/drawing/2010/main" xmlns="">
+              <a14:hiddenEffects xmlns="" xmlns:a14="http://schemas.microsoft.com/office/drawing/2010/main">
                 <a:effectLst>
                   <a:outerShdw dist="35921" dir="2700000" algn="ctr" rotWithShape="0">
                     <a:schemeClr val="bg2"/>
@@ -12088,7 +12087,7 @@
           <a:effectLst/>
           <a:extLst>
             <a:ext uri="{AF507438-7753-43E0-B8FC-AC1667EBCBE1}">
-              <a14:hiddenEffects xmlns:a14="http://schemas.microsoft.com/office/drawing/2010/main" xmlns="">
+              <a14:hiddenEffects xmlns="" xmlns:a14="http://schemas.microsoft.com/office/drawing/2010/main">
                 <a:effectLst>
                   <a:outerShdw dist="35921" dir="2700000" algn="ctr" rotWithShape="0">
                     <a:schemeClr val="bg2"/>
@@ -12128,7 +12127,7 @@
           <a:effectLst/>
           <a:extLst>
             <a:ext uri="{AF507438-7753-43E0-B8FC-AC1667EBCBE1}">
-              <a14:hiddenEffects xmlns:a14="http://schemas.microsoft.com/office/drawing/2010/main" xmlns="">
+              <a14:hiddenEffects xmlns="" xmlns:a14="http://schemas.microsoft.com/office/drawing/2010/main">
                 <a:effectLst>
                   <a:outerShdw dist="35921" dir="2700000" algn="ctr" rotWithShape="0">
                     <a:schemeClr val="bg2"/>
@@ -12168,7 +12167,7 @@
           <a:effectLst/>
           <a:extLst>
             <a:ext uri="{AF507438-7753-43E0-B8FC-AC1667EBCBE1}">
-              <a14:hiddenEffects xmlns:a14="http://schemas.microsoft.com/office/drawing/2010/main" xmlns="">
+              <a14:hiddenEffects xmlns="" xmlns:a14="http://schemas.microsoft.com/office/drawing/2010/main">
                 <a:effectLst>
                   <a:outerShdw dist="35921" dir="2700000" algn="ctr" rotWithShape="0">
                     <a:schemeClr val="bg2"/>
@@ -12208,7 +12207,7 @@
           <a:effectLst/>
           <a:extLst>
             <a:ext uri="{AF507438-7753-43E0-B8FC-AC1667EBCBE1}">
-              <a14:hiddenEffects xmlns:a14="http://schemas.microsoft.com/office/drawing/2010/main" xmlns="">
+              <a14:hiddenEffects xmlns="" xmlns:a14="http://schemas.microsoft.com/office/drawing/2010/main">
                 <a:effectLst>
                   <a:outerShdw dist="35921" dir="2700000" algn="ctr" rotWithShape="0">
                     <a:schemeClr val="bg2"/>
@@ -12248,7 +12247,7 @@
           <a:effectLst/>
           <a:extLst>
             <a:ext uri="{AF507438-7753-43E0-B8FC-AC1667EBCBE1}">
-              <a14:hiddenEffects xmlns:a14="http://schemas.microsoft.com/office/drawing/2010/main" xmlns="">
+              <a14:hiddenEffects xmlns="" xmlns:a14="http://schemas.microsoft.com/office/drawing/2010/main">
                 <a:effectLst>
                   <a:outerShdw dist="35921" dir="2700000" algn="ctr" rotWithShape="0">
                     <a:schemeClr val="bg2"/>
@@ -12288,7 +12287,7 @@
           <a:effectLst/>
           <a:extLst>
             <a:ext uri="{AF507438-7753-43E0-B8FC-AC1667EBCBE1}">
-              <a14:hiddenEffects xmlns:a14="http://schemas.microsoft.com/office/drawing/2010/main" xmlns="">
+              <a14:hiddenEffects xmlns="" xmlns:a14="http://schemas.microsoft.com/office/drawing/2010/main">
                 <a:effectLst>
                   <a:outerShdw dist="35921" dir="2700000" algn="ctr" rotWithShape="0">
                     <a:schemeClr val="bg2"/>
@@ -12328,7 +12327,7 @@
           <a:effectLst/>
           <a:extLst>
             <a:ext uri="{AF507438-7753-43E0-B8FC-AC1667EBCBE1}">
-              <a14:hiddenEffects xmlns:a14="http://schemas.microsoft.com/office/drawing/2010/main" xmlns="">
+              <a14:hiddenEffects xmlns="" xmlns:a14="http://schemas.microsoft.com/office/drawing/2010/main">
                 <a:effectLst>
                   <a:outerShdw dist="35921" dir="2700000" algn="ctr" rotWithShape="0">
                     <a:schemeClr val="bg2"/>
@@ -12368,7 +12367,7 @@
           <a:effectLst/>
           <a:extLst>
             <a:ext uri="{AF507438-7753-43E0-B8FC-AC1667EBCBE1}">
-              <a14:hiddenEffects xmlns:a14="http://schemas.microsoft.com/office/drawing/2010/main" xmlns="">
+              <a14:hiddenEffects xmlns="" xmlns:a14="http://schemas.microsoft.com/office/drawing/2010/main">
                 <a:effectLst>
                   <a:outerShdw dist="35921" dir="2700000" algn="ctr" rotWithShape="0">
                     <a:schemeClr val="bg2"/>
@@ -12408,7 +12407,7 @@
           <a:effectLst/>
           <a:extLst>
             <a:ext uri="{AF507438-7753-43E0-B8FC-AC1667EBCBE1}">
-              <a14:hiddenEffects xmlns:a14="http://schemas.microsoft.com/office/drawing/2010/main" xmlns="">
+              <a14:hiddenEffects xmlns="" xmlns:a14="http://schemas.microsoft.com/office/drawing/2010/main">
                 <a:effectLst>
                   <a:outerShdw dist="35921" dir="2700000" algn="ctr" rotWithShape="0">
                     <a:schemeClr val="bg2"/>
@@ -12448,7 +12447,7 @@
           <a:effectLst/>
           <a:extLst>
             <a:ext uri="{AF507438-7753-43E0-B8FC-AC1667EBCBE1}">
-              <a14:hiddenEffects xmlns:a14="http://schemas.microsoft.com/office/drawing/2010/main" xmlns="">
+              <a14:hiddenEffects xmlns="" xmlns:a14="http://schemas.microsoft.com/office/drawing/2010/main">
                 <a:effectLst>
                   <a:outerShdw dist="35921" dir="2700000" algn="ctr" rotWithShape="0">
                     <a:schemeClr val="bg2"/>
@@ -12488,7 +12487,7 @@
           <a:effectLst/>
           <a:extLst>
             <a:ext uri="{AF507438-7753-43E0-B8FC-AC1667EBCBE1}">
-              <a14:hiddenEffects xmlns:a14="http://schemas.microsoft.com/office/drawing/2010/main" xmlns="">
+              <a14:hiddenEffects xmlns="" xmlns:a14="http://schemas.microsoft.com/office/drawing/2010/main">
                 <a:effectLst>
                   <a:outerShdw dist="35921" dir="2700000" algn="ctr" rotWithShape="0">
                     <a:schemeClr val="bg2"/>
@@ -12528,7 +12527,7 @@
           <a:effectLst/>
           <a:extLst>
             <a:ext uri="{AF507438-7753-43E0-B8FC-AC1667EBCBE1}">
-              <a14:hiddenEffects xmlns:a14="http://schemas.microsoft.com/office/drawing/2010/main" xmlns="">
+              <a14:hiddenEffects xmlns="" xmlns:a14="http://schemas.microsoft.com/office/drawing/2010/main">
                 <a:effectLst>
                   <a:outerShdw dist="35921" dir="2700000" algn="ctr" rotWithShape="0">
                     <a:schemeClr val="bg2"/>
@@ -12568,7 +12567,7 @@
           <a:effectLst/>
           <a:extLst>
             <a:ext uri="{AF507438-7753-43E0-B8FC-AC1667EBCBE1}">
-              <a14:hiddenEffects xmlns:a14="http://schemas.microsoft.com/office/drawing/2010/main" xmlns="">
+              <a14:hiddenEffects xmlns="" xmlns:a14="http://schemas.microsoft.com/office/drawing/2010/main">
                 <a:effectLst>
                   <a:outerShdw dist="35921" dir="2700000" algn="ctr" rotWithShape="0">
                     <a:schemeClr val="bg2"/>
@@ -12608,7 +12607,7 @@
           <a:effectLst/>
           <a:extLst>
             <a:ext uri="{AF507438-7753-43E0-B8FC-AC1667EBCBE1}">
-              <a14:hiddenEffects xmlns:a14="http://schemas.microsoft.com/office/drawing/2010/main" xmlns="">
+              <a14:hiddenEffects xmlns="" xmlns:a14="http://schemas.microsoft.com/office/drawing/2010/main">
                 <a:effectLst>
                   <a:outerShdw dist="35921" dir="2700000" algn="ctr" rotWithShape="0">
                     <a:schemeClr val="bg2"/>
@@ -12648,7 +12647,7 @@
           <a:effectLst/>
           <a:extLst>
             <a:ext uri="{AF507438-7753-43E0-B8FC-AC1667EBCBE1}">
-              <a14:hiddenEffects xmlns:a14="http://schemas.microsoft.com/office/drawing/2010/main" xmlns="">
+              <a14:hiddenEffects xmlns="" xmlns:a14="http://schemas.microsoft.com/office/drawing/2010/main">
                 <a:effectLst>
                   <a:outerShdw dist="35921" dir="2700000" algn="ctr" rotWithShape="0">
                     <a:schemeClr val="bg2"/>
@@ -12688,7 +12687,7 @@
           <a:effectLst/>
           <a:extLst>
             <a:ext uri="{AF507438-7753-43E0-B8FC-AC1667EBCBE1}">
-              <a14:hiddenEffects xmlns:a14="http://schemas.microsoft.com/office/drawing/2010/main" xmlns="">
+              <a14:hiddenEffects xmlns="" xmlns:a14="http://schemas.microsoft.com/office/drawing/2010/main">
                 <a:effectLst>
                   <a:outerShdw dist="35921" dir="2700000" algn="ctr" rotWithShape="0">
                     <a:schemeClr val="bg2"/>
@@ -12856,7 +12855,7 @@
           <a:effectLst/>
           <a:extLst>
             <a:ext uri="{AF507438-7753-43E0-B8FC-AC1667EBCBE1}">
-              <a14:hiddenEffects xmlns:a14="http://schemas.microsoft.com/office/drawing/2010/main" xmlns="">
+              <a14:hiddenEffects xmlns="" xmlns:a14="http://schemas.microsoft.com/office/drawing/2010/main">
                 <a:effectLst>
                   <a:outerShdw dist="35921" dir="2700000" algn="ctr" rotWithShape="0">
                     <a:schemeClr val="bg2"/>
@@ -12935,7 +12934,7 @@
           <a:effectLst/>
           <a:extLst>
             <a:ext uri="{AF507438-7753-43E0-B8FC-AC1667EBCBE1}">
-              <a14:hiddenEffects xmlns:a14="http://schemas.microsoft.com/office/drawing/2010/main" xmlns="">
+              <a14:hiddenEffects xmlns="" xmlns:a14="http://schemas.microsoft.com/office/drawing/2010/main">
                 <a:effectLst>
                   <a:outerShdw dist="35921" dir="2700000" algn="ctr" rotWithShape="0">
                     <a:schemeClr val="bg2"/>
@@ -13014,7 +13013,7 @@
           <a:effectLst/>
           <a:extLst>
             <a:ext uri="{AF507438-7753-43E0-B8FC-AC1667EBCBE1}">
-              <a14:hiddenEffects xmlns:a14="http://schemas.microsoft.com/office/drawing/2010/main" xmlns="">
+              <a14:hiddenEffects xmlns="" xmlns:a14="http://schemas.microsoft.com/office/drawing/2010/main">
                 <a:effectLst>
                   <a:outerShdw dist="35921" dir="2700000" algn="ctr" rotWithShape="0">
                     <a:schemeClr val="bg2"/>
@@ -13161,7 +13160,7 @@
           <a:effectLst/>
           <a:extLst>
             <a:ext uri="{AF507438-7753-43E0-B8FC-AC1667EBCBE1}">
-              <a14:hiddenEffects xmlns:a14="http://schemas.microsoft.com/office/drawing/2010/main" xmlns="">
+              <a14:hiddenEffects xmlns="" xmlns:a14="http://schemas.microsoft.com/office/drawing/2010/main">
                 <a:effectLst>
                   <a:outerShdw dist="35921" dir="2700000" algn="ctr" rotWithShape="0">
                     <a:schemeClr val="bg2"/>
@@ -13240,7 +13239,7 @@
           <a:effectLst/>
           <a:extLst>
             <a:ext uri="{AF507438-7753-43E0-B8FC-AC1667EBCBE1}">
-              <a14:hiddenEffects xmlns:a14="http://schemas.microsoft.com/office/drawing/2010/main" xmlns="">
+              <a14:hiddenEffects xmlns="" xmlns:a14="http://schemas.microsoft.com/office/drawing/2010/main">
                 <a:effectLst>
                   <a:outerShdw dist="35921" dir="2700000" algn="ctr" rotWithShape="0">
                     <a:schemeClr val="bg2"/>
@@ -13321,7 +13320,7 @@
           <a:effectLst/>
           <a:extLst>
             <a:ext uri="{AF507438-7753-43E0-B8FC-AC1667EBCBE1}">
-              <a14:hiddenEffects xmlns:a14="http://schemas.microsoft.com/office/drawing/2010/main" xmlns="">
+              <a14:hiddenEffects xmlns="" xmlns:a14="http://schemas.microsoft.com/office/drawing/2010/main">
                 <a:effectLst>
                   <a:outerShdw dist="35921" dir="2700000" algn="ctr" rotWithShape="0">
                     <a:schemeClr val="bg2"/>
@@ -13364,7 +13363,7 @@
           <a:effectLst/>
           <a:extLst>
             <a:ext uri="{AF507438-7753-43E0-B8FC-AC1667EBCBE1}">
-              <a14:hiddenEffects xmlns:a14="http://schemas.microsoft.com/office/drawing/2010/main" xmlns="">
+              <a14:hiddenEffects xmlns="" xmlns:a14="http://schemas.microsoft.com/office/drawing/2010/main">
                 <a:effectLst>
                   <a:outerShdw dist="35921" dir="2700000" algn="ctr" rotWithShape="0">
                     <a:schemeClr val="bg2"/>
@@ -13407,7 +13406,7 @@
           <a:effectLst/>
           <a:extLst>
             <a:ext uri="{AF507438-7753-43E0-B8FC-AC1667EBCBE1}">
-              <a14:hiddenEffects xmlns:a14="http://schemas.microsoft.com/office/drawing/2010/main" xmlns="">
+              <a14:hiddenEffects xmlns="" xmlns:a14="http://schemas.microsoft.com/office/drawing/2010/main">
                 <a:effectLst>
                   <a:outerShdw dist="35921" dir="2700000" algn="ctr" rotWithShape="0">
                     <a:schemeClr val="bg2"/>
@@ -13450,7 +13449,7 @@
           <a:effectLst/>
           <a:extLst>
             <a:ext uri="{AF507438-7753-43E0-B8FC-AC1667EBCBE1}">
-              <a14:hiddenEffects xmlns:a14="http://schemas.microsoft.com/office/drawing/2010/main" xmlns="">
+              <a14:hiddenEffects xmlns="" xmlns:a14="http://schemas.microsoft.com/office/drawing/2010/main">
                 <a:effectLst>
                   <a:outerShdw dist="35921" dir="2700000" algn="ctr" rotWithShape="0">
                     <a:schemeClr val="bg2"/>
@@ -13493,7 +13492,7 @@
           <a:effectLst/>
           <a:extLst>
             <a:ext uri="{AF507438-7753-43E0-B8FC-AC1667EBCBE1}">
-              <a14:hiddenEffects xmlns:a14="http://schemas.microsoft.com/office/drawing/2010/main" xmlns="">
+              <a14:hiddenEffects xmlns="" xmlns:a14="http://schemas.microsoft.com/office/drawing/2010/main">
                 <a:effectLst>
                   <a:outerShdw dist="35921" dir="2700000" algn="ctr" rotWithShape="0">
                     <a:schemeClr val="bg2"/>
@@ -13516,7 +13515,7 @@
           <a:blip r:embed="rId2" cstate="print">
             <a:extLst>
               <a:ext uri="{28A0092B-C50C-407E-A947-70E740481C1C}">
-                <a14:useLocalDpi xmlns:a14="http://schemas.microsoft.com/office/drawing/2010/main" xmlns="" val="0"/>
+                <a14:useLocalDpi xmlns="" xmlns:a14="http://schemas.microsoft.com/office/drawing/2010/main" val="0"/>
               </a:ext>
             </a:extLst>
           </a:blip>
@@ -13540,14 +13539,14 @@
           <a:effectLst/>
           <a:extLst>
             <a:ext uri="{909E8E84-426E-40DD-AFC4-6F175D3DCCD1}">
-              <a14:hiddenFill xmlns:a14="http://schemas.microsoft.com/office/drawing/2010/main" xmlns="">
+              <a14:hiddenFill xmlns="" xmlns:a14="http://schemas.microsoft.com/office/drawing/2010/main">
                 <a:solidFill>
                   <a:srgbClr val="00B8FF"/>
                 </a:solidFill>
               </a14:hiddenFill>
             </a:ext>
             <a:ext uri="{91240B29-F687-4F45-9708-019B960494DF}">
-              <a14:hiddenLine xmlns:a14="http://schemas.microsoft.com/office/drawing/2010/main" xmlns="" w="9525">
+              <a14:hiddenLine xmlns="" xmlns:a14="http://schemas.microsoft.com/office/drawing/2010/main" w="9525">
                 <a:solidFill>
                   <a:schemeClr val="tx1"/>
                 </a:solidFill>
@@ -13557,7 +13556,7 @@
               </a14:hiddenLine>
             </a:ext>
             <a:ext uri="{AF507438-7753-43E0-B8FC-AC1667EBCBE1}">
-              <a14:hiddenEffects xmlns:a14="http://schemas.microsoft.com/office/drawing/2010/main" xmlns="">
+              <a14:hiddenEffects xmlns="" xmlns:a14="http://schemas.microsoft.com/office/drawing/2010/main">
                 <a:effectLst>
                   <a:outerShdw dist="35921" dir="2700000" algn="ctr" rotWithShape="0">
                     <a:schemeClr val="bg2"/>
@@ -13571,7 +13570,7 @@
     </p:spTree>
     <p:extLst>
       <p:ext uri="{BB962C8B-B14F-4D97-AF65-F5344CB8AC3E}">
-        <p14:creationId xmlns:p14="http://schemas.microsoft.com/office/powerpoint/2010/main" xmlns="" val="3647855734"/>
+        <p14:creationId xmlns="" xmlns:p14="http://schemas.microsoft.com/office/powerpoint/2010/main" val="3647855734"/>
       </p:ext>
     </p:extLst>
   </p:cSld>
@@ -13657,7 +13656,7 @@
           <a:effectLst/>
           <a:extLst>
             <a:ext uri="{AF507438-7753-43E0-B8FC-AC1667EBCBE1}">
-              <a14:hiddenEffects xmlns:a14="http://schemas.microsoft.com/office/drawing/2010/main" xmlns="">
+              <a14:hiddenEffects xmlns="" xmlns:a14="http://schemas.microsoft.com/office/drawing/2010/main">
                 <a:effectLst>
                   <a:outerShdw dist="35921" dir="2700000" algn="ctr" rotWithShape="0">
                     <a:schemeClr val="bg2"/>
@@ -13736,7 +13735,7 @@
           <a:effectLst/>
           <a:extLst>
             <a:ext uri="{AF507438-7753-43E0-B8FC-AC1667EBCBE1}">
-              <a14:hiddenEffects xmlns:a14="http://schemas.microsoft.com/office/drawing/2010/main" xmlns="">
+              <a14:hiddenEffects xmlns="" xmlns:a14="http://schemas.microsoft.com/office/drawing/2010/main">
                 <a:effectLst>
                   <a:outerShdw dist="35921" dir="2700000" algn="ctr" rotWithShape="0">
                     <a:schemeClr val="bg2"/>
@@ -13815,7 +13814,7 @@
           <a:effectLst/>
           <a:extLst>
             <a:ext uri="{AF507438-7753-43E0-B8FC-AC1667EBCBE1}">
-              <a14:hiddenEffects xmlns:a14="http://schemas.microsoft.com/office/drawing/2010/main" xmlns="">
+              <a14:hiddenEffects xmlns="" xmlns:a14="http://schemas.microsoft.com/office/drawing/2010/main">
                 <a:effectLst>
                   <a:outerShdw dist="35921" dir="2700000" algn="ctr" rotWithShape="0">
                     <a:schemeClr val="bg2"/>
@@ -13894,7 +13893,7 @@
           <a:effectLst/>
           <a:extLst>
             <a:ext uri="{AF507438-7753-43E0-B8FC-AC1667EBCBE1}">
-              <a14:hiddenEffects xmlns:a14="http://schemas.microsoft.com/office/drawing/2010/main" xmlns="">
+              <a14:hiddenEffects xmlns="" xmlns:a14="http://schemas.microsoft.com/office/drawing/2010/main">
                 <a:effectLst>
                   <a:outerShdw dist="35921" dir="2700000" algn="ctr" rotWithShape="0">
                     <a:schemeClr val="bg2"/>
@@ -14041,7 +14040,7 @@
           <a:effectLst/>
           <a:extLst>
             <a:ext uri="{AF507438-7753-43E0-B8FC-AC1667EBCBE1}">
-              <a14:hiddenEffects xmlns:a14="http://schemas.microsoft.com/office/drawing/2010/main" xmlns="">
+              <a14:hiddenEffects xmlns="" xmlns:a14="http://schemas.microsoft.com/office/drawing/2010/main">
                 <a:effectLst>
                   <a:outerShdw dist="35921" dir="2700000" algn="ctr" rotWithShape="0">
                     <a:schemeClr val="bg2"/>
@@ -14122,7 +14121,7 @@
           <a:effectLst/>
           <a:extLst>
             <a:ext uri="{AF507438-7753-43E0-B8FC-AC1667EBCBE1}">
-              <a14:hiddenEffects xmlns:a14="http://schemas.microsoft.com/office/drawing/2010/main" xmlns="">
+              <a14:hiddenEffects xmlns="" xmlns:a14="http://schemas.microsoft.com/office/drawing/2010/main">
                 <a:effectLst>
                   <a:outerShdw dist="35921" dir="2700000" algn="ctr" rotWithShape="0">
                     <a:schemeClr val="bg2"/>
@@ -14165,7 +14164,7 @@
           <a:effectLst/>
           <a:extLst>
             <a:ext uri="{AF507438-7753-43E0-B8FC-AC1667EBCBE1}">
-              <a14:hiddenEffects xmlns:a14="http://schemas.microsoft.com/office/drawing/2010/main" xmlns="">
+              <a14:hiddenEffects xmlns="" xmlns:a14="http://schemas.microsoft.com/office/drawing/2010/main">
                 <a:effectLst>
                   <a:outerShdw dist="35921" dir="2700000" algn="ctr" rotWithShape="0">
                     <a:schemeClr val="bg2"/>
@@ -14208,7 +14207,7 @@
           <a:effectLst/>
           <a:extLst>
             <a:ext uri="{AF507438-7753-43E0-B8FC-AC1667EBCBE1}">
-              <a14:hiddenEffects xmlns:a14="http://schemas.microsoft.com/office/drawing/2010/main" xmlns="">
+              <a14:hiddenEffects xmlns="" xmlns:a14="http://schemas.microsoft.com/office/drawing/2010/main">
                 <a:effectLst>
                   <a:outerShdw dist="35921" dir="2700000" algn="ctr" rotWithShape="0">
                     <a:schemeClr val="bg2"/>
@@ -14251,7 +14250,7 @@
           <a:effectLst/>
           <a:extLst>
             <a:ext uri="{AF507438-7753-43E0-B8FC-AC1667EBCBE1}">
-              <a14:hiddenEffects xmlns:a14="http://schemas.microsoft.com/office/drawing/2010/main" xmlns="">
+              <a14:hiddenEffects xmlns="" xmlns:a14="http://schemas.microsoft.com/office/drawing/2010/main">
                 <a:effectLst>
                   <a:outerShdw dist="35921" dir="2700000" algn="ctr" rotWithShape="0">
                     <a:schemeClr val="bg2"/>
@@ -14294,7 +14293,7 @@
           <a:effectLst/>
           <a:extLst>
             <a:ext uri="{AF507438-7753-43E0-B8FC-AC1667EBCBE1}">
-              <a14:hiddenEffects xmlns:a14="http://schemas.microsoft.com/office/drawing/2010/main" xmlns="">
+              <a14:hiddenEffects xmlns="" xmlns:a14="http://schemas.microsoft.com/office/drawing/2010/main">
                 <a:effectLst>
                   <a:outerShdw dist="35921" dir="2700000" algn="ctr" rotWithShape="0">
                     <a:schemeClr val="bg2"/>
@@ -14317,7 +14316,7 @@
           <a:blip r:embed="rId2" cstate="print">
             <a:extLst>
               <a:ext uri="{28A0092B-C50C-407E-A947-70E740481C1C}">
-                <a14:useLocalDpi xmlns:a14="http://schemas.microsoft.com/office/drawing/2010/main" xmlns="" val="0"/>
+                <a14:useLocalDpi xmlns="" xmlns:a14="http://schemas.microsoft.com/office/drawing/2010/main" val="0"/>
               </a:ext>
             </a:extLst>
           </a:blip>
@@ -14346,7 +14345,7 @@
           <a:effectLst/>
           <a:extLst>
             <a:ext uri="{909E8E84-426E-40DD-AFC4-6F175D3DCCD1}">
-              <a14:hiddenFill xmlns:a14="http://schemas.microsoft.com/office/drawing/2010/main" xmlns="">
+              <a14:hiddenFill xmlns="" xmlns:a14="http://schemas.microsoft.com/office/drawing/2010/main">
                 <a:blipFill dpi="0" rotWithShape="0">
                   <a:blip/>
                   <a:srcRect/>
@@ -14357,7 +14356,7 @@
               </a14:hiddenFill>
             </a:ext>
             <a:ext uri="{AF507438-7753-43E0-B8FC-AC1667EBCBE1}">
-              <a14:hiddenEffects xmlns:a14="http://schemas.microsoft.com/office/drawing/2010/main" xmlns="">
+              <a14:hiddenEffects xmlns="" xmlns:a14="http://schemas.microsoft.com/office/drawing/2010/main">
                 <a:effectLst>
                   <a:outerShdw dist="35921" dir="2700000" algn="ctr" rotWithShape="0">
                     <a:srgbClr val="808080"/>
@@ -14397,14 +14396,14 @@
           <a:effectLst/>
           <a:extLst>
             <a:ext uri="{909E8E84-426E-40DD-AFC4-6F175D3DCCD1}">
-              <a14:hiddenFill xmlns:a14="http://schemas.microsoft.com/office/drawing/2010/main" xmlns="">
+              <a14:hiddenFill xmlns="" xmlns:a14="http://schemas.microsoft.com/office/drawing/2010/main">
                 <a:solidFill>
                   <a:srgbClr val="FFFFFF"/>
                 </a:solidFill>
               </a14:hiddenFill>
             </a:ext>
             <a:ext uri="{AF507438-7753-43E0-B8FC-AC1667EBCBE1}">
-              <a14:hiddenEffects xmlns:a14="http://schemas.microsoft.com/office/drawing/2010/main" xmlns="">
+              <a14:hiddenEffects xmlns="" xmlns:a14="http://schemas.microsoft.com/office/drawing/2010/main">
                 <a:effectLst>
                   <a:outerShdw dist="35921" dir="2700000" algn="ctr" rotWithShape="0">
                     <a:srgbClr val="808080"/>
@@ -14425,7 +14424,7 @@
     </p:spTree>
     <p:extLst>
       <p:ext uri="{BB962C8B-B14F-4D97-AF65-F5344CB8AC3E}">
-        <p14:creationId xmlns:p14="http://schemas.microsoft.com/office/powerpoint/2010/main" xmlns="" val="2360882486"/>
+        <p14:creationId xmlns="" xmlns:p14="http://schemas.microsoft.com/office/powerpoint/2010/main" val="2360882486"/>
       </p:ext>
     </p:extLst>
   </p:cSld>
@@ -14511,7 +14510,7 @@
           <a:effectLst/>
           <a:extLst>
             <a:ext uri="{AF507438-7753-43E0-B8FC-AC1667EBCBE1}">
-              <a14:hiddenEffects xmlns:a14="http://schemas.microsoft.com/office/drawing/2010/main" xmlns="">
+              <a14:hiddenEffects xmlns="" xmlns:a14="http://schemas.microsoft.com/office/drawing/2010/main">
                 <a:effectLst>
                   <a:outerShdw dist="35921" dir="2700000" algn="ctr" rotWithShape="0">
                     <a:schemeClr val="bg2"/>
@@ -14590,7 +14589,7 @@
           <a:effectLst/>
           <a:extLst>
             <a:ext uri="{AF507438-7753-43E0-B8FC-AC1667EBCBE1}">
-              <a14:hiddenEffects xmlns:a14="http://schemas.microsoft.com/office/drawing/2010/main" xmlns="">
+              <a14:hiddenEffects xmlns="" xmlns:a14="http://schemas.microsoft.com/office/drawing/2010/main">
                 <a:effectLst>
                   <a:outerShdw dist="35921" dir="2700000" algn="ctr" rotWithShape="0">
                     <a:schemeClr val="bg2"/>
@@ -14669,7 +14668,7 @@
           <a:effectLst/>
           <a:extLst>
             <a:ext uri="{AF507438-7753-43E0-B8FC-AC1667EBCBE1}">
-              <a14:hiddenEffects xmlns:a14="http://schemas.microsoft.com/office/drawing/2010/main" xmlns="">
+              <a14:hiddenEffects xmlns="" xmlns:a14="http://schemas.microsoft.com/office/drawing/2010/main">
                 <a:effectLst>
                   <a:outerShdw dist="35921" dir="2700000" algn="ctr" rotWithShape="0">
                     <a:schemeClr val="bg2"/>
@@ -14748,7 +14747,7 @@
           <a:effectLst/>
           <a:extLst>
             <a:ext uri="{AF507438-7753-43E0-B8FC-AC1667EBCBE1}">
-              <a14:hiddenEffects xmlns:a14="http://schemas.microsoft.com/office/drawing/2010/main" xmlns="">
+              <a14:hiddenEffects xmlns="" xmlns:a14="http://schemas.microsoft.com/office/drawing/2010/main">
                 <a:effectLst>
                   <a:outerShdw dist="35921" dir="2700000" algn="ctr" rotWithShape="0">
                     <a:schemeClr val="bg2"/>
@@ -14895,7 +14894,7 @@
           <a:effectLst/>
           <a:extLst>
             <a:ext uri="{AF507438-7753-43E0-B8FC-AC1667EBCBE1}">
-              <a14:hiddenEffects xmlns:a14="http://schemas.microsoft.com/office/drawing/2010/main" xmlns="">
+              <a14:hiddenEffects xmlns="" xmlns:a14="http://schemas.microsoft.com/office/drawing/2010/main">
                 <a:effectLst>
                   <a:outerShdw dist="35921" dir="2700000" algn="ctr" rotWithShape="0">
                     <a:schemeClr val="bg2"/>
@@ -14976,7 +14975,7 @@
           <a:effectLst/>
           <a:extLst>
             <a:ext uri="{AF507438-7753-43E0-B8FC-AC1667EBCBE1}">
-              <a14:hiddenEffects xmlns:a14="http://schemas.microsoft.com/office/drawing/2010/main" xmlns="">
+              <a14:hiddenEffects xmlns="" xmlns:a14="http://schemas.microsoft.com/office/drawing/2010/main">
                 <a:effectLst>
                   <a:outerShdw dist="35921" dir="2700000" algn="ctr" rotWithShape="0">
                     <a:schemeClr val="bg2"/>
@@ -15019,7 +15018,7 @@
           <a:effectLst/>
           <a:extLst>
             <a:ext uri="{AF507438-7753-43E0-B8FC-AC1667EBCBE1}">
-              <a14:hiddenEffects xmlns:a14="http://schemas.microsoft.com/office/drawing/2010/main" xmlns="">
+              <a14:hiddenEffects xmlns="" xmlns:a14="http://schemas.microsoft.com/office/drawing/2010/main">
                 <a:effectLst>
                   <a:outerShdw dist="35921" dir="2700000" algn="ctr" rotWithShape="0">
                     <a:schemeClr val="bg2"/>
@@ -15062,7 +15061,7 @@
           <a:effectLst/>
           <a:extLst>
             <a:ext uri="{AF507438-7753-43E0-B8FC-AC1667EBCBE1}">
-              <a14:hiddenEffects xmlns:a14="http://schemas.microsoft.com/office/drawing/2010/main" xmlns="">
+              <a14:hiddenEffects xmlns="" xmlns:a14="http://schemas.microsoft.com/office/drawing/2010/main">
                 <a:effectLst>
                   <a:outerShdw dist="35921" dir="2700000" algn="ctr" rotWithShape="0">
                     <a:schemeClr val="bg2"/>
@@ -15105,7 +15104,7 @@
           <a:effectLst/>
           <a:extLst>
             <a:ext uri="{AF507438-7753-43E0-B8FC-AC1667EBCBE1}">
-              <a14:hiddenEffects xmlns:a14="http://schemas.microsoft.com/office/drawing/2010/main" xmlns="">
+              <a14:hiddenEffects xmlns="" xmlns:a14="http://schemas.microsoft.com/office/drawing/2010/main">
                 <a:effectLst>
                   <a:outerShdw dist="35921" dir="2700000" algn="ctr" rotWithShape="0">
                     <a:schemeClr val="bg2"/>
@@ -15148,7 +15147,7 @@
           <a:effectLst/>
           <a:extLst>
             <a:ext uri="{AF507438-7753-43E0-B8FC-AC1667EBCBE1}">
-              <a14:hiddenEffects xmlns:a14="http://schemas.microsoft.com/office/drawing/2010/main" xmlns="">
+              <a14:hiddenEffects xmlns="" xmlns:a14="http://schemas.microsoft.com/office/drawing/2010/main">
                 <a:effectLst>
                   <a:outerShdw dist="35921" dir="2700000" algn="ctr" rotWithShape="0">
                     <a:schemeClr val="bg2"/>
@@ -15171,7 +15170,7 @@
           <a:blip r:embed="rId2" cstate="print">
             <a:extLst>
               <a:ext uri="{28A0092B-C50C-407E-A947-70E740481C1C}">
-                <a14:useLocalDpi xmlns:a14="http://schemas.microsoft.com/office/drawing/2010/main" xmlns="" val="0"/>
+                <a14:useLocalDpi xmlns="" xmlns:a14="http://schemas.microsoft.com/office/drawing/2010/main" val="0"/>
               </a:ext>
             </a:extLst>
           </a:blip>
@@ -15200,7 +15199,7 @@
           <a:effectLst/>
           <a:extLst>
             <a:ext uri="{909E8E84-426E-40DD-AFC4-6F175D3DCCD1}">
-              <a14:hiddenFill xmlns:a14="http://schemas.microsoft.com/office/drawing/2010/main" xmlns="">
+              <a14:hiddenFill xmlns="" xmlns:a14="http://schemas.microsoft.com/office/drawing/2010/main">
                 <a:blipFill dpi="0" rotWithShape="0">
                   <a:blip/>
                   <a:srcRect/>
@@ -15211,7 +15210,7 @@
               </a14:hiddenFill>
             </a:ext>
             <a:ext uri="{AF507438-7753-43E0-B8FC-AC1667EBCBE1}">
-              <a14:hiddenEffects xmlns:a14="http://schemas.microsoft.com/office/drawing/2010/main" xmlns="">
+              <a14:hiddenEffects xmlns="" xmlns:a14="http://schemas.microsoft.com/office/drawing/2010/main">
                 <a:effectLst>
                   <a:outerShdw dist="35921" dir="2700000" algn="ctr" rotWithShape="0">
                     <a:srgbClr val="808080"/>
@@ -15251,14 +15250,14 @@
           <a:effectLst/>
           <a:extLst>
             <a:ext uri="{909E8E84-426E-40DD-AFC4-6F175D3DCCD1}">
-              <a14:hiddenFill xmlns:a14="http://schemas.microsoft.com/office/drawing/2010/main" xmlns="">
+              <a14:hiddenFill xmlns="" xmlns:a14="http://schemas.microsoft.com/office/drawing/2010/main">
                 <a:solidFill>
                   <a:srgbClr val="FFFFFF"/>
                 </a:solidFill>
               </a14:hiddenFill>
             </a:ext>
             <a:ext uri="{AF507438-7753-43E0-B8FC-AC1667EBCBE1}">
-              <a14:hiddenEffects xmlns:a14="http://schemas.microsoft.com/office/drawing/2010/main" xmlns="">
+              <a14:hiddenEffects xmlns="" xmlns:a14="http://schemas.microsoft.com/office/drawing/2010/main">
                 <a:effectLst>
                   <a:outerShdw dist="35921" dir="2700000" algn="ctr" rotWithShape="0">
                     <a:srgbClr val="808080"/>
@@ -15279,7 +15278,7 @@
     </p:spTree>
     <p:extLst>
       <p:ext uri="{BB962C8B-B14F-4D97-AF65-F5344CB8AC3E}">
-        <p14:creationId xmlns:p14="http://schemas.microsoft.com/office/powerpoint/2010/main" xmlns="" val="1834724012"/>
+        <p14:creationId xmlns="" xmlns:p14="http://schemas.microsoft.com/office/powerpoint/2010/main" val="1834724012"/>
       </p:ext>
     </p:extLst>
   </p:cSld>
@@ -15365,7 +15364,7 @@
           <a:effectLst/>
           <a:extLst>
             <a:ext uri="{AF507438-7753-43E0-B8FC-AC1667EBCBE1}">
-              <a14:hiddenEffects xmlns:a14="http://schemas.microsoft.com/office/drawing/2010/main" xmlns="">
+              <a14:hiddenEffects xmlns="" xmlns:a14="http://schemas.microsoft.com/office/drawing/2010/main">
                 <a:effectLst>
                   <a:outerShdw dist="35921" dir="2700000" algn="ctr" rotWithShape="0">
                     <a:schemeClr val="bg2"/>
@@ -15444,7 +15443,7 @@
           <a:effectLst/>
           <a:extLst>
             <a:ext uri="{AF507438-7753-43E0-B8FC-AC1667EBCBE1}">
-              <a14:hiddenEffects xmlns:a14="http://schemas.microsoft.com/office/drawing/2010/main" xmlns="">
+              <a14:hiddenEffects xmlns="" xmlns:a14="http://schemas.microsoft.com/office/drawing/2010/main">
                 <a:effectLst>
                   <a:outerShdw dist="35921" dir="2700000" algn="ctr" rotWithShape="0">
                     <a:schemeClr val="bg2"/>
@@ -15523,7 +15522,7 @@
           <a:effectLst/>
           <a:extLst>
             <a:ext uri="{AF507438-7753-43E0-B8FC-AC1667EBCBE1}">
-              <a14:hiddenEffects xmlns:a14="http://schemas.microsoft.com/office/drawing/2010/main" xmlns="">
+              <a14:hiddenEffects xmlns="" xmlns:a14="http://schemas.microsoft.com/office/drawing/2010/main">
                 <a:effectLst>
                   <a:outerShdw dist="35921" dir="2700000" algn="ctr" rotWithShape="0">
                     <a:schemeClr val="bg2"/>
@@ -15602,7 +15601,7 @@
           <a:effectLst/>
           <a:extLst>
             <a:ext uri="{AF507438-7753-43E0-B8FC-AC1667EBCBE1}">
-              <a14:hiddenEffects xmlns:a14="http://schemas.microsoft.com/office/drawing/2010/main" xmlns="">
+              <a14:hiddenEffects xmlns="" xmlns:a14="http://schemas.microsoft.com/office/drawing/2010/main">
                 <a:effectLst>
                   <a:outerShdw dist="35921" dir="2700000" algn="ctr" rotWithShape="0">
                     <a:schemeClr val="bg2"/>
@@ -15749,7 +15748,7 @@
           <a:effectLst/>
           <a:extLst>
             <a:ext uri="{AF507438-7753-43E0-B8FC-AC1667EBCBE1}">
-              <a14:hiddenEffects xmlns:a14="http://schemas.microsoft.com/office/drawing/2010/main" xmlns="">
+              <a14:hiddenEffects xmlns="" xmlns:a14="http://schemas.microsoft.com/office/drawing/2010/main">
                 <a:effectLst>
                   <a:outerShdw dist="35921" dir="2700000" algn="ctr" rotWithShape="0">
                     <a:schemeClr val="bg2"/>
@@ -15830,7 +15829,7 @@
           <a:effectLst/>
           <a:extLst>
             <a:ext uri="{AF507438-7753-43E0-B8FC-AC1667EBCBE1}">
-              <a14:hiddenEffects xmlns:a14="http://schemas.microsoft.com/office/drawing/2010/main" xmlns="">
+              <a14:hiddenEffects xmlns="" xmlns:a14="http://schemas.microsoft.com/office/drawing/2010/main">
                 <a:effectLst>
                   <a:outerShdw dist="35921" dir="2700000" algn="ctr" rotWithShape="0">
                     <a:schemeClr val="bg2"/>
@@ -15873,7 +15872,7 @@
           <a:effectLst/>
           <a:extLst>
             <a:ext uri="{AF507438-7753-43E0-B8FC-AC1667EBCBE1}">
-              <a14:hiddenEffects xmlns:a14="http://schemas.microsoft.com/office/drawing/2010/main" xmlns="">
+              <a14:hiddenEffects xmlns="" xmlns:a14="http://schemas.microsoft.com/office/drawing/2010/main">
                 <a:effectLst>
                   <a:outerShdw dist="35921" dir="2700000" algn="ctr" rotWithShape="0">
                     <a:schemeClr val="bg2"/>
@@ -15916,7 +15915,7 @@
           <a:effectLst/>
           <a:extLst>
             <a:ext uri="{AF507438-7753-43E0-B8FC-AC1667EBCBE1}">
-              <a14:hiddenEffects xmlns:a14="http://schemas.microsoft.com/office/drawing/2010/main" xmlns="">
+              <a14:hiddenEffects xmlns="" xmlns:a14="http://schemas.microsoft.com/office/drawing/2010/main">
                 <a:effectLst>
                   <a:outerShdw dist="35921" dir="2700000" algn="ctr" rotWithShape="0">
                     <a:schemeClr val="bg2"/>
@@ -15959,7 +15958,7 @@
           <a:effectLst/>
           <a:extLst>
             <a:ext uri="{AF507438-7753-43E0-B8FC-AC1667EBCBE1}">
-              <a14:hiddenEffects xmlns:a14="http://schemas.microsoft.com/office/drawing/2010/main" xmlns="">
+              <a14:hiddenEffects xmlns="" xmlns:a14="http://schemas.microsoft.com/office/drawing/2010/main">
                 <a:effectLst>
                   <a:outerShdw dist="35921" dir="2700000" algn="ctr" rotWithShape="0">
                     <a:schemeClr val="bg2"/>
@@ -16002,7 +16001,7 @@
           <a:effectLst/>
           <a:extLst>
             <a:ext uri="{AF507438-7753-43E0-B8FC-AC1667EBCBE1}">
-              <a14:hiddenEffects xmlns:a14="http://schemas.microsoft.com/office/drawing/2010/main" xmlns="">
+              <a14:hiddenEffects xmlns="" xmlns:a14="http://schemas.microsoft.com/office/drawing/2010/main">
                 <a:effectLst>
                   <a:outerShdw dist="35921" dir="2700000" algn="ctr" rotWithShape="0">
                     <a:schemeClr val="bg2"/>
@@ -16025,7 +16024,7 @@
           <a:blip r:embed="rId2" cstate="print">
             <a:extLst>
               <a:ext uri="{28A0092B-C50C-407E-A947-70E740481C1C}">
-                <a14:useLocalDpi xmlns:a14="http://schemas.microsoft.com/office/drawing/2010/main" xmlns="" val="0"/>
+                <a14:useLocalDpi xmlns="" xmlns:a14="http://schemas.microsoft.com/office/drawing/2010/main" val="0"/>
               </a:ext>
             </a:extLst>
           </a:blip>
@@ -16054,7 +16053,7 @@
           <a:effectLst/>
           <a:extLst>
             <a:ext uri="{909E8E84-426E-40DD-AFC4-6F175D3DCCD1}">
-              <a14:hiddenFill xmlns:a14="http://schemas.microsoft.com/office/drawing/2010/main" xmlns="">
+              <a14:hiddenFill xmlns="" xmlns:a14="http://schemas.microsoft.com/office/drawing/2010/main">
                 <a:blipFill dpi="0" rotWithShape="0">
                   <a:blip/>
                   <a:srcRect/>
@@ -16065,7 +16064,7 @@
               </a14:hiddenFill>
             </a:ext>
             <a:ext uri="{AF507438-7753-43E0-B8FC-AC1667EBCBE1}">
-              <a14:hiddenEffects xmlns:a14="http://schemas.microsoft.com/office/drawing/2010/main" xmlns="">
+              <a14:hiddenEffects xmlns="" xmlns:a14="http://schemas.microsoft.com/office/drawing/2010/main">
                 <a:effectLst>
                   <a:outerShdw dist="35921" dir="2700000" algn="ctr" rotWithShape="0">
                     <a:srgbClr val="808080"/>
@@ -16105,14 +16104,14 @@
           <a:effectLst/>
           <a:extLst>
             <a:ext uri="{909E8E84-426E-40DD-AFC4-6F175D3DCCD1}">
-              <a14:hiddenFill xmlns:a14="http://schemas.microsoft.com/office/drawing/2010/main" xmlns="">
+              <a14:hiddenFill xmlns="" xmlns:a14="http://schemas.microsoft.com/office/drawing/2010/main">
                 <a:solidFill>
                   <a:srgbClr val="FFFFFF"/>
                 </a:solidFill>
               </a14:hiddenFill>
             </a:ext>
             <a:ext uri="{AF507438-7753-43E0-B8FC-AC1667EBCBE1}">
-              <a14:hiddenEffects xmlns:a14="http://schemas.microsoft.com/office/drawing/2010/main" xmlns="">
+              <a14:hiddenEffects xmlns="" xmlns:a14="http://schemas.microsoft.com/office/drawing/2010/main">
                 <a:effectLst>
                   <a:outerShdw dist="35921" dir="2700000" algn="ctr" rotWithShape="0">
                     <a:srgbClr val="808080"/>
@@ -16133,7 +16132,7 @@
     </p:spTree>
     <p:extLst>
       <p:ext uri="{BB962C8B-B14F-4D97-AF65-F5344CB8AC3E}">
-        <p14:creationId xmlns:p14="http://schemas.microsoft.com/office/powerpoint/2010/main" xmlns="" val="1834724012"/>
+        <p14:creationId xmlns="" xmlns:p14="http://schemas.microsoft.com/office/powerpoint/2010/main" val="1834724012"/>
       </p:ext>
     </p:extLst>
   </p:cSld>
@@ -16219,7 +16218,7 @@
           <a:effectLst/>
           <a:extLst>
             <a:ext uri="{AF507438-7753-43E0-B8FC-AC1667EBCBE1}">
-              <a14:hiddenEffects xmlns:a14="http://schemas.microsoft.com/office/drawing/2010/main" xmlns="">
+              <a14:hiddenEffects xmlns="" xmlns:a14="http://schemas.microsoft.com/office/drawing/2010/main">
                 <a:effectLst>
                   <a:outerShdw dist="35921" dir="2700000" algn="ctr" rotWithShape="0">
                     <a:schemeClr val="bg2"/>
@@ -16298,7 +16297,7 @@
           <a:effectLst/>
           <a:extLst>
             <a:ext uri="{AF507438-7753-43E0-B8FC-AC1667EBCBE1}">
-              <a14:hiddenEffects xmlns:a14="http://schemas.microsoft.com/office/drawing/2010/main" xmlns="">
+              <a14:hiddenEffects xmlns="" xmlns:a14="http://schemas.microsoft.com/office/drawing/2010/main">
                 <a:effectLst>
                   <a:outerShdw dist="35921" dir="2700000" algn="ctr" rotWithShape="0">
                     <a:schemeClr val="bg2"/>
@@ -16377,7 +16376,7 @@
           <a:effectLst/>
           <a:extLst>
             <a:ext uri="{AF507438-7753-43E0-B8FC-AC1667EBCBE1}">
-              <a14:hiddenEffects xmlns:a14="http://schemas.microsoft.com/office/drawing/2010/main" xmlns="">
+              <a14:hiddenEffects xmlns="" xmlns:a14="http://schemas.microsoft.com/office/drawing/2010/main">
                 <a:effectLst>
                   <a:outerShdw dist="35921" dir="2700000" algn="ctr" rotWithShape="0">
                     <a:schemeClr val="bg2"/>
@@ -16456,7 +16455,7 @@
           <a:effectLst/>
           <a:extLst>
             <a:ext uri="{AF507438-7753-43E0-B8FC-AC1667EBCBE1}">
-              <a14:hiddenEffects xmlns:a14="http://schemas.microsoft.com/office/drawing/2010/main" xmlns="">
+              <a14:hiddenEffects xmlns="" xmlns:a14="http://schemas.microsoft.com/office/drawing/2010/main">
                 <a:effectLst>
                   <a:outerShdw dist="35921" dir="2700000" algn="ctr" rotWithShape="0">
                     <a:schemeClr val="bg2"/>
@@ -16603,7 +16602,7 @@
           <a:effectLst/>
           <a:extLst>
             <a:ext uri="{AF507438-7753-43E0-B8FC-AC1667EBCBE1}">
-              <a14:hiddenEffects xmlns:a14="http://schemas.microsoft.com/office/drawing/2010/main" xmlns="">
+              <a14:hiddenEffects xmlns="" xmlns:a14="http://schemas.microsoft.com/office/drawing/2010/main">
                 <a:effectLst>
                   <a:outerShdw dist="35921" dir="2700000" algn="ctr" rotWithShape="0">
                     <a:schemeClr val="bg2"/>
@@ -16684,7 +16683,7 @@
           <a:effectLst/>
           <a:extLst>
             <a:ext uri="{AF507438-7753-43E0-B8FC-AC1667EBCBE1}">
-              <a14:hiddenEffects xmlns:a14="http://schemas.microsoft.com/office/drawing/2010/main" xmlns="">
+              <a14:hiddenEffects xmlns="" xmlns:a14="http://schemas.microsoft.com/office/drawing/2010/main">
                 <a:effectLst>
                   <a:outerShdw dist="35921" dir="2700000" algn="ctr" rotWithShape="0">
                     <a:schemeClr val="bg2"/>
@@ -16727,7 +16726,7 @@
           <a:effectLst/>
           <a:extLst>
             <a:ext uri="{AF507438-7753-43E0-B8FC-AC1667EBCBE1}">
-              <a14:hiddenEffects xmlns:a14="http://schemas.microsoft.com/office/drawing/2010/main" xmlns="">
+              <a14:hiddenEffects xmlns="" xmlns:a14="http://schemas.microsoft.com/office/drawing/2010/main">
                 <a:effectLst>
                   <a:outerShdw dist="35921" dir="2700000" algn="ctr" rotWithShape="0">
                     <a:schemeClr val="bg2"/>
@@ -16770,7 +16769,7 @@
           <a:effectLst/>
           <a:extLst>
             <a:ext uri="{AF507438-7753-43E0-B8FC-AC1667EBCBE1}">
-              <a14:hiddenEffects xmlns:a14="http://schemas.microsoft.com/office/drawing/2010/main" xmlns="">
+              <a14:hiddenEffects xmlns="" xmlns:a14="http://schemas.microsoft.com/office/drawing/2010/main">
                 <a:effectLst>
                   <a:outerShdw dist="35921" dir="2700000" algn="ctr" rotWithShape="0">
                     <a:schemeClr val="bg2"/>
@@ -16813,7 +16812,7 @@
           <a:effectLst/>
           <a:extLst>
             <a:ext uri="{AF507438-7753-43E0-B8FC-AC1667EBCBE1}">
-              <a14:hiddenEffects xmlns:a14="http://schemas.microsoft.com/office/drawing/2010/main" xmlns="">
+              <a14:hiddenEffects xmlns="" xmlns:a14="http://schemas.microsoft.com/office/drawing/2010/main">
                 <a:effectLst>
                   <a:outerShdw dist="35921" dir="2700000" algn="ctr" rotWithShape="0">
                     <a:schemeClr val="bg2"/>
@@ -16856,7 +16855,7 @@
           <a:effectLst/>
           <a:extLst>
             <a:ext uri="{AF507438-7753-43E0-B8FC-AC1667EBCBE1}">
-              <a14:hiddenEffects xmlns:a14="http://schemas.microsoft.com/office/drawing/2010/main" xmlns="">
+              <a14:hiddenEffects xmlns="" xmlns:a14="http://schemas.microsoft.com/office/drawing/2010/main">
                 <a:effectLst>
                   <a:outerShdw dist="35921" dir="2700000" algn="ctr" rotWithShape="0">
                     <a:schemeClr val="bg2"/>
@@ -16879,7 +16878,7 @@
           <a:blip r:embed="rId2" cstate="print">
             <a:extLst>
               <a:ext uri="{28A0092B-C50C-407E-A947-70E740481C1C}">
-                <a14:useLocalDpi xmlns:a14="http://schemas.microsoft.com/office/drawing/2010/main" xmlns="" val="0"/>
+                <a14:useLocalDpi xmlns="" xmlns:a14="http://schemas.microsoft.com/office/drawing/2010/main" val="0"/>
               </a:ext>
             </a:extLst>
           </a:blip>
@@ -16908,7 +16907,7 @@
           <a:effectLst/>
           <a:extLst>
             <a:ext uri="{909E8E84-426E-40DD-AFC4-6F175D3DCCD1}">
-              <a14:hiddenFill xmlns:a14="http://schemas.microsoft.com/office/drawing/2010/main" xmlns="">
+              <a14:hiddenFill xmlns="" xmlns:a14="http://schemas.microsoft.com/office/drawing/2010/main">
                 <a:blipFill dpi="0" rotWithShape="0">
                   <a:blip/>
                   <a:srcRect/>
@@ -16919,7 +16918,7 @@
               </a14:hiddenFill>
             </a:ext>
             <a:ext uri="{AF507438-7753-43E0-B8FC-AC1667EBCBE1}">
-              <a14:hiddenEffects xmlns:a14="http://schemas.microsoft.com/office/drawing/2010/main" xmlns="">
+              <a14:hiddenEffects xmlns="" xmlns:a14="http://schemas.microsoft.com/office/drawing/2010/main">
                 <a:effectLst>
                   <a:outerShdw dist="35921" dir="2700000" algn="ctr" rotWithShape="0">
                     <a:srgbClr val="808080"/>
@@ -16959,14 +16958,14 @@
           <a:effectLst/>
           <a:extLst>
             <a:ext uri="{909E8E84-426E-40DD-AFC4-6F175D3DCCD1}">
-              <a14:hiddenFill xmlns:a14="http://schemas.microsoft.com/office/drawing/2010/main" xmlns="">
+              <a14:hiddenFill xmlns="" xmlns:a14="http://schemas.microsoft.com/office/drawing/2010/main">
                 <a:solidFill>
                   <a:srgbClr val="FFFFFF"/>
                 </a:solidFill>
               </a14:hiddenFill>
             </a:ext>
             <a:ext uri="{AF507438-7753-43E0-B8FC-AC1667EBCBE1}">
-              <a14:hiddenEffects xmlns:a14="http://schemas.microsoft.com/office/drawing/2010/main" xmlns="">
+              <a14:hiddenEffects xmlns="" xmlns:a14="http://schemas.microsoft.com/office/drawing/2010/main">
                 <a:effectLst>
                   <a:outerShdw dist="35921" dir="2700000" algn="ctr" rotWithShape="0">
                     <a:srgbClr val="808080"/>
@@ -16987,7 +16986,7 @@
     </p:spTree>
     <p:extLst>
       <p:ext uri="{BB962C8B-B14F-4D97-AF65-F5344CB8AC3E}">
-        <p14:creationId xmlns:p14="http://schemas.microsoft.com/office/powerpoint/2010/main" xmlns="" val="1834724012"/>
+        <p14:creationId xmlns="" xmlns:p14="http://schemas.microsoft.com/office/powerpoint/2010/main" val="1834724012"/>
       </p:ext>
     </p:extLst>
   </p:cSld>
@@ -17073,7 +17072,7 @@
           <a:effectLst/>
           <a:extLst>
             <a:ext uri="{AF507438-7753-43E0-B8FC-AC1667EBCBE1}">
-              <a14:hiddenEffects xmlns:a14="http://schemas.microsoft.com/office/drawing/2010/main" xmlns="">
+              <a14:hiddenEffects xmlns="" xmlns:a14="http://schemas.microsoft.com/office/drawing/2010/main">
                 <a:effectLst>
                   <a:outerShdw dist="35921" dir="2700000" algn="ctr" rotWithShape="0">
                     <a:schemeClr val="bg2"/>
@@ -17152,7 +17151,7 @@
           <a:effectLst/>
           <a:extLst>
             <a:ext uri="{AF507438-7753-43E0-B8FC-AC1667EBCBE1}">
-              <a14:hiddenEffects xmlns:a14="http://schemas.microsoft.com/office/drawing/2010/main" xmlns="">
+              <a14:hiddenEffects xmlns="" xmlns:a14="http://schemas.microsoft.com/office/drawing/2010/main">
                 <a:effectLst>
                   <a:outerShdw dist="35921" dir="2700000" algn="ctr" rotWithShape="0">
                     <a:schemeClr val="bg2"/>
@@ -17231,7 +17230,7 @@
           <a:effectLst/>
           <a:extLst>
             <a:ext uri="{AF507438-7753-43E0-B8FC-AC1667EBCBE1}">
-              <a14:hiddenEffects xmlns:a14="http://schemas.microsoft.com/office/drawing/2010/main" xmlns="">
+              <a14:hiddenEffects xmlns="" xmlns:a14="http://schemas.microsoft.com/office/drawing/2010/main">
                 <a:effectLst>
                   <a:outerShdw dist="35921" dir="2700000" algn="ctr" rotWithShape="0">
                     <a:schemeClr val="bg2"/>
@@ -17310,7 +17309,7 @@
           <a:effectLst/>
           <a:extLst>
             <a:ext uri="{AF507438-7753-43E0-B8FC-AC1667EBCBE1}">
-              <a14:hiddenEffects xmlns:a14="http://schemas.microsoft.com/office/drawing/2010/main" xmlns="">
+              <a14:hiddenEffects xmlns="" xmlns:a14="http://schemas.microsoft.com/office/drawing/2010/main">
                 <a:effectLst>
                   <a:outerShdw dist="35921" dir="2700000" algn="ctr" rotWithShape="0">
                     <a:schemeClr val="bg2"/>
@@ -17457,7 +17456,7 @@
           <a:effectLst/>
           <a:extLst>
             <a:ext uri="{AF507438-7753-43E0-B8FC-AC1667EBCBE1}">
-              <a14:hiddenEffects xmlns:a14="http://schemas.microsoft.com/office/drawing/2010/main" xmlns="">
+              <a14:hiddenEffects xmlns="" xmlns:a14="http://schemas.microsoft.com/office/drawing/2010/main">
                 <a:effectLst>
                   <a:outerShdw dist="35921" dir="2700000" algn="ctr" rotWithShape="0">
                     <a:schemeClr val="bg2"/>
@@ -17538,7 +17537,7 @@
           <a:effectLst/>
           <a:extLst>
             <a:ext uri="{AF507438-7753-43E0-B8FC-AC1667EBCBE1}">
-              <a14:hiddenEffects xmlns:a14="http://schemas.microsoft.com/office/drawing/2010/main" xmlns="">
+              <a14:hiddenEffects xmlns="" xmlns:a14="http://schemas.microsoft.com/office/drawing/2010/main">
                 <a:effectLst>
                   <a:outerShdw dist="35921" dir="2700000" algn="ctr" rotWithShape="0">
                     <a:schemeClr val="bg2"/>
@@ -17581,7 +17580,7 @@
           <a:effectLst/>
           <a:extLst>
             <a:ext uri="{AF507438-7753-43E0-B8FC-AC1667EBCBE1}">
-              <a14:hiddenEffects xmlns:a14="http://schemas.microsoft.com/office/drawing/2010/main" xmlns="">
+              <a14:hiddenEffects xmlns="" xmlns:a14="http://schemas.microsoft.com/office/drawing/2010/main">
                 <a:effectLst>
                   <a:outerShdw dist="35921" dir="2700000" algn="ctr" rotWithShape="0">
                     <a:schemeClr val="bg2"/>
@@ -17624,7 +17623,7 @@
           <a:effectLst/>
           <a:extLst>
             <a:ext uri="{AF507438-7753-43E0-B8FC-AC1667EBCBE1}">
-              <a14:hiddenEffects xmlns:a14="http://schemas.microsoft.com/office/drawing/2010/main" xmlns="">
+              <a14:hiddenEffects xmlns="" xmlns:a14="http://schemas.microsoft.com/office/drawing/2010/main">
                 <a:effectLst>
                   <a:outerShdw dist="35921" dir="2700000" algn="ctr" rotWithShape="0">
                     <a:schemeClr val="bg2"/>
@@ -17667,7 +17666,7 @@
           <a:effectLst/>
           <a:extLst>
             <a:ext uri="{AF507438-7753-43E0-B8FC-AC1667EBCBE1}">
-              <a14:hiddenEffects xmlns:a14="http://schemas.microsoft.com/office/drawing/2010/main" xmlns="">
+              <a14:hiddenEffects xmlns="" xmlns:a14="http://schemas.microsoft.com/office/drawing/2010/main">
                 <a:effectLst>
                   <a:outerShdw dist="35921" dir="2700000" algn="ctr" rotWithShape="0">
                     <a:schemeClr val="bg2"/>
@@ -17710,7 +17709,7 @@
           <a:effectLst/>
           <a:extLst>
             <a:ext uri="{AF507438-7753-43E0-B8FC-AC1667EBCBE1}">
-              <a14:hiddenEffects xmlns:a14="http://schemas.microsoft.com/office/drawing/2010/main" xmlns="">
+              <a14:hiddenEffects xmlns="" xmlns:a14="http://schemas.microsoft.com/office/drawing/2010/main">
                 <a:effectLst>
                   <a:outerShdw dist="35921" dir="2700000" algn="ctr" rotWithShape="0">
                     <a:schemeClr val="bg2"/>
@@ -17733,7 +17732,7 @@
           <a:blip r:embed="rId2" cstate="print">
             <a:extLst>
               <a:ext uri="{28A0092B-C50C-407E-A947-70E740481C1C}">
-                <a14:useLocalDpi xmlns:a14="http://schemas.microsoft.com/office/drawing/2010/main" xmlns="" val="0"/>
+                <a14:useLocalDpi xmlns="" xmlns:a14="http://schemas.microsoft.com/office/drawing/2010/main" val="0"/>
               </a:ext>
             </a:extLst>
           </a:blip>
@@ -17762,7 +17761,7 @@
           <a:effectLst/>
           <a:extLst>
             <a:ext uri="{909E8E84-426E-40DD-AFC4-6F175D3DCCD1}">
-              <a14:hiddenFill xmlns:a14="http://schemas.microsoft.com/office/drawing/2010/main" xmlns="">
+              <a14:hiddenFill xmlns="" xmlns:a14="http://schemas.microsoft.com/office/drawing/2010/main">
                 <a:blipFill dpi="0" rotWithShape="0">
                   <a:blip/>
                   <a:srcRect/>
@@ -17773,7 +17772,7 @@
               </a14:hiddenFill>
             </a:ext>
             <a:ext uri="{AF507438-7753-43E0-B8FC-AC1667EBCBE1}">
-              <a14:hiddenEffects xmlns:a14="http://schemas.microsoft.com/office/drawing/2010/main" xmlns="">
+              <a14:hiddenEffects xmlns="" xmlns:a14="http://schemas.microsoft.com/office/drawing/2010/main">
                 <a:effectLst>
                   <a:outerShdw dist="35921" dir="2700000" algn="ctr" rotWithShape="0">
                     <a:srgbClr val="808080"/>
@@ -17813,14 +17812,14 @@
           <a:effectLst/>
           <a:extLst>
             <a:ext uri="{909E8E84-426E-40DD-AFC4-6F175D3DCCD1}">
-              <a14:hiddenFill xmlns:a14="http://schemas.microsoft.com/office/drawing/2010/main" xmlns="">
+              <a14:hiddenFill xmlns="" xmlns:a14="http://schemas.microsoft.com/office/drawing/2010/main">
                 <a:solidFill>
                   <a:srgbClr val="FFFFFF"/>
                 </a:solidFill>
               </a14:hiddenFill>
             </a:ext>
             <a:ext uri="{AF507438-7753-43E0-B8FC-AC1667EBCBE1}">
-              <a14:hiddenEffects xmlns:a14="http://schemas.microsoft.com/office/drawing/2010/main" xmlns="">
+              <a14:hiddenEffects xmlns="" xmlns:a14="http://schemas.microsoft.com/office/drawing/2010/main">
                 <a:effectLst>
                   <a:outerShdw dist="35921" dir="2700000" algn="ctr" rotWithShape="0">
                     <a:srgbClr val="808080"/>
@@ -17841,7 +17840,7 @@
     </p:spTree>
     <p:extLst>
       <p:ext uri="{BB962C8B-B14F-4D97-AF65-F5344CB8AC3E}">
-        <p14:creationId xmlns:p14="http://schemas.microsoft.com/office/powerpoint/2010/main" xmlns="" val="1834724012"/>
+        <p14:creationId xmlns="" xmlns:p14="http://schemas.microsoft.com/office/powerpoint/2010/main" val="1834724012"/>
       </p:ext>
     </p:extLst>
   </p:cSld>
@@ -17927,7 +17926,7 @@
           <a:effectLst/>
           <a:extLst>
             <a:ext uri="{AF507438-7753-43E0-B8FC-AC1667EBCBE1}">
-              <a14:hiddenEffects xmlns:a14="http://schemas.microsoft.com/office/drawing/2010/main" xmlns="">
+              <a14:hiddenEffects xmlns="" xmlns:a14="http://schemas.microsoft.com/office/drawing/2010/main">
                 <a:effectLst>
                   <a:outerShdw dist="35921" dir="2700000" algn="ctr" rotWithShape="0">
                     <a:schemeClr val="bg2"/>
@@ -18006,7 +18005,7 @@
           <a:effectLst/>
           <a:extLst>
             <a:ext uri="{AF507438-7753-43E0-B8FC-AC1667EBCBE1}">
-              <a14:hiddenEffects xmlns:a14="http://schemas.microsoft.com/office/drawing/2010/main" xmlns="">
+              <a14:hiddenEffects xmlns="" xmlns:a14="http://schemas.microsoft.com/office/drawing/2010/main">
                 <a:effectLst>
                   <a:outerShdw dist="35921" dir="2700000" algn="ctr" rotWithShape="0">
                     <a:schemeClr val="bg2"/>
@@ -18085,7 +18084,7 @@
           <a:effectLst/>
           <a:extLst>
             <a:ext uri="{AF507438-7753-43E0-B8FC-AC1667EBCBE1}">
-              <a14:hiddenEffects xmlns:a14="http://schemas.microsoft.com/office/drawing/2010/main" xmlns="">
+              <a14:hiddenEffects xmlns="" xmlns:a14="http://schemas.microsoft.com/office/drawing/2010/main">
                 <a:effectLst>
                   <a:outerShdw dist="35921" dir="2700000" algn="ctr" rotWithShape="0">
                     <a:schemeClr val="bg2"/>
@@ -18164,7 +18163,7 @@
           <a:effectLst/>
           <a:extLst>
             <a:ext uri="{AF507438-7753-43E0-B8FC-AC1667EBCBE1}">
-              <a14:hiddenEffects xmlns:a14="http://schemas.microsoft.com/office/drawing/2010/main" xmlns="">
+              <a14:hiddenEffects xmlns="" xmlns:a14="http://schemas.microsoft.com/office/drawing/2010/main">
                 <a:effectLst>
                   <a:outerShdw dist="35921" dir="2700000" algn="ctr" rotWithShape="0">
                     <a:schemeClr val="bg2"/>
@@ -18311,7 +18310,7 @@
           <a:effectLst/>
           <a:extLst>
             <a:ext uri="{AF507438-7753-43E0-B8FC-AC1667EBCBE1}">
-              <a14:hiddenEffects xmlns:a14="http://schemas.microsoft.com/office/drawing/2010/main" xmlns="">
+              <a14:hiddenEffects xmlns="" xmlns:a14="http://schemas.microsoft.com/office/drawing/2010/main">
                 <a:effectLst>
                   <a:outerShdw dist="35921" dir="2700000" algn="ctr" rotWithShape="0">
                     <a:schemeClr val="bg2"/>
@@ -18392,7 +18391,7 @@
           <a:effectLst/>
           <a:extLst>
             <a:ext uri="{AF507438-7753-43E0-B8FC-AC1667EBCBE1}">
-              <a14:hiddenEffects xmlns:a14="http://schemas.microsoft.com/office/drawing/2010/main" xmlns="">
+              <a14:hiddenEffects xmlns="" xmlns:a14="http://schemas.microsoft.com/office/drawing/2010/main">
                 <a:effectLst>
                   <a:outerShdw dist="35921" dir="2700000" algn="ctr" rotWithShape="0">
                     <a:schemeClr val="bg2"/>
@@ -18435,7 +18434,7 @@
           <a:effectLst/>
           <a:extLst>
             <a:ext uri="{AF507438-7753-43E0-B8FC-AC1667EBCBE1}">
-              <a14:hiddenEffects xmlns:a14="http://schemas.microsoft.com/office/drawing/2010/main" xmlns="">
+              <a14:hiddenEffects xmlns="" xmlns:a14="http://schemas.microsoft.com/office/drawing/2010/main">
                 <a:effectLst>
                   <a:outerShdw dist="35921" dir="2700000" algn="ctr" rotWithShape="0">
                     <a:schemeClr val="bg2"/>
@@ -18478,7 +18477,7 @@
           <a:effectLst/>
           <a:extLst>
             <a:ext uri="{AF507438-7753-43E0-B8FC-AC1667EBCBE1}">
-              <a14:hiddenEffects xmlns:a14="http://schemas.microsoft.com/office/drawing/2010/main" xmlns="">
+              <a14:hiddenEffects xmlns="" xmlns:a14="http://schemas.microsoft.com/office/drawing/2010/main">
                 <a:effectLst>
                   <a:outerShdw dist="35921" dir="2700000" algn="ctr" rotWithShape="0">
                     <a:schemeClr val="bg2"/>
@@ -18521,7 +18520,7 @@
           <a:effectLst/>
           <a:extLst>
             <a:ext uri="{AF507438-7753-43E0-B8FC-AC1667EBCBE1}">
-              <a14:hiddenEffects xmlns:a14="http://schemas.microsoft.com/office/drawing/2010/main" xmlns="">
+              <a14:hiddenEffects xmlns="" xmlns:a14="http://schemas.microsoft.com/office/drawing/2010/main">
                 <a:effectLst>
                   <a:outerShdw dist="35921" dir="2700000" algn="ctr" rotWithShape="0">
                     <a:schemeClr val="bg2"/>
@@ -18564,7 +18563,7 @@
           <a:effectLst/>
           <a:extLst>
             <a:ext uri="{AF507438-7753-43E0-B8FC-AC1667EBCBE1}">
-              <a14:hiddenEffects xmlns:a14="http://schemas.microsoft.com/office/drawing/2010/main" xmlns="">
+              <a14:hiddenEffects xmlns="" xmlns:a14="http://schemas.microsoft.com/office/drawing/2010/main">
                 <a:effectLst>
                   <a:outerShdw dist="35921" dir="2700000" algn="ctr" rotWithShape="0">
                     <a:schemeClr val="bg2"/>
@@ -18587,7 +18586,7 @@
           <a:blip r:embed="rId2" cstate="print">
             <a:extLst>
               <a:ext uri="{28A0092B-C50C-407E-A947-70E740481C1C}">
-                <a14:useLocalDpi xmlns:a14="http://schemas.microsoft.com/office/drawing/2010/main" xmlns="" val="0"/>
+                <a14:useLocalDpi xmlns="" xmlns:a14="http://schemas.microsoft.com/office/drawing/2010/main" val="0"/>
               </a:ext>
             </a:extLst>
           </a:blip>
@@ -18616,7 +18615,7 @@
           <a:effectLst/>
           <a:extLst>
             <a:ext uri="{909E8E84-426E-40DD-AFC4-6F175D3DCCD1}">
-              <a14:hiddenFill xmlns:a14="http://schemas.microsoft.com/office/drawing/2010/main" xmlns="">
+              <a14:hiddenFill xmlns="" xmlns:a14="http://schemas.microsoft.com/office/drawing/2010/main">
                 <a:blipFill dpi="0" rotWithShape="0">
                   <a:blip/>
                   <a:srcRect/>
@@ -18627,7 +18626,7 @@
               </a14:hiddenFill>
             </a:ext>
             <a:ext uri="{AF507438-7753-43E0-B8FC-AC1667EBCBE1}">
-              <a14:hiddenEffects xmlns:a14="http://schemas.microsoft.com/office/drawing/2010/main" xmlns="">
+              <a14:hiddenEffects xmlns="" xmlns:a14="http://schemas.microsoft.com/office/drawing/2010/main">
                 <a:effectLst>
                   <a:outerShdw dist="35921" dir="2700000" algn="ctr" rotWithShape="0">
                     <a:srgbClr val="808080"/>
@@ -18667,14 +18666,14 @@
           <a:effectLst/>
           <a:extLst>
             <a:ext uri="{909E8E84-426E-40DD-AFC4-6F175D3DCCD1}">
-              <a14:hiddenFill xmlns:a14="http://schemas.microsoft.com/office/drawing/2010/main" xmlns="">
+              <a14:hiddenFill xmlns="" xmlns:a14="http://schemas.microsoft.com/office/drawing/2010/main">
                 <a:solidFill>
                   <a:srgbClr val="FFFFFF"/>
                 </a:solidFill>
               </a14:hiddenFill>
             </a:ext>
             <a:ext uri="{AF507438-7753-43E0-B8FC-AC1667EBCBE1}">
-              <a14:hiddenEffects xmlns:a14="http://schemas.microsoft.com/office/drawing/2010/main" xmlns="">
+              <a14:hiddenEffects xmlns="" xmlns:a14="http://schemas.microsoft.com/office/drawing/2010/main">
                 <a:effectLst>
                   <a:outerShdw dist="35921" dir="2700000" algn="ctr" rotWithShape="0">
                     <a:srgbClr val="808080"/>
@@ -18695,7 +18694,7 @@
     </p:spTree>
     <p:extLst>
       <p:ext uri="{BB962C8B-B14F-4D97-AF65-F5344CB8AC3E}">
-        <p14:creationId xmlns:p14="http://schemas.microsoft.com/office/powerpoint/2010/main" xmlns="" val="1834724012"/>
+        <p14:creationId xmlns="" xmlns:p14="http://schemas.microsoft.com/office/powerpoint/2010/main" val="1834724012"/>
       </p:ext>
     </p:extLst>
   </p:cSld>
@@ -18778,13 +18777,8 @@
             </a:pPr>
             <a:r>
               <a:rPr lang="en-GB" dirty="0" smtClean="0"/>
-              <a:t>Trained with large selection of pictures of </a:t>
+              <a:t>Trained with large selection of pictures of people</a:t>
             </a:r>
-            <a:r>
-              <a:rPr lang="en-GB" dirty="0" smtClean="0"/>
-              <a:t>people</a:t>
-            </a:r>
-            <a:endParaRPr lang="en-GB" dirty="0" smtClean="0"/>
           </a:p>
         </p:txBody>
       </p:sp>
@@ -18817,7 +18811,7 @@
           <a:effectLst/>
           <a:extLst>
             <a:ext uri="{AF507438-7753-43E0-B8FC-AC1667EBCBE1}">
-              <a14:hiddenEffects xmlns:a14="http://schemas.microsoft.com/office/drawing/2010/main" xmlns="">
+              <a14:hiddenEffects xmlns="" xmlns:a14="http://schemas.microsoft.com/office/drawing/2010/main">
                 <a:effectLst>
                   <a:outerShdw dist="35921" dir="2700000" algn="ctr" rotWithShape="0">
                     <a:schemeClr val="bg2"/>
@@ -18896,7 +18890,7 @@
           <a:effectLst/>
           <a:extLst>
             <a:ext uri="{AF507438-7753-43E0-B8FC-AC1667EBCBE1}">
-              <a14:hiddenEffects xmlns:a14="http://schemas.microsoft.com/office/drawing/2010/main" xmlns="">
+              <a14:hiddenEffects xmlns="" xmlns:a14="http://schemas.microsoft.com/office/drawing/2010/main">
                 <a:effectLst>
                   <a:outerShdw dist="35921" dir="2700000" algn="ctr" rotWithShape="0">
                     <a:schemeClr val="bg2"/>
@@ -18975,7 +18969,7 @@
           <a:effectLst/>
           <a:extLst>
             <a:ext uri="{AF507438-7753-43E0-B8FC-AC1667EBCBE1}">
-              <a14:hiddenEffects xmlns:a14="http://schemas.microsoft.com/office/drawing/2010/main" xmlns="">
+              <a14:hiddenEffects xmlns="" xmlns:a14="http://schemas.microsoft.com/office/drawing/2010/main">
                 <a:effectLst>
                   <a:outerShdw dist="35921" dir="2700000" algn="ctr" rotWithShape="0">
                     <a:schemeClr val="bg2"/>
@@ -19054,7 +19048,7 @@
           <a:effectLst/>
           <a:extLst>
             <a:ext uri="{AF507438-7753-43E0-B8FC-AC1667EBCBE1}">
-              <a14:hiddenEffects xmlns:a14="http://schemas.microsoft.com/office/drawing/2010/main" xmlns="">
+              <a14:hiddenEffects xmlns="" xmlns:a14="http://schemas.microsoft.com/office/drawing/2010/main">
                 <a:effectLst>
                   <a:outerShdw dist="35921" dir="2700000" algn="ctr" rotWithShape="0">
                     <a:schemeClr val="bg2"/>
@@ -19133,7 +19127,7 @@
           <a:effectLst/>
           <a:extLst>
             <a:ext uri="{AF507438-7753-43E0-B8FC-AC1667EBCBE1}">
-              <a14:hiddenEffects xmlns:a14="http://schemas.microsoft.com/office/drawing/2010/main" xmlns="">
+              <a14:hiddenEffects xmlns="" xmlns:a14="http://schemas.microsoft.com/office/drawing/2010/main">
                 <a:effectLst>
                   <a:outerShdw dist="35921" dir="2700000" algn="ctr" rotWithShape="0">
                     <a:schemeClr val="bg2"/>
@@ -19282,7 +19276,7 @@
           <a:effectLst/>
           <a:extLst>
             <a:ext uri="{AF507438-7753-43E0-B8FC-AC1667EBCBE1}">
-              <a14:hiddenEffects xmlns:a14="http://schemas.microsoft.com/office/drawing/2010/main" xmlns="">
+              <a14:hiddenEffects xmlns="" xmlns:a14="http://schemas.microsoft.com/office/drawing/2010/main">
                 <a:effectLst>
                   <a:outerShdw dist="35921" dir="2700000" algn="ctr" rotWithShape="0">
                     <a:schemeClr val="bg2"/>
@@ -19325,7 +19319,7 @@
           <a:effectLst/>
           <a:extLst>
             <a:ext uri="{AF507438-7753-43E0-B8FC-AC1667EBCBE1}">
-              <a14:hiddenEffects xmlns:a14="http://schemas.microsoft.com/office/drawing/2010/main" xmlns="">
+              <a14:hiddenEffects xmlns="" xmlns:a14="http://schemas.microsoft.com/office/drawing/2010/main">
                 <a:effectLst>
                   <a:outerShdw dist="35921" dir="2700000" algn="ctr" rotWithShape="0">
                     <a:schemeClr val="bg2"/>
@@ -19368,7 +19362,7 @@
           <a:effectLst/>
           <a:extLst>
             <a:ext uri="{AF507438-7753-43E0-B8FC-AC1667EBCBE1}">
-              <a14:hiddenEffects xmlns:a14="http://schemas.microsoft.com/office/drawing/2010/main" xmlns="">
+              <a14:hiddenEffects xmlns="" xmlns:a14="http://schemas.microsoft.com/office/drawing/2010/main">
                 <a:effectLst>
                   <a:outerShdw dist="35921" dir="2700000" algn="ctr" rotWithShape="0">
                     <a:schemeClr val="bg2"/>
@@ -19411,7 +19405,7 @@
           <a:effectLst/>
           <a:extLst>
             <a:ext uri="{AF507438-7753-43E0-B8FC-AC1667EBCBE1}">
-              <a14:hiddenEffects xmlns:a14="http://schemas.microsoft.com/office/drawing/2010/main" xmlns="">
+              <a14:hiddenEffects xmlns="" xmlns:a14="http://schemas.microsoft.com/office/drawing/2010/main">
                 <a:effectLst>
                   <a:outerShdw dist="35921" dir="2700000" algn="ctr" rotWithShape="0">
                     <a:schemeClr val="bg2"/>
@@ -19454,7 +19448,7 @@
           <a:effectLst/>
           <a:extLst>
             <a:ext uri="{AF507438-7753-43E0-B8FC-AC1667EBCBE1}">
-              <a14:hiddenEffects xmlns:a14="http://schemas.microsoft.com/office/drawing/2010/main" xmlns="">
+              <a14:hiddenEffects xmlns="" xmlns:a14="http://schemas.microsoft.com/office/drawing/2010/main">
                 <a:effectLst>
                   <a:outerShdw dist="35921" dir="2700000" algn="ctr" rotWithShape="0">
                     <a:schemeClr val="bg2"/>
@@ -19520,14 +19514,14 @@
           <a:effectLst/>
           <a:extLst>
             <a:ext uri="{909E8E84-426E-40DD-AFC4-6F175D3DCCD1}">
-              <a14:hiddenFill xmlns:a14="http://schemas.microsoft.com/office/drawing/2010/main" xmlns="">
+              <a14:hiddenFill xmlns="" xmlns:a14="http://schemas.microsoft.com/office/drawing/2010/main">
                 <a:solidFill>
                   <a:srgbClr val="FFFFFF"/>
                 </a:solidFill>
               </a14:hiddenFill>
             </a:ext>
             <a:ext uri="{91240B29-F687-4F45-9708-019B960494DF}">
-              <a14:hiddenLine xmlns:a14="http://schemas.microsoft.com/office/drawing/2010/main" xmlns="" w="9525">
+              <a14:hiddenLine xmlns="" xmlns:a14="http://schemas.microsoft.com/office/drawing/2010/main" w="9525">
                 <a:solidFill>
                   <a:srgbClr val="000000"/>
                 </a:solidFill>
@@ -19537,7 +19531,7 @@
               </a14:hiddenLine>
             </a:ext>
             <a:ext uri="{AF507438-7753-43E0-B8FC-AC1667EBCBE1}">
-              <a14:hiddenEffects xmlns:a14="http://schemas.microsoft.com/office/drawing/2010/main" xmlns="">
+              <a14:hiddenEffects xmlns="" xmlns:a14="http://schemas.microsoft.com/office/drawing/2010/main">
                 <a:effectLst>
                   <a:outerShdw dist="35921" dir="2700000" algn="ctr" rotWithShape="0">
                     <a:schemeClr val="bg2"/>
@@ -19675,7 +19669,7 @@
     </p:spTree>
     <p:extLst>
       <p:ext uri="{BB962C8B-B14F-4D97-AF65-F5344CB8AC3E}">
-        <p14:creationId xmlns:p14="http://schemas.microsoft.com/office/powerpoint/2010/main" xmlns="" val="809673653"/>
+        <p14:creationId xmlns="" xmlns:p14="http://schemas.microsoft.com/office/powerpoint/2010/main" val="809673653"/>
       </p:ext>
     </p:extLst>
   </p:cSld>
@@ -20004,11 +19998,7 @@
             </a:pPr>
             <a:r>
               <a:rPr lang="en-GB" dirty="0" smtClean="0"/>
-              <a:t>Retrained </a:t>
-            </a:r>
-            <a:r>
-              <a:rPr lang="en-GB" dirty="0" smtClean="0"/>
-              <a:t>on false positives</a:t>
+              <a:t>Retrained on false positives</a:t>
             </a:r>
           </a:p>
           <a:p>
@@ -20018,11 +20008,7 @@
             </a:pPr>
             <a:r>
               <a:rPr lang="en-GB" dirty="0" smtClean="0"/>
-              <a:t>SVM predicts </a:t>
-            </a:r>
-            <a:r>
-              <a:rPr lang="en-GB" dirty="0" smtClean="0"/>
-              <a:t>whether a HOG window contains a person</a:t>
+              <a:t>SVM predicts whether a HOG window contains a person</a:t>
             </a:r>
           </a:p>
           <a:p>
@@ -20066,7 +20052,7 @@
           <a:effectLst/>
           <a:extLst>
             <a:ext uri="{AF507438-7753-43E0-B8FC-AC1667EBCBE1}">
-              <a14:hiddenEffects xmlns:a14="http://schemas.microsoft.com/office/drawing/2010/main" xmlns="">
+              <a14:hiddenEffects xmlns="" xmlns:a14="http://schemas.microsoft.com/office/drawing/2010/main">
                 <a:effectLst>
                   <a:outerShdw dist="35921" dir="2700000" algn="ctr" rotWithShape="0">
                     <a:schemeClr val="bg2"/>
@@ -20145,7 +20131,7 @@
           <a:effectLst/>
           <a:extLst>
             <a:ext uri="{AF507438-7753-43E0-B8FC-AC1667EBCBE1}">
-              <a14:hiddenEffects xmlns:a14="http://schemas.microsoft.com/office/drawing/2010/main" xmlns="">
+              <a14:hiddenEffects xmlns="" xmlns:a14="http://schemas.microsoft.com/office/drawing/2010/main">
                 <a:effectLst>
                   <a:outerShdw dist="35921" dir="2700000" algn="ctr" rotWithShape="0">
                     <a:schemeClr val="bg2"/>
@@ -20224,7 +20210,7 @@
           <a:effectLst/>
           <a:extLst>
             <a:ext uri="{AF507438-7753-43E0-B8FC-AC1667EBCBE1}">
-              <a14:hiddenEffects xmlns:a14="http://schemas.microsoft.com/office/drawing/2010/main" xmlns="">
+              <a14:hiddenEffects xmlns="" xmlns:a14="http://schemas.microsoft.com/office/drawing/2010/main">
                 <a:effectLst>
                   <a:outerShdw dist="35921" dir="2700000" algn="ctr" rotWithShape="0">
                     <a:schemeClr val="bg2"/>
@@ -20303,7 +20289,7 @@
           <a:effectLst/>
           <a:extLst>
             <a:ext uri="{AF507438-7753-43E0-B8FC-AC1667EBCBE1}">
-              <a14:hiddenEffects xmlns:a14="http://schemas.microsoft.com/office/drawing/2010/main" xmlns="">
+              <a14:hiddenEffects xmlns="" xmlns:a14="http://schemas.microsoft.com/office/drawing/2010/main">
                 <a:effectLst>
                   <a:outerShdw dist="35921" dir="2700000" algn="ctr" rotWithShape="0">
                     <a:schemeClr val="bg2"/>
@@ -20382,7 +20368,7 @@
           <a:effectLst/>
           <a:extLst>
             <a:ext uri="{AF507438-7753-43E0-B8FC-AC1667EBCBE1}">
-              <a14:hiddenEffects xmlns:a14="http://schemas.microsoft.com/office/drawing/2010/main" xmlns="">
+              <a14:hiddenEffects xmlns="" xmlns:a14="http://schemas.microsoft.com/office/drawing/2010/main">
                 <a:effectLst>
                   <a:outerShdw dist="35921" dir="2700000" algn="ctr" rotWithShape="0">
                     <a:schemeClr val="bg2"/>
@@ -20531,7 +20517,7 @@
           <a:effectLst/>
           <a:extLst>
             <a:ext uri="{AF507438-7753-43E0-B8FC-AC1667EBCBE1}">
-              <a14:hiddenEffects xmlns:a14="http://schemas.microsoft.com/office/drawing/2010/main" xmlns="">
+              <a14:hiddenEffects xmlns="" xmlns:a14="http://schemas.microsoft.com/office/drawing/2010/main">
                 <a:effectLst>
                   <a:outerShdw dist="35921" dir="2700000" algn="ctr" rotWithShape="0">
                     <a:schemeClr val="bg2"/>
@@ -20574,7 +20560,7 @@
           <a:effectLst/>
           <a:extLst>
             <a:ext uri="{AF507438-7753-43E0-B8FC-AC1667EBCBE1}">
-              <a14:hiddenEffects xmlns:a14="http://schemas.microsoft.com/office/drawing/2010/main" xmlns="">
+              <a14:hiddenEffects xmlns="" xmlns:a14="http://schemas.microsoft.com/office/drawing/2010/main">
                 <a:effectLst>
                   <a:outerShdw dist="35921" dir="2700000" algn="ctr" rotWithShape="0">
                     <a:schemeClr val="bg2"/>
@@ -20617,7 +20603,7 @@
           <a:effectLst/>
           <a:extLst>
             <a:ext uri="{AF507438-7753-43E0-B8FC-AC1667EBCBE1}">
-              <a14:hiddenEffects xmlns:a14="http://schemas.microsoft.com/office/drawing/2010/main" xmlns="">
+              <a14:hiddenEffects xmlns="" xmlns:a14="http://schemas.microsoft.com/office/drawing/2010/main">
                 <a:effectLst>
                   <a:outerShdw dist="35921" dir="2700000" algn="ctr" rotWithShape="0">
                     <a:schemeClr val="bg2"/>
@@ -20660,7 +20646,7 @@
           <a:effectLst/>
           <a:extLst>
             <a:ext uri="{AF507438-7753-43E0-B8FC-AC1667EBCBE1}">
-              <a14:hiddenEffects xmlns:a14="http://schemas.microsoft.com/office/drawing/2010/main" xmlns="">
+              <a14:hiddenEffects xmlns="" xmlns:a14="http://schemas.microsoft.com/office/drawing/2010/main">
                 <a:effectLst>
                   <a:outerShdw dist="35921" dir="2700000" algn="ctr" rotWithShape="0">
                     <a:schemeClr val="bg2"/>
@@ -20703,7 +20689,7 @@
           <a:effectLst/>
           <a:extLst>
             <a:ext uri="{AF507438-7753-43E0-B8FC-AC1667EBCBE1}">
-              <a14:hiddenEffects xmlns:a14="http://schemas.microsoft.com/office/drawing/2010/main" xmlns="">
+              <a14:hiddenEffects xmlns="" xmlns:a14="http://schemas.microsoft.com/office/drawing/2010/main">
                 <a:effectLst>
                   <a:outerShdw dist="35921" dir="2700000" algn="ctr" rotWithShape="0">
                     <a:schemeClr val="bg2"/>
@@ -20717,7 +20703,7 @@
     </p:spTree>
     <p:extLst>
       <p:ext uri="{BB962C8B-B14F-4D97-AF65-F5344CB8AC3E}">
-        <p14:creationId xmlns:p14="http://schemas.microsoft.com/office/powerpoint/2010/main" xmlns="" val="809673653"/>
+        <p14:creationId xmlns="" xmlns:p14="http://schemas.microsoft.com/office/powerpoint/2010/main" val="809673653"/>
       </p:ext>
     </p:extLst>
   </p:cSld>
@@ -20860,14 +20846,14 @@
           <a:effectLst/>
           <a:extLst>
             <a:ext uri="{909E8E84-426E-40DD-AFC4-6F175D3DCCD1}">
-              <a14:hiddenFill xmlns:a14="http://schemas.microsoft.com/office/drawing/2010/main" xmlns="">
+              <a14:hiddenFill xmlns="" xmlns:a14="http://schemas.microsoft.com/office/drawing/2010/main">
                 <a:solidFill>
                   <a:srgbClr val="FFFFFF"/>
                 </a:solidFill>
               </a14:hiddenFill>
             </a:ext>
             <a:ext uri="{AF507438-7753-43E0-B8FC-AC1667EBCBE1}">
-              <a14:hiddenEffects xmlns:a14="http://schemas.microsoft.com/office/drawing/2010/main" xmlns="">
+              <a14:hiddenEffects xmlns="" xmlns:a14="http://schemas.microsoft.com/office/drawing/2010/main">
                 <a:effectLst>
                   <a:outerShdw dist="35921" dir="2700000" algn="ctr" rotWithShape="0">
                     <a:srgbClr val="808080"/>
@@ -22085,7 +22071,7 @@
           <a:effectLst/>
           <a:extLst>
             <a:ext uri="{AF507438-7753-43E0-B8FC-AC1667EBCBE1}">
-              <a14:hiddenEffects xmlns:a14="http://schemas.microsoft.com/office/drawing/2010/main" xmlns="">
+              <a14:hiddenEffects xmlns="" xmlns:a14="http://schemas.microsoft.com/office/drawing/2010/main">
                 <a:effectLst>
                   <a:outerShdw dist="35921" dir="2700000" algn="ctr" rotWithShape="0">
                     <a:schemeClr val="bg2"/>
@@ -22164,7 +22150,7 @@
           <a:effectLst/>
           <a:extLst>
             <a:ext uri="{AF507438-7753-43E0-B8FC-AC1667EBCBE1}">
-              <a14:hiddenEffects xmlns:a14="http://schemas.microsoft.com/office/drawing/2010/main" xmlns="">
+              <a14:hiddenEffects xmlns="" xmlns:a14="http://schemas.microsoft.com/office/drawing/2010/main">
                 <a:effectLst>
                   <a:outerShdw dist="35921" dir="2700000" algn="ctr" rotWithShape="0">
                     <a:schemeClr val="bg2"/>
@@ -22243,7 +22229,7 @@
           <a:effectLst/>
           <a:extLst>
             <a:ext uri="{AF507438-7753-43E0-B8FC-AC1667EBCBE1}">
-              <a14:hiddenEffects xmlns:a14="http://schemas.microsoft.com/office/drawing/2010/main" xmlns="">
+              <a14:hiddenEffects xmlns="" xmlns:a14="http://schemas.microsoft.com/office/drawing/2010/main">
                 <a:effectLst>
                   <a:outerShdw dist="35921" dir="2700000" algn="ctr" rotWithShape="0">
                     <a:schemeClr val="bg2"/>
@@ -22322,7 +22308,7 @@
           <a:effectLst/>
           <a:extLst>
             <a:ext uri="{AF507438-7753-43E0-B8FC-AC1667EBCBE1}">
-              <a14:hiddenEffects xmlns:a14="http://schemas.microsoft.com/office/drawing/2010/main" xmlns="">
+              <a14:hiddenEffects xmlns="" xmlns:a14="http://schemas.microsoft.com/office/drawing/2010/main">
                 <a:effectLst>
                   <a:outerShdw dist="35921" dir="2700000" algn="ctr" rotWithShape="0">
                     <a:schemeClr val="bg2"/>
@@ -22469,7 +22455,7 @@
           <a:effectLst/>
           <a:extLst>
             <a:ext uri="{AF507438-7753-43E0-B8FC-AC1667EBCBE1}">
-              <a14:hiddenEffects xmlns:a14="http://schemas.microsoft.com/office/drawing/2010/main" xmlns="">
+              <a14:hiddenEffects xmlns="" xmlns:a14="http://schemas.microsoft.com/office/drawing/2010/main">
                 <a:effectLst>
                   <a:outerShdw dist="35921" dir="2700000" algn="ctr" rotWithShape="0">
                     <a:schemeClr val="bg2"/>
@@ -22550,7 +22536,7 @@
           <a:effectLst/>
           <a:extLst>
             <a:ext uri="{AF507438-7753-43E0-B8FC-AC1667EBCBE1}">
-              <a14:hiddenEffects xmlns:a14="http://schemas.microsoft.com/office/drawing/2010/main" xmlns="">
+              <a14:hiddenEffects xmlns="" xmlns:a14="http://schemas.microsoft.com/office/drawing/2010/main">
                 <a:effectLst>
                   <a:outerShdw dist="35921" dir="2700000" algn="ctr" rotWithShape="0">
                     <a:schemeClr val="bg2"/>
@@ -22593,7 +22579,7 @@
           <a:effectLst/>
           <a:extLst>
             <a:ext uri="{AF507438-7753-43E0-B8FC-AC1667EBCBE1}">
-              <a14:hiddenEffects xmlns:a14="http://schemas.microsoft.com/office/drawing/2010/main" xmlns="">
+              <a14:hiddenEffects xmlns="" xmlns:a14="http://schemas.microsoft.com/office/drawing/2010/main">
                 <a:effectLst>
                   <a:outerShdw dist="35921" dir="2700000" algn="ctr" rotWithShape="0">
                     <a:schemeClr val="bg2"/>
@@ -22636,7 +22622,7 @@
           <a:effectLst/>
           <a:extLst>
             <a:ext uri="{AF507438-7753-43E0-B8FC-AC1667EBCBE1}">
-              <a14:hiddenEffects xmlns:a14="http://schemas.microsoft.com/office/drawing/2010/main" xmlns="">
+              <a14:hiddenEffects xmlns="" xmlns:a14="http://schemas.microsoft.com/office/drawing/2010/main">
                 <a:effectLst>
                   <a:outerShdw dist="35921" dir="2700000" algn="ctr" rotWithShape="0">
                     <a:schemeClr val="bg2"/>
@@ -22679,7 +22665,7 @@
           <a:effectLst/>
           <a:extLst>
             <a:ext uri="{AF507438-7753-43E0-B8FC-AC1667EBCBE1}">
-              <a14:hiddenEffects xmlns:a14="http://schemas.microsoft.com/office/drawing/2010/main" xmlns="">
+              <a14:hiddenEffects xmlns="" xmlns:a14="http://schemas.microsoft.com/office/drawing/2010/main">
                 <a:effectLst>
                   <a:outerShdw dist="35921" dir="2700000" algn="ctr" rotWithShape="0">
                     <a:schemeClr val="bg2"/>
@@ -22722,7 +22708,7 @@
           <a:effectLst/>
           <a:extLst>
             <a:ext uri="{AF507438-7753-43E0-B8FC-AC1667EBCBE1}">
-              <a14:hiddenEffects xmlns:a14="http://schemas.microsoft.com/office/drawing/2010/main" xmlns="">
+              <a14:hiddenEffects xmlns="" xmlns:a14="http://schemas.microsoft.com/office/drawing/2010/main">
                 <a:effectLst>
                   <a:outerShdw dist="35921" dir="2700000" algn="ctr" rotWithShape="0">
                     <a:schemeClr val="bg2"/>
@@ -22736,7 +22722,7 @@
     </p:spTree>
     <p:extLst>
       <p:ext uri="{BB962C8B-B14F-4D97-AF65-F5344CB8AC3E}">
-        <p14:creationId xmlns:p14="http://schemas.microsoft.com/office/powerpoint/2010/main" xmlns="" val="3647855734"/>
+        <p14:creationId xmlns="" xmlns:p14="http://schemas.microsoft.com/office/powerpoint/2010/main" val="3647855734"/>
       </p:ext>
     </p:extLst>
   </p:cSld>
@@ -22879,14 +22865,14 @@
           <a:effectLst/>
           <a:extLst>
             <a:ext uri="{909E8E84-426E-40DD-AFC4-6F175D3DCCD1}">
-              <a14:hiddenFill xmlns:a14="http://schemas.microsoft.com/office/drawing/2010/main" xmlns="">
+              <a14:hiddenFill xmlns="" xmlns:a14="http://schemas.microsoft.com/office/drawing/2010/main">
                 <a:solidFill>
                   <a:srgbClr val="FFFFFF"/>
                 </a:solidFill>
               </a14:hiddenFill>
             </a:ext>
             <a:ext uri="{AF507438-7753-43E0-B8FC-AC1667EBCBE1}">
-              <a14:hiddenEffects xmlns:a14="http://schemas.microsoft.com/office/drawing/2010/main" xmlns="">
+              <a14:hiddenEffects xmlns="" xmlns:a14="http://schemas.microsoft.com/office/drawing/2010/main">
                 <a:effectLst>
                   <a:outerShdw dist="35921" dir="2700000" algn="ctr" rotWithShape="0">
                     <a:srgbClr val="808080"/>
@@ -22933,7 +22919,7 @@
           <a:effectLst/>
           <a:extLst>
             <a:ext uri="{AF507438-7753-43E0-B8FC-AC1667EBCBE1}">
-              <a14:hiddenEffects xmlns:a14="http://schemas.microsoft.com/office/drawing/2010/main" xmlns="">
+              <a14:hiddenEffects xmlns="" xmlns:a14="http://schemas.microsoft.com/office/drawing/2010/main">
                 <a:effectLst>
                   <a:outerShdw dist="35921" dir="2700000" algn="ctr" rotWithShape="0">
                     <a:schemeClr val="bg2"/>
@@ -22973,14 +22959,14 @@
           <a:effectLst/>
           <a:extLst>
             <a:ext uri="{909E8E84-426E-40DD-AFC4-6F175D3DCCD1}">
-              <a14:hiddenFill xmlns:a14="http://schemas.microsoft.com/office/drawing/2010/main" xmlns="">
+              <a14:hiddenFill xmlns="" xmlns:a14="http://schemas.microsoft.com/office/drawing/2010/main">
                 <a:solidFill>
                   <a:srgbClr val="FFFFFF"/>
                 </a:solidFill>
               </a14:hiddenFill>
             </a:ext>
             <a:ext uri="{AF507438-7753-43E0-B8FC-AC1667EBCBE1}">
-              <a14:hiddenEffects xmlns:a14="http://schemas.microsoft.com/office/drawing/2010/main" xmlns="">
+              <a14:hiddenEffects xmlns="" xmlns:a14="http://schemas.microsoft.com/office/drawing/2010/main">
                 <a:effectLst>
                   <a:outerShdw dist="35921" dir="2700000" algn="ctr" rotWithShape="0">
                     <a:srgbClr val="808080"/>
@@ -23027,14 +23013,14 @@
           <a:effectLst/>
           <a:extLst>
             <a:ext uri="{909E8E84-426E-40DD-AFC4-6F175D3DCCD1}">
-              <a14:hiddenFill xmlns:a14="http://schemas.microsoft.com/office/drawing/2010/main" xmlns="">
+              <a14:hiddenFill xmlns="" xmlns:a14="http://schemas.microsoft.com/office/drawing/2010/main">
                 <a:solidFill>
                   <a:srgbClr val="FFFFFF"/>
                 </a:solidFill>
               </a14:hiddenFill>
             </a:ext>
             <a:ext uri="{AF507438-7753-43E0-B8FC-AC1667EBCBE1}">
-              <a14:hiddenEffects xmlns:a14="http://schemas.microsoft.com/office/drawing/2010/main" xmlns="">
+              <a14:hiddenEffects xmlns="" xmlns:a14="http://schemas.microsoft.com/office/drawing/2010/main">
                 <a:effectLst>
                   <a:outerShdw dist="35921" dir="2700000" algn="ctr" rotWithShape="0">
                     <a:srgbClr val="808080"/>
@@ -23081,14 +23067,14 @@
           <a:effectLst/>
           <a:extLst>
             <a:ext uri="{909E8E84-426E-40DD-AFC4-6F175D3DCCD1}">
-              <a14:hiddenFill xmlns:a14="http://schemas.microsoft.com/office/drawing/2010/main" xmlns="">
+              <a14:hiddenFill xmlns="" xmlns:a14="http://schemas.microsoft.com/office/drawing/2010/main">
                 <a:solidFill>
                   <a:srgbClr val="FFFFFF"/>
                 </a:solidFill>
               </a14:hiddenFill>
             </a:ext>
             <a:ext uri="{AF507438-7753-43E0-B8FC-AC1667EBCBE1}">
-              <a14:hiddenEffects xmlns:a14="http://schemas.microsoft.com/office/drawing/2010/main" xmlns="">
+              <a14:hiddenEffects xmlns="" xmlns:a14="http://schemas.microsoft.com/office/drawing/2010/main">
                 <a:effectLst>
                   <a:outerShdw dist="35921" dir="2700000" algn="ctr" rotWithShape="0">
                     <a:srgbClr val="808080"/>
@@ -23135,14 +23121,14 @@
           <a:effectLst/>
           <a:extLst>
             <a:ext uri="{909E8E84-426E-40DD-AFC4-6F175D3DCCD1}">
-              <a14:hiddenFill xmlns:a14="http://schemas.microsoft.com/office/drawing/2010/main" xmlns="">
+              <a14:hiddenFill xmlns="" xmlns:a14="http://schemas.microsoft.com/office/drawing/2010/main">
                 <a:solidFill>
                   <a:srgbClr val="FFFFFF"/>
                 </a:solidFill>
               </a14:hiddenFill>
             </a:ext>
             <a:ext uri="{AF507438-7753-43E0-B8FC-AC1667EBCBE1}">
-              <a14:hiddenEffects xmlns:a14="http://schemas.microsoft.com/office/drawing/2010/main" xmlns="">
+              <a14:hiddenEffects xmlns="" xmlns:a14="http://schemas.microsoft.com/office/drawing/2010/main">
                 <a:effectLst>
                   <a:outerShdw dist="35921" dir="2700000" algn="ctr" rotWithShape="0">
                     <a:srgbClr val="808080"/>
@@ -23189,14 +23175,14 @@
           <a:effectLst/>
           <a:extLst>
             <a:ext uri="{909E8E84-426E-40DD-AFC4-6F175D3DCCD1}">
-              <a14:hiddenFill xmlns:a14="http://schemas.microsoft.com/office/drawing/2010/main" xmlns="">
+              <a14:hiddenFill xmlns="" xmlns:a14="http://schemas.microsoft.com/office/drawing/2010/main">
                 <a:solidFill>
                   <a:srgbClr val="FFFFFF"/>
                 </a:solidFill>
               </a14:hiddenFill>
             </a:ext>
             <a:ext uri="{AF507438-7753-43E0-B8FC-AC1667EBCBE1}">
-              <a14:hiddenEffects xmlns:a14="http://schemas.microsoft.com/office/drawing/2010/main" xmlns="">
+              <a14:hiddenEffects xmlns="" xmlns:a14="http://schemas.microsoft.com/office/drawing/2010/main">
                 <a:effectLst>
                   <a:outerShdw dist="35921" dir="2700000" algn="ctr" rotWithShape="0">
                     <a:srgbClr val="808080"/>
@@ -23243,14 +23229,14 @@
           <a:effectLst/>
           <a:extLst>
             <a:ext uri="{909E8E84-426E-40DD-AFC4-6F175D3DCCD1}">
-              <a14:hiddenFill xmlns:a14="http://schemas.microsoft.com/office/drawing/2010/main" xmlns="">
+              <a14:hiddenFill xmlns="" xmlns:a14="http://schemas.microsoft.com/office/drawing/2010/main">
                 <a:solidFill>
                   <a:srgbClr val="FFFFFF"/>
                 </a:solidFill>
               </a14:hiddenFill>
             </a:ext>
             <a:ext uri="{AF507438-7753-43E0-B8FC-AC1667EBCBE1}">
-              <a14:hiddenEffects xmlns:a14="http://schemas.microsoft.com/office/drawing/2010/main" xmlns="">
+              <a14:hiddenEffects xmlns="" xmlns:a14="http://schemas.microsoft.com/office/drawing/2010/main">
                 <a:effectLst>
                   <a:outerShdw dist="35921" dir="2700000" algn="ctr" rotWithShape="0">
                     <a:srgbClr val="808080"/>
@@ -23297,14 +23283,14 @@
           <a:effectLst/>
           <a:extLst>
             <a:ext uri="{909E8E84-426E-40DD-AFC4-6F175D3DCCD1}">
-              <a14:hiddenFill xmlns:a14="http://schemas.microsoft.com/office/drawing/2010/main" xmlns="">
+              <a14:hiddenFill xmlns="" xmlns:a14="http://schemas.microsoft.com/office/drawing/2010/main">
                 <a:solidFill>
                   <a:srgbClr val="FFFFFF"/>
                 </a:solidFill>
               </a14:hiddenFill>
             </a:ext>
             <a:ext uri="{AF507438-7753-43E0-B8FC-AC1667EBCBE1}">
-              <a14:hiddenEffects xmlns:a14="http://schemas.microsoft.com/office/drawing/2010/main" xmlns="">
+              <a14:hiddenEffects xmlns="" xmlns:a14="http://schemas.microsoft.com/office/drawing/2010/main">
                 <a:effectLst>
                   <a:outerShdw dist="35921" dir="2700000" algn="ctr" rotWithShape="0">
                     <a:srgbClr val="808080"/>
@@ -23351,14 +23337,14 @@
           <a:effectLst/>
           <a:extLst>
             <a:ext uri="{909E8E84-426E-40DD-AFC4-6F175D3DCCD1}">
-              <a14:hiddenFill xmlns:a14="http://schemas.microsoft.com/office/drawing/2010/main" xmlns="">
+              <a14:hiddenFill xmlns="" xmlns:a14="http://schemas.microsoft.com/office/drawing/2010/main">
                 <a:solidFill>
                   <a:srgbClr val="FFFFFF"/>
                 </a:solidFill>
               </a14:hiddenFill>
             </a:ext>
             <a:ext uri="{AF507438-7753-43E0-B8FC-AC1667EBCBE1}">
-              <a14:hiddenEffects xmlns:a14="http://schemas.microsoft.com/office/drawing/2010/main" xmlns="">
+              <a14:hiddenEffects xmlns="" xmlns:a14="http://schemas.microsoft.com/office/drawing/2010/main">
                 <a:effectLst>
                   <a:outerShdw dist="35921" dir="2700000" algn="ctr" rotWithShape="0">
                     <a:srgbClr val="808080"/>
@@ -23405,14 +23391,14 @@
           <a:effectLst/>
           <a:extLst>
             <a:ext uri="{909E8E84-426E-40DD-AFC4-6F175D3DCCD1}">
-              <a14:hiddenFill xmlns:a14="http://schemas.microsoft.com/office/drawing/2010/main" xmlns="">
+              <a14:hiddenFill xmlns="" xmlns:a14="http://schemas.microsoft.com/office/drawing/2010/main">
                 <a:solidFill>
                   <a:srgbClr val="FFFFFF"/>
                 </a:solidFill>
               </a14:hiddenFill>
             </a:ext>
             <a:ext uri="{AF507438-7753-43E0-B8FC-AC1667EBCBE1}">
-              <a14:hiddenEffects xmlns:a14="http://schemas.microsoft.com/office/drawing/2010/main" xmlns="">
+              <a14:hiddenEffects xmlns="" xmlns:a14="http://schemas.microsoft.com/office/drawing/2010/main">
                 <a:effectLst>
                   <a:outerShdw dist="35921" dir="2700000" algn="ctr" rotWithShape="0">
                     <a:srgbClr val="808080"/>
@@ -23459,14 +23445,14 @@
           <a:effectLst/>
           <a:extLst>
             <a:ext uri="{909E8E84-426E-40DD-AFC4-6F175D3DCCD1}">
-              <a14:hiddenFill xmlns:a14="http://schemas.microsoft.com/office/drawing/2010/main" xmlns="">
+              <a14:hiddenFill xmlns="" xmlns:a14="http://schemas.microsoft.com/office/drawing/2010/main">
                 <a:solidFill>
                   <a:srgbClr val="FFFFFF"/>
                 </a:solidFill>
               </a14:hiddenFill>
             </a:ext>
             <a:ext uri="{AF507438-7753-43E0-B8FC-AC1667EBCBE1}">
-              <a14:hiddenEffects xmlns:a14="http://schemas.microsoft.com/office/drawing/2010/main" xmlns="">
+              <a14:hiddenEffects xmlns="" xmlns:a14="http://schemas.microsoft.com/office/drawing/2010/main">
                 <a:effectLst>
                   <a:outerShdw dist="35921" dir="2700000" algn="ctr" rotWithShape="0">
                     <a:srgbClr val="808080"/>
@@ -23513,14 +23499,14 @@
           <a:effectLst/>
           <a:extLst>
             <a:ext uri="{909E8E84-426E-40DD-AFC4-6F175D3DCCD1}">
-              <a14:hiddenFill xmlns:a14="http://schemas.microsoft.com/office/drawing/2010/main" xmlns="">
+              <a14:hiddenFill xmlns="" xmlns:a14="http://schemas.microsoft.com/office/drawing/2010/main">
                 <a:solidFill>
                   <a:srgbClr val="FFFFFF"/>
                 </a:solidFill>
               </a14:hiddenFill>
             </a:ext>
             <a:ext uri="{AF507438-7753-43E0-B8FC-AC1667EBCBE1}">
-              <a14:hiddenEffects xmlns:a14="http://schemas.microsoft.com/office/drawing/2010/main" xmlns="">
+              <a14:hiddenEffects xmlns="" xmlns:a14="http://schemas.microsoft.com/office/drawing/2010/main">
                 <a:effectLst>
                   <a:outerShdw dist="35921" dir="2700000" algn="ctr" rotWithShape="0">
                     <a:srgbClr val="808080"/>
@@ -23567,14 +23553,14 @@
           <a:effectLst/>
           <a:extLst>
             <a:ext uri="{909E8E84-426E-40DD-AFC4-6F175D3DCCD1}">
-              <a14:hiddenFill xmlns:a14="http://schemas.microsoft.com/office/drawing/2010/main" xmlns="">
+              <a14:hiddenFill xmlns="" xmlns:a14="http://schemas.microsoft.com/office/drawing/2010/main">
                 <a:solidFill>
                   <a:srgbClr val="FFFFFF"/>
                 </a:solidFill>
               </a14:hiddenFill>
             </a:ext>
             <a:ext uri="{AF507438-7753-43E0-B8FC-AC1667EBCBE1}">
-              <a14:hiddenEffects xmlns:a14="http://schemas.microsoft.com/office/drawing/2010/main" xmlns="">
+              <a14:hiddenEffects xmlns="" xmlns:a14="http://schemas.microsoft.com/office/drawing/2010/main">
                 <a:effectLst>
                   <a:outerShdw dist="35921" dir="2700000" algn="ctr" rotWithShape="0">
                     <a:srgbClr val="808080"/>
@@ -23621,14 +23607,14 @@
           <a:effectLst/>
           <a:extLst>
             <a:ext uri="{909E8E84-426E-40DD-AFC4-6F175D3DCCD1}">
-              <a14:hiddenFill xmlns:a14="http://schemas.microsoft.com/office/drawing/2010/main" xmlns="">
+              <a14:hiddenFill xmlns="" xmlns:a14="http://schemas.microsoft.com/office/drawing/2010/main">
                 <a:solidFill>
                   <a:srgbClr val="FFFFFF"/>
                 </a:solidFill>
               </a14:hiddenFill>
             </a:ext>
             <a:ext uri="{AF507438-7753-43E0-B8FC-AC1667EBCBE1}">
-              <a14:hiddenEffects xmlns:a14="http://schemas.microsoft.com/office/drawing/2010/main" xmlns="">
+              <a14:hiddenEffects xmlns="" xmlns:a14="http://schemas.microsoft.com/office/drawing/2010/main">
                 <a:effectLst>
                   <a:outerShdw dist="35921" dir="2700000" algn="ctr" rotWithShape="0">
                     <a:srgbClr val="808080"/>
@@ -23675,14 +23661,14 @@
           <a:effectLst/>
           <a:extLst>
             <a:ext uri="{909E8E84-426E-40DD-AFC4-6F175D3DCCD1}">
-              <a14:hiddenFill xmlns:a14="http://schemas.microsoft.com/office/drawing/2010/main" xmlns="">
+              <a14:hiddenFill xmlns="" xmlns:a14="http://schemas.microsoft.com/office/drawing/2010/main">
                 <a:solidFill>
                   <a:srgbClr val="FFFFFF"/>
                 </a:solidFill>
               </a14:hiddenFill>
             </a:ext>
             <a:ext uri="{AF507438-7753-43E0-B8FC-AC1667EBCBE1}">
-              <a14:hiddenEffects xmlns:a14="http://schemas.microsoft.com/office/drawing/2010/main" xmlns="">
+              <a14:hiddenEffects xmlns="" xmlns:a14="http://schemas.microsoft.com/office/drawing/2010/main">
                 <a:effectLst>
                   <a:outerShdw dist="35921" dir="2700000" algn="ctr" rotWithShape="0">
                     <a:srgbClr val="808080"/>
@@ -23729,14 +23715,14 @@
           <a:effectLst/>
           <a:extLst>
             <a:ext uri="{909E8E84-426E-40DD-AFC4-6F175D3DCCD1}">
-              <a14:hiddenFill xmlns:a14="http://schemas.microsoft.com/office/drawing/2010/main" xmlns="">
+              <a14:hiddenFill xmlns="" xmlns:a14="http://schemas.microsoft.com/office/drawing/2010/main">
                 <a:solidFill>
                   <a:srgbClr val="FFFFFF"/>
                 </a:solidFill>
               </a14:hiddenFill>
             </a:ext>
             <a:ext uri="{AF507438-7753-43E0-B8FC-AC1667EBCBE1}">
-              <a14:hiddenEffects xmlns:a14="http://schemas.microsoft.com/office/drawing/2010/main" xmlns="">
+              <a14:hiddenEffects xmlns="" xmlns:a14="http://schemas.microsoft.com/office/drawing/2010/main">
                 <a:effectLst>
                   <a:outerShdw dist="35921" dir="2700000" algn="ctr" rotWithShape="0">
                     <a:srgbClr val="808080"/>
@@ -23783,14 +23769,14 @@
           <a:effectLst/>
           <a:extLst>
             <a:ext uri="{909E8E84-426E-40DD-AFC4-6F175D3DCCD1}">
-              <a14:hiddenFill xmlns:a14="http://schemas.microsoft.com/office/drawing/2010/main" xmlns="">
+              <a14:hiddenFill xmlns="" xmlns:a14="http://schemas.microsoft.com/office/drawing/2010/main">
                 <a:solidFill>
                   <a:srgbClr val="FFFFFF"/>
                 </a:solidFill>
               </a14:hiddenFill>
             </a:ext>
             <a:ext uri="{AF507438-7753-43E0-B8FC-AC1667EBCBE1}">
-              <a14:hiddenEffects xmlns:a14="http://schemas.microsoft.com/office/drawing/2010/main" xmlns="">
+              <a14:hiddenEffects xmlns="" xmlns:a14="http://schemas.microsoft.com/office/drawing/2010/main">
                 <a:effectLst>
                   <a:outerShdw dist="35921" dir="2700000" algn="ctr" rotWithShape="0">
                     <a:srgbClr val="808080"/>
@@ -23837,7 +23823,7 @@
           <a:effectLst/>
           <a:extLst>
             <a:ext uri="{AF507438-7753-43E0-B8FC-AC1667EBCBE1}">
-              <a14:hiddenEffects xmlns:a14="http://schemas.microsoft.com/office/drawing/2010/main" xmlns="">
+              <a14:hiddenEffects xmlns="" xmlns:a14="http://schemas.microsoft.com/office/drawing/2010/main">
                 <a:effectLst>
                   <a:outerShdw dist="35921" dir="2700000" algn="ctr" rotWithShape="0">
                     <a:schemeClr val="bg2"/>
@@ -23916,7 +23902,7 @@
           <a:effectLst/>
           <a:extLst>
             <a:ext uri="{AF507438-7753-43E0-B8FC-AC1667EBCBE1}">
-              <a14:hiddenEffects xmlns:a14="http://schemas.microsoft.com/office/drawing/2010/main" xmlns="">
+              <a14:hiddenEffects xmlns="" xmlns:a14="http://schemas.microsoft.com/office/drawing/2010/main">
                 <a:effectLst>
                   <a:outerShdw dist="35921" dir="2700000" algn="ctr" rotWithShape="0">
                     <a:schemeClr val="bg2"/>
@@ -23995,7 +23981,7 @@
           <a:effectLst/>
           <a:extLst>
             <a:ext uri="{AF507438-7753-43E0-B8FC-AC1667EBCBE1}">
-              <a14:hiddenEffects xmlns:a14="http://schemas.microsoft.com/office/drawing/2010/main" xmlns="">
+              <a14:hiddenEffects xmlns="" xmlns:a14="http://schemas.microsoft.com/office/drawing/2010/main">
                 <a:effectLst>
                   <a:outerShdw dist="35921" dir="2700000" algn="ctr" rotWithShape="0">
                     <a:schemeClr val="bg2"/>
@@ -24074,7 +24060,7 @@
           <a:effectLst/>
           <a:extLst>
             <a:ext uri="{AF507438-7753-43E0-B8FC-AC1667EBCBE1}">
-              <a14:hiddenEffects xmlns:a14="http://schemas.microsoft.com/office/drawing/2010/main" xmlns="">
+              <a14:hiddenEffects xmlns="" xmlns:a14="http://schemas.microsoft.com/office/drawing/2010/main">
                 <a:effectLst>
                   <a:outerShdw dist="35921" dir="2700000" algn="ctr" rotWithShape="0">
                     <a:schemeClr val="bg2"/>
@@ -24221,7 +24207,7 @@
           <a:effectLst/>
           <a:extLst>
             <a:ext uri="{AF507438-7753-43E0-B8FC-AC1667EBCBE1}">
-              <a14:hiddenEffects xmlns:a14="http://schemas.microsoft.com/office/drawing/2010/main" xmlns="">
+              <a14:hiddenEffects xmlns="" xmlns:a14="http://schemas.microsoft.com/office/drawing/2010/main">
                 <a:effectLst>
                   <a:outerShdw dist="35921" dir="2700000" algn="ctr" rotWithShape="0">
                     <a:schemeClr val="bg2"/>
@@ -24302,7 +24288,7 @@
           <a:effectLst/>
           <a:extLst>
             <a:ext uri="{AF507438-7753-43E0-B8FC-AC1667EBCBE1}">
-              <a14:hiddenEffects xmlns:a14="http://schemas.microsoft.com/office/drawing/2010/main" xmlns="">
+              <a14:hiddenEffects xmlns="" xmlns:a14="http://schemas.microsoft.com/office/drawing/2010/main">
                 <a:effectLst>
                   <a:outerShdw dist="35921" dir="2700000" algn="ctr" rotWithShape="0">
                     <a:schemeClr val="bg2"/>
@@ -24345,7 +24331,7 @@
           <a:effectLst/>
           <a:extLst>
             <a:ext uri="{AF507438-7753-43E0-B8FC-AC1667EBCBE1}">
-              <a14:hiddenEffects xmlns:a14="http://schemas.microsoft.com/office/drawing/2010/main" xmlns="">
+              <a14:hiddenEffects xmlns="" xmlns:a14="http://schemas.microsoft.com/office/drawing/2010/main">
                 <a:effectLst>
                   <a:outerShdw dist="35921" dir="2700000" algn="ctr" rotWithShape="0">
                     <a:schemeClr val="bg2"/>
@@ -24388,7 +24374,7 @@
           <a:effectLst/>
           <a:extLst>
             <a:ext uri="{AF507438-7753-43E0-B8FC-AC1667EBCBE1}">
-              <a14:hiddenEffects xmlns:a14="http://schemas.microsoft.com/office/drawing/2010/main" xmlns="">
+              <a14:hiddenEffects xmlns="" xmlns:a14="http://schemas.microsoft.com/office/drawing/2010/main">
                 <a:effectLst>
                   <a:outerShdw dist="35921" dir="2700000" algn="ctr" rotWithShape="0">
                     <a:schemeClr val="bg2"/>
@@ -24431,7 +24417,7 @@
           <a:effectLst/>
           <a:extLst>
             <a:ext uri="{AF507438-7753-43E0-B8FC-AC1667EBCBE1}">
-              <a14:hiddenEffects xmlns:a14="http://schemas.microsoft.com/office/drawing/2010/main" xmlns="">
+              <a14:hiddenEffects xmlns="" xmlns:a14="http://schemas.microsoft.com/office/drawing/2010/main">
                 <a:effectLst>
                   <a:outerShdw dist="35921" dir="2700000" algn="ctr" rotWithShape="0">
                     <a:schemeClr val="bg2"/>
@@ -24474,7 +24460,7 @@
           <a:effectLst/>
           <a:extLst>
             <a:ext uri="{AF507438-7753-43E0-B8FC-AC1667EBCBE1}">
-              <a14:hiddenEffects xmlns:a14="http://schemas.microsoft.com/office/drawing/2010/main" xmlns="">
+              <a14:hiddenEffects xmlns="" xmlns:a14="http://schemas.microsoft.com/office/drawing/2010/main">
                 <a:effectLst>
                   <a:outerShdw dist="35921" dir="2700000" algn="ctr" rotWithShape="0">
                     <a:schemeClr val="bg2"/>
@@ -24488,7 +24474,7 @@
     </p:spTree>
     <p:extLst>
       <p:ext uri="{BB962C8B-B14F-4D97-AF65-F5344CB8AC3E}">
-        <p14:creationId xmlns:p14="http://schemas.microsoft.com/office/powerpoint/2010/main" xmlns="" val="3647855734"/>
+        <p14:creationId xmlns="" xmlns:p14="http://schemas.microsoft.com/office/powerpoint/2010/main" val="3647855734"/>
       </p:ext>
     </p:extLst>
   </p:cSld>
@@ -24631,14 +24617,14 @@
           <a:effectLst/>
           <a:extLst>
             <a:ext uri="{909E8E84-426E-40DD-AFC4-6F175D3DCCD1}">
-              <a14:hiddenFill xmlns:a14="http://schemas.microsoft.com/office/drawing/2010/main" xmlns="">
+              <a14:hiddenFill xmlns="" xmlns:a14="http://schemas.microsoft.com/office/drawing/2010/main">
                 <a:solidFill>
                   <a:srgbClr val="FFFFFF"/>
                 </a:solidFill>
               </a14:hiddenFill>
             </a:ext>
             <a:ext uri="{AF507438-7753-43E0-B8FC-AC1667EBCBE1}">
-              <a14:hiddenEffects xmlns:a14="http://schemas.microsoft.com/office/drawing/2010/main" xmlns="">
+              <a14:hiddenEffects xmlns="" xmlns:a14="http://schemas.microsoft.com/office/drawing/2010/main">
                 <a:effectLst>
                   <a:outerShdw dist="35921" dir="2700000" algn="ctr" rotWithShape="0">
                     <a:srgbClr val="808080"/>
@@ -24685,14 +24671,14 @@
           <a:effectLst/>
           <a:extLst>
             <a:ext uri="{909E8E84-426E-40DD-AFC4-6F175D3DCCD1}">
-              <a14:hiddenFill xmlns:a14="http://schemas.microsoft.com/office/drawing/2010/main" xmlns="">
+              <a14:hiddenFill xmlns="" xmlns:a14="http://schemas.microsoft.com/office/drawing/2010/main">
                 <a:solidFill>
                   <a:srgbClr val="FFFFFF"/>
                 </a:solidFill>
               </a14:hiddenFill>
             </a:ext>
             <a:ext uri="{AF507438-7753-43E0-B8FC-AC1667EBCBE1}">
-              <a14:hiddenEffects xmlns:a14="http://schemas.microsoft.com/office/drawing/2010/main" xmlns="">
+              <a14:hiddenEffects xmlns="" xmlns:a14="http://schemas.microsoft.com/office/drawing/2010/main">
                 <a:effectLst>
                   <a:outerShdw dist="35921" dir="2700000" algn="ctr" rotWithShape="0">
                     <a:srgbClr val="808080"/>
@@ -24739,14 +24725,14 @@
           <a:effectLst/>
           <a:extLst>
             <a:ext uri="{909E8E84-426E-40DD-AFC4-6F175D3DCCD1}">
-              <a14:hiddenFill xmlns:a14="http://schemas.microsoft.com/office/drawing/2010/main" xmlns="">
+              <a14:hiddenFill xmlns="" xmlns:a14="http://schemas.microsoft.com/office/drawing/2010/main">
                 <a:solidFill>
                   <a:srgbClr val="FFFFFF"/>
                 </a:solidFill>
               </a14:hiddenFill>
             </a:ext>
             <a:ext uri="{AF507438-7753-43E0-B8FC-AC1667EBCBE1}">
-              <a14:hiddenEffects xmlns:a14="http://schemas.microsoft.com/office/drawing/2010/main" xmlns="">
+              <a14:hiddenEffects xmlns="" xmlns:a14="http://schemas.microsoft.com/office/drawing/2010/main">
                 <a:effectLst>
                   <a:outerShdw dist="35921" dir="2700000" algn="ctr" rotWithShape="0">
                     <a:srgbClr val="808080"/>
@@ -24793,14 +24779,14 @@
           <a:effectLst/>
           <a:extLst>
             <a:ext uri="{909E8E84-426E-40DD-AFC4-6F175D3DCCD1}">
-              <a14:hiddenFill xmlns:a14="http://schemas.microsoft.com/office/drawing/2010/main" xmlns="">
+              <a14:hiddenFill xmlns="" xmlns:a14="http://schemas.microsoft.com/office/drawing/2010/main">
                 <a:solidFill>
                   <a:srgbClr val="FFFFFF"/>
                 </a:solidFill>
               </a14:hiddenFill>
             </a:ext>
             <a:ext uri="{AF507438-7753-43E0-B8FC-AC1667EBCBE1}">
-              <a14:hiddenEffects xmlns:a14="http://schemas.microsoft.com/office/drawing/2010/main" xmlns="">
+              <a14:hiddenEffects xmlns="" xmlns:a14="http://schemas.microsoft.com/office/drawing/2010/main">
                 <a:effectLst>
                   <a:outerShdw dist="35921" dir="2700000" algn="ctr" rotWithShape="0">
                     <a:srgbClr val="808080"/>
@@ -24847,7 +24833,7 @@
           <a:effectLst/>
           <a:extLst>
             <a:ext uri="{AF507438-7753-43E0-B8FC-AC1667EBCBE1}">
-              <a14:hiddenEffects xmlns:a14="http://schemas.microsoft.com/office/drawing/2010/main" xmlns="">
+              <a14:hiddenEffects xmlns="" xmlns:a14="http://schemas.microsoft.com/office/drawing/2010/main">
                 <a:effectLst>
                   <a:outerShdw dist="35921" dir="2700000" algn="ctr" rotWithShape="0">
                     <a:schemeClr val="bg2"/>
@@ -24926,7 +24912,7 @@
           <a:effectLst/>
           <a:extLst>
             <a:ext uri="{AF507438-7753-43E0-B8FC-AC1667EBCBE1}">
-              <a14:hiddenEffects xmlns:a14="http://schemas.microsoft.com/office/drawing/2010/main" xmlns="">
+              <a14:hiddenEffects xmlns="" xmlns:a14="http://schemas.microsoft.com/office/drawing/2010/main">
                 <a:effectLst>
                   <a:outerShdw dist="35921" dir="2700000" algn="ctr" rotWithShape="0">
                     <a:schemeClr val="bg2"/>
@@ -25005,7 +24991,7 @@
           <a:effectLst/>
           <a:extLst>
             <a:ext uri="{AF507438-7753-43E0-B8FC-AC1667EBCBE1}">
-              <a14:hiddenEffects xmlns:a14="http://schemas.microsoft.com/office/drawing/2010/main" xmlns="">
+              <a14:hiddenEffects xmlns="" xmlns:a14="http://schemas.microsoft.com/office/drawing/2010/main">
                 <a:effectLst>
                   <a:outerShdw dist="35921" dir="2700000" algn="ctr" rotWithShape="0">
                     <a:schemeClr val="bg2"/>
@@ -25084,7 +25070,7 @@
           <a:effectLst/>
           <a:extLst>
             <a:ext uri="{AF507438-7753-43E0-B8FC-AC1667EBCBE1}">
-              <a14:hiddenEffects xmlns:a14="http://schemas.microsoft.com/office/drawing/2010/main" xmlns="">
+              <a14:hiddenEffects xmlns="" xmlns:a14="http://schemas.microsoft.com/office/drawing/2010/main">
                 <a:effectLst>
                   <a:outerShdw dist="35921" dir="2700000" algn="ctr" rotWithShape="0">
                     <a:schemeClr val="bg2"/>
@@ -25231,7 +25217,7 @@
           <a:effectLst/>
           <a:extLst>
             <a:ext uri="{AF507438-7753-43E0-B8FC-AC1667EBCBE1}">
-              <a14:hiddenEffects xmlns:a14="http://schemas.microsoft.com/office/drawing/2010/main" xmlns="">
+              <a14:hiddenEffects xmlns="" xmlns:a14="http://schemas.microsoft.com/office/drawing/2010/main">
                 <a:effectLst>
                   <a:outerShdw dist="35921" dir="2700000" algn="ctr" rotWithShape="0">
                     <a:schemeClr val="bg2"/>
@@ -25312,7 +25298,7 @@
           <a:effectLst/>
           <a:extLst>
             <a:ext uri="{AF507438-7753-43E0-B8FC-AC1667EBCBE1}">
-              <a14:hiddenEffects xmlns:a14="http://schemas.microsoft.com/office/drawing/2010/main" xmlns="">
+              <a14:hiddenEffects xmlns="" xmlns:a14="http://schemas.microsoft.com/office/drawing/2010/main">
                 <a:effectLst>
                   <a:outerShdw dist="35921" dir="2700000" algn="ctr" rotWithShape="0">
                     <a:schemeClr val="bg2"/>
@@ -25355,7 +25341,7 @@
           <a:effectLst/>
           <a:extLst>
             <a:ext uri="{AF507438-7753-43E0-B8FC-AC1667EBCBE1}">
-              <a14:hiddenEffects xmlns:a14="http://schemas.microsoft.com/office/drawing/2010/main" xmlns="">
+              <a14:hiddenEffects xmlns="" xmlns:a14="http://schemas.microsoft.com/office/drawing/2010/main">
                 <a:effectLst>
                   <a:outerShdw dist="35921" dir="2700000" algn="ctr" rotWithShape="0">
                     <a:schemeClr val="bg2"/>
@@ -25398,7 +25384,7 @@
           <a:effectLst/>
           <a:extLst>
             <a:ext uri="{AF507438-7753-43E0-B8FC-AC1667EBCBE1}">
-              <a14:hiddenEffects xmlns:a14="http://schemas.microsoft.com/office/drawing/2010/main" xmlns="">
+              <a14:hiddenEffects xmlns="" xmlns:a14="http://schemas.microsoft.com/office/drawing/2010/main">
                 <a:effectLst>
                   <a:outerShdw dist="35921" dir="2700000" algn="ctr" rotWithShape="0">
                     <a:schemeClr val="bg2"/>
@@ -25441,7 +25427,7 @@
           <a:effectLst/>
           <a:extLst>
             <a:ext uri="{AF507438-7753-43E0-B8FC-AC1667EBCBE1}">
-              <a14:hiddenEffects xmlns:a14="http://schemas.microsoft.com/office/drawing/2010/main" xmlns="">
+              <a14:hiddenEffects xmlns="" xmlns:a14="http://schemas.microsoft.com/office/drawing/2010/main">
                 <a:effectLst>
                   <a:outerShdw dist="35921" dir="2700000" algn="ctr" rotWithShape="0">
                     <a:schemeClr val="bg2"/>
@@ -25484,7 +25470,7 @@
           <a:effectLst/>
           <a:extLst>
             <a:ext uri="{AF507438-7753-43E0-B8FC-AC1667EBCBE1}">
-              <a14:hiddenEffects xmlns:a14="http://schemas.microsoft.com/office/drawing/2010/main" xmlns="">
+              <a14:hiddenEffects xmlns="" xmlns:a14="http://schemas.microsoft.com/office/drawing/2010/main">
                 <a:effectLst>
                   <a:outerShdw dist="35921" dir="2700000" algn="ctr" rotWithShape="0">
                     <a:schemeClr val="bg2"/>
@@ -25498,7 +25484,7 @@
     </p:spTree>
     <p:extLst>
       <p:ext uri="{BB962C8B-B14F-4D97-AF65-F5344CB8AC3E}">
-        <p14:creationId xmlns:p14="http://schemas.microsoft.com/office/powerpoint/2010/main" xmlns="" val="3647855734"/>
+        <p14:creationId xmlns="" xmlns:p14="http://schemas.microsoft.com/office/powerpoint/2010/main" val="3647855734"/>
       </p:ext>
     </p:extLst>
   </p:cSld>
@@ -25570,6 +25556,84 @@
           <a:bodyPr/>
           <a:lstStyle/>
           <a:p>
+            <a:pPr>
+              <a:buFont typeface="Arial" pitchFamily="34" charset="0"/>
+              <a:buChar char="•"/>
+            </a:pPr>
+            <a:r>
+              <a:rPr lang="en-GB" dirty="0" smtClean="0"/>
+              <a:t>ROC curve</a:t>
+            </a:r>
+          </a:p>
+          <a:p>
+            <a:pPr>
+              <a:buFont typeface="Arial" pitchFamily="34" charset="0"/>
+              <a:buChar char="•"/>
+            </a:pPr>
+            <a:r>
+              <a:rPr lang="en-GB" dirty="0" smtClean="0"/>
+              <a:t>Location invariance</a:t>
+            </a:r>
+          </a:p>
+          <a:p>
+            <a:pPr>
+              <a:buFont typeface="Arial" pitchFamily="34" charset="0"/>
+              <a:buChar char="•"/>
+            </a:pPr>
+            <a:r>
+              <a:rPr lang="en-GB" dirty="0" smtClean="0"/>
+              <a:t>Scale invariance?</a:t>
+            </a:r>
+          </a:p>
+          <a:p>
+            <a:pPr>
+              <a:buFont typeface="Arial" pitchFamily="34" charset="0"/>
+              <a:buChar char="•"/>
+            </a:pPr>
+            <a:r>
+              <a:rPr lang="en-GB" dirty="0" smtClean="0"/>
+              <a:t>False positives</a:t>
+            </a:r>
+          </a:p>
+          <a:p>
+            <a:pPr>
+              <a:buFont typeface="Arial" pitchFamily="34" charset="0"/>
+              <a:buChar char="•"/>
+            </a:pPr>
+            <a:r>
+              <a:rPr lang="en-GB" dirty="0" smtClean="0"/>
+              <a:t>Computation </a:t>
+            </a:r>
+            <a:r>
+              <a:rPr lang="en-GB" dirty="0" smtClean="0"/>
+              <a:t>time</a:t>
+            </a:r>
+          </a:p>
+          <a:p>
+            <a:pPr>
+              <a:buFont typeface="Arial" pitchFamily="34" charset="0"/>
+              <a:buChar char="•"/>
+            </a:pPr>
+            <a:r>
+              <a:rPr lang="en-GB" dirty="0" smtClean="0"/>
+              <a:t>Use </a:t>
+            </a:r>
+            <a:r>
+              <a:rPr lang="en-GB" smtClean="0"/>
+              <a:t>awesome </a:t>
+            </a:r>
+            <a:r>
+              <a:rPr lang="en-GB" dirty="0" err="1" smtClean="0"/>
+              <a:t>G</a:t>
+            </a:r>
+            <a:r>
+              <a:rPr lang="en-GB" smtClean="0"/>
+              <a:t>odzilla </a:t>
+            </a:r>
+            <a:r>
+              <a:rPr lang="en-GB" dirty="0" smtClean="0"/>
+              <a:t>picture for demo</a:t>
+            </a:r>
             <a:endParaRPr lang="en-GB" dirty="0"/>
           </a:p>
         </p:txBody>
@@ -25577,7 +25641,7 @@
     </p:spTree>
     <p:extLst>
       <p:ext uri="{BB962C8B-B14F-4D97-AF65-F5344CB8AC3E}">
-        <p14:creationId xmlns:p14="http://schemas.microsoft.com/office/powerpoint/2010/main" xmlns="" val="4003275848"/>
+        <p14:creationId xmlns="" xmlns:p14="http://schemas.microsoft.com/office/powerpoint/2010/main" val="4003275848"/>
       </p:ext>
     </p:extLst>
   </p:cSld>
@@ -25648,7 +25712,7 @@
           <a:blip r:embed="rId2" cstate="print">
             <a:extLst>
               <a:ext uri="{28A0092B-C50C-407E-A947-70E740481C1C}">
-                <a14:useLocalDpi xmlns:a14="http://schemas.microsoft.com/office/drawing/2010/main" xmlns="" val="0"/>
+                <a14:useLocalDpi xmlns="" xmlns:a14="http://schemas.microsoft.com/office/drawing/2010/main" val="0"/>
               </a:ext>
             </a:extLst>
           </a:blip>
@@ -25666,7 +25730,7 @@
     </p:spTree>
     <p:extLst>
       <p:ext uri="{BB962C8B-B14F-4D97-AF65-F5344CB8AC3E}">
-        <p14:creationId xmlns:p14="http://schemas.microsoft.com/office/powerpoint/2010/main" xmlns="" val="2015659797"/>
+        <p14:creationId xmlns="" xmlns:p14="http://schemas.microsoft.com/office/powerpoint/2010/main" val="2015659797"/>
       </p:ext>
     </p:extLst>
   </p:cSld>
@@ -25767,7 +25831,7 @@
     </p:spTree>
     <p:extLst>
       <p:ext uri="{BB962C8B-B14F-4D97-AF65-F5344CB8AC3E}">
-        <p14:creationId xmlns:p14="http://schemas.microsoft.com/office/powerpoint/2010/main" xmlns="" val="1796265348"/>
+        <p14:creationId xmlns="" xmlns:p14="http://schemas.microsoft.com/office/powerpoint/2010/main" val="1796265348"/>
       </p:ext>
     </p:extLst>
   </p:cSld>
@@ -25932,7 +25996,7 @@
     </p:spTree>
     <p:extLst>
       <p:ext uri="{BB962C8B-B14F-4D97-AF65-F5344CB8AC3E}">
-        <p14:creationId xmlns:p14="http://schemas.microsoft.com/office/powerpoint/2010/main" xmlns="" val="3148780358"/>
+        <p14:creationId xmlns="" xmlns:p14="http://schemas.microsoft.com/office/powerpoint/2010/main" val="3148780358"/>
       </p:ext>
     </p:extLst>
   </p:cSld>
@@ -26421,7 +26485,7 @@
             <a:effectLst/>
             <a:extLst>
               <a:ext uri="{AF507438-7753-43E0-B8FC-AC1667EBCBE1}">
-                <a14:hiddenEffects xmlns:a14="http://schemas.microsoft.com/office/drawing/2010/main" xmlns="">
+                <a14:hiddenEffects xmlns="" xmlns:a14="http://schemas.microsoft.com/office/drawing/2010/main">
                   <a:effectLst>
                     <a:outerShdw dist="35921" dir="2700000" algn="ctr" rotWithShape="0">
                       <a:schemeClr val="bg2"/>
@@ -26498,7 +26562,7 @@
             <a:effectLst/>
             <a:extLst>
               <a:ext uri="{AF507438-7753-43E0-B8FC-AC1667EBCBE1}">
-                <a14:hiddenEffects xmlns:a14="http://schemas.microsoft.com/office/drawing/2010/main" xmlns="">
+                <a14:hiddenEffects xmlns="" xmlns:a14="http://schemas.microsoft.com/office/drawing/2010/main">
                   <a:effectLst>
                     <a:outerShdw dist="35921" dir="2700000" algn="ctr" rotWithShape="0">
                       <a:schemeClr val="bg2"/>
@@ -26575,7 +26639,7 @@
             <a:effectLst/>
             <a:extLst>
               <a:ext uri="{AF507438-7753-43E0-B8FC-AC1667EBCBE1}">
-                <a14:hiddenEffects xmlns:a14="http://schemas.microsoft.com/office/drawing/2010/main" xmlns="">
+                <a14:hiddenEffects xmlns="" xmlns:a14="http://schemas.microsoft.com/office/drawing/2010/main">
                   <a:effectLst>
                     <a:outerShdw dist="35921" dir="2700000" algn="ctr" rotWithShape="0">
                       <a:schemeClr val="bg2"/>
@@ -26652,7 +26716,7 @@
             <a:effectLst/>
             <a:extLst>
               <a:ext uri="{AF507438-7753-43E0-B8FC-AC1667EBCBE1}">
-                <a14:hiddenEffects xmlns:a14="http://schemas.microsoft.com/office/drawing/2010/main" xmlns="">
+                <a14:hiddenEffects xmlns="" xmlns:a14="http://schemas.microsoft.com/office/drawing/2010/main">
                   <a:effectLst>
                     <a:outerShdw dist="35921" dir="2700000" algn="ctr" rotWithShape="0">
                       <a:schemeClr val="bg2"/>
@@ -26729,7 +26793,7 @@
             <a:effectLst/>
             <a:extLst>
               <a:ext uri="{AF507438-7753-43E0-B8FC-AC1667EBCBE1}">
-                <a14:hiddenEffects xmlns:a14="http://schemas.microsoft.com/office/drawing/2010/main" xmlns="">
+                <a14:hiddenEffects xmlns="" xmlns:a14="http://schemas.microsoft.com/office/drawing/2010/main">
                   <a:effectLst>
                     <a:outerShdw dist="35921" dir="2700000" algn="ctr" rotWithShape="0">
                       <a:schemeClr val="bg2"/>
@@ -26806,7 +26870,7 @@
             <a:effectLst/>
             <a:extLst>
               <a:ext uri="{AF507438-7753-43E0-B8FC-AC1667EBCBE1}">
-                <a14:hiddenEffects xmlns:a14="http://schemas.microsoft.com/office/drawing/2010/main" xmlns="">
+                <a14:hiddenEffects xmlns="" xmlns:a14="http://schemas.microsoft.com/office/drawing/2010/main">
                   <a:effectLst>
                     <a:outerShdw dist="35921" dir="2700000" algn="ctr" rotWithShape="0">
                       <a:schemeClr val="bg2"/>
@@ -26885,7 +26949,7 @@
             <a:effectLst/>
             <a:extLst>
               <a:ext uri="{AF507438-7753-43E0-B8FC-AC1667EBCBE1}">
-                <a14:hiddenEffects xmlns:a14="http://schemas.microsoft.com/office/drawing/2010/main" xmlns="">
+                <a14:hiddenEffects xmlns="" xmlns:a14="http://schemas.microsoft.com/office/drawing/2010/main">
                   <a:effectLst>
                     <a:outerShdw dist="35921" dir="2700000" algn="ctr" rotWithShape="0">
                       <a:schemeClr val="bg2"/>
@@ -26926,7 +26990,7 @@
             <a:effectLst/>
             <a:extLst>
               <a:ext uri="{AF507438-7753-43E0-B8FC-AC1667EBCBE1}">
-                <a14:hiddenEffects xmlns:a14="http://schemas.microsoft.com/office/drawing/2010/main" xmlns="">
+                <a14:hiddenEffects xmlns="" xmlns:a14="http://schemas.microsoft.com/office/drawing/2010/main">
                   <a:effectLst>
                     <a:outerShdw dist="35921" dir="2700000" algn="ctr" rotWithShape="0">
                       <a:schemeClr val="bg2"/>
@@ -26967,7 +27031,7 @@
             <a:effectLst/>
             <a:extLst>
               <a:ext uri="{AF507438-7753-43E0-B8FC-AC1667EBCBE1}">
-                <a14:hiddenEffects xmlns:a14="http://schemas.microsoft.com/office/drawing/2010/main" xmlns="">
+                <a14:hiddenEffects xmlns="" xmlns:a14="http://schemas.microsoft.com/office/drawing/2010/main">
                   <a:effectLst>
                     <a:outerShdw dist="35921" dir="2700000" algn="ctr" rotWithShape="0">
                       <a:schemeClr val="bg2"/>
@@ -27008,7 +27072,7 @@
             <a:effectLst/>
             <a:extLst>
               <a:ext uri="{AF507438-7753-43E0-B8FC-AC1667EBCBE1}">
-                <a14:hiddenEffects xmlns:a14="http://schemas.microsoft.com/office/drawing/2010/main" xmlns="">
+                <a14:hiddenEffects xmlns="" xmlns:a14="http://schemas.microsoft.com/office/drawing/2010/main">
                   <a:effectLst>
                     <a:outerShdw dist="35921" dir="2700000" algn="ctr" rotWithShape="0">
                       <a:schemeClr val="bg2"/>
@@ -27049,7 +27113,7 @@
             <a:effectLst/>
             <a:extLst>
               <a:ext uri="{AF507438-7753-43E0-B8FC-AC1667EBCBE1}">
-                <a14:hiddenEffects xmlns:a14="http://schemas.microsoft.com/office/drawing/2010/main" xmlns="">
+                <a14:hiddenEffects xmlns="" xmlns:a14="http://schemas.microsoft.com/office/drawing/2010/main">
                   <a:effectLst>
                     <a:outerShdw dist="35921" dir="2700000" algn="ctr" rotWithShape="0">
                       <a:schemeClr val="bg2"/>
@@ -27173,7 +27237,7 @@
           <a:blip r:embed="rId3" cstate="print">
             <a:extLst>
               <a:ext uri="{28A0092B-C50C-407E-A947-70E740481C1C}">
-                <a14:useLocalDpi xmlns:a14="http://schemas.microsoft.com/office/drawing/2010/main" xmlns="" val="0"/>
+                <a14:useLocalDpi xmlns="" xmlns:a14="http://schemas.microsoft.com/office/drawing/2010/main" val="0"/>
               </a:ext>
             </a:extLst>
           </a:blip>
@@ -27202,7 +27266,7 @@
           <a:effectLst/>
           <a:extLst>
             <a:ext uri="{909E8E84-426E-40DD-AFC4-6F175D3DCCD1}">
-              <a14:hiddenFill xmlns:a14="http://schemas.microsoft.com/office/drawing/2010/main" xmlns="">
+              <a14:hiddenFill xmlns="" xmlns:a14="http://schemas.microsoft.com/office/drawing/2010/main">
                 <a:blipFill dpi="0" rotWithShape="0">
                   <a:blip/>
                   <a:srcRect/>
@@ -27213,7 +27277,7 @@
               </a14:hiddenFill>
             </a:ext>
             <a:ext uri="{AF507438-7753-43E0-B8FC-AC1667EBCBE1}">
-              <a14:hiddenEffects xmlns:a14="http://schemas.microsoft.com/office/drawing/2010/main" xmlns="">
+              <a14:hiddenEffects xmlns="" xmlns:a14="http://schemas.microsoft.com/office/drawing/2010/main">
                 <a:effectLst>
                   <a:outerShdw dist="35921" dir="2700000" algn="ctr" rotWithShape="0">
                     <a:srgbClr val="808080"/>
@@ -27252,14 +27316,14 @@
           <a:effectLst/>
           <a:extLst>
             <a:ext uri="{909E8E84-426E-40DD-AFC4-6F175D3DCCD1}">
-              <a14:hiddenFill xmlns:a14="http://schemas.microsoft.com/office/drawing/2010/main" xmlns="">
+              <a14:hiddenFill xmlns="" xmlns:a14="http://schemas.microsoft.com/office/drawing/2010/main">
                 <a:solidFill>
                   <a:srgbClr val="FFFFFF"/>
                 </a:solidFill>
               </a14:hiddenFill>
             </a:ext>
             <a:ext uri="{AF507438-7753-43E0-B8FC-AC1667EBCBE1}">
-              <a14:hiddenEffects xmlns:a14="http://schemas.microsoft.com/office/drawing/2010/main" xmlns="">
+              <a14:hiddenEffects xmlns="" xmlns:a14="http://schemas.microsoft.com/office/drawing/2010/main">
                 <a:effectLst>
                   <a:outerShdw dist="35921" dir="2700000" algn="ctr" rotWithShape="0">
                     <a:srgbClr val="808080"/>
@@ -27306,14 +27370,14 @@
           <a:effectLst/>
           <a:extLst>
             <a:ext uri="{909E8E84-426E-40DD-AFC4-6F175D3DCCD1}">
-              <a14:hiddenFill xmlns:a14="http://schemas.microsoft.com/office/drawing/2010/main" xmlns="">
+              <a14:hiddenFill xmlns="" xmlns:a14="http://schemas.microsoft.com/office/drawing/2010/main">
                 <a:solidFill>
                   <a:srgbClr val="FFFFFF"/>
                 </a:solidFill>
               </a14:hiddenFill>
             </a:ext>
             <a:ext uri="{AF507438-7753-43E0-B8FC-AC1667EBCBE1}">
-              <a14:hiddenEffects xmlns:a14="http://schemas.microsoft.com/office/drawing/2010/main" xmlns="">
+              <a14:hiddenEffects xmlns="" xmlns:a14="http://schemas.microsoft.com/office/drawing/2010/main">
                 <a:effectLst>
                   <a:outerShdw dist="35921" dir="2700000" algn="ctr" rotWithShape="0">
                     <a:srgbClr val="808080"/>
@@ -27360,14 +27424,14 @@
           <a:effectLst/>
           <a:extLst>
             <a:ext uri="{909E8E84-426E-40DD-AFC4-6F175D3DCCD1}">
-              <a14:hiddenFill xmlns:a14="http://schemas.microsoft.com/office/drawing/2010/main" xmlns="">
+              <a14:hiddenFill xmlns="" xmlns:a14="http://schemas.microsoft.com/office/drawing/2010/main">
                 <a:solidFill>
                   <a:srgbClr val="FFFFFF"/>
                 </a:solidFill>
               </a14:hiddenFill>
             </a:ext>
             <a:ext uri="{AF507438-7753-43E0-B8FC-AC1667EBCBE1}">
-              <a14:hiddenEffects xmlns:a14="http://schemas.microsoft.com/office/drawing/2010/main" xmlns="">
+              <a14:hiddenEffects xmlns="" xmlns:a14="http://schemas.microsoft.com/office/drawing/2010/main">
                 <a:effectLst>
                   <a:outerShdw dist="35921" dir="2700000" algn="ctr" rotWithShape="0">
                     <a:srgbClr val="808080"/>
@@ -27414,14 +27478,14 @@
           <a:effectLst/>
           <a:extLst>
             <a:ext uri="{909E8E84-426E-40DD-AFC4-6F175D3DCCD1}">
-              <a14:hiddenFill xmlns:a14="http://schemas.microsoft.com/office/drawing/2010/main" xmlns="">
+              <a14:hiddenFill xmlns="" xmlns:a14="http://schemas.microsoft.com/office/drawing/2010/main">
                 <a:solidFill>
                   <a:srgbClr val="FFFFFF"/>
                 </a:solidFill>
               </a14:hiddenFill>
             </a:ext>
             <a:ext uri="{AF507438-7753-43E0-B8FC-AC1667EBCBE1}">
-              <a14:hiddenEffects xmlns:a14="http://schemas.microsoft.com/office/drawing/2010/main" xmlns="">
+              <a14:hiddenEffects xmlns="" xmlns:a14="http://schemas.microsoft.com/office/drawing/2010/main">
                 <a:effectLst>
                   <a:outerShdw dist="35921" dir="2700000" algn="ctr" rotWithShape="0">
                     <a:srgbClr val="808080"/>
@@ -27468,14 +27532,14 @@
           <a:effectLst/>
           <a:extLst>
             <a:ext uri="{909E8E84-426E-40DD-AFC4-6F175D3DCCD1}">
-              <a14:hiddenFill xmlns:a14="http://schemas.microsoft.com/office/drawing/2010/main" xmlns="">
+              <a14:hiddenFill xmlns="" xmlns:a14="http://schemas.microsoft.com/office/drawing/2010/main">
                 <a:solidFill>
                   <a:srgbClr val="FFFFFF"/>
                 </a:solidFill>
               </a14:hiddenFill>
             </a:ext>
             <a:ext uri="{AF507438-7753-43E0-B8FC-AC1667EBCBE1}">
-              <a14:hiddenEffects xmlns:a14="http://schemas.microsoft.com/office/drawing/2010/main" xmlns="">
+              <a14:hiddenEffects xmlns="" xmlns:a14="http://schemas.microsoft.com/office/drawing/2010/main">
                 <a:effectLst>
                   <a:outerShdw dist="35921" dir="2700000" algn="ctr" rotWithShape="0">
                     <a:srgbClr val="808080"/>
@@ -27522,14 +27586,14 @@
           <a:effectLst/>
           <a:extLst>
             <a:ext uri="{909E8E84-426E-40DD-AFC4-6F175D3DCCD1}">
-              <a14:hiddenFill xmlns:a14="http://schemas.microsoft.com/office/drawing/2010/main" xmlns="">
+              <a14:hiddenFill xmlns="" xmlns:a14="http://schemas.microsoft.com/office/drawing/2010/main">
                 <a:solidFill>
                   <a:srgbClr val="FFFFFF"/>
                 </a:solidFill>
               </a14:hiddenFill>
             </a:ext>
             <a:ext uri="{AF507438-7753-43E0-B8FC-AC1667EBCBE1}">
-              <a14:hiddenEffects xmlns:a14="http://schemas.microsoft.com/office/drawing/2010/main" xmlns="">
+              <a14:hiddenEffects xmlns="" xmlns:a14="http://schemas.microsoft.com/office/drawing/2010/main">
                 <a:effectLst>
                   <a:outerShdw dist="35921" dir="2700000" algn="ctr" rotWithShape="0">
                     <a:srgbClr val="808080"/>
@@ -27576,14 +27640,14 @@
           <a:effectLst/>
           <a:extLst>
             <a:ext uri="{909E8E84-426E-40DD-AFC4-6F175D3DCCD1}">
-              <a14:hiddenFill xmlns:a14="http://schemas.microsoft.com/office/drawing/2010/main" xmlns="">
+              <a14:hiddenFill xmlns="" xmlns:a14="http://schemas.microsoft.com/office/drawing/2010/main">
                 <a:solidFill>
                   <a:srgbClr val="FFFFFF"/>
                 </a:solidFill>
               </a14:hiddenFill>
             </a:ext>
             <a:ext uri="{AF507438-7753-43E0-B8FC-AC1667EBCBE1}">
-              <a14:hiddenEffects xmlns:a14="http://schemas.microsoft.com/office/drawing/2010/main" xmlns="">
+              <a14:hiddenEffects xmlns="" xmlns:a14="http://schemas.microsoft.com/office/drawing/2010/main">
                 <a:effectLst>
                   <a:outerShdw dist="35921" dir="2700000" algn="ctr" rotWithShape="0">
                     <a:srgbClr val="808080"/>
@@ -27630,14 +27694,14 @@
           <a:effectLst/>
           <a:extLst>
             <a:ext uri="{909E8E84-426E-40DD-AFC4-6F175D3DCCD1}">
-              <a14:hiddenFill xmlns:a14="http://schemas.microsoft.com/office/drawing/2010/main" xmlns="">
+              <a14:hiddenFill xmlns="" xmlns:a14="http://schemas.microsoft.com/office/drawing/2010/main">
                 <a:solidFill>
                   <a:srgbClr val="FFFFFF"/>
                 </a:solidFill>
               </a14:hiddenFill>
             </a:ext>
             <a:ext uri="{AF507438-7753-43E0-B8FC-AC1667EBCBE1}">
-              <a14:hiddenEffects xmlns:a14="http://schemas.microsoft.com/office/drawing/2010/main" xmlns="">
+              <a14:hiddenEffects xmlns="" xmlns:a14="http://schemas.microsoft.com/office/drawing/2010/main">
                 <a:effectLst>
                   <a:outerShdw dist="35921" dir="2700000" algn="ctr" rotWithShape="0">
                     <a:srgbClr val="808080"/>
@@ -27684,14 +27748,14 @@
           <a:effectLst/>
           <a:extLst>
             <a:ext uri="{909E8E84-426E-40DD-AFC4-6F175D3DCCD1}">
-              <a14:hiddenFill xmlns:a14="http://schemas.microsoft.com/office/drawing/2010/main" xmlns="">
+              <a14:hiddenFill xmlns="" xmlns:a14="http://schemas.microsoft.com/office/drawing/2010/main">
                 <a:solidFill>
                   <a:srgbClr val="FFFFFF"/>
                 </a:solidFill>
               </a14:hiddenFill>
             </a:ext>
             <a:ext uri="{AF507438-7753-43E0-B8FC-AC1667EBCBE1}">
-              <a14:hiddenEffects xmlns:a14="http://schemas.microsoft.com/office/drawing/2010/main" xmlns="">
+              <a14:hiddenEffects xmlns="" xmlns:a14="http://schemas.microsoft.com/office/drawing/2010/main">
                 <a:effectLst>
                   <a:outerShdw dist="35921" dir="2700000" algn="ctr" rotWithShape="0">
                     <a:srgbClr val="808080"/>
@@ -27732,14 +27796,14 @@
           <a:effectLst/>
           <a:extLst>
             <a:ext uri="{909E8E84-426E-40DD-AFC4-6F175D3DCCD1}">
-              <a14:hiddenFill xmlns:a14="http://schemas.microsoft.com/office/drawing/2010/main" xmlns="">
+              <a14:hiddenFill xmlns="" xmlns:a14="http://schemas.microsoft.com/office/drawing/2010/main">
                 <a:solidFill>
                   <a:srgbClr val="FFFFFF"/>
                 </a:solidFill>
               </a14:hiddenFill>
             </a:ext>
             <a:ext uri="{91240B29-F687-4F45-9708-019B960494DF}">
-              <a14:hiddenLine xmlns:a14="http://schemas.microsoft.com/office/drawing/2010/main" xmlns="" w="9525">
+              <a14:hiddenLine xmlns="" xmlns:a14="http://schemas.microsoft.com/office/drawing/2010/main" w="9525">
                 <a:solidFill>
                   <a:srgbClr val="000000"/>
                 </a:solidFill>
@@ -27749,7 +27813,7 @@
               </a14:hiddenLine>
             </a:ext>
             <a:ext uri="{AF507438-7753-43E0-B8FC-AC1667EBCBE1}">
-              <a14:hiddenEffects xmlns:a14="http://schemas.microsoft.com/office/drawing/2010/main" xmlns="">
+              <a14:hiddenEffects xmlns="" xmlns:a14="http://schemas.microsoft.com/office/drawing/2010/main">
                 <a:effectLst>
                   <a:outerShdw dist="35921" dir="2700000" algn="ctr" rotWithShape="0">
                     <a:srgbClr val="808080"/>
@@ -27967,14 +28031,14 @@
           <a:effectLst/>
           <a:extLst>
             <a:ext uri="{909E8E84-426E-40DD-AFC4-6F175D3DCCD1}">
-              <a14:hiddenFill xmlns:a14="http://schemas.microsoft.com/office/drawing/2010/main" xmlns="">
+              <a14:hiddenFill xmlns="" xmlns:a14="http://schemas.microsoft.com/office/drawing/2010/main">
                 <a:solidFill>
                   <a:srgbClr val="FFFFFF"/>
                 </a:solidFill>
               </a14:hiddenFill>
             </a:ext>
             <a:ext uri="{91240B29-F687-4F45-9708-019B960494DF}">
-              <a14:hiddenLine xmlns:a14="http://schemas.microsoft.com/office/drawing/2010/main" xmlns="" w="9525">
+              <a14:hiddenLine xmlns="" xmlns:a14="http://schemas.microsoft.com/office/drawing/2010/main" w="9525">
                 <a:solidFill>
                   <a:srgbClr val="000000"/>
                 </a:solidFill>
@@ -27984,7 +28048,7 @@
               </a14:hiddenLine>
             </a:ext>
             <a:ext uri="{AF507438-7753-43E0-B8FC-AC1667EBCBE1}">
-              <a14:hiddenEffects xmlns:a14="http://schemas.microsoft.com/office/drawing/2010/main" xmlns="">
+              <a14:hiddenEffects xmlns="" xmlns:a14="http://schemas.microsoft.com/office/drawing/2010/main">
                 <a:effectLst>
                   <a:outerShdw dist="35921" dir="2700000" algn="ctr" rotWithShape="0">
                     <a:srgbClr val="808080"/>
@@ -28039,12 +28103,12 @@
           <a:effectLst/>
           <a:extLst>
             <a:ext uri="{909E8E84-426E-40DD-AFC4-6F175D3DCCD1}">
-              <a14:hiddenFill xmlns:a14="http://schemas.microsoft.com/office/drawing/2010/main" xmlns="">
+              <a14:hiddenFill xmlns="" xmlns:a14="http://schemas.microsoft.com/office/drawing/2010/main">
                 <a:noFill/>
               </a14:hiddenFill>
             </a:ext>
             <a:ext uri="{AF507438-7753-43E0-B8FC-AC1667EBCBE1}">
-              <a14:hiddenEffects xmlns:a14="http://schemas.microsoft.com/office/drawing/2010/main" xmlns="">
+              <a14:hiddenEffects xmlns="" xmlns:a14="http://schemas.microsoft.com/office/drawing/2010/main">
                 <a:effectLst>
                   <a:outerShdw dist="35921" dir="2700000" algn="ctr" rotWithShape="0">
                     <a:srgbClr val="808080"/>
@@ -28090,12 +28154,12 @@
           <a:effectLst/>
           <a:extLst>
             <a:ext uri="{909E8E84-426E-40DD-AFC4-6F175D3DCCD1}">
-              <a14:hiddenFill xmlns:a14="http://schemas.microsoft.com/office/drawing/2010/main" xmlns="">
+              <a14:hiddenFill xmlns="" xmlns:a14="http://schemas.microsoft.com/office/drawing/2010/main">
                 <a:noFill/>
               </a14:hiddenFill>
             </a:ext>
             <a:ext uri="{AF507438-7753-43E0-B8FC-AC1667EBCBE1}">
-              <a14:hiddenEffects xmlns:a14="http://schemas.microsoft.com/office/drawing/2010/main" xmlns="">
+              <a14:hiddenEffects xmlns="" xmlns:a14="http://schemas.microsoft.com/office/drawing/2010/main">
                 <a:effectLst>
                   <a:outerShdw dist="35921" dir="2700000" algn="ctr" rotWithShape="0">
                     <a:srgbClr val="808080"/>
@@ -28141,12 +28205,12 @@
           <a:effectLst/>
           <a:extLst>
             <a:ext uri="{909E8E84-426E-40DD-AFC4-6F175D3DCCD1}">
-              <a14:hiddenFill xmlns:a14="http://schemas.microsoft.com/office/drawing/2010/main" xmlns="">
+              <a14:hiddenFill xmlns="" xmlns:a14="http://schemas.microsoft.com/office/drawing/2010/main">
                 <a:noFill/>
               </a14:hiddenFill>
             </a:ext>
             <a:ext uri="{AF507438-7753-43E0-B8FC-AC1667EBCBE1}">
-              <a14:hiddenEffects xmlns:a14="http://schemas.microsoft.com/office/drawing/2010/main" xmlns="">
+              <a14:hiddenEffects xmlns="" xmlns:a14="http://schemas.microsoft.com/office/drawing/2010/main">
                 <a:effectLst>
                   <a:outerShdw dist="35921" dir="2700000" algn="ctr" rotWithShape="0">
                     <a:srgbClr val="808080"/>
@@ -28208,7 +28272,7 @@
             <a:effectLst/>
             <a:extLst>
               <a:ext uri="{AF507438-7753-43E0-B8FC-AC1667EBCBE1}">
-                <a14:hiddenEffects xmlns:a14="http://schemas.microsoft.com/office/drawing/2010/main" xmlns="">
+                <a14:hiddenEffects xmlns="" xmlns:a14="http://schemas.microsoft.com/office/drawing/2010/main">
                   <a:effectLst>
                     <a:outerShdw dist="35921" dir="2700000" algn="ctr" rotWithShape="0">
                       <a:schemeClr val="bg2"/>
@@ -28285,7 +28349,7 @@
             <a:effectLst/>
             <a:extLst>
               <a:ext uri="{AF507438-7753-43E0-B8FC-AC1667EBCBE1}">
-                <a14:hiddenEffects xmlns:a14="http://schemas.microsoft.com/office/drawing/2010/main" xmlns="">
+                <a14:hiddenEffects xmlns="" xmlns:a14="http://schemas.microsoft.com/office/drawing/2010/main">
                   <a:effectLst>
                     <a:outerShdw dist="35921" dir="2700000" algn="ctr" rotWithShape="0">
                       <a:schemeClr val="bg2"/>
@@ -28362,7 +28426,7 @@
             <a:effectLst/>
             <a:extLst>
               <a:ext uri="{AF507438-7753-43E0-B8FC-AC1667EBCBE1}">
-                <a14:hiddenEffects xmlns:a14="http://schemas.microsoft.com/office/drawing/2010/main" xmlns="">
+                <a14:hiddenEffects xmlns="" xmlns:a14="http://schemas.microsoft.com/office/drawing/2010/main">
                   <a:effectLst>
                     <a:outerShdw dist="35921" dir="2700000" algn="ctr" rotWithShape="0">
                       <a:schemeClr val="bg2"/>
@@ -28439,7 +28503,7 @@
             <a:effectLst/>
             <a:extLst>
               <a:ext uri="{AF507438-7753-43E0-B8FC-AC1667EBCBE1}">
-                <a14:hiddenEffects xmlns:a14="http://schemas.microsoft.com/office/drawing/2010/main" xmlns="">
+                <a14:hiddenEffects xmlns="" xmlns:a14="http://schemas.microsoft.com/office/drawing/2010/main">
                   <a:effectLst>
                     <a:outerShdw dist="35921" dir="2700000" algn="ctr" rotWithShape="0">
                       <a:schemeClr val="bg2"/>
@@ -28516,7 +28580,7 @@
             <a:effectLst/>
             <a:extLst>
               <a:ext uri="{AF507438-7753-43E0-B8FC-AC1667EBCBE1}">
-                <a14:hiddenEffects xmlns:a14="http://schemas.microsoft.com/office/drawing/2010/main" xmlns="">
+                <a14:hiddenEffects xmlns="" xmlns:a14="http://schemas.microsoft.com/office/drawing/2010/main">
                   <a:effectLst>
                     <a:outerShdw dist="35921" dir="2700000" algn="ctr" rotWithShape="0">
                       <a:schemeClr val="bg2"/>
@@ -28593,7 +28657,7 @@
             <a:effectLst/>
             <a:extLst>
               <a:ext uri="{AF507438-7753-43E0-B8FC-AC1667EBCBE1}">
-                <a14:hiddenEffects xmlns:a14="http://schemas.microsoft.com/office/drawing/2010/main" xmlns="">
+                <a14:hiddenEffects xmlns="" xmlns:a14="http://schemas.microsoft.com/office/drawing/2010/main">
                   <a:effectLst>
                     <a:outerShdw dist="35921" dir="2700000" algn="ctr" rotWithShape="0">
                       <a:schemeClr val="bg2"/>
@@ -28672,7 +28736,7 @@
             <a:effectLst/>
             <a:extLst>
               <a:ext uri="{AF507438-7753-43E0-B8FC-AC1667EBCBE1}">
-                <a14:hiddenEffects xmlns:a14="http://schemas.microsoft.com/office/drawing/2010/main" xmlns="">
+                <a14:hiddenEffects xmlns="" xmlns:a14="http://schemas.microsoft.com/office/drawing/2010/main">
                   <a:effectLst>
                     <a:outerShdw dist="35921" dir="2700000" algn="ctr" rotWithShape="0">
                       <a:schemeClr val="bg2"/>
@@ -28713,7 +28777,7 @@
             <a:effectLst/>
             <a:extLst>
               <a:ext uri="{AF507438-7753-43E0-B8FC-AC1667EBCBE1}">
-                <a14:hiddenEffects xmlns:a14="http://schemas.microsoft.com/office/drawing/2010/main" xmlns="">
+                <a14:hiddenEffects xmlns="" xmlns:a14="http://schemas.microsoft.com/office/drawing/2010/main">
                   <a:effectLst>
                     <a:outerShdw dist="35921" dir="2700000" algn="ctr" rotWithShape="0">
                       <a:schemeClr val="bg2"/>
@@ -28754,7 +28818,7 @@
             <a:effectLst/>
             <a:extLst>
               <a:ext uri="{AF507438-7753-43E0-B8FC-AC1667EBCBE1}">
-                <a14:hiddenEffects xmlns:a14="http://schemas.microsoft.com/office/drawing/2010/main" xmlns="">
+                <a14:hiddenEffects xmlns="" xmlns:a14="http://schemas.microsoft.com/office/drawing/2010/main">
                   <a:effectLst>
                     <a:outerShdw dist="35921" dir="2700000" algn="ctr" rotWithShape="0">
                       <a:schemeClr val="bg2"/>
@@ -28795,7 +28859,7 @@
             <a:effectLst/>
             <a:extLst>
               <a:ext uri="{AF507438-7753-43E0-B8FC-AC1667EBCBE1}">
-                <a14:hiddenEffects xmlns:a14="http://schemas.microsoft.com/office/drawing/2010/main" xmlns="">
+                <a14:hiddenEffects xmlns="" xmlns:a14="http://schemas.microsoft.com/office/drawing/2010/main">
                   <a:effectLst>
                     <a:outerShdw dist="35921" dir="2700000" algn="ctr" rotWithShape="0">
                       <a:schemeClr val="bg2"/>
@@ -28836,7 +28900,7 @@
             <a:effectLst/>
             <a:extLst>
               <a:ext uri="{AF507438-7753-43E0-B8FC-AC1667EBCBE1}">
-                <a14:hiddenEffects xmlns:a14="http://schemas.microsoft.com/office/drawing/2010/main" xmlns="">
+                <a14:hiddenEffects xmlns="" xmlns:a14="http://schemas.microsoft.com/office/drawing/2010/main">
                   <a:effectLst>
                     <a:outerShdw dist="35921" dir="2700000" algn="ctr" rotWithShape="0">
                       <a:schemeClr val="bg2"/>
@@ -29094,7 +29158,7 @@
           <p:nvPr>
             <p:extLst>
               <p:ext uri="{D42A27DB-BD31-4B8C-83A1-F6EECF244321}">
-                <p14:modId xmlns:p14="http://schemas.microsoft.com/office/powerpoint/2010/main" xmlns="" val="2417391267"/>
+                <p14:modId xmlns="" xmlns:p14="http://schemas.microsoft.com/office/powerpoint/2010/main" val="2417391267"/>
               </p:ext>
             </p:extLst>
           </p:nvPr>
@@ -29932,7 +29996,7 @@
           <p:nvPr>
             <p:extLst>
               <p:ext uri="{D42A27DB-BD31-4B8C-83A1-F6EECF244321}">
-                <p14:modId xmlns:p14="http://schemas.microsoft.com/office/powerpoint/2010/main" xmlns="" val="1135716030"/>
+                <p14:modId xmlns="" xmlns:p14="http://schemas.microsoft.com/office/powerpoint/2010/main" val="1135716030"/>
               </p:ext>
             </p:extLst>
           </p:nvPr>
@@ -30773,7 +30837,7 @@
           <a:blip r:embed="rId3" cstate="print">
             <a:extLst>
               <a:ext uri="{28A0092B-C50C-407E-A947-70E740481C1C}">
-                <a14:useLocalDpi xmlns:a14="http://schemas.microsoft.com/office/drawing/2010/main" xmlns="" val="0"/>
+                <a14:useLocalDpi xmlns="" xmlns:a14="http://schemas.microsoft.com/office/drawing/2010/main" val="0"/>
               </a:ext>
             </a:extLst>
           </a:blip>
@@ -30887,7 +30951,7 @@
           <a:effectLst/>
           <a:extLst>
             <a:ext uri="{AF507438-7753-43E0-B8FC-AC1667EBCBE1}">
-              <a14:hiddenEffects xmlns:a14="http://schemas.microsoft.com/office/drawing/2010/main" xmlns="">
+              <a14:hiddenEffects xmlns="" xmlns:a14="http://schemas.microsoft.com/office/drawing/2010/main">
                 <a:effectLst>
                   <a:outerShdw dist="35921" dir="2700000" algn="ctr" rotWithShape="0">
                     <a:schemeClr val="bg2"/>
@@ -30966,7 +31030,7 @@
           <a:effectLst/>
           <a:extLst>
             <a:ext uri="{AF507438-7753-43E0-B8FC-AC1667EBCBE1}">
-              <a14:hiddenEffects xmlns:a14="http://schemas.microsoft.com/office/drawing/2010/main" xmlns="">
+              <a14:hiddenEffects xmlns="" xmlns:a14="http://schemas.microsoft.com/office/drawing/2010/main">
                 <a:effectLst>
                   <a:outerShdw dist="35921" dir="2700000" algn="ctr" rotWithShape="0">
                     <a:schemeClr val="bg2"/>
@@ -31045,7 +31109,7 @@
           <a:effectLst/>
           <a:extLst>
             <a:ext uri="{AF507438-7753-43E0-B8FC-AC1667EBCBE1}">
-              <a14:hiddenEffects xmlns:a14="http://schemas.microsoft.com/office/drawing/2010/main" xmlns="">
+              <a14:hiddenEffects xmlns="" xmlns:a14="http://schemas.microsoft.com/office/drawing/2010/main">
                 <a:effectLst>
                   <a:outerShdw dist="35921" dir="2700000" algn="ctr" rotWithShape="0">
                     <a:schemeClr val="bg2"/>
@@ -31124,7 +31188,7 @@
           <a:effectLst/>
           <a:extLst>
             <a:ext uri="{AF507438-7753-43E0-B8FC-AC1667EBCBE1}">
-              <a14:hiddenEffects xmlns:a14="http://schemas.microsoft.com/office/drawing/2010/main" xmlns="">
+              <a14:hiddenEffects xmlns="" xmlns:a14="http://schemas.microsoft.com/office/drawing/2010/main">
                 <a:effectLst>
                   <a:outerShdw dist="35921" dir="2700000" algn="ctr" rotWithShape="0">
                     <a:schemeClr val="bg2"/>
@@ -31203,7 +31267,7 @@
           <a:effectLst/>
           <a:extLst>
             <a:ext uri="{AF507438-7753-43E0-B8FC-AC1667EBCBE1}">
-              <a14:hiddenEffects xmlns:a14="http://schemas.microsoft.com/office/drawing/2010/main" xmlns="">
+              <a14:hiddenEffects xmlns="" xmlns:a14="http://schemas.microsoft.com/office/drawing/2010/main">
                 <a:effectLst>
                   <a:outerShdw dist="35921" dir="2700000" algn="ctr" rotWithShape="0">
                     <a:schemeClr val="bg2"/>
@@ -31284,7 +31348,7 @@
           <a:effectLst/>
           <a:extLst>
             <a:ext uri="{AF507438-7753-43E0-B8FC-AC1667EBCBE1}">
-              <a14:hiddenEffects xmlns:a14="http://schemas.microsoft.com/office/drawing/2010/main" xmlns="">
+              <a14:hiddenEffects xmlns="" xmlns:a14="http://schemas.microsoft.com/office/drawing/2010/main">
                 <a:effectLst>
                   <a:outerShdw dist="35921" dir="2700000" algn="ctr" rotWithShape="0">
                     <a:schemeClr val="bg2"/>
@@ -31327,7 +31391,7 @@
           <a:effectLst/>
           <a:extLst>
             <a:ext uri="{AF507438-7753-43E0-B8FC-AC1667EBCBE1}">
-              <a14:hiddenEffects xmlns:a14="http://schemas.microsoft.com/office/drawing/2010/main" xmlns="">
+              <a14:hiddenEffects xmlns="" xmlns:a14="http://schemas.microsoft.com/office/drawing/2010/main">
                 <a:effectLst>
                   <a:outerShdw dist="35921" dir="2700000" algn="ctr" rotWithShape="0">
                     <a:schemeClr val="bg2"/>
@@ -31370,7 +31434,7 @@
           <a:effectLst/>
           <a:extLst>
             <a:ext uri="{AF507438-7753-43E0-B8FC-AC1667EBCBE1}">
-              <a14:hiddenEffects xmlns:a14="http://schemas.microsoft.com/office/drawing/2010/main" xmlns="">
+              <a14:hiddenEffects xmlns="" xmlns:a14="http://schemas.microsoft.com/office/drawing/2010/main">
                 <a:effectLst>
                   <a:outerShdw dist="35921" dir="2700000" algn="ctr" rotWithShape="0">
                     <a:schemeClr val="bg2"/>
@@ -31413,7 +31477,7 @@
           <a:effectLst/>
           <a:extLst>
             <a:ext uri="{AF507438-7753-43E0-B8FC-AC1667EBCBE1}">
-              <a14:hiddenEffects xmlns:a14="http://schemas.microsoft.com/office/drawing/2010/main" xmlns="">
+              <a14:hiddenEffects xmlns="" xmlns:a14="http://schemas.microsoft.com/office/drawing/2010/main">
                 <a:effectLst>
                   <a:outerShdw dist="35921" dir="2700000" algn="ctr" rotWithShape="0">
                     <a:schemeClr val="bg2"/>
@@ -31456,7 +31520,7 @@
           <a:effectLst/>
           <a:extLst>
             <a:ext uri="{AF507438-7753-43E0-B8FC-AC1667EBCBE1}">
-              <a14:hiddenEffects xmlns:a14="http://schemas.microsoft.com/office/drawing/2010/main" xmlns="">
+              <a14:hiddenEffects xmlns="" xmlns:a14="http://schemas.microsoft.com/office/drawing/2010/main">
                 <a:effectLst>
                   <a:outerShdw dist="35921" dir="2700000" algn="ctr" rotWithShape="0">
                     <a:schemeClr val="bg2"/>
@@ -31630,7 +31694,7 @@
           <a:effectLst/>
           <a:extLst>
             <a:ext uri="{AF507438-7753-43E0-B8FC-AC1667EBCBE1}">
-              <a14:hiddenEffects xmlns:a14="http://schemas.microsoft.com/office/drawing/2010/main" xmlns="">
+              <a14:hiddenEffects xmlns="" xmlns:a14="http://schemas.microsoft.com/office/drawing/2010/main">
                 <a:effectLst>
                   <a:outerShdw dist="35921" dir="2700000" algn="ctr" rotWithShape="0">
                     <a:schemeClr val="bg2"/>
@@ -31845,7 +31909,7 @@
           <a:effectLst/>
           <a:extLst>
             <a:ext uri="{AF507438-7753-43E0-B8FC-AC1667EBCBE1}">
-              <a14:hiddenEffects xmlns:a14="http://schemas.microsoft.com/office/drawing/2010/main" xmlns="">
+              <a14:hiddenEffects xmlns="" xmlns:a14="http://schemas.microsoft.com/office/drawing/2010/main">
                 <a:effectLst>
                   <a:outerShdw dist="35921" dir="2700000" algn="ctr" rotWithShape="0">
                     <a:schemeClr val="bg2"/>
@@ -31924,7 +31988,7 @@
           <a:effectLst/>
           <a:extLst>
             <a:ext uri="{AF507438-7753-43E0-B8FC-AC1667EBCBE1}">
-              <a14:hiddenEffects xmlns:a14="http://schemas.microsoft.com/office/drawing/2010/main" xmlns="">
+              <a14:hiddenEffects xmlns="" xmlns:a14="http://schemas.microsoft.com/office/drawing/2010/main">
                 <a:effectLst>
                   <a:outerShdw dist="35921" dir="2700000" algn="ctr" rotWithShape="0">
                     <a:schemeClr val="bg2"/>
@@ -32003,7 +32067,7 @@
           <a:effectLst/>
           <a:extLst>
             <a:ext uri="{AF507438-7753-43E0-B8FC-AC1667EBCBE1}">
-              <a14:hiddenEffects xmlns:a14="http://schemas.microsoft.com/office/drawing/2010/main" xmlns="">
+              <a14:hiddenEffects xmlns="" xmlns:a14="http://schemas.microsoft.com/office/drawing/2010/main">
                 <a:effectLst>
                   <a:outerShdw dist="35921" dir="2700000" algn="ctr" rotWithShape="0">
                     <a:schemeClr val="bg2"/>
@@ -32084,7 +32148,7 @@
           <a:effectLst/>
           <a:extLst>
             <a:ext uri="{AF507438-7753-43E0-B8FC-AC1667EBCBE1}">
-              <a14:hiddenEffects xmlns:a14="http://schemas.microsoft.com/office/drawing/2010/main" xmlns="">
+              <a14:hiddenEffects xmlns="" xmlns:a14="http://schemas.microsoft.com/office/drawing/2010/main">
                 <a:effectLst>
                   <a:outerShdw dist="35921" dir="2700000" algn="ctr" rotWithShape="0">
                     <a:schemeClr val="bg2"/>
@@ -32127,7 +32191,7 @@
           <a:effectLst/>
           <a:extLst>
             <a:ext uri="{AF507438-7753-43E0-B8FC-AC1667EBCBE1}">
-              <a14:hiddenEffects xmlns:a14="http://schemas.microsoft.com/office/drawing/2010/main" xmlns="">
+              <a14:hiddenEffects xmlns="" xmlns:a14="http://schemas.microsoft.com/office/drawing/2010/main">
                 <a:effectLst>
                   <a:outerShdw dist="35921" dir="2700000" algn="ctr" rotWithShape="0">
                     <a:schemeClr val="bg2"/>
@@ -32170,7 +32234,7 @@
           <a:effectLst/>
           <a:extLst>
             <a:ext uri="{AF507438-7753-43E0-B8FC-AC1667EBCBE1}">
-              <a14:hiddenEffects xmlns:a14="http://schemas.microsoft.com/office/drawing/2010/main" xmlns="">
+              <a14:hiddenEffects xmlns="" xmlns:a14="http://schemas.microsoft.com/office/drawing/2010/main">
                 <a:effectLst>
                   <a:outerShdw dist="35921" dir="2700000" algn="ctr" rotWithShape="0">
                     <a:schemeClr val="bg2"/>
@@ -32213,7 +32277,7 @@
           <a:effectLst/>
           <a:extLst>
             <a:ext uri="{AF507438-7753-43E0-B8FC-AC1667EBCBE1}">
-              <a14:hiddenEffects xmlns:a14="http://schemas.microsoft.com/office/drawing/2010/main" xmlns="">
+              <a14:hiddenEffects xmlns="" xmlns:a14="http://schemas.microsoft.com/office/drawing/2010/main">
                 <a:effectLst>
                   <a:outerShdw dist="35921" dir="2700000" algn="ctr" rotWithShape="0">
                     <a:schemeClr val="bg2"/>
@@ -32256,7 +32320,7 @@
           <a:effectLst/>
           <a:extLst>
             <a:ext uri="{AF507438-7753-43E0-B8FC-AC1667EBCBE1}">
-              <a14:hiddenEffects xmlns:a14="http://schemas.microsoft.com/office/drawing/2010/main" xmlns="">
+              <a14:hiddenEffects xmlns="" xmlns:a14="http://schemas.microsoft.com/office/drawing/2010/main">
                 <a:effectLst>
                   <a:outerShdw dist="35921" dir="2700000" algn="ctr" rotWithShape="0">
                     <a:schemeClr val="bg2"/>
@@ -32270,7 +32334,7 @@
     </p:spTree>
     <p:extLst>
       <p:ext uri="{BB962C8B-B14F-4D97-AF65-F5344CB8AC3E}">
-        <p14:creationId xmlns:p14="http://schemas.microsoft.com/office/powerpoint/2010/main" xmlns="" val="2517508611"/>
+        <p14:creationId xmlns="" xmlns:p14="http://schemas.microsoft.com/office/powerpoint/2010/main" val="2517508611"/>
       </p:ext>
     </p:extLst>
   </p:cSld>
@@ -32361,11 +32425,7 @@
             </a:r>
             <a:r>
               <a:rPr lang="en-GB" dirty="0" smtClean="0"/>
-              <a:t> (</a:t>
-            </a:r>
-            <a:r>
-              <a:rPr lang="en-GB" dirty="0" smtClean="0"/>
-              <a:t>unsigned orientation) or –</a:t>
+              <a:t> (unsigned orientation) or –</a:t>
             </a:r>
             <a:r>
               <a:rPr lang="el-GR" dirty="0" smtClean="0"/>
@@ -32435,7 +32495,7 @@
           <a:effectLst/>
           <a:extLst>
             <a:ext uri="{AF507438-7753-43E0-B8FC-AC1667EBCBE1}">
-              <a14:hiddenEffects xmlns:a14="http://schemas.microsoft.com/office/drawing/2010/main" xmlns="">
+              <a14:hiddenEffects xmlns="" xmlns:a14="http://schemas.microsoft.com/office/drawing/2010/main">
                 <a:effectLst>
                   <a:outerShdw dist="35921" dir="2700000" algn="ctr" rotWithShape="0">
                     <a:schemeClr val="bg2"/>
@@ -32514,7 +32574,7 @@
           <a:effectLst/>
           <a:extLst>
             <a:ext uri="{AF507438-7753-43E0-B8FC-AC1667EBCBE1}">
-              <a14:hiddenEffects xmlns:a14="http://schemas.microsoft.com/office/drawing/2010/main" xmlns="">
+              <a14:hiddenEffects xmlns="" xmlns:a14="http://schemas.microsoft.com/office/drawing/2010/main">
                 <a:effectLst>
                   <a:outerShdw dist="35921" dir="2700000" algn="ctr" rotWithShape="0">
                     <a:schemeClr val="bg2"/>
@@ -32661,7 +32721,7 @@
           <a:effectLst/>
           <a:extLst>
             <a:ext uri="{AF507438-7753-43E0-B8FC-AC1667EBCBE1}">
-              <a14:hiddenEffects xmlns:a14="http://schemas.microsoft.com/office/drawing/2010/main" xmlns="">
+              <a14:hiddenEffects xmlns="" xmlns:a14="http://schemas.microsoft.com/office/drawing/2010/main">
                 <a:effectLst>
                   <a:outerShdw dist="35921" dir="2700000" algn="ctr" rotWithShape="0">
                     <a:schemeClr val="bg2"/>
@@ -32740,7 +32800,7 @@
           <a:effectLst/>
           <a:extLst>
             <a:ext uri="{AF507438-7753-43E0-B8FC-AC1667EBCBE1}">
-              <a14:hiddenEffects xmlns:a14="http://schemas.microsoft.com/office/drawing/2010/main" xmlns="">
+              <a14:hiddenEffects xmlns="" xmlns:a14="http://schemas.microsoft.com/office/drawing/2010/main">
                 <a:effectLst>
                   <a:outerShdw dist="35921" dir="2700000" algn="ctr" rotWithShape="0">
                     <a:schemeClr val="bg2"/>
@@ -32819,7 +32879,7 @@
           <a:effectLst/>
           <a:extLst>
             <a:ext uri="{AF507438-7753-43E0-B8FC-AC1667EBCBE1}">
-              <a14:hiddenEffects xmlns:a14="http://schemas.microsoft.com/office/drawing/2010/main" xmlns="">
+              <a14:hiddenEffects xmlns="" xmlns:a14="http://schemas.microsoft.com/office/drawing/2010/main">
                 <a:effectLst>
                   <a:outerShdw dist="35921" dir="2700000" algn="ctr" rotWithShape="0">
                     <a:schemeClr val="bg2"/>
@@ -32900,7 +32960,7 @@
           <a:effectLst/>
           <a:extLst>
             <a:ext uri="{AF507438-7753-43E0-B8FC-AC1667EBCBE1}">
-              <a14:hiddenEffects xmlns:a14="http://schemas.microsoft.com/office/drawing/2010/main" xmlns="">
+              <a14:hiddenEffects xmlns="" xmlns:a14="http://schemas.microsoft.com/office/drawing/2010/main">
                 <a:effectLst>
                   <a:outerShdw dist="35921" dir="2700000" algn="ctr" rotWithShape="0">
                     <a:schemeClr val="bg2"/>
@@ -32943,7 +33003,7 @@
           <a:effectLst/>
           <a:extLst>
             <a:ext uri="{AF507438-7753-43E0-B8FC-AC1667EBCBE1}">
-              <a14:hiddenEffects xmlns:a14="http://schemas.microsoft.com/office/drawing/2010/main" xmlns="">
+              <a14:hiddenEffects xmlns="" xmlns:a14="http://schemas.microsoft.com/office/drawing/2010/main">
                 <a:effectLst>
                   <a:outerShdw dist="35921" dir="2700000" algn="ctr" rotWithShape="0">
                     <a:schemeClr val="bg2"/>
@@ -32986,7 +33046,7 @@
           <a:effectLst/>
           <a:extLst>
             <a:ext uri="{AF507438-7753-43E0-B8FC-AC1667EBCBE1}">
-              <a14:hiddenEffects xmlns:a14="http://schemas.microsoft.com/office/drawing/2010/main" xmlns="">
+              <a14:hiddenEffects xmlns="" xmlns:a14="http://schemas.microsoft.com/office/drawing/2010/main">
                 <a:effectLst>
                   <a:outerShdw dist="35921" dir="2700000" algn="ctr" rotWithShape="0">
                     <a:schemeClr val="bg2"/>
@@ -33029,7 +33089,7 @@
           <a:effectLst/>
           <a:extLst>
             <a:ext uri="{AF507438-7753-43E0-B8FC-AC1667EBCBE1}">
-              <a14:hiddenEffects xmlns:a14="http://schemas.microsoft.com/office/drawing/2010/main" xmlns="">
+              <a14:hiddenEffects xmlns="" xmlns:a14="http://schemas.microsoft.com/office/drawing/2010/main">
                 <a:effectLst>
                   <a:outerShdw dist="35921" dir="2700000" algn="ctr" rotWithShape="0">
                     <a:schemeClr val="bg2"/>
@@ -33072,7 +33132,7 @@
           <a:effectLst/>
           <a:extLst>
             <a:ext uri="{AF507438-7753-43E0-B8FC-AC1667EBCBE1}">
-              <a14:hiddenEffects xmlns:a14="http://schemas.microsoft.com/office/drawing/2010/main" xmlns="">
+              <a14:hiddenEffects xmlns="" xmlns:a14="http://schemas.microsoft.com/office/drawing/2010/main">
                 <a:effectLst>
                   <a:outerShdw dist="35921" dir="2700000" algn="ctr" rotWithShape="0">
                     <a:schemeClr val="bg2"/>
@@ -33086,7 +33146,7 @@
     </p:spTree>
     <p:extLst>
       <p:ext uri="{BB962C8B-B14F-4D97-AF65-F5344CB8AC3E}">
-        <p14:creationId xmlns:p14="http://schemas.microsoft.com/office/powerpoint/2010/main" xmlns="" val="2895265215"/>
+        <p14:creationId xmlns="" xmlns:p14="http://schemas.microsoft.com/office/powerpoint/2010/main" val="2895265215"/>
       </p:ext>
     </p:extLst>
   </p:cSld>
@@ -33132,7 +33192,7 @@
           <a:blip r:embed="rId3" cstate="print">
             <a:extLst>
               <a:ext uri="{28A0092B-C50C-407E-A947-70E740481C1C}">
-                <a14:useLocalDpi xmlns:a14="http://schemas.microsoft.com/office/drawing/2010/main" xmlns="" val="0"/>
+                <a14:useLocalDpi xmlns="" xmlns:a14="http://schemas.microsoft.com/office/drawing/2010/main" val="0"/>
               </a:ext>
             </a:extLst>
           </a:blip>
@@ -33224,14 +33284,14 @@
           <a:effectLst/>
           <a:extLst>
             <a:ext uri="{909E8E84-426E-40DD-AFC4-6F175D3DCCD1}">
-              <a14:hiddenFill xmlns:a14="http://schemas.microsoft.com/office/drawing/2010/main" xmlns="">
+              <a14:hiddenFill xmlns="" xmlns:a14="http://schemas.microsoft.com/office/drawing/2010/main">
                 <a:solidFill>
                   <a:srgbClr val="FFFFFF"/>
                 </a:solidFill>
               </a14:hiddenFill>
             </a:ext>
             <a:ext uri="{AF507438-7753-43E0-B8FC-AC1667EBCBE1}">
-              <a14:hiddenEffects xmlns:a14="http://schemas.microsoft.com/office/drawing/2010/main" xmlns="">
+              <a14:hiddenEffects xmlns="" xmlns:a14="http://schemas.microsoft.com/office/drawing/2010/main">
                 <a:effectLst>
                   <a:outerShdw dist="35921" dir="2700000" algn="ctr" rotWithShape="0">
                     <a:srgbClr val="808080"/>
@@ -33278,14 +33338,14 @@
           <a:effectLst/>
           <a:extLst>
             <a:ext uri="{909E8E84-426E-40DD-AFC4-6F175D3DCCD1}">
-              <a14:hiddenFill xmlns:a14="http://schemas.microsoft.com/office/drawing/2010/main" xmlns="">
+              <a14:hiddenFill xmlns="" xmlns:a14="http://schemas.microsoft.com/office/drawing/2010/main">
                 <a:solidFill>
                   <a:srgbClr val="FFFFFF"/>
                 </a:solidFill>
               </a14:hiddenFill>
             </a:ext>
             <a:ext uri="{AF507438-7753-43E0-B8FC-AC1667EBCBE1}">
-              <a14:hiddenEffects xmlns:a14="http://schemas.microsoft.com/office/drawing/2010/main" xmlns="">
+              <a14:hiddenEffects xmlns="" xmlns:a14="http://schemas.microsoft.com/office/drawing/2010/main">
                 <a:effectLst>
                   <a:outerShdw dist="35921" dir="2700000" algn="ctr" rotWithShape="0">
                     <a:srgbClr val="808080"/>
@@ -33332,14 +33392,14 @@
           <a:effectLst/>
           <a:extLst>
             <a:ext uri="{909E8E84-426E-40DD-AFC4-6F175D3DCCD1}">
-              <a14:hiddenFill xmlns:a14="http://schemas.microsoft.com/office/drawing/2010/main" xmlns="">
+              <a14:hiddenFill xmlns="" xmlns:a14="http://schemas.microsoft.com/office/drawing/2010/main">
                 <a:solidFill>
                   <a:srgbClr val="FFFFFF"/>
                 </a:solidFill>
               </a14:hiddenFill>
             </a:ext>
             <a:ext uri="{AF507438-7753-43E0-B8FC-AC1667EBCBE1}">
-              <a14:hiddenEffects xmlns:a14="http://schemas.microsoft.com/office/drawing/2010/main" xmlns="">
+              <a14:hiddenEffects xmlns="" xmlns:a14="http://schemas.microsoft.com/office/drawing/2010/main">
                 <a:effectLst>
                   <a:outerShdw dist="35921" dir="2700000" algn="ctr" rotWithShape="0">
                     <a:srgbClr val="808080"/>
@@ -33386,14 +33446,14 @@
           <a:effectLst/>
           <a:extLst>
             <a:ext uri="{909E8E84-426E-40DD-AFC4-6F175D3DCCD1}">
-              <a14:hiddenFill xmlns:a14="http://schemas.microsoft.com/office/drawing/2010/main" xmlns="">
+              <a14:hiddenFill xmlns="" xmlns:a14="http://schemas.microsoft.com/office/drawing/2010/main">
                 <a:solidFill>
                   <a:srgbClr val="FFFFFF"/>
                 </a:solidFill>
               </a14:hiddenFill>
             </a:ext>
             <a:ext uri="{AF507438-7753-43E0-B8FC-AC1667EBCBE1}">
-              <a14:hiddenEffects xmlns:a14="http://schemas.microsoft.com/office/drawing/2010/main" xmlns="">
+              <a14:hiddenEffects xmlns="" xmlns:a14="http://schemas.microsoft.com/office/drawing/2010/main">
                 <a:effectLst>
                   <a:outerShdw dist="35921" dir="2700000" algn="ctr" rotWithShape="0">
                     <a:srgbClr val="808080"/>
@@ -33440,14 +33500,14 @@
           <a:effectLst/>
           <a:extLst>
             <a:ext uri="{909E8E84-426E-40DD-AFC4-6F175D3DCCD1}">
-              <a14:hiddenFill xmlns:a14="http://schemas.microsoft.com/office/drawing/2010/main" xmlns="">
+              <a14:hiddenFill xmlns="" xmlns:a14="http://schemas.microsoft.com/office/drawing/2010/main">
                 <a:solidFill>
                   <a:srgbClr val="FFFFFF"/>
                 </a:solidFill>
               </a14:hiddenFill>
             </a:ext>
             <a:ext uri="{AF507438-7753-43E0-B8FC-AC1667EBCBE1}">
-              <a14:hiddenEffects xmlns:a14="http://schemas.microsoft.com/office/drawing/2010/main" xmlns="">
+              <a14:hiddenEffects xmlns="" xmlns:a14="http://schemas.microsoft.com/office/drawing/2010/main">
                 <a:effectLst>
                   <a:outerShdw dist="35921" dir="2700000" algn="ctr" rotWithShape="0">
                     <a:srgbClr val="808080"/>
@@ -33494,14 +33554,14 @@
           <a:effectLst/>
           <a:extLst>
             <a:ext uri="{909E8E84-426E-40DD-AFC4-6F175D3DCCD1}">
-              <a14:hiddenFill xmlns:a14="http://schemas.microsoft.com/office/drawing/2010/main" xmlns="">
+              <a14:hiddenFill xmlns="" xmlns:a14="http://schemas.microsoft.com/office/drawing/2010/main">
                 <a:solidFill>
                   <a:srgbClr val="FFFFFF"/>
                 </a:solidFill>
               </a14:hiddenFill>
             </a:ext>
             <a:ext uri="{AF507438-7753-43E0-B8FC-AC1667EBCBE1}">
-              <a14:hiddenEffects xmlns:a14="http://schemas.microsoft.com/office/drawing/2010/main" xmlns="">
+              <a14:hiddenEffects xmlns="" xmlns:a14="http://schemas.microsoft.com/office/drawing/2010/main">
                 <a:effectLst>
                   <a:outerShdw dist="35921" dir="2700000" algn="ctr" rotWithShape="0">
                     <a:srgbClr val="808080"/>
@@ -33548,14 +33608,14 @@
           <a:effectLst/>
           <a:extLst>
             <a:ext uri="{909E8E84-426E-40DD-AFC4-6F175D3DCCD1}">
-              <a14:hiddenFill xmlns:a14="http://schemas.microsoft.com/office/drawing/2010/main" xmlns="">
+              <a14:hiddenFill xmlns="" xmlns:a14="http://schemas.microsoft.com/office/drawing/2010/main">
                 <a:solidFill>
                   <a:srgbClr val="FFFFFF"/>
                 </a:solidFill>
               </a14:hiddenFill>
             </a:ext>
             <a:ext uri="{AF507438-7753-43E0-B8FC-AC1667EBCBE1}">
-              <a14:hiddenEffects xmlns:a14="http://schemas.microsoft.com/office/drawing/2010/main" xmlns="">
+              <a14:hiddenEffects xmlns="" xmlns:a14="http://schemas.microsoft.com/office/drawing/2010/main">
                 <a:effectLst>
                   <a:outerShdw dist="35921" dir="2700000" algn="ctr" rotWithShape="0">
                     <a:srgbClr val="808080"/>
@@ -33602,14 +33662,14 @@
           <a:effectLst/>
           <a:extLst>
             <a:ext uri="{909E8E84-426E-40DD-AFC4-6F175D3DCCD1}">
-              <a14:hiddenFill xmlns:a14="http://schemas.microsoft.com/office/drawing/2010/main" xmlns="">
+              <a14:hiddenFill xmlns="" xmlns:a14="http://schemas.microsoft.com/office/drawing/2010/main">
                 <a:solidFill>
                   <a:srgbClr val="FFFFFF"/>
                 </a:solidFill>
               </a14:hiddenFill>
             </a:ext>
             <a:ext uri="{AF507438-7753-43E0-B8FC-AC1667EBCBE1}">
-              <a14:hiddenEffects xmlns:a14="http://schemas.microsoft.com/office/drawing/2010/main" xmlns="">
+              <a14:hiddenEffects xmlns="" xmlns:a14="http://schemas.microsoft.com/office/drawing/2010/main">
                 <a:effectLst>
                   <a:outerShdw dist="35921" dir="2700000" algn="ctr" rotWithShape="0">
                     <a:srgbClr val="808080"/>
@@ -33656,14 +33716,14 @@
           <a:effectLst/>
           <a:extLst>
             <a:ext uri="{909E8E84-426E-40DD-AFC4-6F175D3DCCD1}">
-              <a14:hiddenFill xmlns:a14="http://schemas.microsoft.com/office/drawing/2010/main" xmlns="">
+              <a14:hiddenFill xmlns="" xmlns:a14="http://schemas.microsoft.com/office/drawing/2010/main">
                 <a:solidFill>
                   <a:srgbClr val="FFFFFF"/>
                 </a:solidFill>
               </a14:hiddenFill>
             </a:ext>
             <a:ext uri="{AF507438-7753-43E0-B8FC-AC1667EBCBE1}">
-              <a14:hiddenEffects xmlns:a14="http://schemas.microsoft.com/office/drawing/2010/main" xmlns="">
+              <a14:hiddenEffects xmlns="" xmlns:a14="http://schemas.microsoft.com/office/drawing/2010/main">
                 <a:effectLst>
                   <a:outerShdw dist="35921" dir="2700000" algn="ctr" rotWithShape="0">
                     <a:srgbClr val="808080"/>
@@ -33704,14 +33764,14 @@
           <a:effectLst/>
           <a:extLst>
             <a:ext uri="{909E8E84-426E-40DD-AFC4-6F175D3DCCD1}">
-              <a14:hiddenFill xmlns:a14="http://schemas.microsoft.com/office/drawing/2010/main" xmlns="">
+              <a14:hiddenFill xmlns="" xmlns:a14="http://schemas.microsoft.com/office/drawing/2010/main">
                 <a:solidFill>
                   <a:srgbClr val="FFFFFF"/>
                 </a:solidFill>
               </a14:hiddenFill>
             </a:ext>
             <a:ext uri="{91240B29-F687-4F45-9708-019B960494DF}">
-              <a14:hiddenLine xmlns:a14="http://schemas.microsoft.com/office/drawing/2010/main" xmlns="" w="9525">
+              <a14:hiddenLine xmlns="" xmlns:a14="http://schemas.microsoft.com/office/drawing/2010/main" w="9525">
                 <a:solidFill>
                   <a:srgbClr val="000000"/>
                 </a:solidFill>
@@ -33721,7 +33781,7 @@
               </a14:hiddenLine>
             </a:ext>
             <a:ext uri="{AF507438-7753-43E0-B8FC-AC1667EBCBE1}">
-              <a14:hiddenEffects xmlns:a14="http://schemas.microsoft.com/office/drawing/2010/main" xmlns="">
+              <a14:hiddenEffects xmlns="" xmlns:a14="http://schemas.microsoft.com/office/drawing/2010/main">
                 <a:effectLst>
                   <a:outerShdw dist="35921" dir="2700000" algn="ctr" rotWithShape="0">
                     <a:srgbClr val="808080"/>
@@ -33776,12 +33836,12 @@
           <a:effectLst/>
           <a:extLst>
             <a:ext uri="{909E8E84-426E-40DD-AFC4-6F175D3DCCD1}">
-              <a14:hiddenFill xmlns:a14="http://schemas.microsoft.com/office/drawing/2010/main" xmlns="">
+              <a14:hiddenFill xmlns="" xmlns:a14="http://schemas.microsoft.com/office/drawing/2010/main">
                 <a:noFill/>
               </a14:hiddenFill>
             </a:ext>
             <a:ext uri="{AF507438-7753-43E0-B8FC-AC1667EBCBE1}">
-              <a14:hiddenEffects xmlns:a14="http://schemas.microsoft.com/office/drawing/2010/main" xmlns="">
+              <a14:hiddenEffects xmlns="" xmlns:a14="http://schemas.microsoft.com/office/drawing/2010/main">
                 <a:effectLst>
                   <a:outerShdw dist="35921" dir="2700000" algn="ctr" rotWithShape="0">
                     <a:srgbClr val="808080"/>
@@ -33843,7 +33903,7 @@
             <a:effectLst/>
             <a:extLst>
               <a:ext uri="{AF507438-7753-43E0-B8FC-AC1667EBCBE1}">
-                <a14:hiddenEffects xmlns:a14="http://schemas.microsoft.com/office/drawing/2010/main" xmlns="">
+                <a14:hiddenEffects xmlns="" xmlns:a14="http://schemas.microsoft.com/office/drawing/2010/main">
                   <a:effectLst>
                     <a:outerShdw dist="35921" dir="2700000" algn="ctr" rotWithShape="0">
                       <a:schemeClr val="bg2"/>
@@ -33920,7 +33980,7 @@
             <a:effectLst/>
             <a:extLst>
               <a:ext uri="{AF507438-7753-43E0-B8FC-AC1667EBCBE1}">
-                <a14:hiddenEffects xmlns:a14="http://schemas.microsoft.com/office/drawing/2010/main" xmlns="">
+                <a14:hiddenEffects xmlns="" xmlns:a14="http://schemas.microsoft.com/office/drawing/2010/main">
                   <a:effectLst>
                     <a:outerShdw dist="35921" dir="2700000" algn="ctr" rotWithShape="0">
                       <a:schemeClr val="bg2"/>
@@ -33999,7 +34059,7 @@
             <a:effectLst/>
             <a:extLst>
               <a:ext uri="{AF507438-7753-43E0-B8FC-AC1667EBCBE1}">
-                <a14:hiddenEffects xmlns:a14="http://schemas.microsoft.com/office/drawing/2010/main" xmlns="">
+                <a14:hiddenEffects xmlns="" xmlns:a14="http://schemas.microsoft.com/office/drawing/2010/main">
                   <a:effectLst>
                     <a:outerShdw dist="35921" dir="2700000" algn="ctr" rotWithShape="0">
                       <a:schemeClr val="bg2"/>
@@ -34076,7 +34136,7 @@
             <a:effectLst/>
             <a:extLst>
               <a:ext uri="{AF507438-7753-43E0-B8FC-AC1667EBCBE1}">
-                <a14:hiddenEffects xmlns:a14="http://schemas.microsoft.com/office/drawing/2010/main" xmlns="">
+                <a14:hiddenEffects xmlns="" xmlns:a14="http://schemas.microsoft.com/office/drawing/2010/main">
                   <a:effectLst>
                     <a:outerShdw dist="35921" dir="2700000" algn="ctr" rotWithShape="0">
                       <a:schemeClr val="bg2"/>
@@ -34153,7 +34213,7 @@
             <a:effectLst/>
             <a:extLst>
               <a:ext uri="{AF507438-7753-43E0-B8FC-AC1667EBCBE1}">
-                <a14:hiddenEffects xmlns:a14="http://schemas.microsoft.com/office/drawing/2010/main" xmlns="">
+                <a14:hiddenEffects xmlns="" xmlns:a14="http://schemas.microsoft.com/office/drawing/2010/main">
                   <a:effectLst>
                     <a:outerShdw dist="35921" dir="2700000" algn="ctr" rotWithShape="0">
                       <a:schemeClr val="bg2"/>
@@ -34230,7 +34290,7 @@
             <a:effectLst/>
             <a:extLst>
               <a:ext uri="{AF507438-7753-43E0-B8FC-AC1667EBCBE1}">
-                <a14:hiddenEffects xmlns:a14="http://schemas.microsoft.com/office/drawing/2010/main" xmlns="">
+                <a14:hiddenEffects xmlns="" xmlns:a14="http://schemas.microsoft.com/office/drawing/2010/main">
                   <a:effectLst>
                     <a:outerShdw dist="35921" dir="2700000" algn="ctr" rotWithShape="0">
                       <a:schemeClr val="bg2"/>
@@ -34309,7 +34369,7 @@
             <a:effectLst/>
             <a:extLst>
               <a:ext uri="{AF507438-7753-43E0-B8FC-AC1667EBCBE1}">
-                <a14:hiddenEffects xmlns:a14="http://schemas.microsoft.com/office/drawing/2010/main" xmlns="">
+                <a14:hiddenEffects xmlns="" xmlns:a14="http://schemas.microsoft.com/office/drawing/2010/main">
                   <a:effectLst>
                     <a:outerShdw dist="35921" dir="2700000" algn="ctr" rotWithShape="0">
                       <a:schemeClr val="bg2"/>
@@ -34350,7 +34410,7 @@
             <a:effectLst/>
             <a:extLst>
               <a:ext uri="{AF507438-7753-43E0-B8FC-AC1667EBCBE1}">
-                <a14:hiddenEffects xmlns:a14="http://schemas.microsoft.com/office/drawing/2010/main" xmlns="">
+                <a14:hiddenEffects xmlns="" xmlns:a14="http://schemas.microsoft.com/office/drawing/2010/main">
                   <a:effectLst>
                     <a:outerShdw dist="35921" dir="2700000" algn="ctr" rotWithShape="0">
                       <a:schemeClr val="bg2"/>
@@ -34391,7 +34451,7 @@
             <a:effectLst/>
             <a:extLst>
               <a:ext uri="{AF507438-7753-43E0-B8FC-AC1667EBCBE1}">
-                <a14:hiddenEffects xmlns:a14="http://schemas.microsoft.com/office/drawing/2010/main" xmlns="">
+                <a14:hiddenEffects xmlns="" xmlns:a14="http://schemas.microsoft.com/office/drawing/2010/main">
                   <a:effectLst>
                     <a:outerShdw dist="35921" dir="2700000" algn="ctr" rotWithShape="0">
                       <a:schemeClr val="bg2"/>
@@ -34432,7 +34492,7 @@
             <a:effectLst/>
             <a:extLst>
               <a:ext uri="{AF507438-7753-43E0-B8FC-AC1667EBCBE1}">
-                <a14:hiddenEffects xmlns:a14="http://schemas.microsoft.com/office/drawing/2010/main" xmlns="">
+                <a14:hiddenEffects xmlns="" xmlns:a14="http://schemas.microsoft.com/office/drawing/2010/main">
                   <a:effectLst>
                     <a:outerShdw dist="35921" dir="2700000" algn="ctr" rotWithShape="0">
                       <a:schemeClr val="bg2"/>
@@ -34473,7 +34533,7 @@
             <a:effectLst/>
             <a:extLst>
               <a:ext uri="{AF507438-7753-43E0-B8FC-AC1667EBCBE1}">
-                <a14:hiddenEffects xmlns:a14="http://schemas.microsoft.com/office/drawing/2010/main" xmlns="">
+                <a14:hiddenEffects xmlns="" xmlns:a14="http://schemas.microsoft.com/office/drawing/2010/main">
                   <a:effectLst>
                     <a:outerShdw dist="35921" dir="2700000" algn="ctr" rotWithShape="0">
                       <a:schemeClr val="bg2"/>
@@ -34771,7 +34831,7 @@
         <a:effectLst/>
         <a:extLst>
           <a:ext uri="{AF507438-7753-43E0-B8FC-AC1667EBCBE1}">
-            <a14:hiddenEffects xmlns:a14="http://schemas.microsoft.com/office/drawing/2010/main" xmlns="">
+            <a14:hiddenEffects xmlns="" xmlns:a14="http://schemas.microsoft.com/office/drawing/2010/main">
               <a:effectLst>
                 <a:outerShdw dist="35921" dir="2700000" algn="ctr" rotWithShape="0">
                   <a:schemeClr val="bg2"/>
@@ -34843,7 +34903,7 @@
         <a:effectLst/>
         <a:extLst>
           <a:ext uri="{AF507438-7753-43E0-B8FC-AC1667EBCBE1}">
-            <a14:hiddenEffects xmlns:a14="http://schemas.microsoft.com/office/drawing/2010/main" xmlns="">
+            <a14:hiddenEffects xmlns="" xmlns:a14="http://schemas.microsoft.com/office/drawing/2010/main">
               <a:effectLst>
                 <a:outerShdw dist="35921" dir="2700000" algn="ctr" rotWithShape="0">
                   <a:schemeClr val="bg2"/>

--- a/HOGPres1.pptx
+++ b/HOGPres1.pptx
@@ -17568,7 +17568,7 @@
               <a:t>Likes to find trees </a:t>
             </a:r>
             <a:r>
-              <a:rPr lang="en-GB" smtClean="0"/>
+              <a:rPr lang="en-GB" dirty="0" err="1" smtClean="0"/>
               <a:t>xD</a:t>
             </a:r>
             <a:endParaRPr lang="en-GB" dirty="0"/>
